--- a/Game.pptx
+++ b/Game.pptx
@@ -7,6 +7,15 @@
   <p:sldIdLst>
     <p:sldId id="256" r:id="rId2"/>
     <p:sldId id="257" r:id="rId3"/>
+    <p:sldId id="258" r:id="rId4"/>
+    <p:sldId id="260" r:id="rId5"/>
+    <p:sldId id="259" r:id="rId6"/>
+    <p:sldId id="261" r:id="rId7"/>
+    <p:sldId id="262" r:id="rId8"/>
+    <p:sldId id="263" r:id="rId9"/>
+    <p:sldId id="265" r:id="rId10"/>
+    <p:sldId id="264" r:id="rId11"/>
+    <p:sldId id="266" r:id="rId12"/>
   </p:sldIdLst>
   <p:sldSz cx="12192000" cy="6858000"/>
   <p:notesSz cx="6858000" cy="9144000"/>
@@ -105,6 +114,11 @@
       </a:defRPr>
     </a:lvl9pPr>
   </p:defaultTextStyle>
+  <p:extLst>
+    <p:ext uri="{EFAFB233-063F-42B5-8137-9DF3F51BA10A}">
+      <p15:sldGuideLst xmlns:p15="http://schemas.microsoft.com/office/powerpoint/2012/main"/>
+    </p:ext>
+  </p:extLst>
 </p:presentation>
 </file>
 
@@ -239,7 +253,7 @@
           <a:p>
             <a:fld id="{D5D58C55-0527-4D83-8ED4-158B864C3913}" type="datetimeFigureOut">
               <a:rPr lang="ko-KR" altLang="en-US" smtClean="0"/>
-              <a:t>2023-09-19</a:t>
+              <a:t>2023-09-20</a:t>
             </a:fld>
             <a:endParaRPr lang="ko-KR" altLang="en-US"/>
           </a:p>
@@ -409,7 +423,7 @@
           <a:p>
             <a:fld id="{D5D58C55-0527-4D83-8ED4-158B864C3913}" type="datetimeFigureOut">
               <a:rPr lang="ko-KR" altLang="en-US" smtClean="0"/>
-              <a:t>2023-09-19</a:t>
+              <a:t>2023-09-20</a:t>
             </a:fld>
             <a:endParaRPr lang="ko-KR" altLang="en-US"/>
           </a:p>
@@ -589,7 +603,7 @@
           <a:p>
             <a:fld id="{D5D58C55-0527-4D83-8ED4-158B864C3913}" type="datetimeFigureOut">
               <a:rPr lang="ko-KR" altLang="en-US" smtClean="0"/>
-              <a:t>2023-09-19</a:t>
+              <a:t>2023-09-20</a:t>
             </a:fld>
             <a:endParaRPr lang="ko-KR" altLang="en-US"/>
           </a:p>
@@ -759,7 +773,7 @@
           <a:p>
             <a:fld id="{D5D58C55-0527-4D83-8ED4-158B864C3913}" type="datetimeFigureOut">
               <a:rPr lang="ko-KR" altLang="en-US" smtClean="0"/>
-              <a:t>2023-09-19</a:t>
+              <a:t>2023-09-20</a:t>
             </a:fld>
             <a:endParaRPr lang="ko-KR" altLang="en-US"/>
           </a:p>
@@ -1005,7 +1019,7 @@
           <a:p>
             <a:fld id="{D5D58C55-0527-4D83-8ED4-158B864C3913}" type="datetimeFigureOut">
               <a:rPr lang="ko-KR" altLang="en-US" smtClean="0"/>
-              <a:t>2023-09-19</a:t>
+              <a:t>2023-09-20</a:t>
             </a:fld>
             <a:endParaRPr lang="ko-KR" altLang="en-US"/>
           </a:p>
@@ -1237,7 +1251,7 @@
           <a:p>
             <a:fld id="{D5D58C55-0527-4D83-8ED4-158B864C3913}" type="datetimeFigureOut">
               <a:rPr lang="ko-KR" altLang="en-US" smtClean="0"/>
-              <a:t>2023-09-19</a:t>
+              <a:t>2023-09-20</a:t>
             </a:fld>
             <a:endParaRPr lang="ko-KR" altLang="en-US"/>
           </a:p>
@@ -1604,7 +1618,7 @@
           <a:p>
             <a:fld id="{D5D58C55-0527-4D83-8ED4-158B864C3913}" type="datetimeFigureOut">
               <a:rPr lang="ko-KR" altLang="en-US" smtClean="0"/>
-              <a:t>2023-09-19</a:t>
+              <a:t>2023-09-20</a:t>
             </a:fld>
             <a:endParaRPr lang="ko-KR" altLang="en-US"/>
           </a:p>
@@ -1722,7 +1736,7 @@
           <a:p>
             <a:fld id="{D5D58C55-0527-4D83-8ED4-158B864C3913}" type="datetimeFigureOut">
               <a:rPr lang="ko-KR" altLang="en-US" smtClean="0"/>
-              <a:t>2023-09-19</a:t>
+              <a:t>2023-09-20</a:t>
             </a:fld>
             <a:endParaRPr lang="ko-KR" altLang="en-US"/>
           </a:p>
@@ -1817,7 +1831,7 @@
           <a:p>
             <a:fld id="{D5D58C55-0527-4D83-8ED4-158B864C3913}" type="datetimeFigureOut">
               <a:rPr lang="ko-KR" altLang="en-US" smtClean="0"/>
-              <a:t>2023-09-19</a:t>
+              <a:t>2023-09-20</a:t>
             </a:fld>
             <a:endParaRPr lang="ko-KR" altLang="en-US"/>
           </a:p>
@@ -2094,7 +2108,7 @@
           <a:p>
             <a:fld id="{D5D58C55-0527-4D83-8ED4-158B864C3913}" type="datetimeFigureOut">
               <a:rPr lang="ko-KR" altLang="en-US" smtClean="0"/>
-              <a:t>2023-09-19</a:t>
+              <a:t>2023-09-20</a:t>
             </a:fld>
             <a:endParaRPr lang="ko-KR" altLang="en-US"/>
           </a:p>
@@ -2347,7 +2361,7 @@
           <a:p>
             <a:fld id="{D5D58C55-0527-4D83-8ED4-158B864C3913}" type="datetimeFigureOut">
               <a:rPr lang="ko-KR" altLang="en-US" smtClean="0"/>
-              <a:t>2023-09-19</a:t>
+              <a:t>2023-09-20</a:t>
             </a:fld>
             <a:endParaRPr lang="ko-KR" altLang="en-US"/>
           </a:p>
@@ -2560,7 +2574,7 @@
           <a:p>
             <a:fld id="{D5D58C55-0527-4D83-8ED4-158B864C3913}" type="datetimeFigureOut">
               <a:rPr lang="ko-KR" altLang="en-US" smtClean="0"/>
-              <a:t>2023-09-19</a:t>
+              <a:t>2023-09-20</a:t>
             </a:fld>
             <a:endParaRPr lang="ko-KR" altLang="en-US"/>
           </a:p>
@@ -3839,6 +3853,243 @@
 </p:sld>
 </file>
 
+<file path=ppt/slides/slide10.xml><?xml version="1.0" encoding="utf-8"?>
+<p:sld xmlns:a="http://schemas.openxmlformats.org/drawingml/2006/main" xmlns:r="http://schemas.openxmlformats.org/officeDocument/2006/relationships" xmlns:p="http://schemas.openxmlformats.org/presentationml/2006/main">
+  <p:cSld>
+    <p:spTree>
+      <p:nvGrpSpPr>
+        <p:cNvPr id="1" name=""/>
+        <p:cNvGrpSpPr/>
+        <p:nvPr/>
+      </p:nvGrpSpPr>
+      <p:grpSpPr>
+        <a:xfrm>
+          <a:off x="0" y="0"/>
+          <a:ext cx="0" cy="0"/>
+          <a:chOff x="0" y="0"/>
+          <a:chExt cx="0" cy="0"/>
+        </a:xfrm>
+      </p:grpSpPr>
+      <p:sp>
+        <p:nvSpPr>
+          <p:cNvPr id="2" name="제목 1"/>
+          <p:cNvSpPr>
+            <a:spLocks noGrp="1"/>
+          </p:cNvSpPr>
+          <p:nvPr>
+            <p:ph type="title"/>
+          </p:nvPr>
+        </p:nvSpPr>
+        <p:spPr/>
+        <p:txBody>
+          <a:bodyPr/>
+          <a:lstStyle/>
+          <a:p>
+            <a:r>
+              <a:rPr lang="en-US" altLang="ko-KR" dirty="0" smtClean="0"/>
+              <a:t>DFS</a:t>
+            </a:r>
+            <a:endParaRPr lang="ko-KR" altLang="en-US" dirty="0"/>
+          </a:p>
+        </p:txBody>
+      </p:sp>
+      <p:sp>
+        <p:nvSpPr>
+          <p:cNvPr id="3" name="내용 개체 틀 2"/>
+          <p:cNvSpPr>
+            <a:spLocks noGrp="1"/>
+          </p:cNvSpPr>
+          <p:nvPr>
+            <p:ph idx="1"/>
+          </p:nvPr>
+        </p:nvSpPr>
+        <p:spPr/>
+        <p:txBody>
+          <a:bodyPr/>
+          <a:lstStyle/>
+          <a:p>
+            <a:r>
+              <a:rPr lang="ko-KR" altLang="en-US" dirty="0" smtClean="0"/>
+              <a:t>앞의</a:t>
+            </a:r>
+            <a:r>
+              <a:rPr lang="en-US" altLang="ko-KR" dirty="0"/>
+              <a:t> </a:t>
+            </a:r>
+            <a:r>
+              <a:rPr lang="ko-KR" altLang="en-US" dirty="0" smtClean="0"/>
+              <a:t>사이클 체크를 위해서 </a:t>
+            </a:r>
+            <a:r>
+              <a:rPr lang="ko-KR" altLang="en-US" dirty="0" err="1" smtClean="0"/>
+              <a:t>방문체크를</a:t>
+            </a:r>
+            <a:r>
+              <a:rPr lang="ko-KR" altLang="en-US" dirty="0" smtClean="0"/>
+              <a:t> </a:t>
+            </a:r>
+            <a:r>
+              <a:rPr lang="en-US" altLang="ko-KR" dirty="0" smtClean="0"/>
+              <a:t/>
+            </a:r>
+            <a:br>
+              <a:rPr lang="en-US" altLang="ko-KR" dirty="0" smtClean="0"/>
+            </a:br>
+            <a:r>
+              <a:rPr lang="ko-KR" altLang="en-US" dirty="0" smtClean="0"/>
+              <a:t>해야한다</a:t>
+            </a:r>
+            <a:r>
+              <a:rPr lang="en-US" altLang="ko-KR" dirty="0" smtClean="0"/>
+              <a:t>.</a:t>
+            </a:r>
+          </a:p>
+          <a:p>
+            <a:r>
+              <a:rPr lang="en-US" altLang="ko-KR" dirty="0" smtClean="0"/>
+              <a:t>BFS</a:t>
+            </a:r>
+            <a:r>
+              <a:rPr lang="ko-KR" altLang="en-US" dirty="0" smtClean="0"/>
+              <a:t>의 경우 방문 체크를 해제하기 힘들다</a:t>
+            </a:r>
+            <a:endParaRPr lang="ko-KR" altLang="en-US" dirty="0"/>
+          </a:p>
+        </p:txBody>
+      </p:sp>
+      <p:pic>
+        <p:nvPicPr>
+          <p:cNvPr id="5" name="그림 4"/>
+          <p:cNvPicPr>
+            <a:picLocks noChangeAspect="1"/>
+          </p:cNvPicPr>
+          <p:nvPr/>
+        </p:nvPicPr>
+        <p:blipFill>
+          <a:blip r:embed="rId2"/>
+          <a:stretch>
+            <a:fillRect/>
+          </a:stretch>
+        </p:blipFill>
+        <p:spPr>
+          <a:xfrm>
+            <a:off x="7745328" y="507999"/>
+            <a:ext cx="3972009" cy="5791201"/>
+          </a:xfrm>
+          <a:prstGeom prst="rect">
+            <a:avLst/>
+          </a:prstGeom>
+        </p:spPr>
+      </p:pic>
+    </p:spTree>
+    <p:extLst>
+      <p:ext uri="{BB962C8B-B14F-4D97-AF65-F5344CB8AC3E}">
+        <p14:creationId xmlns:p14="http://schemas.microsoft.com/office/powerpoint/2010/main" val="2036991577"/>
+      </p:ext>
+    </p:extLst>
+  </p:cSld>
+  <p:clrMapOvr>
+    <a:masterClrMapping/>
+  </p:clrMapOvr>
+</p:sld>
+</file>
+
+<file path=ppt/slides/slide11.xml><?xml version="1.0" encoding="utf-8"?>
+<p:sld xmlns:a="http://schemas.openxmlformats.org/drawingml/2006/main" xmlns:r="http://schemas.openxmlformats.org/officeDocument/2006/relationships" xmlns:p="http://schemas.openxmlformats.org/presentationml/2006/main">
+  <p:cSld>
+    <p:spTree>
+      <p:nvGrpSpPr>
+        <p:cNvPr id="1" name=""/>
+        <p:cNvGrpSpPr/>
+        <p:nvPr/>
+      </p:nvGrpSpPr>
+      <p:grpSpPr>
+        <a:xfrm>
+          <a:off x="0" y="0"/>
+          <a:ext cx="0" cy="0"/>
+          <a:chOff x="0" y="0"/>
+          <a:chExt cx="0" cy="0"/>
+        </a:xfrm>
+      </p:grpSpPr>
+      <p:sp>
+        <p:nvSpPr>
+          <p:cNvPr id="2" name="제목 1"/>
+          <p:cNvSpPr>
+            <a:spLocks noGrp="1"/>
+          </p:cNvSpPr>
+          <p:nvPr>
+            <p:ph type="title"/>
+          </p:nvPr>
+        </p:nvSpPr>
+        <p:spPr/>
+        <p:txBody>
+          <a:bodyPr/>
+          <a:lstStyle/>
+          <a:p>
+            <a:r>
+              <a:rPr lang="ko-KR" altLang="en-US" smtClean="0"/>
+              <a:t>백트래킹</a:t>
+            </a:r>
+            <a:endParaRPr lang="ko-KR" altLang="en-US" dirty="0"/>
+          </a:p>
+        </p:txBody>
+      </p:sp>
+      <p:sp>
+        <p:nvSpPr>
+          <p:cNvPr id="3" name="내용 개체 틀 2"/>
+          <p:cNvSpPr>
+            <a:spLocks noGrp="1"/>
+          </p:cNvSpPr>
+          <p:nvPr>
+            <p:ph idx="1"/>
+          </p:nvPr>
+        </p:nvSpPr>
+        <p:spPr/>
+        <p:txBody>
+          <a:bodyPr/>
+          <a:lstStyle/>
+          <a:p>
+            <a:endParaRPr lang="ko-KR" altLang="en-US"/>
+          </a:p>
+        </p:txBody>
+      </p:sp>
+      <p:pic>
+        <p:nvPicPr>
+          <p:cNvPr id="5" name="그림 4"/>
+          <p:cNvPicPr>
+            <a:picLocks noChangeAspect="1"/>
+          </p:cNvPicPr>
+          <p:nvPr/>
+        </p:nvPicPr>
+        <p:blipFill>
+          <a:blip r:embed="rId2"/>
+          <a:stretch>
+            <a:fillRect/>
+          </a:stretch>
+        </p:blipFill>
+        <p:spPr>
+          <a:xfrm>
+            <a:off x="1213306" y="3374984"/>
+            <a:ext cx="10140494" cy="2047916"/>
+          </a:xfrm>
+          <a:prstGeom prst="rect">
+            <a:avLst/>
+          </a:prstGeom>
+        </p:spPr>
+      </p:pic>
+    </p:spTree>
+    <p:extLst>
+      <p:ext uri="{BB962C8B-B14F-4D97-AF65-F5344CB8AC3E}">
+        <p14:creationId xmlns:p14="http://schemas.microsoft.com/office/powerpoint/2010/main" val="2309545928"/>
+      </p:ext>
+    </p:extLst>
+  </p:cSld>
+  <p:clrMapOvr>
+    <a:masterClrMapping/>
+  </p:clrMapOvr>
+</p:sld>
+</file>
+
 <file path=ppt/slides/slide2.xml><?xml version="1.0" encoding="utf-8"?>
 <p:sld xmlns:a="http://schemas.openxmlformats.org/drawingml/2006/main" xmlns:r="http://schemas.openxmlformats.org/officeDocument/2006/relationships" xmlns:p="http://schemas.openxmlformats.org/presentationml/2006/main">
   <p:cSld>
@@ -3894,6 +4145,1159 @@
           </a:p>
         </p:txBody>
       </p:sp>
+      <p:sp>
+        <p:nvSpPr>
+          <p:cNvPr id="4" name="직사각형 3"/>
+          <p:cNvSpPr/>
+          <p:nvPr/>
+        </p:nvSpPr>
+        <p:spPr>
+          <a:xfrm>
+            <a:off x="0" y="0"/>
+            <a:ext cx="12192000" cy="6858000"/>
+          </a:xfrm>
+          <a:prstGeom prst="rect">
+            <a:avLst/>
+          </a:prstGeom>
+          <a:gradFill>
+            <a:gsLst>
+              <a:gs pos="0">
+                <a:schemeClr val="tx2">
+                  <a:lumMod val="50000"/>
+                </a:schemeClr>
+              </a:gs>
+              <a:gs pos="42000">
+                <a:schemeClr val="accent2">
+                  <a:lumMod val="75000"/>
+                </a:schemeClr>
+              </a:gs>
+              <a:gs pos="100000">
+                <a:schemeClr val="accent2">
+                  <a:lumMod val="60000"/>
+                  <a:lumOff val="40000"/>
+                </a:schemeClr>
+              </a:gs>
+            </a:gsLst>
+            <a:lin ang="5400000" scaled="1"/>
+          </a:gradFill>
+          <a:ln>
+            <a:noFill/>
+          </a:ln>
+        </p:spPr>
+        <p:style>
+          <a:lnRef idx="2">
+            <a:schemeClr val="accent1">
+              <a:shade val="50000"/>
+            </a:schemeClr>
+          </a:lnRef>
+          <a:fillRef idx="1">
+            <a:schemeClr val="accent1"/>
+          </a:fillRef>
+          <a:effectRef idx="0">
+            <a:schemeClr val="accent1"/>
+          </a:effectRef>
+          <a:fontRef idx="minor">
+            <a:schemeClr val="lt1"/>
+          </a:fontRef>
+        </p:style>
+        <p:txBody>
+          <a:bodyPr rtlCol="0" anchor="ctr"/>
+          <a:lstStyle/>
+          <a:p>
+            <a:pPr algn="ctr"/>
+            <a:endParaRPr lang="ko-KR" altLang="en-US"/>
+          </a:p>
+        </p:txBody>
+      </p:sp>
+      <p:sp>
+        <p:nvSpPr>
+          <p:cNvPr id="5" name="순서도: 지연 4"/>
+          <p:cNvSpPr/>
+          <p:nvPr/>
+        </p:nvSpPr>
+        <p:spPr>
+          <a:xfrm rot="16200000">
+            <a:off x="5516218" y="182216"/>
+            <a:ext cx="1159565" cy="12192002"/>
+          </a:xfrm>
+          <a:prstGeom prst="flowChartDelay">
+            <a:avLst/>
+          </a:prstGeom>
+          <a:solidFill>
+            <a:schemeClr val="accent2">
+              <a:lumMod val="50000"/>
+            </a:schemeClr>
+          </a:solidFill>
+          <a:ln>
+            <a:noFill/>
+          </a:ln>
+        </p:spPr>
+        <p:style>
+          <a:lnRef idx="2">
+            <a:schemeClr val="accent1">
+              <a:shade val="50000"/>
+            </a:schemeClr>
+          </a:lnRef>
+          <a:fillRef idx="1">
+            <a:schemeClr val="accent1"/>
+          </a:fillRef>
+          <a:effectRef idx="0">
+            <a:schemeClr val="accent1"/>
+          </a:effectRef>
+          <a:fontRef idx="minor">
+            <a:schemeClr val="lt1"/>
+          </a:fontRef>
+        </p:style>
+        <p:txBody>
+          <a:bodyPr rtlCol="0" anchor="ctr"/>
+          <a:lstStyle/>
+          <a:p>
+            <a:pPr algn="ctr"/>
+            <a:endParaRPr lang="ko-KR" altLang="en-US"/>
+          </a:p>
+        </p:txBody>
+      </p:sp>
+      <p:sp>
+        <p:nvSpPr>
+          <p:cNvPr id="7" name="포인트가 7개인 별 6"/>
+          <p:cNvSpPr/>
+          <p:nvPr/>
+        </p:nvSpPr>
+        <p:spPr>
+          <a:xfrm>
+            <a:off x="838198" y="2902453"/>
+            <a:ext cx="1046922" cy="1046922"/>
+          </a:xfrm>
+          <a:prstGeom prst="star7">
+            <a:avLst>
+              <a:gd name="adj" fmla="val 41820"/>
+              <a:gd name="hf" fmla="val 102572"/>
+              <a:gd name="vf" fmla="val 105210"/>
+            </a:avLst>
+          </a:prstGeom>
+          <a:solidFill>
+            <a:srgbClr val="C00000"/>
+          </a:solidFill>
+          <a:ln>
+            <a:solidFill>
+              <a:srgbClr val="FF0000"/>
+            </a:solidFill>
+          </a:ln>
+          <a:effectLst>
+            <a:glow rad="228600">
+              <a:schemeClr val="accent2">
+                <a:satMod val="175000"/>
+                <a:alpha val="40000"/>
+              </a:schemeClr>
+            </a:glow>
+          </a:effectLst>
+        </p:spPr>
+        <p:style>
+          <a:lnRef idx="2">
+            <a:schemeClr val="accent1">
+              <a:shade val="50000"/>
+            </a:schemeClr>
+          </a:lnRef>
+          <a:fillRef idx="1">
+            <a:schemeClr val="accent1"/>
+          </a:fillRef>
+          <a:effectRef idx="0">
+            <a:schemeClr val="accent1"/>
+          </a:effectRef>
+          <a:fontRef idx="minor">
+            <a:schemeClr val="lt1"/>
+          </a:fontRef>
+        </p:style>
+        <p:txBody>
+          <a:bodyPr rtlCol="0" anchor="ctr"/>
+          <a:lstStyle/>
+          <a:p>
+            <a:pPr algn="ctr"/>
+            <a:endParaRPr lang="ko-KR" altLang="en-US"/>
+          </a:p>
+        </p:txBody>
+      </p:sp>
+      <p:grpSp>
+        <p:nvGrpSpPr>
+          <p:cNvPr id="30" name="그룹 29"/>
+          <p:cNvGrpSpPr/>
+          <p:nvPr/>
+        </p:nvGrpSpPr>
+        <p:grpSpPr>
+          <a:xfrm>
+            <a:off x="870148" y="1451413"/>
+            <a:ext cx="2840458" cy="2493809"/>
+            <a:chOff x="1277654" y="334213"/>
+            <a:chExt cx="2840458" cy="2493809"/>
+          </a:xfrm>
+        </p:grpSpPr>
+        <p:grpSp>
+          <p:nvGrpSpPr>
+            <p:cNvPr id="29" name="그룹 28"/>
+            <p:cNvGrpSpPr/>
+            <p:nvPr/>
+          </p:nvGrpSpPr>
+          <p:grpSpPr>
+            <a:xfrm rot="523735">
+              <a:off x="1679712" y="334213"/>
+              <a:ext cx="2438400" cy="2182383"/>
+              <a:chOff x="1570972" y="963183"/>
+              <a:chExt cx="1588164" cy="1444487"/>
+            </a:xfrm>
+          </p:grpSpPr>
+          <p:sp>
+            <p:nvSpPr>
+              <p:cNvPr id="9" name="사다리꼴 8"/>
+              <p:cNvSpPr/>
+              <p:nvPr/>
+            </p:nvSpPr>
+            <p:spPr>
+              <a:xfrm rot="13105639">
+                <a:off x="2001626" y="963183"/>
+                <a:ext cx="318436" cy="1444487"/>
+              </a:xfrm>
+              <a:prstGeom prst="trapezoid">
+                <a:avLst/>
+              </a:prstGeom>
+              <a:solidFill>
+                <a:srgbClr val="FF0000">
+                  <a:alpha val="60000"/>
+                </a:srgbClr>
+              </a:solidFill>
+              <a:ln>
+                <a:solidFill>
+                  <a:srgbClr val="FF0000"/>
+                </a:solidFill>
+              </a:ln>
+            </p:spPr>
+            <p:style>
+              <a:lnRef idx="2">
+                <a:schemeClr val="accent1">
+                  <a:shade val="50000"/>
+                </a:schemeClr>
+              </a:lnRef>
+              <a:fillRef idx="1">
+                <a:schemeClr val="accent1"/>
+              </a:fillRef>
+              <a:effectRef idx="0">
+                <a:schemeClr val="accent1"/>
+              </a:effectRef>
+              <a:fontRef idx="minor">
+                <a:schemeClr val="lt1"/>
+              </a:fontRef>
+            </p:style>
+            <p:txBody>
+              <a:bodyPr rtlCol="0" anchor="ctr"/>
+              <a:lstStyle/>
+              <a:p>
+                <a:pPr algn="ctr"/>
+                <a:endParaRPr lang="ko-KR" altLang="en-US"/>
+              </a:p>
+            </p:txBody>
+          </p:sp>
+          <p:sp>
+            <p:nvSpPr>
+              <p:cNvPr id="10" name="사다리꼴 9"/>
+              <p:cNvSpPr/>
+              <p:nvPr/>
+            </p:nvSpPr>
+            <p:spPr>
+              <a:xfrm rot="13500000">
+                <a:off x="2133998" y="1066194"/>
+                <a:ext cx="318436" cy="1444487"/>
+              </a:xfrm>
+              <a:prstGeom prst="trapezoid">
+                <a:avLst/>
+              </a:prstGeom>
+              <a:solidFill>
+                <a:srgbClr val="92D050">
+                  <a:alpha val="60000"/>
+                </a:srgbClr>
+              </a:solidFill>
+              <a:ln>
+                <a:solidFill>
+                  <a:srgbClr val="FF0000"/>
+                </a:solidFill>
+              </a:ln>
+            </p:spPr>
+            <p:style>
+              <a:lnRef idx="2">
+                <a:schemeClr val="accent1">
+                  <a:shade val="50000"/>
+                </a:schemeClr>
+              </a:lnRef>
+              <a:fillRef idx="1">
+                <a:schemeClr val="accent1"/>
+              </a:fillRef>
+              <a:effectRef idx="0">
+                <a:schemeClr val="accent1"/>
+              </a:effectRef>
+              <a:fontRef idx="minor">
+                <a:schemeClr val="lt1"/>
+              </a:fontRef>
+            </p:style>
+            <p:txBody>
+              <a:bodyPr rtlCol="0" anchor="ctr"/>
+              <a:lstStyle/>
+              <a:p>
+                <a:pPr algn="ctr"/>
+                <a:endParaRPr lang="ko-KR" altLang="en-US"/>
+              </a:p>
+            </p:txBody>
+          </p:sp>
+          <p:sp>
+            <p:nvSpPr>
+              <p:cNvPr id="11" name="사다리꼴 10"/>
+              <p:cNvSpPr/>
+              <p:nvPr/>
+            </p:nvSpPr>
+            <p:spPr>
+              <a:xfrm rot="13974070">
+                <a:off x="2277675" y="1202616"/>
+                <a:ext cx="318436" cy="1444487"/>
+              </a:xfrm>
+              <a:prstGeom prst="trapezoid">
+                <a:avLst/>
+              </a:prstGeom>
+              <a:solidFill>
+                <a:srgbClr val="FFFF00">
+                  <a:alpha val="60000"/>
+                </a:srgbClr>
+              </a:solidFill>
+              <a:ln>
+                <a:solidFill>
+                  <a:srgbClr val="FF0000"/>
+                </a:solidFill>
+              </a:ln>
+            </p:spPr>
+            <p:style>
+              <a:lnRef idx="2">
+                <a:schemeClr val="accent1">
+                  <a:shade val="50000"/>
+                </a:schemeClr>
+              </a:lnRef>
+              <a:fillRef idx="1">
+                <a:schemeClr val="accent1"/>
+              </a:fillRef>
+              <a:effectRef idx="0">
+                <a:schemeClr val="accent1"/>
+              </a:effectRef>
+              <a:fontRef idx="minor">
+                <a:schemeClr val="lt1"/>
+              </a:fontRef>
+            </p:style>
+            <p:txBody>
+              <a:bodyPr rtlCol="0" anchor="ctr"/>
+              <a:lstStyle/>
+              <a:p>
+                <a:pPr algn="ctr"/>
+                <a:endParaRPr lang="ko-KR" altLang="en-US"/>
+              </a:p>
+            </p:txBody>
+          </p:sp>
+        </p:grpSp>
+        <p:sp>
+          <p:nvSpPr>
+            <p:cNvPr id="13" name="포인트가 7개인 별 12"/>
+            <p:cNvSpPr/>
+            <p:nvPr/>
+          </p:nvSpPr>
+          <p:spPr>
+            <a:xfrm>
+              <a:off x="1277654" y="1781100"/>
+              <a:ext cx="1046922" cy="1046922"/>
+            </a:xfrm>
+            <a:prstGeom prst="star7">
+              <a:avLst>
+                <a:gd name="adj" fmla="val 20164"/>
+                <a:gd name="hf" fmla="val 102572"/>
+                <a:gd name="vf" fmla="val 105210"/>
+              </a:avLst>
+            </a:prstGeom>
+            <a:solidFill>
+              <a:schemeClr val="accent2">
+                <a:lumMod val="75000"/>
+              </a:schemeClr>
+            </a:solidFill>
+            <a:ln>
+              <a:solidFill>
+                <a:srgbClr val="FF0000"/>
+              </a:solidFill>
+            </a:ln>
+          </p:spPr>
+          <p:style>
+            <a:lnRef idx="2">
+              <a:schemeClr val="accent1">
+                <a:shade val="50000"/>
+              </a:schemeClr>
+            </a:lnRef>
+            <a:fillRef idx="1">
+              <a:schemeClr val="accent1"/>
+            </a:fillRef>
+            <a:effectRef idx="0">
+              <a:schemeClr val="accent1"/>
+            </a:effectRef>
+            <a:fontRef idx="minor">
+              <a:schemeClr val="lt1"/>
+            </a:fontRef>
+          </p:style>
+          <p:txBody>
+            <a:bodyPr rtlCol="0" anchor="ctr"/>
+            <a:lstStyle/>
+            <a:p>
+              <a:pPr algn="ctr"/>
+              <a:endParaRPr lang="ko-KR" altLang="en-US"/>
+            </a:p>
+          </p:txBody>
+        </p:sp>
+      </p:grpSp>
+      <p:grpSp>
+        <p:nvGrpSpPr>
+          <p:cNvPr id="57" name="그룹 56"/>
+          <p:cNvGrpSpPr/>
+          <p:nvPr/>
+        </p:nvGrpSpPr>
+        <p:grpSpPr>
+          <a:xfrm>
+            <a:off x="6202016" y="3279871"/>
+            <a:ext cx="1108870" cy="964318"/>
+            <a:chOff x="5539408" y="2548026"/>
+            <a:chExt cx="2872408" cy="2497962"/>
+          </a:xfrm>
+        </p:grpSpPr>
+        <p:sp>
+          <p:nvSpPr>
+            <p:cNvPr id="43" name="포인트가 7개인 별 42"/>
+            <p:cNvSpPr/>
+            <p:nvPr/>
+          </p:nvSpPr>
+          <p:spPr>
+            <a:xfrm>
+              <a:off x="5539408" y="3999066"/>
+              <a:ext cx="1046922" cy="1046922"/>
+            </a:xfrm>
+            <a:prstGeom prst="star7">
+              <a:avLst>
+                <a:gd name="adj" fmla="val 41820"/>
+                <a:gd name="hf" fmla="val 102572"/>
+                <a:gd name="vf" fmla="val 105210"/>
+              </a:avLst>
+            </a:prstGeom>
+            <a:solidFill>
+              <a:srgbClr val="C00000"/>
+            </a:solidFill>
+            <a:ln>
+              <a:solidFill>
+                <a:srgbClr val="FF0000"/>
+              </a:solidFill>
+            </a:ln>
+            <a:effectLst>
+              <a:glow rad="228600">
+                <a:schemeClr val="accent2">
+                  <a:satMod val="175000"/>
+                  <a:alpha val="40000"/>
+                </a:schemeClr>
+              </a:glow>
+            </a:effectLst>
+          </p:spPr>
+          <p:style>
+            <a:lnRef idx="2">
+              <a:schemeClr val="accent1">
+                <a:shade val="50000"/>
+              </a:schemeClr>
+            </a:lnRef>
+            <a:fillRef idx="1">
+              <a:schemeClr val="accent1"/>
+            </a:fillRef>
+            <a:effectRef idx="0">
+              <a:schemeClr val="accent1"/>
+            </a:effectRef>
+            <a:fontRef idx="minor">
+              <a:schemeClr val="lt1"/>
+            </a:fontRef>
+          </p:style>
+          <p:txBody>
+            <a:bodyPr rtlCol="0" anchor="ctr"/>
+            <a:lstStyle/>
+            <a:p>
+              <a:pPr algn="ctr"/>
+              <a:endParaRPr lang="ko-KR" altLang="en-US"/>
+            </a:p>
+          </p:txBody>
+        </p:sp>
+        <p:grpSp>
+          <p:nvGrpSpPr>
+            <p:cNvPr id="44" name="그룹 43"/>
+            <p:cNvGrpSpPr/>
+            <p:nvPr/>
+          </p:nvGrpSpPr>
+          <p:grpSpPr>
+            <a:xfrm>
+              <a:off x="5571358" y="2548026"/>
+              <a:ext cx="2840458" cy="2493809"/>
+              <a:chOff x="1277654" y="334213"/>
+              <a:chExt cx="2840458" cy="2493809"/>
+            </a:xfrm>
+          </p:grpSpPr>
+          <p:grpSp>
+            <p:nvGrpSpPr>
+              <p:cNvPr id="45" name="그룹 44"/>
+              <p:cNvGrpSpPr/>
+              <p:nvPr/>
+            </p:nvGrpSpPr>
+            <p:grpSpPr>
+              <a:xfrm rot="523735">
+                <a:off x="1679712" y="334213"/>
+                <a:ext cx="2438400" cy="2182383"/>
+                <a:chOff x="1570972" y="963183"/>
+                <a:chExt cx="1588164" cy="1444487"/>
+              </a:xfrm>
+            </p:grpSpPr>
+            <p:sp>
+              <p:nvSpPr>
+                <p:cNvPr id="47" name="사다리꼴 46"/>
+                <p:cNvSpPr/>
+                <p:nvPr/>
+              </p:nvSpPr>
+              <p:spPr>
+                <a:xfrm rot="13105639">
+                  <a:off x="2001626" y="963183"/>
+                  <a:ext cx="318436" cy="1444487"/>
+                </a:xfrm>
+                <a:prstGeom prst="trapezoid">
+                  <a:avLst/>
+                </a:prstGeom>
+                <a:solidFill>
+                  <a:srgbClr val="FF0000">
+                    <a:alpha val="60000"/>
+                  </a:srgbClr>
+                </a:solidFill>
+                <a:ln>
+                  <a:solidFill>
+                    <a:srgbClr val="FF0000"/>
+                  </a:solidFill>
+                </a:ln>
+              </p:spPr>
+              <p:style>
+                <a:lnRef idx="2">
+                  <a:schemeClr val="accent1">
+                    <a:shade val="50000"/>
+                  </a:schemeClr>
+                </a:lnRef>
+                <a:fillRef idx="1">
+                  <a:schemeClr val="accent1"/>
+                </a:fillRef>
+                <a:effectRef idx="0">
+                  <a:schemeClr val="accent1"/>
+                </a:effectRef>
+                <a:fontRef idx="minor">
+                  <a:schemeClr val="lt1"/>
+                </a:fontRef>
+              </p:style>
+              <p:txBody>
+                <a:bodyPr rtlCol="0" anchor="ctr"/>
+                <a:lstStyle/>
+                <a:p>
+                  <a:pPr algn="ctr"/>
+                  <a:endParaRPr lang="ko-KR" altLang="en-US"/>
+                </a:p>
+              </p:txBody>
+            </p:sp>
+            <p:sp>
+              <p:nvSpPr>
+                <p:cNvPr id="48" name="사다리꼴 47"/>
+                <p:cNvSpPr/>
+                <p:nvPr/>
+              </p:nvSpPr>
+              <p:spPr>
+                <a:xfrm rot="13500000">
+                  <a:off x="2133998" y="1066194"/>
+                  <a:ext cx="318436" cy="1444487"/>
+                </a:xfrm>
+                <a:prstGeom prst="trapezoid">
+                  <a:avLst/>
+                </a:prstGeom>
+                <a:solidFill>
+                  <a:srgbClr val="92D050">
+                    <a:alpha val="60000"/>
+                  </a:srgbClr>
+                </a:solidFill>
+                <a:ln>
+                  <a:solidFill>
+                    <a:srgbClr val="FF0000"/>
+                  </a:solidFill>
+                </a:ln>
+              </p:spPr>
+              <p:style>
+                <a:lnRef idx="2">
+                  <a:schemeClr val="accent1">
+                    <a:shade val="50000"/>
+                  </a:schemeClr>
+                </a:lnRef>
+                <a:fillRef idx="1">
+                  <a:schemeClr val="accent1"/>
+                </a:fillRef>
+                <a:effectRef idx="0">
+                  <a:schemeClr val="accent1"/>
+                </a:effectRef>
+                <a:fontRef idx="minor">
+                  <a:schemeClr val="lt1"/>
+                </a:fontRef>
+              </p:style>
+              <p:txBody>
+                <a:bodyPr rtlCol="0" anchor="ctr"/>
+                <a:lstStyle/>
+                <a:p>
+                  <a:pPr algn="ctr"/>
+                  <a:endParaRPr lang="ko-KR" altLang="en-US"/>
+                </a:p>
+              </p:txBody>
+            </p:sp>
+            <p:sp>
+              <p:nvSpPr>
+                <p:cNvPr id="49" name="사다리꼴 48"/>
+                <p:cNvSpPr/>
+                <p:nvPr/>
+              </p:nvSpPr>
+              <p:spPr>
+                <a:xfrm rot="13974070">
+                  <a:off x="2277675" y="1202616"/>
+                  <a:ext cx="318436" cy="1444487"/>
+                </a:xfrm>
+                <a:prstGeom prst="trapezoid">
+                  <a:avLst/>
+                </a:prstGeom>
+                <a:solidFill>
+                  <a:srgbClr val="FFFF00">
+                    <a:alpha val="60000"/>
+                  </a:srgbClr>
+                </a:solidFill>
+                <a:ln>
+                  <a:solidFill>
+                    <a:srgbClr val="FF0000"/>
+                  </a:solidFill>
+                </a:ln>
+              </p:spPr>
+              <p:style>
+                <a:lnRef idx="2">
+                  <a:schemeClr val="accent1">
+                    <a:shade val="50000"/>
+                  </a:schemeClr>
+                </a:lnRef>
+                <a:fillRef idx="1">
+                  <a:schemeClr val="accent1"/>
+                </a:fillRef>
+                <a:effectRef idx="0">
+                  <a:schemeClr val="accent1"/>
+                </a:effectRef>
+                <a:fontRef idx="minor">
+                  <a:schemeClr val="lt1"/>
+                </a:fontRef>
+              </p:style>
+              <p:txBody>
+                <a:bodyPr rtlCol="0" anchor="ctr"/>
+                <a:lstStyle/>
+                <a:p>
+                  <a:pPr algn="ctr"/>
+                  <a:endParaRPr lang="ko-KR" altLang="en-US"/>
+                </a:p>
+              </p:txBody>
+            </p:sp>
+          </p:grpSp>
+          <p:sp>
+            <p:nvSpPr>
+              <p:cNvPr id="46" name="포인트가 7개인 별 45"/>
+              <p:cNvSpPr/>
+              <p:nvPr/>
+            </p:nvSpPr>
+            <p:spPr>
+              <a:xfrm>
+                <a:off x="1277654" y="1781100"/>
+                <a:ext cx="1046922" cy="1046922"/>
+              </a:xfrm>
+              <a:prstGeom prst="star7">
+                <a:avLst>
+                  <a:gd name="adj" fmla="val 20164"/>
+                  <a:gd name="hf" fmla="val 102572"/>
+                  <a:gd name="vf" fmla="val 105210"/>
+                </a:avLst>
+              </a:prstGeom>
+              <a:solidFill>
+                <a:schemeClr val="accent2">
+                  <a:lumMod val="75000"/>
+                </a:schemeClr>
+              </a:solidFill>
+              <a:ln>
+                <a:solidFill>
+                  <a:srgbClr val="FF0000"/>
+                </a:solidFill>
+              </a:ln>
+            </p:spPr>
+            <p:style>
+              <a:lnRef idx="2">
+                <a:schemeClr val="accent1">
+                  <a:shade val="50000"/>
+                </a:schemeClr>
+              </a:lnRef>
+              <a:fillRef idx="1">
+                <a:schemeClr val="accent1"/>
+              </a:fillRef>
+              <a:effectRef idx="0">
+                <a:schemeClr val="accent1"/>
+              </a:effectRef>
+              <a:fontRef idx="minor">
+                <a:schemeClr val="lt1"/>
+              </a:fontRef>
+            </p:style>
+            <p:txBody>
+              <a:bodyPr rtlCol="0" anchor="ctr"/>
+              <a:lstStyle/>
+              <a:p>
+                <a:pPr algn="ctr"/>
+                <a:endParaRPr lang="ko-KR" altLang="en-US"/>
+              </a:p>
+            </p:txBody>
+          </p:sp>
+        </p:grpSp>
+      </p:grpSp>
+      <p:sp>
+        <p:nvSpPr>
+          <p:cNvPr id="50" name="포인트가 7개인 별 49"/>
+          <p:cNvSpPr/>
+          <p:nvPr/>
+        </p:nvSpPr>
+        <p:spPr>
+          <a:xfrm>
+            <a:off x="9360496" y="1076775"/>
+            <a:ext cx="1046922" cy="1046922"/>
+          </a:xfrm>
+          <a:prstGeom prst="star7">
+            <a:avLst>
+              <a:gd name="adj" fmla="val 41820"/>
+              <a:gd name="hf" fmla="val 102572"/>
+              <a:gd name="vf" fmla="val 105210"/>
+            </a:avLst>
+          </a:prstGeom>
+          <a:solidFill>
+            <a:srgbClr val="C00000"/>
+          </a:solidFill>
+          <a:ln>
+            <a:solidFill>
+              <a:srgbClr val="FF0000"/>
+            </a:solidFill>
+          </a:ln>
+          <a:effectLst>
+            <a:glow rad="228600">
+              <a:schemeClr val="accent2">
+                <a:satMod val="175000"/>
+                <a:alpha val="40000"/>
+              </a:schemeClr>
+            </a:glow>
+          </a:effectLst>
+        </p:spPr>
+        <p:style>
+          <a:lnRef idx="2">
+            <a:schemeClr val="accent1">
+              <a:shade val="50000"/>
+            </a:schemeClr>
+          </a:lnRef>
+          <a:fillRef idx="1">
+            <a:schemeClr val="accent1"/>
+          </a:fillRef>
+          <a:effectRef idx="0">
+            <a:schemeClr val="accent1"/>
+          </a:effectRef>
+          <a:fontRef idx="minor">
+            <a:schemeClr val="lt1"/>
+          </a:fontRef>
+        </p:style>
+        <p:txBody>
+          <a:bodyPr rtlCol="0" anchor="ctr"/>
+          <a:lstStyle/>
+          <a:p>
+            <a:pPr algn="ctr"/>
+            <a:endParaRPr lang="ko-KR" altLang="en-US"/>
+          </a:p>
+        </p:txBody>
+      </p:sp>
+      <p:grpSp>
+        <p:nvGrpSpPr>
+          <p:cNvPr id="51" name="그룹 50"/>
+          <p:cNvGrpSpPr/>
+          <p:nvPr/>
+        </p:nvGrpSpPr>
+        <p:grpSpPr>
+          <a:xfrm>
+            <a:off x="9392446" y="-374265"/>
+            <a:ext cx="2840458" cy="2493809"/>
+            <a:chOff x="1277654" y="334213"/>
+            <a:chExt cx="2840458" cy="2493809"/>
+          </a:xfrm>
+        </p:grpSpPr>
+        <p:grpSp>
+          <p:nvGrpSpPr>
+            <p:cNvPr id="52" name="그룹 51"/>
+            <p:cNvGrpSpPr/>
+            <p:nvPr/>
+          </p:nvGrpSpPr>
+          <p:grpSpPr>
+            <a:xfrm rot="523735">
+              <a:off x="1679712" y="334213"/>
+              <a:ext cx="2438400" cy="2182383"/>
+              <a:chOff x="1570972" y="963183"/>
+              <a:chExt cx="1588164" cy="1444487"/>
+            </a:xfrm>
+          </p:grpSpPr>
+          <p:sp>
+            <p:nvSpPr>
+              <p:cNvPr id="54" name="사다리꼴 53"/>
+              <p:cNvSpPr/>
+              <p:nvPr/>
+            </p:nvSpPr>
+            <p:spPr>
+              <a:xfrm rot="13105639">
+                <a:off x="2001626" y="963183"/>
+                <a:ext cx="318436" cy="1444487"/>
+              </a:xfrm>
+              <a:prstGeom prst="trapezoid">
+                <a:avLst/>
+              </a:prstGeom>
+              <a:solidFill>
+                <a:srgbClr val="FF0000">
+                  <a:alpha val="60000"/>
+                </a:srgbClr>
+              </a:solidFill>
+              <a:ln>
+                <a:solidFill>
+                  <a:srgbClr val="FF0000"/>
+                </a:solidFill>
+              </a:ln>
+            </p:spPr>
+            <p:style>
+              <a:lnRef idx="2">
+                <a:schemeClr val="accent1">
+                  <a:shade val="50000"/>
+                </a:schemeClr>
+              </a:lnRef>
+              <a:fillRef idx="1">
+                <a:schemeClr val="accent1"/>
+              </a:fillRef>
+              <a:effectRef idx="0">
+                <a:schemeClr val="accent1"/>
+              </a:effectRef>
+              <a:fontRef idx="minor">
+                <a:schemeClr val="lt1"/>
+              </a:fontRef>
+            </p:style>
+            <p:txBody>
+              <a:bodyPr rtlCol="0" anchor="ctr"/>
+              <a:lstStyle/>
+              <a:p>
+                <a:pPr algn="ctr"/>
+                <a:endParaRPr lang="ko-KR" altLang="en-US"/>
+              </a:p>
+            </p:txBody>
+          </p:sp>
+          <p:sp>
+            <p:nvSpPr>
+              <p:cNvPr id="55" name="사다리꼴 54"/>
+              <p:cNvSpPr/>
+              <p:nvPr/>
+            </p:nvSpPr>
+            <p:spPr>
+              <a:xfrm rot="13500000">
+                <a:off x="2133998" y="1066194"/>
+                <a:ext cx="318436" cy="1444487"/>
+              </a:xfrm>
+              <a:prstGeom prst="trapezoid">
+                <a:avLst/>
+              </a:prstGeom>
+              <a:solidFill>
+                <a:srgbClr val="92D050">
+                  <a:alpha val="60000"/>
+                </a:srgbClr>
+              </a:solidFill>
+              <a:ln>
+                <a:solidFill>
+                  <a:srgbClr val="FF0000"/>
+                </a:solidFill>
+              </a:ln>
+            </p:spPr>
+            <p:style>
+              <a:lnRef idx="2">
+                <a:schemeClr val="accent1">
+                  <a:shade val="50000"/>
+                </a:schemeClr>
+              </a:lnRef>
+              <a:fillRef idx="1">
+                <a:schemeClr val="accent1"/>
+              </a:fillRef>
+              <a:effectRef idx="0">
+                <a:schemeClr val="accent1"/>
+              </a:effectRef>
+              <a:fontRef idx="minor">
+                <a:schemeClr val="lt1"/>
+              </a:fontRef>
+            </p:style>
+            <p:txBody>
+              <a:bodyPr rtlCol="0" anchor="ctr"/>
+              <a:lstStyle/>
+              <a:p>
+                <a:pPr algn="ctr"/>
+                <a:endParaRPr lang="ko-KR" altLang="en-US"/>
+              </a:p>
+            </p:txBody>
+          </p:sp>
+          <p:sp>
+            <p:nvSpPr>
+              <p:cNvPr id="56" name="사다리꼴 55"/>
+              <p:cNvSpPr/>
+              <p:nvPr/>
+            </p:nvSpPr>
+            <p:spPr>
+              <a:xfrm rot="13974070">
+                <a:off x="2277675" y="1202616"/>
+                <a:ext cx="318436" cy="1444487"/>
+              </a:xfrm>
+              <a:prstGeom prst="trapezoid">
+                <a:avLst/>
+              </a:prstGeom>
+              <a:solidFill>
+                <a:srgbClr val="FFFF00">
+                  <a:alpha val="60000"/>
+                </a:srgbClr>
+              </a:solidFill>
+              <a:ln>
+                <a:solidFill>
+                  <a:srgbClr val="FF0000"/>
+                </a:solidFill>
+              </a:ln>
+            </p:spPr>
+            <p:style>
+              <a:lnRef idx="2">
+                <a:schemeClr val="accent1">
+                  <a:shade val="50000"/>
+                </a:schemeClr>
+              </a:lnRef>
+              <a:fillRef idx="1">
+                <a:schemeClr val="accent1"/>
+              </a:fillRef>
+              <a:effectRef idx="0">
+                <a:schemeClr val="accent1"/>
+              </a:effectRef>
+              <a:fontRef idx="minor">
+                <a:schemeClr val="lt1"/>
+              </a:fontRef>
+            </p:style>
+            <p:txBody>
+              <a:bodyPr rtlCol="0" anchor="ctr"/>
+              <a:lstStyle/>
+              <a:p>
+                <a:pPr algn="ctr"/>
+                <a:endParaRPr lang="ko-KR" altLang="en-US"/>
+              </a:p>
+            </p:txBody>
+          </p:sp>
+        </p:grpSp>
+        <p:sp>
+          <p:nvSpPr>
+            <p:cNvPr id="53" name="포인트가 7개인 별 52"/>
+            <p:cNvSpPr/>
+            <p:nvPr/>
+          </p:nvSpPr>
+          <p:spPr>
+            <a:xfrm>
+              <a:off x="1277654" y="1781100"/>
+              <a:ext cx="1046922" cy="1046922"/>
+            </a:xfrm>
+            <a:prstGeom prst="star7">
+              <a:avLst>
+                <a:gd name="adj" fmla="val 20164"/>
+                <a:gd name="hf" fmla="val 102572"/>
+                <a:gd name="vf" fmla="val 105210"/>
+              </a:avLst>
+            </a:prstGeom>
+            <a:solidFill>
+              <a:schemeClr val="accent2">
+                <a:lumMod val="75000"/>
+              </a:schemeClr>
+            </a:solidFill>
+            <a:ln>
+              <a:solidFill>
+                <a:srgbClr val="FF0000"/>
+              </a:solidFill>
+            </a:ln>
+          </p:spPr>
+          <p:style>
+            <a:lnRef idx="2">
+              <a:schemeClr val="accent1">
+                <a:shade val="50000"/>
+              </a:schemeClr>
+            </a:lnRef>
+            <a:fillRef idx="1">
+              <a:schemeClr val="accent1"/>
+            </a:fillRef>
+            <a:effectRef idx="0">
+              <a:schemeClr val="accent1"/>
+            </a:effectRef>
+            <a:fontRef idx="minor">
+              <a:schemeClr val="lt1"/>
+            </a:fontRef>
+          </p:style>
+          <p:txBody>
+            <a:bodyPr rtlCol="0" anchor="ctr"/>
+            <a:lstStyle/>
+            <a:p>
+              <a:pPr algn="ctr"/>
+              <a:endParaRPr lang="ko-KR" altLang="en-US"/>
+            </a:p>
+          </p:txBody>
+        </p:sp>
+      </p:grpSp>
+      <p:sp>
+        <p:nvSpPr>
+          <p:cNvPr id="58" name="모서리가 둥근 직사각형 57"/>
+          <p:cNvSpPr/>
+          <p:nvPr/>
+        </p:nvSpPr>
+        <p:spPr>
+          <a:xfrm>
+            <a:off x="5659655" y="5177413"/>
+            <a:ext cx="436345" cy="512081"/>
+          </a:xfrm>
+          <a:prstGeom prst="roundRect">
+            <a:avLst/>
+          </a:prstGeom>
+          <a:solidFill>
+            <a:schemeClr val="accent6">
+              <a:lumMod val="75000"/>
+            </a:schemeClr>
+          </a:solidFill>
+          <a:ln>
+            <a:noFill/>
+          </a:ln>
+        </p:spPr>
+        <p:style>
+          <a:lnRef idx="2">
+            <a:schemeClr val="accent1">
+              <a:shade val="50000"/>
+            </a:schemeClr>
+          </a:lnRef>
+          <a:fillRef idx="1">
+            <a:schemeClr val="accent1"/>
+          </a:fillRef>
+          <a:effectRef idx="0">
+            <a:schemeClr val="accent1"/>
+          </a:effectRef>
+          <a:fontRef idx="minor">
+            <a:schemeClr val="lt1"/>
+          </a:fontRef>
+        </p:style>
+        <p:txBody>
+          <a:bodyPr rtlCol="0" anchor="ctr"/>
+          <a:lstStyle/>
+          <a:p>
+            <a:pPr algn="ctr"/>
+            <a:endParaRPr lang="ko-KR" altLang="en-US"/>
+          </a:p>
+        </p:txBody>
+      </p:sp>
+      <p:sp>
+        <p:nvSpPr>
+          <p:cNvPr id="59" name="모서리가 둥근 직사각형 58"/>
+          <p:cNvSpPr/>
+          <p:nvPr/>
+        </p:nvSpPr>
+        <p:spPr>
+          <a:xfrm>
+            <a:off x="5659655" y="5685359"/>
+            <a:ext cx="436345" cy="512081"/>
+          </a:xfrm>
+          <a:prstGeom prst="roundRect">
+            <a:avLst/>
+          </a:prstGeom>
+          <a:solidFill>
+            <a:schemeClr val="accent6">
+              <a:lumMod val="75000"/>
+            </a:schemeClr>
+          </a:solidFill>
+          <a:ln>
+            <a:noFill/>
+          </a:ln>
+        </p:spPr>
+        <p:style>
+          <a:lnRef idx="2">
+            <a:schemeClr val="accent1">
+              <a:shade val="50000"/>
+            </a:schemeClr>
+          </a:lnRef>
+          <a:fillRef idx="1">
+            <a:schemeClr val="accent1"/>
+          </a:fillRef>
+          <a:effectRef idx="0">
+            <a:schemeClr val="accent1"/>
+          </a:effectRef>
+          <a:fontRef idx="minor">
+            <a:schemeClr val="lt1"/>
+          </a:fontRef>
+        </p:style>
+        <p:txBody>
+          <a:bodyPr rtlCol="0" anchor="ctr"/>
+          <a:lstStyle/>
+          <a:p>
+            <a:pPr algn="ctr"/>
+            <a:endParaRPr lang="ko-KR" altLang="en-US"/>
+          </a:p>
+        </p:txBody>
+      </p:sp>
+      <p:sp>
+        <p:nvSpPr>
+          <p:cNvPr id="60" name="모서리가 둥근 직사각형 59"/>
+          <p:cNvSpPr/>
+          <p:nvPr/>
+        </p:nvSpPr>
+        <p:spPr>
+          <a:xfrm>
+            <a:off x="5815123" y="5289912"/>
+            <a:ext cx="125408" cy="264981"/>
+          </a:xfrm>
+          <a:prstGeom prst="roundRect">
+            <a:avLst/>
+          </a:prstGeom>
+          <a:solidFill>
+            <a:schemeClr val="accent6">
+              <a:lumMod val="50000"/>
+            </a:schemeClr>
+          </a:solidFill>
+          <a:ln>
+            <a:noFill/>
+          </a:ln>
+        </p:spPr>
+        <p:style>
+          <a:lnRef idx="2">
+            <a:schemeClr val="accent1">
+              <a:shade val="50000"/>
+            </a:schemeClr>
+          </a:lnRef>
+          <a:fillRef idx="1">
+            <a:schemeClr val="accent1"/>
+          </a:fillRef>
+          <a:effectRef idx="0">
+            <a:schemeClr val="accent1"/>
+          </a:effectRef>
+          <a:fontRef idx="minor">
+            <a:schemeClr val="lt1"/>
+          </a:fontRef>
+        </p:style>
+        <p:txBody>
+          <a:bodyPr rtlCol="0" anchor="ctr"/>
+          <a:lstStyle/>
+          <a:p>
+            <a:pPr algn="ctr"/>
+            <a:endParaRPr lang="ko-KR" altLang="en-US"/>
+          </a:p>
+        </p:txBody>
+      </p:sp>
     </p:spTree>
     <p:extLst>
       <p:ext uri="{BB962C8B-B14F-4D97-AF65-F5344CB8AC3E}">
@@ -3911,6 +5315,5291 @@
       </p:par>
     </p:tnLst>
   </p:timing>
+</p:sld>
+</file>
+
+<file path=ppt/slides/slide3.xml><?xml version="1.0" encoding="utf-8"?>
+<p:sld xmlns:a="http://schemas.openxmlformats.org/drawingml/2006/main" xmlns:r="http://schemas.openxmlformats.org/officeDocument/2006/relationships" xmlns:p="http://schemas.openxmlformats.org/presentationml/2006/main">
+  <p:cSld>
+    <p:spTree>
+      <p:nvGrpSpPr>
+        <p:cNvPr id="1" name=""/>
+        <p:cNvGrpSpPr/>
+        <p:nvPr/>
+      </p:nvGrpSpPr>
+      <p:grpSpPr>
+        <a:xfrm>
+          <a:off x="0" y="0"/>
+          <a:ext cx="0" cy="0"/>
+          <a:chOff x="0" y="0"/>
+          <a:chExt cx="0" cy="0"/>
+        </a:xfrm>
+      </p:grpSpPr>
+      <p:sp>
+        <p:nvSpPr>
+          <p:cNvPr id="2" name="제목 1"/>
+          <p:cNvSpPr>
+            <a:spLocks noGrp="1"/>
+          </p:cNvSpPr>
+          <p:nvPr>
+            <p:ph type="title"/>
+          </p:nvPr>
+        </p:nvSpPr>
+        <p:spPr/>
+        <p:txBody>
+          <a:bodyPr/>
+          <a:lstStyle/>
+          <a:p>
+            <a:endParaRPr lang="ko-KR" altLang="en-US"/>
+          </a:p>
+        </p:txBody>
+      </p:sp>
+      <p:sp>
+        <p:nvSpPr>
+          <p:cNvPr id="3" name="내용 개체 틀 2"/>
+          <p:cNvSpPr>
+            <a:spLocks noGrp="1"/>
+          </p:cNvSpPr>
+          <p:nvPr>
+            <p:ph idx="1"/>
+          </p:nvPr>
+        </p:nvSpPr>
+        <p:spPr/>
+        <p:txBody>
+          <a:bodyPr/>
+          <a:lstStyle/>
+          <a:p>
+            <a:endParaRPr lang="ko-KR" altLang="en-US"/>
+          </a:p>
+        </p:txBody>
+      </p:sp>
+      <p:sp>
+        <p:nvSpPr>
+          <p:cNvPr id="4" name="직사각형 3"/>
+          <p:cNvSpPr/>
+          <p:nvPr/>
+        </p:nvSpPr>
+        <p:spPr>
+          <a:xfrm>
+            <a:off x="0" y="0"/>
+            <a:ext cx="12192000" cy="6858000"/>
+          </a:xfrm>
+          <a:prstGeom prst="rect">
+            <a:avLst/>
+          </a:prstGeom>
+          <a:gradFill>
+            <a:gsLst>
+              <a:gs pos="0">
+                <a:schemeClr val="tx2">
+                  <a:lumMod val="50000"/>
+                </a:schemeClr>
+              </a:gs>
+              <a:gs pos="42000">
+                <a:schemeClr val="accent2">
+                  <a:lumMod val="75000"/>
+                </a:schemeClr>
+              </a:gs>
+              <a:gs pos="100000">
+                <a:schemeClr val="accent2">
+                  <a:lumMod val="60000"/>
+                  <a:lumOff val="40000"/>
+                </a:schemeClr>
+              </a:gs>
+            </a:gsLst>
+            <a:lin ang="5400000" scaled="1"/>
+          </a:gradFill>
+          <a:ln>
+            <a:noFill/>
+          </a:ln>
+        </p:spPr>
+        <p:style>
+          <a:lnRef idx="2">
+            <a:schemeClr val="accent1">
+              <a:shade val="50000"/>
+            </a:schemeClr>
+          </a:lnRef>
+          <a:fillRef idx="1">
+            <a:schemeClr val="accent1"/>
+          </a:fillRef>
+          <a:effectRef idx="0">
+            <a:schemeClr val="accent1"/>
+          </a:effectRef>
+          <a:fontRef idx="minor">
+            <a:schemeClr val="lt1"/>
+          </a:fontRef>
+        </p:style>
+        <p:txBody>
+          <a:bodyPr rtlCol="0" anchor="ctr"/>
+          <a:lstStyle/>
+          <a:p>
+            <a:pPr algn="ctr"/>
+            <a:endParaRPr lang="ko-KR" altLang="en-US"/>
+          </a:p>
+        </p:txBody>
+      </p:sp>
+      <p:sp>
+        <p:nvSpPr>
+          <p:cNvPr id="5" name="순서도: 지연 4"/>
+          <p:cNvSpPr/>
+          <p:nvPr/>
+        </p:nvSpPr>
+        <p:spPr>
+          <a:xfrm rot="16200000">
+            <a:off x="5516218" y="182216"/>
+            <a:ext cx="1159565" cy="12192002"/>
+          </a:xfrm>
+          <a:prstGeom prst="flowChartDelay">
+            <a:avLst/>
+          </a:prstGeom>
+          <a:solidFill>
+            <a:schemeClr val="accent2">
+              <a:lumMod val="50000"/>
+            </a:schemeClr>
+          </a:solidFill>
+          <a:ln>
+            <a:noFill/>
+          </a:ln>
+        </p:spPr>
+        <p:style>
+          <a:lnRef idx="2">
+            <a:schemeClr val="accent1">
+              <a:shade val="50000"/>
+            </a:schemeClr>
+          </a:lnRef>
+          <a:fillRef idx="1">
+            <a:schemeClr val="accent1"/>
+          </a:fillRef>
+          <a:effectRef idx="0">
+            <a:schemeClr val="accent1"/>
+          </a:effectRef>
+          <a:fontRef idx="minor">
+            <a:schemeClr val="lt1"/>
+          </a:fontRef>
+        </p:style>
+        <p:txBody>
+          <a:bodyPr rtlCol="0" anchor="ctr"/>
+          <a:lstStyle/>
+          <a:p>
+            <a:pPr algn="ctr"/>
+            <a:endParaRPr lang="ko-KR" altLang="en-US"/>
+          </a:p>
+        </p:txBody>
+      </p:sp>
+      <p:sp>
+        <p:nvSpPr>
+          <p:cNvPr id="7" name="포인트가 7개인 별 6"/>
+          <p:cNvSpPr/>
+          <p:nvPr/>
+        </p:nvSpPr>
+        <p:spPr>
+          <a:xfrm>
+            <a:off x="-123201" y="3865176"/>
+            <a:ext cx="1046922" cy="1046922"/>
+          </a:xfrm>
+          <a:prstGeom prst="star7">
+            <a:avLst>
+              <a:gd name="adj" fmla="val 41820"/>
+              <a:gd name="hf" fmla="val 102572"/>
+              <a:gd name="vf" fmla="val 105210"/>
+            </a:avLst>
+          </a:prstGeom>
+          <a:solidFill>
+            <a:srgbClr val="C00000"/>
+          </a:solidFill>
+          <a:ln>
+            <a:solidFill>
+              <a:srgbClr val="FF0000"/>
+            </a:solidFill>
+          </a:ln>
+          <a:effectLst>
+            <a:glow rad="228600">
+              <a:schemeClr val="accent2">
+                <a:satMod val="175000"/>
+                <a:alpha val="40000"/>
+              </a:schemeClr>
+            </a:glow>
+          </a:effectLst>
+        </p:spPr>
+        <p:style>
+          <a:lnRef idx="2">
+            <a:schemeClr val="accent1">
+              <a:shade val="50000"/>
+            </a:schemeClr>
+          </a:lnRef>
+          <a:fillRef idx="1">
+            <a:schemeClr val="accent1"/>
+          </a:fillRef>
+          <a:effectRef idx="0">
+            <a:schemeClr val="accent1"/>
+          </a:effectRef>
+          <a:fontRef idx="minor">
+            <a:schemeClr val="lt1"/>
+          </a:fontRef>
+        </p:style>
+        <p:txBody>
+          <a:bodyPr rtlCol="0" anchor="ctr"/>
+          <a:lstStyle/>
+          <a:p>
+            <a:pPr algn="ctr"/>
+            <a:endParaRPr lang="ko-KR" altLang="en-US"/>
+          </a:p>
+        </p:txBody>
+      </p:sp>
+      <p:grpSp>
+        <p:nvGrpSpPr>
+          <p:cNvPr id="30" name="그룹 29"/>
+          <p:cNvGrpSpPr/>
+          <p:nvPr/>
+        </p:nvGrpSpPr>
+        <p:grpSpPr>
+          <a:xfrm>
+            <a:off x="-91251" y="2414136"/>
+            <a:ext cx="2840458" cy="2493809"/>
+            <a:chOff x="1277654" y="334213"/>
+            <a:chExt cx="2840458" cy="2493809"/>
+          </a:xfrm>
+        </p:grpSpPr>
+        <p:grpSp>
+          <p:nvGrpSpPr>
+            <p:cNvPr id="29" name="그룹 28"/>
+            <p:cNvGrpSpPr/>
+            <p:nvPr/>
+          </p:nvGrpSpPr>
+          <p:grpSpPr>
+            <a:xfrm rot="523735">
+              <a:off x="1679712" y="334213"/>
+              <a:ext cx="2438400" cy="2182383"/>
+              <a:chOff x="1570972" y="963183"/>
+              <a:chExt cx="1588164" cy="1444487"/>
+            </a:xfrm>
+          </p:grpSpPr>
+          <p:sp>
+            <p:nvSpPr>
+              <p:cNvPr id="9" name="사다리꼴 8"/>
+              <p:cNvSpPr/>
+              <p:nvPr/>
+            </p:nvSpPr>
+            <p:spPr>
+              <a:xfrm rot="13105639">
+                <a:off x="2001626" y="963183"/>
+                <a:ext cx="318436" cy="1444487"/>
+              </a:xfrm>
+              <a:prstGeom prst="trapezoid">
+                <a:avLst/>
+              </a:prstGeom>
+              <a:solidFill>
+                <a:srgbClr val="FF0000">
+                  <a:alpha val="60000"/>
+                </a:srgbClr>
+              </a:solidFill>
+              <a:ln>
+                <a:solidFill>
+                  <a:srgbClr val="FF0000"/>
+                </a:solidFill>
+              </a:ln>
+            </p:spPr>
+            <p:style>
+              <a:lnRef idx="2">
+                <a:schemeClr val="accent1">
+                  <a:shade val="50000"/>
+                </a:schemeClr>
+              </a:lnRef>
+              <a:fillRef idx="1">
+                <a:schemeClr val="accent1"/>
+              </a:fillRef>
+              <a:effectRef idx="0">
+                <a:schemeClr val="accent1"/>
+              </a:effectRef>
+              <a:fontRef idx="minor">
+                <a:schemeClr val="lt1"/>
+              </a:fontRef>
+            </p:style>
+            <p:txBody>
+              <a:bodyPr rtlCol="0" anchor="ctr"/>
+              <a:lstStyle/>
+              <a:p>
+                <a:pPr algn="ctr"/>
+                <a:endParaRPr lang="ko-KR" altLang="en-US"/>
+              </a:p>
+            </p:txBody>
+          </p:sp>
+          <p:sp>
+            <p:nvSpPr>
+              <p:cNvPr id="10" name="사다리꼴 9"/>
+              <p:cNvSpPr/>
+              <p:nvPr/>
+            </p:nvSpPr>
+            <p:spPr>
+              <a:xfrm rot="13500000">
+                <a:off x="2133998" y="1066194"/>
+                <a:ext cx="318436" cy="1444487"/>
+              </a:xfrm>
+              <a:prstGeom prst="trapezoid">
+                <a:avLst/>
+              </a:prstGeom>
+              <a:solidFill>
+                <a:srgbClr val="92D050">
+                  <a:alpha val="60000"/>
+                </a:srgbClr>
+              </a:solidFill>
+              <a:ln>
+                <a:solidFill>
+                  <a:srgbClr val="FF0000"/>
+                </a:solidFill>
+              </a:ln>
+            </p:spPr>
+            <p:style>
+              <a:lnRef idx="2">
+                <a:schemeClr val="accent1">
+                  <a:shade val="50000"/>
+                </a:schemeClr>
+              </a:lnRef>
+              <a:fillRef idx="1">
+                <a:schemeClr val="accent1"/>
+              </a:fillRef>
+              <a:effectRef idx="0">
+                <a:schemeClr val="accent1"/>
+              </a:effectRef>
+              <a:fontRef idx="minor">
+                <a:schemeClr val="lt1"/>
+              </a:fontRef>
+            </p:style>
+            <p:txBody>
+              <a:bodyPr rtlCol="0" anchor="ctr"/>
+              <a:lstStyle/>
+              <a:p>
+                <a:pPr algn="ctr"/>
+                <a:endParaRPr lang="ko-KR" altLang="en-US"/>
+              </a:p>
+            </p:txBody>
+          </p:sp>
+          <p:sp>
+            <p:nvSpPr>
+              <p:cNvPr id="11" name="사다리꼴 10"/>
+              <p:cNvSpPr/>
+              <p:nvPr/>
+            </p:nvSpPr>
+            <p:spPr>
+              <a:xfrm rot="13974070">
+                <a:off x="2277675" y="1202616"/>
+                <a:ext cx="318436" cy="1444487"/>
+              </a:xfrm>
+              <a:prstGeom prst="trapezoid">
+                <a:avLst/>
+              </a:prstGeom>
+              <a:solidFill>
+                <a:srgbClr val="FFFF00">
+                  <a:alpha val="60000"/>
+                </a:srgbClr>
+              </a:solidFill>
+              <a:ln>
+                <a:solidFill>
+                  <a:srgbClr val="FF0000"/>
+                </a:solidFill>
+              </a:ln>
+            </p:spPr>
+            <p:style>
+              <a:lnRef idx="2">
+                <a:schemeClr val="accent1">
+                  <a:shade val="50000"/>
+                </a:schemeClr>
+              </a:lnRef>
+              <a:fillRef idx="1">
+                <a:schemeClr val="accent1"/>
+              </a:fillRef>
+              <a:effectRef idx="0">
+                <a:schemeClr val="accent1"/>
+              </a:effectRef>
+              <a:fontRef idx="minor">
+                <a:schemeClr val="lt1"/>
+              </a:fontRef>
+            </p:style>
+            <p:txBody>
+              <a:bodyPr rtlCol="0" anchor="ctr"/>
+              <a:lstStyle/>
+              <a:p>
+                <a:pPr algn="ctr"/>
+                <a:endParaRPr lang="ko-KR" altLang="en-US"/>
+              </a:p>
+            </p:txBody>
+          </p:sp>
+        </p:grpSp>
+        <p:sp>
+          <p:nvSpPr>
+            <p:cNvPr id="13" name="포인트가 7개인 별 12"/>
+            <p:cNvSpPr/>
+            <p:nvPr/>
+          </p:nvSpPr>
+          <p:spPr>
+            <a:xfrm>
+              <a:off x="1277654" y="1781100"/>
+              <a:ext cx="1046922" cy="1046922"/>
+            </a:xfrm>
+            <a:prstGeom prst="star7">
+              <a:avLst>
+                <a:gd name="adj" fmla="val 20164"/>
+                <a:gd name="hf" fmla="val 102572"/>
+                <a:gd name="vf" fmla="val 105210"/>
+              </a:avLst>
+            </a:prstGeom>
+            <a:solidFill>
+              <a:schemeClr val="accent2">
+                <a:lumMod val="75000"/>
+              </a:schemeClr>
+            </a:solidFill>
+            <a:ln>
+              <a:solidFill>
+                <a:srgbClr val="FF0000"/>
+              </a:solidFill>
+            </a:ln>
+          </p:spPr>
+          <p:style>
+            <a:lnRef idx="2">
+              <a:schemeClr val="accent1">
+                <a:shade val="50000"/>
+              </a:schemeClr>
+            </a:lnRef>
+            <a:fillRef idx="1">
+              <a:schemeClr val="accent1"/>
+            </a:fillRef>
+            <a:effectRef idx="0">
+              <a:schemeClr val="accent1"/>
+            </a:effectRef>
+            <a:fontRef idx="minor">
+              <a:schemeClr val="lt1"/>
+            </a:fontRef>
+          </p:style>
+          <p:txBody>
+            <a:bodyPr rtlCol="0" anchor="ctr"/>
+            <a:lstStyle/>
+            <a:p>
+              <a:pPr algn="ctr"/>
+              <a:endParaRPr lang="ko-KR" altLang="en-US"/>
+            </a:p>
+          </p:txBody>
+        </p:sp>
+      </p:grpSp>
+      <p:grpSp>
+        <p:nvGrpSpPr>
+          <p:cNvPr id="57" name="그룹 56"/>
+          <p:cNvGrpSpPr/>
+          <p:nvPr/>
+        </p:nvGrpSpPr>
+        <p:grpSpPr>
+          <a:xfrm>
+            <a:off x="6202016" y="3279871"/>
+            <a:ext cx="1108870" cy="964318"/>
+            <a:chOff x="5539408" y="2548026"/>
+            <a:chExt cx="2872408" cy="2497962"/>
+          </a:xfrm>
+        </p:grpSpPr>
+        <p:sp>
+          <p:nvSpPr>
+            <p:cNvPr id="43" name="포인트가 7개인 별 42"/>
+            <p:cNvSpPr/>
+            <p:nvPr/>
+          </p:nvSpPr>
+          <p:spPr>
+            <a:xfrm>
+              <a:off x="5539408" y="3999066"/>
+              <a:ext cx="1046922" cy="1046922"/>
+            </a:xfrm>
+            <a:prstGeom prst="star7">
+              <a:avLst>
+                <a:gd name="adj" fmla="val 41820"/>
+                <a:gd name="hf" fmla="val 102572"/>
+                <a:gd name="vf" fmla="val 105210"/>
+              </a:avLst>
+            </a:prstGeom>
+            <a:solidFill>
+              <a:srgbClr val="C00000"/>
+            </a:solidFill>
+            <a:ln>
+              <a:solidFill>
+                <a:srgbClr val="FF0000"/>
+              </a:solidFill>
+            </a:ln>
+            <a:effectLst>
+              <a:glow rad="228600">
+                <a:schemeClr val="accent2">
+                  <a:satMod val="175000"/>
+                  <a:alpha val="40000"/>
+                </a:schemeClr>
+              </a:glow>
+            </a:effectLst>
+          </p:spPr>
+          <p:style>
+            <a:lnRef idx="2">
+              <a:schemeClr val="accent1">
+                <a:shade val="50000"/>
+              </a:schemeClr>
+            </a:lnRef>
+            <a:fillRef idx="1">
+              <a:schemeClr val="accent1"/>
+            </a:fillRef>
+            <a:effectRef idx="0">
+              <a:schemeClr val="accent1"/>
+            </a:effectRef>
+            <a:fontRef idx="minor">
+              <a:schemeClr val="lt1"/>
+            </a:fontRef>
+          </p:style>
+          <p:txBody>
+            <a:bodyPr rtlCol="0" anchor="ctr"/>
+            <a:lstStyle/>
+            <a:p>
+              <a:pPr algn="ctr"/>
+              <a:endParaRPr lang="ko-KR" altLang="en-US"/>
+            </a:p>
+          </p:txBody>
+        </p:sp>
+        <p:grpSp>
+          <p:nvGrpSpPr>
+            <p:cNvPr id="44" name="그룹 43"/>
+            <p:cNvGrpSpPr/>
+            <p:nvPr/>
+          </p:nvGrpSpPr>
+          <p:grpSpPr>
+            <a:xfrm>
+              <a:off x="5571358" y="2548026"/>
+              <a:ext cx="2840458" cy="2493809"/>
+              <a:chOff x="1277654" y="334213"/>
+              <a:chExt cx="2840458" cy="2493809"/>
+            </a:xfrm>
+          </p:grpSpPr>
+          <p:grpSp>
+            <p:nvGrpSpPr>
+              <p:cNvPr id="45" name="그룹 44"/>
+              <p:cNvGrpSpPr/>
+              <p:nvPr/>
+            </p:nvGrpSpPr>
+            <p:grpSpPr>
+              <a:xfrm rot="523735">
+                <a:off x="1679712" y="334213"/>
+                <a:ext cx="2438400" cy="2182383"/>
+                <a:chOff x="1570972" y="963183"/>
+                <a:chExt cx="1588164" cy="1444487"/>
+              </a:xfrm>
+            </p:grpSpPr>
+            <p:sp>
+              <p:nvSpPr>
+                <p:cNvPr id="47" name="사다리꼴 46"/>
+                <p:cNvSpPr/>
+                <p:nvPr/>
+              </p:nvSpPr>
+              <p:spPr>
+                <a:xfrm rot="13105639">
+                  <a:off x="2001626" y="963183"/>
+                  <a:ext cx="318436" cy="1444487"/>
+                </a:xfrm>
+                <a:prstGeom prst="trapezoid">
+                  <a:avLst/>
+                </a:prstGeom>
+                <a:solidFill>
+                  <a:srgbClr val="FF0000">
+                    <a:alpha val="60000"/>
+                  </a:srgbClr>
+                </a:solidFill>
+                <a:ln>
+                  <a:solidFill>
+                    <a:srgbClr val="FF0000"/>
+                  </a:solidFill>
+                </a:ln>
+              </p:spPr>
+              <p:style>
+                <a:lnRef idx="2">
+                  <a:schemeClr val="accent1">
+                    <a:shade val="50000"/>
+                  </a:schemeClr>
+                </a:lnRef>
+                <a:fillRef idx="1">
+                  <a:schemeClr val="accent1"/>
+                </a:fillRef>
+                <a:effectRef idx="0">
+                  <a:schemeClr val="accent1"/>
+                </a:effectRef>
+                <a:fontRef idx="minor">
+                  <a:schemeClr val="lt1"/>
+                </a:fontRef>
+              </p:style>
+              <p:txBody>
+                <a:bodyPr rtlCol="0" anchor="ctr"/>
+                <a:lstStyle/>
+                <a:p>
+                  <a:pPr algn="ctr"/>
+                  <a:endParaRPr lang="ko-KR" altLang="en-US"/>
+                </a:p>
+              </p:txBody>
+            </p:sp>
+            <p:sp>
+              <p:nvSpPr>
+                <p:cNvPr id="48" name="사다리꼴 47"/>
+                <p:cNvSpPr/>
+                <p:nvPr/>
+              </p:nvSpPr>
+              <p:spPr>
+                <a:xfrm rot="13500000">
+                  <a:off x="2133998" y="1066194"/>
+                  <a:ext cx="318436" cy="1444487"/>
+                </a:xfrm>
+                <a:prstGeom prst="trapezoid">
+                  <a:avLst/>
+                </a:prstGeom>
+                <a:solidFill>
+                  <a:srgbClr val="92D050">
+                    <a:alpha val="60000"/>
+                  </a:srgbClr>
+                </a:solidFill>
+                <a:ln>
+                  <a:solidFill>
+                    <a:srgbClr val="FF0000"/>
+                  </a:solidFill>
+                </a:ln>
+              </p:spPr>
+              <p:style>
+                <a:lnRef idx="2">
+                  <a:schemeClr val="accent1">
+                    <a:shade val="50000"/>
+                  </a:schemeClr>
+                </a:lnRef>
+                <a:fillRef idx="1">
+                  <a:schemeClr val="accent1"/>
+                </a:fillRef>
+                <a:effectRef idx="0">
+                  <a:schemeClr val="accent1"/>
+                </a:effectRef>
+                <a:fontRef idx="minor">
+                  <a:schemeClr val="lt1"/>
+                </a:fontRef>
+              </p:style>
+              <p:txBody>
+                <a:bodyPr rtlCol="0" anchor="ctr"/>
+                <a:lstStyle/>
+                <a:p>
+                  <a:pPr algn="ctr"/>
+                  <a:endParaRPr lang="ko-KR" altLang="en-US"/>
+                </a:p>
+              </p:txBody>
+            </p:sp>
+            <p:sp>
+              <p:nvSpPr>
+                <p:cNvPr id="49" name="사다리꼴 48"/>
+                <p:cNvSpPr/>
+                <p:nvPr/>
+              </p:nvSpPr>
+              <p:spPr>
+                <a:xfrm rot="13974070">
+                  <a:off x="2277675" y="1202616"/>
+                  <a:ext cx="318436" cy="1444487"/>
+                </a:xfrm>
+                <a:prstGeom prst="trapezoid">
+                  <a:avLst/>
+                </a:prstGeom>
+                <a:solidFill>
+                  <a:srgbClr val="FFFF00">
+                    <a:alpha val="60000"/>
+                  </a:srgbClr>
+                </a:solidFill>
+                <a:ln>
+                  <a:solidFill>
+                    <a:srgbClr val="FF0000"/>
+                  </a:solidFill>
+                </a:ln>
+              </p:spPr>
+              <p:style>
+                <a:lnRef idx="2">
+                  <a:schemeClr val="accent1">
+                    <a:shade val="50000"/>
+                  </a:schemeClr>
+                </a:lnRef>
+                <a:fillRef idx="1">
+                  <a:schemeClr val="accent1"/>
+                </a:fillRef>
+                <a:effectRef idx="0">
+                  <a:schemeClr val="accent1"/>
+                </a:effectRef>
+                <a:fontRef idx="minor">
+                  <a:schemeClr val="lt1"/>
+                </a:fontRef>
+              </p:style>
+              <p:txBody>
+                <a:bodyPr rtlCol="0" anchor="ctr"/>
+                <a:lstStyle/>
+                <a:p>
+                  <a:pPr algn="ctr"/>
+                  <a:endParaRPr lang="ko-KR" altLang="en-US"/>
+                </a:p>
+              </p:txBody>
+            </p:sp>
+          </p:grpSp>
+          <p:sp>
+            <p:nvSpPr>
+              <p:cNvPr id="46" name="포인트가 7개인 별 45"/>
+              <p:cNvSpPr/>
+              <p:nvPr/>
+            </p:nvSpPr>
+            <p:spPr>
+              <a:xfrm>
+                <a:off x="1277654" y="1781100"/>
+                <a:ext cx="1046922" cy="1046922"/>
+              </a:xfrm>
+              <a:prstGeom prst="star7">
+                <a:avLst>
+                  <a:gd name="adj" fmla="val 20164"/>
+                  <a:gd name="hf" fmla="val 102572"/>
+                  <a:gd name="vf" fmla="val 105210"/>
+                </a:avLst>
+              </a:prstGeom>
+              <a:solidFill>
+                <a:schemeClr val="accent2">
+                  <a:lumMod val="75000"/>
+                </a:schemeClr>
+              </a:solidFill>
+              <a:ln>
+                <a:solidFill>
+                  <a:srgbClr val="FF0000"/>
+                </a:solidFill>
+              </a:ln>
+            </p:spPr>
+            <p:style>
+              <a:lnRef idx="2">
+                <a:schemeClr val="accent1">
+                  <a:shade val="50000"/>
+                </a:schemeClr>
+              </a:lnRef>
+              <a:fillRef idx="1">
+                <a:schemeClr val="accent1"/>
+              </a:fillRef>
+              <a:effectRef idx="0">
+                <a:schemeClr val="accent1"/>
+              </a:effectRef>
+              <a:fontRef idx="minor">
+                <a:schemeClr val="lt1"/>
+              </a:fontRef>
+            </p:style>
+            <p:txBody>
+              <a:bodyPr rtlCol="0" anchor="ctr"/>
+              <a:lstStyle/>
+              <a:p>
+                <a:pPr algn="ctr"/>
+                <a:endParaRPr lang="ko-KR" altLang="en-US"/>
+              </a:p>
+            </p:txBody>
+          </p:sp>
+        </p:grpSp>
+      </p:grpSp>
+      <p:sp>
+        <p:nvSpPr>
+          <p:cNvPr id="50" name="포인트가 7개인 별 49"/>
+          <p:cNvSpPr/>
+          <p:nvPr/>
+        </p:nvSpPr>
+        <p:spPr>
+          <a:xfrm>
+            <a:off x="7213847" y="1332691"/>
+            <a:ext cx="1046922" cy="1046922"/>
+          </a:xfrm>
+          <a:prstGeom prst="star7">
+            <a:avLst>
+              <a:gd name="adj" fmla="val 41820"/>
+              <a:gd name="hf" fmla="val 102572"/>
+              <a:gd name="vf" fmla="val 105210"/>
+            </a:avLst>
+          </a:prstGeom>
+          <a:solidFill>
+            <a:srgbClr val="C00000"/>
+          </a:solidFill>
+          <a:ln>
+            <a:solidFill>
+              <a:srgbClr val="FF0000"/>
+            </a:solidFill>
+          </a:ln>
+          <a:effectLst>
+            <a:glow rad="228600">
+              <a:schemeClr val="accent2">
+                <a:satMod val="175000"/>
+                <a:alpha val="40000"/>
+              </a:schemeClr>
+            </a:glow>
+          </a:effectLst>
+        </p:spPr>
+        <p:style>
+          <a:lnRef idx="2">
+            <a:schemeClr val="accent1">
+              <a:shade val="50000"/>
+            </a:schemeClr>
+          </a:lnRef>
+          <a:fillRef idx="1">
+            <a:schemeClr val="accent1"/>
+          </a:fillRef>
+          <a:effectRef idx="0">
+            <a:schemeClr val="accent1"/>
+          </a:effectRef>
+          <a:fontRef idx="minor">
+            <a:schemeClr val="lt1"/>
+          </a:fontRef>
+        </p:style>
+        <p:txBody>
+          <a:bodyPr rtlCol="0" anchor="ctr"/>
+          <a:lstStyle/>
+          <a:p>
+            <a:pPr algn="ctr"/>
+            <a:endParaRPr lang="ko-KR" altLang="en-US"/>
+          </a:p>
+        </p:txBody>
+      </p:sp>
+      <p:grpSp>
+        <p:nvGrpSpPr>
+          <p:cNvPr id="51" name="그룹 50"/>
+          <p:cNvGrpSpPr/>
+          <p:nvPr/>
+        </p:nvGrpSpPr>
+        <p:grpSpPr>
+          <a:xfrm>
+            <a:off x="7245797" y="-118349"/>
+            <a:ext cx="2840458" cy="2493809"/>
+            <a:chOff x="1277654" y="334213"/>
+            <a:chExt cx="2840458" cy="2493809"/>
+          </a:xfrm>
+        </p:grpSpPr>
+        <p:grpSp>
+          <p:nvGrpSpPr>
+            <p:cNvPr id="52" name="그룹 51"/>
+            <p:cNvGrpSpPr/>
+            <p:nvPr/>
+          </p:nvGrpSpPr>
+          <p:grpSpPr>
+            <a:xfrm rot="523735">
+              <a:off x="1679712" y="334213"/>
+              <a:ext cx="2438400" cy="2182383"/>
+              <a:chOff x="1570972" y="963183"/>
+              <a:chExt cx="1588164" cy="1444487"/>
+            </a:xfrm>
+          </p:grpSpPr>
+          <p:sp>
+            <p:nvSpPr>
+              <p:cNvPr id="54" name="사다리꼴 53"/>
+              <p:cNvSpPr/>
+              <p:nvPr/>
+            </p:nvSpPr>
+            <p:spPr>
+              <a:xfrm rot="13105639">
+                <a:off x="2001626" y="963183"/>
+                <a:ext cx="318436" cy="1444487"/>
+              </a:xfrm>
+              <a:prstGeom prst="trapezoid">
+                <a:avLst/>
+              </a:prstGeom>
+              <a:solidFill>
+                <a:srgbClr val="FF0000">
+                  <a:alpha val="60000"/>
+                </a:srgbClr>
+              </a:solidFill>
+              <a:ln>
+                <a:solidFill>
+                  <a:srgbClr val="FF0000"/>
+                </a:solidFill>
+              </a:ln>
+            </p:spPr>
+            <p:style>
+              <a:lnRef idx="2">
+                <a:schemeClr val="accent1">
+                  <a:shade val="50000"/>
+                </a:schemeClr>
+              </a:lnRef>
+              <a:fillRef idx="1">
+                <a:schemeClr val="accent1"/>
+              </a:fillRef>
+              <a:effectRef idx="0">
+                <a:schemeClr val="accent1"/>
+              </a:effectRef>
+              <a:fontRef idx="minor">
+                <a:schemeClr val="lt1"/>
+              </a:fontRef>
+            </p:style>
+            <p:txBody>
+              <a:bodyPr rtlCol="0" anchor="ctr"/>
+              <a:lstStyle/>
+              <a:p>
+                <a:pPr algn="ctr"/>
+                <a:endParaRPr lang="ko-KR" altLang="en-US"/>
+              </a:p>
+            </p:txBody>
+          </p:sp>
+          <p:sp>
+            <p:nvSpPr>
+              <p:cNvPr id="55" name="사다리꼴 54"/>
+              <p:cNvSpPr/>
+              <p:nvPr/>
+            </p:nvSpPr>
+            <p:spPr>
+              <a:xfrm rot="13500000">
+                <a:off x="2133998" y="1066194"/>
+                <a:ext cx="318436" cy="1444487"/>
+              </a:xfrm>
+              <a:prstGeom prst="trapezoid">
+                <a:avLst/>
+              </a:prstGeom>
+              <a:solidFill>
+                <a:srgbClr val="92D050">
+                  <a:alpha val="60000"/>
+                </a:srgbClr>
+              </a:solidFill>
+              <a:ln>
+                <a:solidFill>
+                  <a:srgbClr val="FF0000"/>
+                </a:solidFill>
+              </a:ln>
+            </p:spPr>
+            <p:style>
+              <a:lnRef idx="2">
+                <a:schemeClr val="accent1">
+                  <a:shade val="50000"/>
+                </a:schemeClr>
+              </a:lnRef>
+              <a:fillRef idx="1">
+                <a:schemeClr val="accent1"/>
+              </a:fillRef>
+              <a:effectRef idx="0">
+                <a:schemeClr val="accent1"/>
+              </a:effectRef>
+              <a:fontRef idx="minor">
+                <a:schemeClr val="lt1"/>
+              </a:fontRef>
+            </p:style>
+            <p:txBody>
+              <a:bodyPr rtlCol="0" anchor="ctr"/>
+              <a:lstStyle/>
+              <a:p>
+                <a:pPr algn="ctr"/>
+                <a:endParaRPr lang="ko-KR" altLang="en-US"/>
+              </a:p>
+            </p:txBody>
+          </p:sp>
+          <p:sp>
+            <p:nvSpPr>
+              <p:cNvPr id="56" name="사다리꼴 55"/>
+              <p:cNvSpPr/>
+              <p:nvPr/>
+            </p:nvSpPr>
+            <p:spPr>
+              <a:xfrm rot="13974070">
+                <a:off x="2277675" y="1202616"/>
+                <a:ext cx="318436" cy="1444487"/>
+              </a:xfrm>
+              <a:prstGeom prst="trapezoid">
+                <a:avLst/>
+              </a:prstGeom>
+              <a:solidFill>
+                <a:srgbClr val="FFFF00">
+                  <a:alpha val="60000"/>
+                </a:srgbClr>
+              </a:solidFill>
+              <a:ln>
+                <a:solidFill>
+                  <a:srgbClr val="FF0000"/>
+                </a:solidFill>
+              </a:ln>
+            </p:spPr>
+            <p:style>
+              <a:lnRef idx="2">
+                <a:schemeClr val="accent1">
+                  <a:shade val="50000"/>
+                </a:schemeClr>
+              </a:lnRef>
+              <a:fillRef idx="1">
+                <a:schemeClr val="accent1"/>
+              </a:fillRef>
+              <a:effectRef idx="0">
+                <a:schemeClr val="accent1"/>
+              </a:effectRef>
+              <a:fontRef idx="minor">
+                <a:schemeClr val="lt1"/>
+              </a:fontRef>
+            </p:style>
+            <p:txBody>
+              <a:bodyPr rtlCol="0" anchor="ctr"/>
+              <a:lstStyle/>
+              <a:p>
+                <a:pPr algn="ctr"/>
+                <a:endParaRPr lang="ko-KR" altLang="en-US"/>
+              </a:p>
+            </p:txBody>
+          </p:sp>
+        </p:grpSp>
+        <p:sp>
+          <p:nvSpPr>
+            <p:cNvPr id="53" name="포인트가 7개인 별 52"/>
+            <p:cNvSpPr/>
+            <p:nvPr/>
+          </p:nvSpPr>
+          <p:spPr>
+            <a:xfrm>
+              <a:off x="1277654" y="1781100"/>
+              <a:ext cx="1046922" cy="1046922"/>
+            </a:xfrm>
+            <a:prstGeom prst="star7">
+              <a:avLst>
+                <a:gd name="adj" fmla="val 20164"/>
+                <a:gd name="hf" fmla="val 102572"/>
+                <a:gd name="vf" fmla="val 105210"/>
+              </a:avLst>
+            </a:prstGeom>
+            <a:solidFill>
+              <a:schemeClr val="accent2">
+                <a:lumMod val="75000"/>
+              </a:schemeClr>
+            </a:solidFill>
+            <a:ln>
+              <a:solidFill>
+                <a:srgbClr val="FF0000"/>
+              </a:solidFill>
+            </a:ln>
+          </p:spPr>
+          <p:style>
+            <a:lnRef idx="2">
+              <a:schemeClr val="accent1">
+                <a:shade val="50000"/>
+              </a:schemeClr>
+            </a:lnRef>
+            <a:fillRef idx="1">
+              <a:schemeClr val="accent1"/>
+            </a:fillRef>
+            <a:effectRef idx="0">
+              <a:schemeClr val="accent1"/>
+            </a:effectRef>
+            <a:fontRef idx="minor">
+              <a:schemeClr val="lt1"/>
+            </a:fontRef>
+          </p:style>
+          <p:txBody>
+            <a:bodyPr rtlCol="0" anchor="ctr"/>
+            <a:lstStyle/>
+            <a:p>
+              <a:pPr algn="ctr"/>
+              <a:endParaRPr lang="ko-KR" altLang="en-US"/>
+            </a:p>
+          </p:txBody>
+        </p:sp>
+      </p:grpSp>
+      <p:grpSp>
+        <p:nvGrpSpPr>
+          <p:cNvPr id="15" name="그룹 14"/>
+          <p:cNvGrpSpPr/>
+          <p:nvPr/>
+        </p:nvGrpSpPr>
+        <p:grpSpPr>
+          <a:xfrm>
+            <a:off x="5029200" y="3025548"/>
+            <a:ext cx="2841883" cy="4318571"/>
+            <a:chOff x="4911132" y="874643"/>
+            <a:chExt cx="2841883" cy="3644349"/>
+          </a:xfrm>
+        </p:grpSpPr>
+        <p:grpSp>
+          <p:nvGrpSpPr>
+            <p:cNvPr id="12" name="그룹 11"/>
+            <p:cNvGrpSpPr/>
+            <p:nvPr/>
+          </p:nvGrpSpPr>
+          <p:grpSpPr>
+            <a:xfrm>
+              <a:off x="4911132" y="874643"/>
+              <a:ext cx="2841883" cy="3644349"/>
+              <a:chOff x="4911132" y="874643"/>
+              <a:chExt cx="2841883" cy="3644349"/>
+            </a:xfrm>
+          </p:grpSpPr>
+          <p:sp>
+            <p:nvSpPr>
+              <p:cNvPr id="6" name="모서리가 둥근 직사각형 5"/>
+              <p:cNvSpPr/>
+              <p:nvPr/>
+            </p:nvSpPr>
+            <p:spPr>
+              <a:xfrm>
+                <a:off x="4911132" y="874643"/>
+                <a:ext cx="2496833" cy="1303683"/>
+              </a:xfrm>
+              <a:prstGeom prst="roundRect">
+                <a:avLst/>
+              </a:prstGeom>
+              <a:solidFill>
+                <a:srgbClr val="00B050"/>
+              </a:solidFill>
+              <a:ln>
+                <a:noFill/>
+              </a:ln>
+            </p:spPr>
+            <p:style>
+              <a:lnRef idx="2">
+                <a:schemeClr val="accent1">
+                  <a:shade val="50000"/>
+                </a:schemeClr>
+              </a:lnRef>
+              <a:fillRef idx="1">
+                <a:schemeClr val="accent1"/>
+              </a:fillRef>
+              <a:effectRef idx="0">
+                <a:schemeClr val="accent1"/>
+              </a:effectRef>
+              <a:fontRef idx="minor">
+                <a:schemeClr val="lt1"/>
+              </a:fontRef>
+            </p:style>
+            <p:txBody>
+              <a:bodyPr rtlCol="0" anchor="ctr"/>
+              <a:lstStyle/>
+              <a:p>
+                <a:pPr algn="ctr"/>
+                <a:endParaRPr lang="ko-KR" altLang="en-US"/>
+              </a:p>
+            </p:txBody>
+          </p:sp>
+          <p:sp>
+            <p:nvSpPr>
+              <p:cNvPr id="32" name="모서리가 둥근 직사각형 31"/>
+              <p:cNvSpPr/>
+              <p:nvPr/>
+            </p:nvSpPr>
+            <p:spPr>
+              <a:xfrm rot="20250621">
+                <a:off x="5156088" y="1974893"/>
+                <a:ext cx="2496833" cy="689064"/>
+              </a:xfrm>
+              <a:prstGeom prst="roundRect">
+                <a:avLst/>
+              </a:prstGeom>
+              <a:solidFill>
+                <a:srgbClr val="00B050"/>
+              </a:solidFill>
+              <a:ln>
+                <a:noFill/>
+              </a:ln>
+            </p:spPr>
+            <p:style>
+              <a:lnRef idx="2">
+                <a:schemeClr val="accent1">
+                  <a:shade val="50000"/>
+                </a:schemeClr>
+              </a:lnRef>
+              <a:fillRef idx="1">
+                <a:schemeClr val="accent1"/>
+              </a:fillRef>
+              <a:effectRef idx="0">
+                <a:schemeClr val="accent1"/>
+              </a:effectRef>
+              <a:fontRef idx="minor">
+                <a:schemeClr val="lt1"/>
+              </a:fontRef>
+            </p:style>
+            <p:txBody>
+              <a:bodyPr rtlCol="0" anchor="ctr"/>
+              <a:lstStyle/>
+              <a:p>
+                <a:pPr algn="ctr"/>
+                <a:endParaRPr lang="ko-KR" altLang="en-US"/>
+              </a:p>
+            </p:txBody>
+          </p:sp>
+          <p:sp>
+            <p:nvSpPr>
+              <p:cNvPr id="8" name="모서리가 둥근 직사각형 7"/>
+              <p:cNvSpPr/>
+              <p:nvPr/>
+            </p:nvSpPr>
+            <p:spPr>
+              <a:xfrm>
+                <a:off x="6058682" y="874643"/>
+                <a:ext cx="1694333" cy="3644349"/>
+              </a:xfrm>
+              <a:prstGeom prst="roundRect">
+                <a:avLst/>
+              </a:prstGeom>
+              <a:solidFill>
+                <a:srgbClr val="00B050"/>
+              </a:solidFill>
+              <a:ln>
+                <a:noFill/>
+              </a:ln>
+            </p:spPr>
+            <p:style>
+              <a:lnRef idx="2">
+                <a:schemeClr val="accent1">
+                  <a:shade val="50000"/>
+                </a:schemeClr>
+              </a:lnRef>
+              <a:fillRef idx="1">
+                <a:schemeClr val="accent1"/>
+              </a:fillRef>
+              <a:effectRef idx="0">
+                <a:schemeClr val="accent1"/>
+              </a:effectRef>
+              <a:fontRef idx="minor">
+                <a:schemeClr val="lt1"/>
+              </a:fontRef>
+            </p:style>
+            <p:txBody>
+              <a:bodyPr rtlCol="0" anchor="ctr"/>
+              <a:lstStyle/>
+              <a:p>
+                <a:pPr algn="ctr"/>
+                <a:endParaRPr lang="ko-KR" altLang="en-US"/>
+              </a:p>
+            </p:txBody>
+          </p:sp>
+        </p:grpSp>
+        <p:sp>
+          <p:nvSpPr>
+            <p:cNvPr id="14" name="타원 13"/>
+            <p:cNvSpPr/>
+            <p:nvPr/>
+          </p:nvSpPr>
+          <p:spPr>
+            <a:xfrm>
+              <a:off x="5781727" y="1377694"/>
+              <a:ext cx="119553" cy="119553"/>
+            </a:xfrm>
+            <a:prstGeom prst="ellipse">
+              <a:avLst/>
+            </a:prstGeom>
+          </p:spPr>
+          <p:style>
+            <a:lnRef idx="2">
+              <a:schemeClr val="dk1">
+                <a:shade val="50000"/>
+              </a:schemeClr>
+            </a:lnRef>
+            <a:fillRef idx="1">
+              <a:schemeClr val="dk1"/>
+            </a:fillRef>
+            <a:effectRef idx="0">
+              <a:schemeClr val="dk1"/>
+            </a:effectRef>
+            <a:fontRef idx="minor">
+              <a:schemeClr val="lt1"/>
+            </a:fontRef>
+          </p:style>
+          <p:txBody>
+            <a:bodyPr rtlCol="0" anchor="ctr"/>
+            <a:lstStyle/>
+            <a:p>
+              <a:pPr algn="ctr"/>
+              <a:endParaRPr lang="ko-KR" altLang="en-US"/>
+            </a:p>
+          </p:txBody>
+        </p:sp>
+      </p:grpSp>
+      <p:sp>
+        <p:nvSpPr>
+          <p:cNvPr id="18" name="TextBox 17"/>
+          <p:cNvSpPr txBox="1"/>
+          <p:nvPr/>
+        </p:nvSpPr>
+        <p:spPr>
+          <a:xfrm>
+            <a:off x="6696582" y="1818810"/>
+            <a:ext cx="3495052" cy="769441"/>
+          </a:xfrm>
+          <a:prstGeom prst="rect">
+            <a:avLst/>
+          </a:prstGeom>
+          <a:noFill/>
+        </p:spPr>
+        <p:txBody>
+          <a:bodyPr wrap="square" rtlCol="0">
+            <a:spAutoFit/>
+          </a:bodyPr>
+          <a:lstStyle/>
+          <a:p>
+            <a:r>
+              <a:rPr lang="en-US" altLang="ko-KR" sz="4400" b="1" dirty="0" smtClean="0">
+                <a:solidFill>
+                  <a:srgbClr val="FFFF00"/>
+                </a:solidFill>
+              </a:rPr>
+              <a:t>???????</a:t>
+            </a:r>
+            <a:endParaRPr lang="ko-KR" altLang="en-US" sz="4400" b="1" dirty="0">
+              <a:solidFill>
+                <a:srgbClr val="FFFF00"/>
+              </a:solidFill>
+            </a:endParaRPr>
+          </a:p>
+        </p:txBody>
+      </p:sp>
+    </p:spTree>
+    <p:extLst>
+      <p:ext uri="{BB962C8B-B14F-4D97-AF65-F5344CB8AC3E}">
+        <p14:creationId xmlns:p14="http://schemas.microsoft.com/office/powerpoint/2010/main" val="2160609096"/>
+      </p:ext>
+    </p:extLst>
+  </p:cSld>
+  <p:clrMapOvr>
+    <a:masterClrMapping/>
+  </p:clrMapOvr>
+  <p:timing>
+    <p:tnLst>
+      <p:par>
+        <p:cTn id="1" dur="indefinite" restart="never" nodeType="tmRoot"/>
+      </p:par>
+    </p:tnLst>
+  </p:timing>
+</p:sld>
+</file>
+
+<file path=ppt/slides/slide4.xml><?xml version="1.0" encoding="utf-8"?>
+<p:sld xmlns:a="http://schemas.openxmlformats.org/drawingml/2006/main" xmlns:r="http://schemas.openxmlformats.org/officeDocument/2006/relationships" xmlns:p="http://schemas.openxmlformats.org/presentationml/2006/main">
+  <p:cSld>
+    <p:spTree>
+      <p:nvGrpSpPr>
+        <p:cNvPr id="1" name=""/>
+        <p:cNvGrpSpPr/>
+        <p:nvPr/>
+      </p:nvGrpSpPr>
+      <p:grpSpPr>
+        <a:xfrm>
+          <a:off x="0" y="0"/>
+          <a:ext cx="0" cy="0"/>
+          <a:chOff x="0" y="0"/>
+          <a:chExt cx="0" cy="0"/>
+        </a:xfrm>
+      </p:grpSpPr>
+      <p:sp>
+        <p:nvSpPr>
+          <p:cNvPr id="2" name="제목 1"/>
+          <p:cNvSpPr>
+            <a:spLocks noGrp="1"/>
+          </p:cNvSpPr>
+          <p:nvPr>
+            <p:ph type="title"/>
+          </p:nvPr>
+        </p:nvSpPr>
+        <p:spPr/>
+        <p:txBody>
+          <a:bodyPr/>
+          <a:lstStyle/>
+          <a:p>
+            <a:endParaRPr lang="ko-KR" altLang="en-US"/>
+          </a:p>
+        </p:txBody>
+      </p:sp>
+      <p:sp>
+        <p:nvSpPr>
+          <p:cNvPr id="3" name="내용 개체 틀 2"/>
+          <p:cNvSpPr>
+            <a:spLocks noGrp="1"/>
+          </p:cNvSpPr>
+          <p:nvPr>
+            <p:ph idx="1"/>
+          </p:nvPr>
+        </p:nvSpPr>
+        <p:spPr/>
+        <p:txBody>
+          <a:bodyPr/>
+          <a:lstStyle/>
+          <a:p>
+            <a:endParaRPr lang="ko-KR" altLang="en-US"/>
+          </a:p>
+        </p:txBody>
+      </p:sp>
+      <p:sp>
+        <p:nvSpPr>
+          <p:cNvPr id="4" name="직사각형 3"/>
+          <p:cNvSpPr/>
+          <p:nvPr/>
+        </p:nvSpPr>
+        <p:spPr>
+          <a:xfrm>
+            <a:off x="0" y="0"/>
+            <a:ext cx="12192000" cy="6858000"/>
+          </a:xfrm>
+          <a:prstGeom prst="rect">
+            <a:avLst/>
+          </a:prstGeom>
+          <a:gradFill>
+            <a:gsLst>
+              <a:gs pos="0">
+                <a:schemeClr val="tx2">
+                  <a:lumMod val="50000"/>
+                </a:schemeClr>
+              </a:gs>
+              <a:gs pos="42000">
+                <a:schemeClr val="accent2">
+                  <a:lumMod val="75000"/>
+                </a:schemeClr>
+              </a:gs>
+              <a:gs pos="100000">
+                <a:schemeClr val="accent2">
+                  <a:lumMod val="60000"/>
+                  <a:lumOff val="40000"/>
+                </a:schemeClr>
+              </a:gs>
+            </a:gsLst>
+            <a:lin ang="5400000" scaled="1"/>
+          </a:gradFill>
+          <a:ln>
+            <a:noFill/>
+          </a:ln>
+        </p:spPr>
+        <p:style>
+          <a:lnRef idx="2">
+            <a:schemeClr val="accent1">
+              <a:shade val="50000"/>
+            </a:schemeClr>
+          </a:lnRef>
+          <a:fillRef idx="1">
+            <a:schemeClr val="accent1"/>
+          </a:fillRef>
+          <a:effectRef idx="0">
+            <a:schemeClr val="accent1"/>
+          </a:effectRef>
+          <a:fontRef idx="minor">
+            <a:schemeClr val="lt1"/>
+          </a:fontRef>
+        </p:style>
+        <p:txBody>
+          <a:bodyPr rtlCol="0" anchor="ctr"/>
+          <a:lstStyle/>
+          <a:p>
+            <a:pPr algn="ctr"/>
+            <a:endParaRPr lang="ko-KR" altLang="en-US"/>
+          </a:p>
+        </p:txBody>
+      </p:sp>
+      <p:sp>
+        <p:nvSpPr>
+          <p:cNvPr id="5" name="순서도: 지연 4"/>
+          <p:cNvSpPr/>
+          <p:nvPr/>
+        </p:nvSpPr>
+        <p:spPr>
+          <a:xfrm rot="16200000">
+            <a:off x="5516218" y="182216"/>
+            <a:ext cx="1159565" cy="12192002"/>
+          </a:xfrm>
+          <a:prstGeom prst="flowChartDelay">
+            <a:avLst/>
+          </a:prstGeom>
+          <a:solidFill>
+            <a:schemeClr val="accent2">
+              <a:lumMod val="50000"/>
+            </a:schemeClr>
+          </a:solidFill>
+          <a:ln>
+            <a:noFill/>
+          </a:ln>
+        </p:spPr>
+        <p:style>
+          <a:lnRef idx="2">
+            <a:schemeClr val="accent1">
+              <a:shade val="50000"/>
+            </a:schemeClr>
+          </a:lnRef>
+          <a:fillRef idx="1">
+            <a:schemeClr val="accent1"/>
+          </a:fillRef>
+          <a:effectRef idx="0">
+            <a:schemeClr val="accent1"/>
+          </a:effectRef>
+          <a:fontRef idx="minor">
+            <a:schemeClr val="lt1"/>
+          </a:fontRef>
+        </p:style>
+        <p:txBody>
+          <a:bodyPr rtlCol="0" anchor="ctr"/>
+          <a:lstStyle/>
+          <a:p>
+            <a:pPr algn="ctr"/>
+            <a:endParaRPr lang="ko-KR" altLang="en-US"/>
+          </a:p>
+        </p:txBody>
+      </p:sp>
+      <p:sp>
+        <p:nvSpPr>
+          <p:cNvPr id="40" name="모서리가 둥근 직사각형 39"/>
+          <p:cNvSpPr/>
+          <p:nvPr/>
+        </p:nvSpPr>
+        <p:spPr>
+          <a:xfrm>
+            <a:off x="5113847" y="3877289"/>
+            <a:ext cx="1203612" cy="2798350"/>
+          </a:xfrm>
+          <a:prstGeom prst="roundRect">
+            <a:avLst/>
+          </a:prstGeom>
+          <a:solidFill>
+            <a:srgbClr val="00B050"/>
+          </a:solidFill>
+          <a:ln>
+            <a:noFill/>
+          </a:ln>
+        </p:spPr>
+        <p:style>
+          <a:lnRef idx="2">
+            <a:schemeClr val="accent1">
+              <a:shade val="50000"/>
+            </a:schemeClr>
+          </a:lnRef>
+          <a:fillRef idx="1">
+            <a:schemeClr val="accent1"/>
+          </a:fillRef>
+          <a:effectRef idx="0">
+            <a:schemeClr val="accent1"/>
+          </a:effectRef>
+          <a:fontRef idx="minor">
+            <a:schemeClr val="lt1"/>
+          </a:fontRef>
+        </p:style>
+        <p:txBody>
+          <a:bodyPr rtlCol="0" anchor="ctr"/>
+          <a:lstStyle/>
+          <a:p>
+            <a:pPr algn="ctr"/>
+            <a:endParaRPr lang="ko-KR" altLang="en-US"/>
+          </a:p>
+        </p:txBody>
+      </p:sp>
+      <p:sp>
+        <p:nvSpPr>
+          <p:cNvPr id="50" name="포인트가 7개인 별 49"/>
+          <p:cNvSpPr/>
+          <p:nvPr/>
+        </p:nvSpPr>
+        <p:spPr>
+          <a:xfrm>
+            <a:off x="6431091" y="1988215"/>
+            <a:ext cx="1726484" cy="1726484"/>
+          </a:xfrm>
+          <a:prstGeom prst="star7">
+            <a:avLst>
+              <a:gd name="adj" fmla="val 41820"/>
+              <a:gd name="hf" fmla="val 102572"/>
+              <a:gd name="vf" fmla="val 105210"/>
+            </a:avLst>
+          </a:prstGeom>
+          <a:solidFill>
+            <a:srgbClr val="C00000"/>
+          </a:solidFill>
+          <a:ln>
+            <a:solidFill>
+              <a:srgbClr val="FF0000"/>
+            </a:solidFill>
+          </a:ln>
+          <a:effectLst>
+            <a:glow rad="228600">
+              <a:schemeClr val="accent2">
+                <a:satMod val="175000"/>
+                <a:alpha val="40000"/>
+              </a:schemeClr>
+            </a:glow>
+          </a:effectLst>
+        </p:spPr>
+        <p:style>
+          <a:lnRef idx="2">
+            <a:schemeClr val="accent1">
+              <a:shade val="50000"/>
+            </a:schemeClr>
+          </a:lnRef>
+          <a:fillRef idx="1">
+            <a:schemeClr val="accent1"/>
+          </a:fillRef>
+          <a:effectRef idx="0">
+            <a:schemeClr val="accent1"/>
+          </a:effectRef>
+          <a:fontRef idx="minor">
+            <a:schemeClr val="lt1"/>
+          </a:fontRef>
+        </p:style>
+        <p:txBody>
+          <a:bodyPr rtlCol="0" anchor="ctr"/>
+          <a:lstStyle/>
+          <a:p>
+            <a:pPr algn="ctr"/>
+            <a:endParaRPr lang="ko-KR" altLang="en-US"/>
+          </a:p>
+        </p:txBody>
+      </p:sp>
+      <p:grpSp>
+        <p:nvGrpSpPr>
+          <p:cNvPr id="17" name="그룹 16"/>
+          <p:cNvGrpSpPr/>
+          <p:nvPr/>
+        </p:nvGrpSpPr>
+        <p:grpSpPr>
+          <a:xfrm>
+            <a:off x="838198" y="1451413"/>
+            <a:ext cx="2872408" cy="2497962"/>
+            <a:chOff x="838198" y="1451413"/>
+            <a:chExt cx="2872408" cy="2497962"/>
+          </a:xfrm>
+        </p:grpSpPr>
+        <p:sp>
+          <p:nvSpPr>
+            <p:cNvPr id="41" name="포인트가 7개인 별 40"/>
+            <p:cNvSpPr/>
+            <p:nvPr/>
+          </p:nvSpPr>
+          <p:spPr>
+            <a:xfrm>
+              <a:off x="838198" y="2902453"/>
+              <a:ext cx="1046922" cy="1046922"/>
+            </a:xfrm>
+            <a:prstGeom prst="star7">
+              <a:avLst>
+                <a:gd name="adj" fmla="val 41820"/>
+                <a:gd name="hf" fmla="val 102572"/>
+                <a:gd name="vf" fmla="val 105210"/>
+              </a:avLst>
+            </a:prstGeom>
+            <a:solidFill>
+              <a:srgbClr val="C00000"/>
+            </a:solidFill>
+            <a:ln>
+              <a:solidFill>
+                <a:srgbClr val="FF0000"/>
+              </a:solidFill>
+            </a:ln>
+            <a:effectLst>
+              <a:glow rad="228600">
+                <a:schemeClr val="accent2">
+                  <a:satMod val="175000"/>
+                  <a:alpha val="40000"/>
+                </a:schemeClr>
+              </a:glow>
+            </a:effectLst>
+          </p:spPr>
+          <p:style>
+            <a:lnRef idx="2">
+              <a:schemeClr val="accent1">
+                <a:shade val="50000"/>
+              </a:schemeClr>
+            </a:lnRef>
+            <a:fillRef idx="1">
+              <a:schemeClr val="accent1"/>
+            </a:fillRef>
+            <a:effectRef idx="0">
+              <a:schemeClr val="accent1"/>
+            </a:effectRef>
+            <a:fontRef idx="minor">
+              <a:schemeClr val="lt1"/>
+            </a:fontRef>
+          </p:style>
+          <p:txBody>
+            <a:bodyPr rtlCol="0" anchor="ctr"/>
+            <a:lstStyle/>
+            <a:p>
+              <a:pPr algn="ctr"/>
+              <a:endParaRPr lang="ko-KR" altLang="en-US"/>
+            </a:p>
+          </p:txBody>
+        </p:sp>
+        <p:grpSp>
+          <p:nvGrpSpPr>
+            <p:cNvPr id="42" name="그룹 41"/>
+            <p:cNvGrpSpPr/>
+            <p:nvPr/>
+          </p:nvGrpSpPr>
+          <p:grpSpPr>
+            <a:xfrm>
+              <a:off x="870148" y="1451413"/>
+              <a:ext cx="2840458" cy="2493809"/>
+              <a:chOff x="1277654" y="334213"/>
+              <a:chExt cx="2840458" cy="2493809"/>
+            </a:xfrm>
+          </p:grpSpPr>
+          <p:grpSp>
+            <p:nvGrpSpPr>
+              <p:cNvPr id="58" name="그룹 57"/>
+              <p:cNvGrpSpPr/>
+              <p:nvPr/>
+            </p:nvGrpSpPr>
+            <p:grpSpPr>
+              <a:xfrm rot="523735">
+                <a:off x="1679712" y="334213"/>
+                <a:ext cx="2438400" cy="2182383"/>
+                <a:chOff x="1570972" y="963183"/>
+                <a:chExt cx="1588164" cy="1444487"/>
+              </a:xfrm>
+            </p:grpSpPr>
+            <p:sp>
+              <p:nvSpPr>
+                <p:cNvPr id="60" name="사다리꼴 59"/>
+                <p:cNvSpPr/>
+                <p:nvPr/>
+              </p:nvSpPr>
+              <p:spPr>
+                <a:xfrm rot="13105639">
+                  <a:off x="2001626" y="963183"/>
+                  <a:ext cx="318436" cy="1444487"/>
+                </a:xfrm>
+                <a:prstGeom prst="trapezoid">
+                  <a:avLst/>
+                </a:prstGeom>
+                <a:solidFill>
+                  <a:srgbClr val="FF0000">
+                    <a:alpha val="60000"/>
+                  </a:srgbClr>
+                </a:solidFill>
+                <a:ln>
+                  <a:solidFill>
+                    <a:srgbClr val="FF0000"/>
+                  </a:solidFill>
+                </a:ln>
+              </p:spPr>
+              <p:style>
+                <a:lnRef idx="2">
+                  <a:schemeClr val="accent1">
+                    <a:shade val="50000"/>
+                  </a:schemeClr>
+                </a:lnRef>
+                <a:fillRef idx="1">
+                  <a:schemeClr val="accent1"/>
+                </a:fillRef>
+                <a:effectRef idx="0">
+                  <a:schemeClr val="accent1"/>
+                </a:effectRef>
+                <a:fontRef idx="minor">
+                  <a:schemeClr val="lt1"/>
+                </a:fontRef>
+              </p:style>
+              <p:txBody>
+                <a:bodyPr rtlCol="0" anchor="ctr"/>
+                <a:lstStyle/>
+                <a:p>
+                  <a:pPr algn="ctr"/>
+                  <a:endParaRPr lang="ko-KR" altLang="en-US"/>
+                </a:p>
+              </p:txBody>
+            </p:sp>
+            <p:sp>
+              <p:nvSpPr>
+                <p:cNvPr id="61" name="사다리꼴 60"/>
+                <p:cNvSpPr/>
+                <p:nvPr/>
+              </p:nvSpPr>
+              <p:spPr>
+                <a:xfrm rot="13500000">
+                  <a:off x="2133998" y="1066194"/>
+                  <a:ext cx="318436" cy="1444487"/>
+                </a:xfrm>
+                <a:prstGeom prst="trapezoid">
+                  <a:avLst/>
+                </a:prstGeom>
+                <a:solidFill>
+                  <a:srgbClr val="92D050">
+                    <a:alpha val="60000"/>
+                  </a:srgbClr>
+                </a:solidFill>
+                <a:ln>
+                  <a:solidFill>
+                    <a:srgbClr val="FF0000"/>
+                  </a:solidFill>
+                </a:ln>
+              </p:spPr>
+              <p:style>
+                <a:lnRef idx="2">
+                  <a:schemeClr val="accent1">
+                    <a:shade val="50000"/>
+                  </a:schemeClr>
+                </a:lnRef>
+                <a:fillRef idx="1">
+                  <a:schemeClr val="accent1"/>
+                </a:fillRef>
+                <a:effectRef idx="0">
+                  <a:schemeClr val="accent1"/>
+                </a:effectRef>
+                <a:fontRef idx="minor">
+                  <a:schemeClr val="lt1"/>
+                </a:fontRef>
+              </p:style>
+              <p:txBody>
+                <a:bodyPr rtlCol="0" anchor="ctr"/>
+                <a:lstStyle/>
+                <a:p>
+                  <a:pPr algn="ctr"/>
+                  <a:endParaRPr lang="ko-KR" altLang="en-US"/>
+                </a:p>
+              </p:txBody>
+            </p:sp>
+            <p:sp>
+              <p:nvSpPr>
+                <p:cNvPr id="62" name="사다리꼴 61"/>
+                <p:cNvSpPr/>
+                <p:nvPr/>
+              </p:nvSpPr>
+              <p:spPr>
+                <a:xfrm rot="13974070">
+                  <a:off x="2277675" y="1202616"/>
+                  <a:ext cx="318436" cy="1444487"/>
+                </a:xfrm>
+                <a:prstGeom prst="trapezoid">
+                  <a:avLst/>
+                </a:prstGeom>
+                <a:solidFill>
+                  <a:srgbClr val="FFFF00">
+                    <a:alpha val="60000"/>
+                  </a:srgbClr>
+                </a:solidFill>
+                <a:ln>
+                  <a:solidFill>
+                    <a:srgbClr val="FF0000"/>
+                  </a:solidFill>
+                </a:ln>
+              </p:spPr>
+              <p:style>
+                <a:lnRef idx="2">
+                  <a:schemeClr val="accent1">
+                    <a:shade val="50000"/>
+                  </a:schemeClr>
+                </a:lnRef>
+                <a:fillRef idx="1">
+                  <a:schemeClr val="accent1"/>
+                </a:fillRef>
+                <a:effectRef idx="0">
+                  <a:schemeClr val="accent1"/>
+                </a:effectRef>
+                <a:fontRef idx="minor">
+                  <a:schemeClr val="lt1"/>
+                </a:fontRef>
+              </p:style>
+              <p:txBody>
+                <a:bodyPr rtlCol="0" anchor="ctr"/>
+                <a:lstStyle/>
+                <a:p>
+                  <a:pPr algn="ctr"/>
+                  <a:endParaRPr lang="ko-KR" altLang="en-US"/>
+                </a:p>
+              </p:txBody>
+            </p:sp>
+          </p:grpSp>
+          <p:sp>
+            <p:nvSpPr>
+              <p:cNvPr id="59" name="포인트가 7개인 별 58"/>
+              <p:cNvSpPr/>
+              <p:nvPr/>
+            </p:nvSpPr>
+            <p:spPr>
+              <a:xfrm>
+                <a:off x="1277654" y="1781100"/>
+                <a:ext cx="1046922" cy="1046922"/>
+              </a:xfrm>
+              <a:prstGeom prst="star7">
+                <a:avLst>
+                  <a:gd name="adj" fmla="val 20164"/>
+                  <a:gd name="hf" fmla="val 102572"/>
+                  <a:gd name="vf" fmla="val 105210"/>
+                </a:avLst>
+              </a:prstGeom>
+              <a:solidFill>
+                <a:schemeClr val="accent2">
+                  <a:lumMod val="75000"/>
+                </a:schemeClr>
+              </a:solidFill>
+              <a:ln>
+                <a:solidFill>
+                  <a:srgbClr val="FF0000"/>
+                </a:solidFill>
+              </a:ln>
+            </p:spPr>
+            <p:style>
+              <a:lnRef idx="2">
+                <a:schemeClr val="accent1">
+                  <a:shade val="50000"/>
+                </a:schemeClr>
+              </a:lnRef>
+              <a:fillRef idx="1">
+                <a:schemeClr val="accent1"/>
+              </a:fillRef>
+              <a:effectRef idx="0">
+                <a:schemeClr val="accent1"/>
+              </a:effectRef>
+              <a:fontRef idx="minor">
+                <a:schemeClr val="lt1"/>
+              </a:fontRef>
+            </p:style>
+            <p:txBody>
+              <a:bodyPr rtlCol="0" anchor="ctr"/>
+              <a:lstStyle/>
+              <a:p>
+                <a:pPr algn="ctr"/>
+                <a:endParaRPr lang="ko-KR" altLang="en-US"/>
+              </a:p>
+            </p:txBody>
+          </p:sp>
+        </p:grpSp>
+      </p:grpSp>
+      <p:sp>
+        <p:nvSpPr>
+          <p:cNvPr id="63" name="포인트가 7개인 별 62"/>
+          <p:cNvSpPr/>
+          <p:nvPr/>
+        </p:nvSpPr>
+        <p:spPr>
+          <a:xfrm>
+            <a:off x="9360496" y="1076775"/>
+            <a:ext cx="1046922" cy="1046922"/>
+          </a:xfrm>
+          <a:prstGeom prst="star7">
+            <a:avLst>
+              <a:gd name="adj" fmla="val 41820"/>
+              <a:gd name="hf" fmla="val 102572"/>
+              <a:gd name="vf" fmla="val 105210"/>
+            </a:avLst>
+          </a:prstGeom>
+          <a:solidFill>
+            <a:srgbClr val="C00000"/>
+          </a:solidFill>
+          <a:ln>
+            <a:solidFill>
+              <a:srgbClr val="FF0000"/>
+            </a:solidFill>
+          </a:ln>
+          <a:effectLst>
+            <a:glow rad="228600">
+              <a:schemeClr val="accent2">
+                <a:satMod val="175000"/>
+                <a:alpha val="40000"/>
+              </a:schemeClr>
+            </a:glow>
+          </a:effectLst>
+        </p:spPr>
+        <p:style>
+          <a:lnRef idx="2">
+            <a:schemeClr val="accent1">
+              <a:shade val="50000"/>
+            </a:schemeClr>
+          </a:lnRef>
+          <a:fillRef idx="1">
+            <a:schemeClr val="accent1"/>
+          </a:fillRef>
+          <a:effectRef idx="0">
+            <a:schemeClr val="accent1"/>
+          </a:effectRef>
+          <a:fontRef idx="minor">
+            <a:schemeClr val="lt1"/>
+          </a:fontRef>
+        </p:style>
+        <p:txBody>
+          <a:bodyPr rtlCol="0" anchor="ctr"/>
+          <a:lstStyle/>
+          <a:p>
+            <a:pPr algn="ctr"/>
+            <a:endParaRPr lang="ko-KR" altLang="en-US"/>
+          </a:p>
+        </p:txBody>
+      </p:sp>
+      <p:grpSp>
+        <p:nvGrpSpPr>
+          <p:cNvPr id="64" name="그룹 63"/>
+          <p:cNvGrpSpPr/>
+          <p:nvPr/>
+        </p:nvGrpSpPr>
+        <p:grpSpPr>
+          <a:xfrm>
+            <a:off x="9392446" y="-374265"/>
+            <a:ext cx="2840458" cy="2493809"/>
+            <a:chOff x="1277654" y="334213"/>
+            <a:chExt cx="2840458" cy="2493809"/>
+          </a:xfrm>
+        </p:grpSpPr>
+        <p:grpSp>
+          <p:nvGrpSpPr>
+            <p:cNvPr id="65" name="그룹 64"/>
+            <p:cNvGrpSpPr/>
+            <p:nvPr/>
+          </p:nvGrpSpPr>
+          <p:grpSpPr>
+            <a:xfrm rot="523735">
+              <a:off x="1679712" y="334213"/>
+              <a:ext cx="2438400" cy="2182383"/>
+              <a:chOff x="1570972" y="963183"/>
+              <a:chExt cx="1588164" cy="1444487"/>
+            </a:xfrm>
+          </p:grpSpPr>
+          <p:sp>
+            <p:nvSpPr>
+              <p:cNvPr id="67" name="사다리꼴 66"/>
+              <p:cNvSpPr/>
+              <p:nvPr/>
+            </p:nvSpPr>
+            <p:spPr>
+              <a:xfrm rot="13105639">
+                <a:off x="2001626" y="963183"/>
+                <a:ext cx="318436" cy="1444487"/>
+              </a:xfrm>
+              <a:prstGeom prst="trapezoid">
+                <a:avLst/>
+              </a:prstGeom>
+              <a:solidFill>
+                <a:srgbClr val="FF0000">
+                  <a:alpha val="60000"/>
+                </a:srgbClr>
+              </a:solidFill>
+              <a:ln>
+                <a:solidFill>
+                  <a:srgbClr val="FF0000"/>
+                </a:solidFill>
+              </a:ln>
+            </p:spPr>
+            <p:style>
+              <a:lnRef idx="2">
+                <a:schemeClr val="accent1">
+                  <a:shade val="50000"/>
+                </a:schemeClr>
+              </a:lnRef>
+              <a:fillRef idx="1">
+                <a:schemeClr val="accent1"/>
+              </a:fillRef>
+              <a:effectRef idx="0">
+                <a:schemeClr val="accent1"/>
+              </a:effectRef>
+              <a:fontRef idx="minor">
+                <a:schemeClr val="lt1"/>
+              </a:fontRef>
+            </p:style>
+            <p:txBody>
+              <a:bodyPr rtlCol="0" anchor="ctr"/>
+              <a:lstStyle/>
+              <a:p>
+                <a:pPr algn="ctr"/>
+                <a:endParaRPr lang="ko-KR" altLang="en-US"/>
+              </a:p>
+            </p:txBody>
+          </p:sp>
+          <p:sp>
+            <p:nvSpPr>
+              <p:cNvPr id="68" name="사다리꼴 67"/>
+              <p:cNvSpPr/>
+              <p:nvPr/>
+            </p:nvSpPr>
+            <p:spPr>
+              <a:xfrm rot="13500000">
+                <a:off x="2133998" y="1066194"/>
+                <a:ext cx="318436" cy="1444487"/>
+              </a:xfrm>
+              <a:prstGeom prst="trapezoid">
+                <a:avLst/>
+              </a:prstGeom>
+              <a:solidFill>
+                <a:srgbClr val="92D050">
+                  <a:alpha val="60000"/>
+                </a:srgbClr>
+              </a:solidFill>
+              <a:ln>
+                <a:solidFill>
+                  <a:srgbClr val="FF0000"/>
+                </a:solidFill>
+              </a:ln>
+            </p:spPr>
+            <p:style>
+              <a:lnRef idx="2">
+                <a:schemeClr val="accent1">
+                  <a:shade val="50000"/>
+                </a:schemeClr>
+              </a:lnRef>
+              <a:fillRef idx="1">
+                <a:schemeClr val="accent1"/>
+              </a:fillRef>
+              <a:effectRef idx="0">
+                <a:schemeClr val="accent1"/>
+              </a:effectRef>
+              <a:fontRef idx="minor">
+                <a:schemeClr val="lt1"/>
+              </a:fontRef>
+            </p:style>
+            <p:txBody>
+              <a:bodyPr rtlCol="0" anchor="ctr"/>
+              <a:lstStyle/>
+              <a:p>
+                <a:pPr algn="ctr"/>
+                <a:endParaRPr lang="ko-KR" altLang="en-US"/>
+              </a:p>
+            </p:txBody>
+          </p:sp>
+          <p:sp>
+            <p:nvSpPr>
+              <p:cNvPr id="69" name="사다리꼴 68"/>
+              <p:cNvSpPr/>
+              <p:nvPr/>
+            </p:nvSpPr>
+            <p:spPr>
+              <a:xfrm rot="13974070">
+                <a:off x="2277675" y="1202616"/>
+                <a:ext cx="318436" cy="1444487"/>
+              </a:xfrm>
+              <a:prstGeom prst="trapezoid">
+                <a:avLst/>
+              </a:prstGeom>
+              <a:solidFill>
+                <a:srgbClr val="FFFF00">
+                  <a:alpha val="60000"/>
+                </a:srgbClr>
+              </a:solidFill>
+              <a:ln>
+                <a:solidFill>
+                  <a:srgbClr val="FF0000"/>
+                </a:solidFill>
+              </a:ln>
+            </p:spPr>
+            <p:style>
+              <a:lnRef idx="2">
+                <a:schemeClr val="accent1">
+                  <a:shade val="50000"/>
+                </a:schemeClr>
+              </a:lnRef>
+              <a:fillRef idx="1">
+                <a:schemeClr val="accent1"/>
+              </a:fillRef>
+              <a:effectRef idx="0">
+                <a:schemeClr val="accent1"/>
+              </a:effectRef>
+              <a:fontRef idx="minor">
+                <a:schemeClr val="lt1"/>
+              </a:fontRef>
+            </p:style>
+            <p:txBody>
+              <a:bodyPr rtlCol="0" anchor="ctr"/>
+              <a:lstStyle/>
+              <a:p>
+                <a:pPr algn="ctr"/>
+                <a:endParaRPr lang="ko-KR" altLang="en-US"/>
+              </a:p>
+            </p:txBody>
+          </p:sp>
+        </p:grpSp>
+        <p:sp>
+          <p:nvSpPr>
+            <p:cNvPr id="66" name="포인트가 7개인 별 65"/>
+            <p:cNvSpPr/>
+            <p:nvPr/>
+          </p:nvSpPr>
+          <p:spPr>
+            <a:xfrm>
+              <a:off x="1277654" y="1781100"/>
+              <a:ext cx="1046922" cy="1046922"/>
+            </a:xfrm>
+            <a:prstGeom prst="star7">
+              <a:avLst>
+                <a:gd name="adj" fmla="val 20164"/>
+                <a:gd name="hf" fmla="val 102572"/>
+                <a:gd name="vf" fmla="val 105210"/>
+              </a:avLst>
+            </a:prstGeom>
+            <a:solidFill>
+              <a:schemeClr val="accent2">
+                <a:lumMod val="75000"/>
+              </a:schemeClr>
+            </a:solidFill>
+            <a:ln>
+              <a:solidFill>
+                <a:srgbClr val="FF0000"/>
+              </a:solidFill>
+            </a:ln>
+          </p:spPr>
+          <p:style>
+            <a:lnRef idx="2">
+              <a:schemeClr val="accent1">
+                <a:shade val="50000"/>
+              </a:schemeClr>
+            </a:lnRef>
+            <a:fillRef idx="1">
+              <a:schemeClr val="accent1"/>
+            </a:fillRef>
+            <a:effectRef idx="0">
+              <a:schemeClr val="accent1"/>
+            </a:effectRef>
+            <a:fontRef idx="minor">
+              <a:schemeClr val="lt1"/>
+            </a:fontRef>
+          </p:style>
+          <p:txBody>
+            <a:bodyPr rtlCol="0" anchor="ctr"/>
+            <a:lstStyle/>
+            <a:p>
+              <a:pPr algn="ctr"/>
+              <a:endParaRPr lang="ko-KR" altLang="en-US"/>
+            </a:p>
+          </p:txBody>
+        </p:sp>
+      </p:grpSp>
+      <p:grpSp>
+        <p:nvGrpSpPr>
+          <p:cNvPr id="51" name="그룹 50"/>
+          <p:cNvGrpSpPr/>
+          <p:nvPr/>
+        </p:nvGrpSpPr>
+        <p:grpSpPr>
+          <a:xfrm>
+            <a:off x="6431091" y="-372025"/>
+            <a:ext cx="4684213" cy="4112552"/>
+            <a:chOff x="1277654" y="334213"/>
+            <a:chExt cx="2840458" cy="2493809"/>
+          </a:xfrm>
+        </p:grpSpPr>
+        <p:grpSp>
+          <p:nvGrpSpPr>
+            <p:cNvPr id="52" name="그룹 51"/>
+            <p:cNvGrpSpPr/>
+            <p:nvPr/>
+          </p:nvGrpSpPr>
+          <p:grpSpPr>
+            <a:xfrm rot="523735">
+              <a:off x="1679712" y="334213"/>
+              <a:ext cx="2438400" cy="2182383"/>
+              <a:chOff x="1570972" y="963183"/>
+              <a:chExt cx="1588164" cy="1444487"/>
+            </a:xfrm>
+          </p:grpSpPr>
+          <p:sp>
+            <p:nvSpPr>
+              <p:cNvPr id="54" name="사다리꼴 53"/>
+              <p:cNvSpPr/>
+              <p:nvPr/>
+            </p:nvSpPr>
+            <p:spPr>
+              <a:xfrm rot="13105639">
+                <a:off x="2001626" y="963183"/>
+                <a:ext cx="318436" cy="1444487"/>
+              </a:xfrm>
+              <a:prstGeom prst="trapezoid">
+                <a:avLst/>
+              </a:prstGeom>
+              <a:solidFill>
+                <a:srgbClr val="FF0000">
+                  <a:alpha val="60000"/>
+                </a:srgbClr>
+              </a:solidFill>
+              <a:ln>
+                <a:solidFill>
+                  <a:srgbClr val="FF0000"/>
+                </a:solidFill>
+              </a:ln>
+            </p:spPr>
+            <p:style>
+              <a:lnRef idx="2">
+                <a:schemeClr val="accent1">
+                  <a:shade val="50000"/>
+                </a:schemeClr>
+              </a:lnRef>
+              <a:fillRef idx="1">
+                <a:schemeClr val="accent1"/>
+              </a:fillRef>
+              <a:effectRef idx="0">
+                <a:schemeClr val="accent1"/>
+              </a:effectRef>
+              <a:fontRef idx="minor">
+                <a:schemeClr val="lt1"/>
+              </a:fontRef>
+            </p:style>
+            <p:txBody>
+              <a:bodyPr rtlCol="0" anchor="ctr"/>
+              <a:lstStyle/>
+              <a:p>
+                <a:pPr algn="ctr"/>
+                <a:endParaRPr lang="ko-KR" altLang="en-US"/>
+              </a:p>
+            </p:txBody>
+          </p:sp>
+          <p:sp>
+            <p:nvSpPr>
+              <p:cNvPr id="55" name="사다리꼴 54"/>
+              <p:cNvSpPr/>
+              <p:nvPr/>
+            </p:nvSpPr>
+            <p:spPr>
+              <a:xfrm rot="13500000">
+                <a:off x="2133998" y="1066194"/>
+                <a:ext cx="318436" cy="1444487"/>
+              </a:xfrm>
+              <a:prstGeom prst="trapezoid">
+                <a:avLst/>
+              </a:prstGeom>
+              <a:solidFill>
+                <a:srgbClr val="92D050">
+                  <a:alpha val="60000"/>
+                </a:srgbClr>
+              </a:solidFill>
+              <a:ln>
+                <a:solidFill>
+                  <a:srgbClr val="FF0000"/>
+                </a:solidFill>
+              </a:ln>
+            </p:spPr>
+            <p:style>
+              <a:lnRef idx="2">
+                <a:schemeClr val="accent1">
+                  <a:shade val="50000"/>
+                </a:schemeClr>
+              </a:lnRef>
+              <a:fillRef idx="1">
+                <a:schemeClr val="accent1"/>
+              </a:fillRef>
+              <a:effectRef idx="0">
+                <a:schemeClr val="accent1"/>
+              </a:effectRef>
+              <a:fontRef idx="minor">
+                <a:schemeClr val="lt1"/>
+              </a:fontRef>
+            </p:style>
+            <p:txBody>
+              <a:bodyPr rtlCol="0" anchor="ctr"/>
+              <a:lstStyle/>
+              <a:p>
+                <a:pPr algn="ctr"/>
+                <a:endParaRPr lang="ko-KR" altLang="en-US"/>
+              </a:p>
+            </p:txBody>
+          </p:sp>
+          <p:sp>
+            <p:nvSpPr>
+              <p:cNvPr id="56" name="사다리꼴 55"/>
+              <p:cNvSpPr/>
+              <p:nvPr/>
+            </p:nvSpPr>
+            <p:spPr>
+              <a:xfrm rot="13974070">
+                <a:off x="2277675" y="1202616"/>
+                <a:ext cx="318436" cy="1444487"/>
+              </a:xfrm>
+              <a:prstGeom prst="trapezoid">
+                <a:avLst/>
+              </a:prstGeom>
+              <a:solidFill>
+                <a:srgbClr val="FFFF00">
+                  <a:alpha val="60000"/>
+                </a:srgbClr>
+              </a:solidFill>
+              <a:ln>
+                <a:solidFill>
+                  <a:srgbClr val="FF0000"/>
+                </a:solidFill>
+              </a:ln>
+            </p:spPr>
+            <p:style>
+              <a:lnRef idx="2">
+                <a:schemeClr val="accent1">
+                  <a:shade val="50000"/>
+                </a:schemeClr>
+              </a:lnRef>
+              <a:fillRef idx="1">
+                <a:schemeClr val="accent1"/>
+              </a:fillRef>
+              <a:effectRef idx="0">
+                <a:schemeClr val="accent1"/>
+              </a:effectRef>
+              <a:fontRef idx="minor">
+                <a:schemeClr val="lt1"/>
+              </a:fontRef>
+            </p:style>
+            <p:txBody>
+              <a:bodyPr rtlCol="0" anchor="ctr"/>
+              <a:lstStyle/>
+              <a:p>
+                <a:pPr algn="ctr"/>
+                <a:endParaRPr lang="ko-KR" altLang="en-US"/>
+              </a:p>
+            </p:txBody>
+          </p:sp>
+        </p:grpSp>
+        <p:sp>
+          <p:nvSpPr>
+            <p:cNvPr id="53" name="포인트가 7개인 별 52"/>
+            <p:cNvSpPr/>
+            <p:nvPr/>
+          </p:nvSpPr>
+          <p:spPr>
+            <a:xfrm>
+              <a:off x="1277654" y="1781100"/>
+              <a:ext cx="1046922" cy="1046922"/>
+            </a:xfrm>
+            <a:prstGeom prst="star7">
+              <a:avLst>
+                <a:gd name="adj" fmla="val 20164"/>
+                <a:gd name="hf" fmla="val 102572"/>
+                <a:gd name="vf" fmla="val 105210"/>
+              </a:avLst>
+            </a:prstGeom>
+            <a:solidFill>
+              <a:schemeClr val="accent2">
+                <a:lumMod val="75000"/>
+              </a:schemeClr>
+            </a:solidFill>
+            <a:ln>
+              <a:solidFill>
+                <a:srgbClr val="FF0000"/>
+              </a:solidFill>
+            </a:ln>
+          </p:spPr>
+          <p:style>
+            <a:lnRef idx="2">
+              <a:schemeClr val="accent1">
+                <a:shade val="50000"/>
+              </a:schemeClr>
+            </a:lnRef>
+            <a:fillRef idx="1">
+              <a:schemeClr val="accent1"/>
+            </a:fillRef>
+            <a:effectRef idx="0">
+              <a:schemeClr val="accent1"/>
+            </a:effectRef>
+            <a:fontRef idx="minor">
+              <a:schemeClr val="lt1"/>
+            </a:fontRef>
+          </p:style>
+          <p:txBody>
+            <a:bodyPr rtlCol="0" anchor="ctr"/>
+            <a:lstStyle/>
+            <a:p>
+              <a:pPr algn="ctr"/>
+              <a:endParaRPr lang="ko-KR" altLang="en-US"/>
+            </a:p>
+          </p:txBody>
+        </p:sp>
+      </p:grpSp>
+      <p:grpSp>
+        <p:nvGrpSpPr>
+          <p:cNvPr id="16" name="그룹 15"/>
+          <p:cNvGrpSpPr/>
+          <p:nvPr/>
+        </p:nvGrpSpPr>
+        <p:grpSpPr>
+          <a:xfrm>
+            <a:off x="4796482" y="3877289"/>
+            <a:ext cx="1396234" cy="1079769"/>
+            <a:chOff x="4128266" y="3142504"/>
+            <a:chExt cx="2741789" cy="2120346"/>
+          </a:xfrm>
+        </p:grpSpPr>
+        <p:sp>
+          <p:nvSpPr>
+            <p:cNvPr id="71" name="모서리가 둥근 직사각형 70"/>
+            <p:cNvSpPr/>
+            <p:nvPr/>
+          </p:nvSpPr>
+          <p:spPr>
+            <a:xfrm>
+              <a:off x="4128266" y="3142504"/>
+              <a:ext cx="2496833" cy="1544871"/>
+            </a:xfrm>
+            <a:prstGeom prst="roundRect">
+              <a:avLst/>
+            </a:prstGeom>
+            <a:solidFill>
+              <a:srgbClr val="00B050"/>
+            </a:solidFill>
+            <a:ln>
+              <a:noFill/>
+            </a:ln>
+          </p:spPr>
+          <p:style>
+            <a:lnRef idx="2">
+              <a:schemeClr val="accent1">
+                <a:shade val="50000"/>
+              </a:schemeClr>
+            </a:lnRef>
+            <a:fillRef idx="1">
+              <a:schemeClr val="accent1"/>
+            </a:fillRef>
+            <a:effectRef idx="0">
+              <a:schemeClr val="accent1"/>
+            </a:effectRef>
+            <a:fontRef idx="minor">
+              <a:schemeClr val="lt1"/>
+            </a:fontRef>
+          </p:style>
+          <p:txBody>
+            <a:bodyPr rtlCol="0" anchor="ctr"/>
+            <a:lstStyle/>
+            <a:p>
+              <a:pPr algn="ctr"/>
+              <a:endParaRPr lang="ko-KR" altLang="en-US"/>
+            </a:p>
+          </p:txBody>
+        </p:sp>
+        <p:sp>
+          <p:nvSpPr>
+            <p:cNvPr id="72" name="모서리가 둥근 직사각형 71"/>
+            <p:cNvSpPr/>
+            <p:nvPr/>
+          </p:nvSpPr>
+          <p:spPr>
+            <a:xfrm rot="20250621">
+              <a:off x="4373222" y="4446306"/>
+              <a:ext cx="2496833" cy="816544"/>
+            </a:xfrm>
+            <a:prstGeom prst="roundRect">
+              <a:avLst/>
+            </a:prstGeom>
+            <a:solidFill>
+              <a:srgbClr val="00B050"/>
+            </a:solidFill>
+            <a:ln>
+              <a:noFill/>
+            </a:ln>
+          </p:spPr>
+          <p:style>
+            <a:lnRef idx="2">
+              <a:schemeClr val="accent1">
+                <a:shade val="50000"/>
+              </a:schemeClr>
+            </a:lnRef>
+            <a:fillRef idx="1">
+              <a:schemeClr val="accent1"/>
+            </a:fillRef>
+            <a:effectRef idx="0">
+              <a:schemeClr val="accent1"/>
+            </a:effectRef>
+            <a:fontRef idx="minor">
+              <a:schemeClr val="lt1"/>
+            </a:fontRef>
+          </p:style>
+          <p:txBody>
+            <a:bodyPr rtlCol="0" anchor="ctr"/>
+            <a:lstStyle/>
+            <a:p>
+              <a:pPr algn="ctr"/>
+              <a:endParaRPr lang="ko-KR" altLang="en-US"/>
+            </a:p>
+          </p:txBody>
+        </p:sp>
+      </p:grpSp>
+    </p:spTree>
+    <p:extLst>
+      <p:ext uri="{BB962C8B-B14F-4D97-AF65-F5344CB8AC3E}">
+        <p14:creationId xmlns:p14="http://schemas.microsoft.com/office/powerpoint/2010/main" val="2414672376"/>
+      </p:ext>
+    </p:extLst>
+  </p:cSld>
+  <p:clrMapOvr>
+    <a:masterClrMapping/>
+  </p:clrMapOvr>
+  <p:timing>
+    <p:tnLst>
+      <p:par>
+        <p:cTn id="1" dur="indefinite" restart="never" nodeType="tmRoot"/>
+      </p:par>
+    </p:tnLst>
+  </p:timing>
+</p:sld>
+</file>
+
+<file path=ppt/slides/slide5.xml><?xml version="1.0" encoding="utf-8"?>
+<p:sld xmlns:a="http://schemas.openxmlformats.org/drawingml/2006/main" xmlns:r="http://schemas.openxmlformats.org/officeDocument/2006/relationships" xmlns:p="http://schemas.openxmlformats.org/presentationml/2006/main">
+  <p:cSld>
+    <p:spTree>
+      <p:nvGrpSpPr>
+        <p:cNvPr id="1" name=""/>
+        <p:cNvGrpSpPr/>
+        <p:nvPr/>
+      </p:nvGrpSpPr>
+      <p:grpSpPr>
+        <a:xfrm>
+          <a:off x="0" y="0"/>
+          <a:ext cx="0" cy="0"/>
+          <a:chOff x="0" y="0"/>
+          <a:chExt cx="0" cy="0"/>
+        </a:xfrm>
+      </p:grpSpPr>
+      <p:sp>
+        <p:nvSpPr>
+          <p:cNvPr id="2" name="제목 1"/>
+          <p:cNvSpPr>
+            <a:spLocks noGrp="1"/>
+          </p:cNvSpPr>
+          <p:nvPr>
+            <p:ph type="title"/>
+          </p:nvPr>
+        </p:nvSpPr>
+        <p:spPr/>
+        <p:txBody>
+          <a:bodyPr/>
+          <a:lstStyle/>
+          <a:p>
+            <a:endParaRPr lang="ko-KR" altLang="en-US"/>
+          </a:p>
+        </p:txBody>
+      </p:sp>
+      <p:sp>
+        <p:nvSpPr>
+          <p:cNvPr id="3" name="내용 개체 틀 2"/>
+          <p:cNvSpPr>
+            <a:spLocks noGrp="1"/>
+          </p:cNvSpPr>
+          <p:nvPr>
+            <p:ph idx="1"/>
+          </p:nvPr>
+        </p:nvSpPr>
+        <p:spPr/>
+        <p:txBody>
+          <a:bodyPr/>
+          <a:lstStyle/>
+          <a:p>
+            <a:endParaRPr lang="ko-KR" altLang="en-US"/>
+          </a:p>
+        </p:txBody>
+      </p:sp>
+      <p:sp>
+        <p:nvSpPr>
+          <p:cNvPr id="4" name="직사각형 3"/>
+          <p:cNvSpPr/>
+          <p:nvPr/>
+        </p:nvSpPr>
+        <p:spPr>
+          <a:xfrm>
+            <a:off x="0" y="0"/>
+            <a:ext cx="12192000" cy="6858000"/>
+          </a:xfrm>
+          <a:prstGeom prst="rect">
+            <a:avLst/>
+          </a:prstGeom>
+          <a:gradFill>
+            <a:gsLst>
+              <a:gs pos="0">
+                <a:schemeClr val="tx2">
+                  <a:lumMod val="50000"/>
+                </a:schemeClr>
+              </a:gs>
+              <a:gs pos="42000">
+                <a:schemeClr val="accent2">
+                  <a:lumMod val="75000"/>
+                </a:schemeClr>
+              </a:gs>
+              <a:gs pos="100000">
+                <a:schemeClr val="accent2">
+                  <a:lumMod val="60000"/>
+                  <a:lumOff val="40000"/>
+                </a:schemeClr>
+              </a:gs>
+            </a:gsLst>
+            <a:lin ang="5400000" scaled="1"/>
+          </a:gradFill>
+          <a:ln>
+            <a:noFill/>
+          </a:ln>
+        </p:spPr>
+        <p:style>
+          <a:lnRef idx="2">
+            <a:schemeClr val="accent1">
+              <a:shade val="50000"/>
+            </a:schemeClr>
+          </a:lnRef>
+          <a:fillRef idx="1">
+            <a:schemeClr val="accent1"/>
+          </a:fillRef>
+          <a:effectRef idx="0">
+            <a:schemeClr val="accent1"/>
+          </a:effectRef>
+          <a:fontRef idx="minor">
+            <a:schemeClr val="lt1"/>
+          </a:fontRef>
+        </p:style>
+        <p:txBody>
+          <a:bodyPr rtlCol="0" anchor="ctr"/>
+          <a:lstStyle/>
+          <a:p>
+            <a:pPr algn="ctr"/>
+            <a:endParaRPr lang="ko-KR" altLang="en-US"/>
+          </a:p>
+        </p:txBody>
+      </p:sp>
+      <p:sp>
+        <p:nvSpPr>
+          <p:cNvPr id="5" name="순서도: 지연 4"/>
+          <p:cNvSpPr/>
+          <p:nvPr/>
+        </p:nvSpPr>
+        <p:spPr>
+          <a:xfrm rot="16200000">
+            <a:off x="5516218" y="182216"/>
+            <a:ext cx="1159565" cy="12192002"/>
+          </a:xfrm>
+          <a:prstGeom prst="flowChartDelay">
+            <a:avLst/>
+          </a:prstGeom>
+          <a:solidFill>
+            <a:schemeClr val="accent2">
+              <a:lumMod val="50000"/>
+            </a:schemeClr>
+          </a:solidFill>
+          <a:ln>
+            <a:noFill/>
+          </a:ln>
+        </p:spPr>
+        <p:style>
+          <a:lnRef idx="2">
+            <a:schemeClr val="accent1">
+              <a:shade val="50000"/>
+            </a:schemeClr>
+          </a:lnRef>
+          <a:fillRef idx="1">
+            <a:schemeClr val="accent1"/>
+          </a:fillRef>
+          <a:effectRef idx="0">
+            <a:schemeClr val="accent1"/>
+          </a:effectRef>
+          <a:fontRef idx="minor">
+            <a:schemeClr val="lt1"/>
+          </a:fontRef>
+        </p:style>
+        <p:txBody>
+          <a:bodyPr rtlCol="0" anchor="ctr"/>
+          <a:lstStyle/>
+          <a:p>
+            <a:pPr algn="ctr"/>
+            <a:endParaRPr lang="ko-KR" altLang="en-US"/>
+          </a:p>
+        </p:txBody>
+      </p:sp>
+      <p:grpSp>
+        <p:nvGrpSpPr>
+          <p:cNvPr id="16" name="그룹 15"/>
+          <p:cNvGrpSpPr/>
+          <p:nvPr/>
+        </p:nvGrpSpPr>
+        <p:grpSpPr>
+          <a:xfrm>
+            <a:off x="5311298" y="-2740146"/>
+            <a:ext cx="6535284" cy="5683347"/>
+            <a:chOff x="5926303" y="15087"/>
+            <a:chExt cx="2872408" cy="2497962"/>
+          </a:xfrm>
+        </p:grpSpPr>
+        <p:sp>
+          <p:nvSpPr>
+            <p:cNvPr id="50" name="포인트가 7개인 별 49"/>
+            <p:cNvSpPr/>
+            <p:nvPr/>
+          </p:nvSpPr>
+          <p:spPr>
+            <a:xfrm>
+              <a:off x="5926303" y="1466127"/>
+              <a:ext cx="1046922" cy="1046922"/>
+            </a:xfrm>
+            <a:prstGeom prst="star7">
+              <a:avLst>
+                <a:gd name="adj" fmla="val 41820"/>
+                <a:gd name="hf" fmla="val 102572"/>
+                <a:gd name="vf" fmla="val 105210"/>
+              </a:avLst>
+            </a:prstGeom>
+            <a:solidFill>
+              <a:srgbClr val="C00000"/>
+            </a:solidFill>
+            <a:ln>
+              <a:solidFill>
+                <a:srgbClr val="FF0000"/>
+              </a:solidFill>
+            </a:ln>
+            <a:effectLst>
+              <a:glow rad="228600">
+                <a:schemeClr val="accent2">
+                  <a:satMod val="175000"/>
+                  <a:alpha val="40000"/>
+                </a:schemeClr>
+              </a:glow>
+            </a:effectLst>
+          </p:spPr>
+          <p:style>
+            <a:lnRef idx="2">
+              <a:schemeClr val="accent1">
+                <a:shade val="50000"/>
+              </a:schemeClr>
+            </a:lnRef>
+            <a:fillRef idx="1">
+              <a:schemeClr val="accent1"/>
+            </a:fillRef>
+            <a:effectRef idx="0">
+              <a:schemeClr val="accent1"/>
+            </a:effectRef>
+            <a:fontRef idx="minor">
+              <a:schemeClr val="lt1"/>
+            </a:fontRef>
+          </p:style>
+          <p:txBody>
+            <a:bodyPr rtlCol="0" anchor="ctr"/>
+            <a:lstStyle/>
+            <a:p>
+              <a:pPr algn="ctr"/>
+              <a:endParaRPr lang="ko-KR" altLang="en-US"/>
+            </a:p>
+          </p:txBody>
+        </p:sp>
+        <p:grpSp>
+          <p:nvGrpSpPr>
+            <p:cNvPr id="51" name="그룹 50"/>
+            <p:cNvGrpSpPr/>
+            <p:nvPr/>
+          </p:nvGrpSpPr>
+          <p:grpSpPr>
+            <a:xfrm>
+              <a:off x="5958253" y="15087"/>
+              <a:ext cx="2840458" cy="2493809"/>
+              <a:chOff x="1277654" y="334213"/>
+              <a:chExt cx="2840458" cy="2493809"/>
+            </a:xfrm>
+          </p:grpSpPr>
+          <p:grpSp>
+            <p:nvGrpSpPr>
+              <p:cNvPr id="52" name="그룹 51"/>
+              <p:cNvGrpSpPr/>
+              <p:nvPr/>
+            </p:nvGrpSpPr>
+            <p:grpSpPr>
+              <a:xfrm rot="523735">
+                <a:off x="1679712" y="334213"/>
+                <a:ext cx="2438400" cy="2182383"/>
+                <a:chOff x="1570972" y="963183"/>
+                <a:chExt cx="1588164" cy="1444487"/>
+              </a:xfrm>
+            </p:grpSpPr>
+            <p:sp>
+              <p:nvSpPr>
+                <p:cNvPr id="54" name="사다리꼴 53"/>
+                <p:cNvSpPr/>
+                <p:nvPr/>
+              </p:nvSpPr>
+              <p:spPr>
+                <a:xfrm rot="13105639">
+                  <a:off x="2001626" y="963183"/>
+                  <a:ext cx="318436" cy="1444487"/>
+                </a:xfrm>
+                <a:prstGeom prst="trapezoid">
+                  <a:avLst/>
+                </a:prstGeom>
+                <a:solidFill>
+                  <a:srgbClr val="FF0000">
+                    <a:alpha val="60000"/>
+                  </a:srgbClr>
+                </a:solidFill>
+                <a:ln>
+                  <a:solidFill>
+                    <a:srgbClr val="FF0000"/>
+                  </a:solidFill>
+                </a:ln>
+              </p:spPr>
+              <p:style>
+                <a:lnRef idx="2">
+                  <a:schemeClr val="accent1">
+                    <a:shade val="50000"/>
+                  </a:schemeClr>
+                </a:lnRef>
+                <a:fillRef idx="1">
+                  <a:schemeClr val="accent1"/>
+                </a:fillRef>
+                <a:effectRef idx="0">
+                  <a:schemeClr val="accent1"/>
+                </a:effectRef>
+                <a:fontRef idx="minor">
+                  <a:schemeClr val="lt1"/>
+                </a:fontRef>
+              </p:style>
+              <p:txBody>
+                <a:bodyPr rtlCol="0" anchor="ctr"/>
+                <a:lstStyle/>
+                <a:p>
+                  <a:pPr algn="ctr"/>
+                  <a:endParaRPr lang="ko-KR" altLang="en-US"/>
+                </a:p>
+              </p:txBody>
+            </p:sp>
+            <p:sp>
+              <p:nvSpPr>
+                <p:cNvPr id="55" name="사다리꼴 54"/>
+                <p:cNvSpPr/>
+                <p:nvPr/>
+              </p:nvSpPr>
+              <p:spPr>
+                <a:xfrm rot="13500000">
+                  <a:off x="2133998" y="1066194"/>
+                  <a:ext cx="318436" cy="1444487"/>
+                </a:xfrm>
+                <a:prstGeom prst="trapezoid">
+                  <a:avLst/>
+                </a:prstGeom>
+                <a:solidFill>
+                  <a:srgbClr val="92D050">
+                    <a:alpha val="60000"/>
+                  </a:srgbClr>
+                </a:solidFill>
+                <a:ln>
+                  <a:solidFill>
+                    <a:srgbClr val="FF0000"/>
+                  </a:solidFill>
+                </a:ln>
+              </p:spPr>
+              <p:style>
+                <a:lnRef idx="2">
+                  <a:schemeClr val="accent1">
+                    <a:shade val="50000"/>
+                  </a:schemeClr>
+                </a:lnRef>
+                <a:fillRef idx="1">
+                  <a:schemeClr val="accent1"/>
+                </a:fillRef>
+                <a:effectRef idx="0">
+                  <a:schemeClr val="accent1"/>
+                </a:effectRef>
+                <a:fontRef idx="minor">
+                  <a:schemeClr val="lt1"/>
+                </a:fontRef>
+              </p:style>
+              <p:txBody>
+                <a:bodyPr rtlCol="0" anchor="ctr"/>
+                <a:lstStyle/>
+                <a:p>
+                  <a:pPr algn="ctr"/>
+                  <a:endParaRPr lang="ko-KR" altLang="en-US"/>
+                </a:p>
+              </p:txBody>
+            </p:sp>
+            <p:sp>
+              <p:nvSpPr>
+                <p:cNvPr id="56" name="사다리꼴 55"/>
+                <p:cNvSpPr/>
+                <p:nvPr/>
+              </p:nvSpPr>
+              <p:spPr>
+                <a:xfrm rot="13974070">
+                  <a:off x="2277675" y="1202616"/>
+                  <a:ext cx="318436" cy="1444487"/>
+                </a:xfrm>
+                <a:prstGeom prst="trapezoid">
+                  <a:avLst/>
+                </a:prstGeom>
+                <a:solidFill>
+                  <a:srgbClr val="FFFF00">
+                    <a:alpha val="60000"/>
+                  </a:srgbClr>
+                </a:solidFill>
+                <a:ln>
+                  <a:solidFill>
+                    <a:srgbClr val="FF0000"/>
+                  </a:solidFill>
+                </a:ln>
+              </p:spPr>
+              <p:style>
+                <a:lnRef idx="2">
+                  <a:schemeClr val="accent1">
+                    <a:shade val="50000"/>
+                  </a:schemeClr>
+                </a:lnRef>
+                <a:fillRef idx="1">
+                  <a:schemeClr val="accent1"/>
+                </a:fillRef>
+                <a:effectRef idx="0">
+                  <a:schemeClr val="accent1"/>
+                </a:effectRef>
+                <a:fontRef idx="minor">
+                  <a:schemeClr val="lt1"/>
+                </a:fontRef>
+              </p:style>
+              <p:txBody>
+                <a:bodyPr rtlCol="0" anchor="ctr"/>
+                <a:lstStyle/>
+                <a:p>
+                  <a:pPr algn="ctr"/>
+                  <a:endParaRPr lang="ko-KR" altLang="en-US"/>
+                </a:p>
+              </p:txBody>
+            </p:sp>
+          </p:grpSp>
+          <p:sp>
+            <p:nvSpPr>
+              <p:cNvPr id="53" name="포인트가 7개인 별 52"/>
+              <p:cNvSpPr/>
+              <p:nvPr/>
+            </p:nvSpPr>
+            <p:spPr>
+              <a:xfrm>
+                <a:off x="1277654" y="1781100"/>
+                <a:ext cx="1046922" cy="1046922"/>
+              </a:xfrm>
+              <a:prstGeom prst="star7">
+                <a:avLst>
+                  <a:gd name="adj" fmla="val 20164"/>
+                  <a:gd name="hf" fmla="val 102572"/>
+                  <a:gd name="vf" fmla="val 105210"/>
+                </a:avLst>
+              </a:prstGeom>
+              <a:solidFill>
+                <a:schemeClr val="accent2">
+                  <a:lumMod val="75000"/>
+                </a:schemeClr>
+              </a:solidFill>
+              <a:ln>
+                <a:solidFill>
+                  <a:srgbClr val="FF0000"/>
+                </a:solidFill>
+              </a:ln>
+            </p:spPr>
+            <p:style>
+              <a:lnRef idx="2">
+                <a:schemeClr val="accent1">
+                  <a:shade val="50000"/>
+                </a:schemeClr>
+              </a:lnRef>
+              <a:fillRef idx="1">
+                <a:schemeClr val="accent1"/>
+              </a:fillRef>
+              <a:effectRef idx="0">
+                <a:schemeClr val="accent1"/>
+              </a:effectRef>
+              <a:fontRef idx="minor">
+                <a:schemeClr val="lt1"/>
+              </a:fontRef>
+            </p:style>
+            <p:txBody>
+              <a:bodyPr rtlCol="0" anchor="ctr"/>
+              <a:lstStyle/>
+              <a:p>
+                <a:pPr algn="ctr"/>
+                <a:endParaRPr lang="ko-KR" altLang="en-US"/>
+              </a:p>
+            </p:txBody>
+          </p:sp>
+        </p:grpSp>
+      </p:grpSp>
+      <p:grpSp>
+        <p:nvGrpSpPr>
+          <p:cNvPr id="12" name="그룹 11"/>
+          <p:cNvGrpSpPr/>
+          <p:nvPr/>
+        </p:nvGrpSpPr>
+        <p:grpSpPr>
+          <a:xfrm>
+            <a:off x="2667470" y="2278471"/>
+            <a:ext cx="2841883" cy="4318571"/>
+            <a:chOff x="4911132" y="874643"/>
+            <a:chExt cx="2841883" cy="3644349"/>
+          </a:xfrm>
+        </p:grpSpPr>
+        <p:sp>
+          <p:nvSpPr>
+            <p:cNvPr id="6" name="모서리가 둥근 직사각형 5"/>
+            <p:cNvSpPr/>
+            <p:nvPr/>
+          </p:nvSpPr>
+          <p:spPr>
+            <a:xfrm>
+              <a:off x="4911132" y="874643"/>
+              <a:ext cx="2496833" cy="1303683"/>
+            </a:xfrm>
+            <a:prstGeom prst="roundRect">
+              <a:avLst/>
+            </a:prstGeom>
+            <a:solidFill>
+              <a:srgbClr val="00B050"/>
+            </a:solidFill>
+            <a:ln>
+              <a:noFill/>
+            </a:ln>
+          </p:spPr>
+          <p:style>
+            <a:lnRef idx="2">
+              <a:schemeClr val="accent1">
+                <a:shade val="50000"/>
+              </a:schemeClr>
+            </a:lnRef>
+            <a:fillRef idx="1">
+              <a:schemeClr val="accent1"/>
+            </a:fillRef>
+            <a:effectRef idx="0">
+              <a:schemeClr val="accent1"/>
+            </a:effectRef>
+            <a:fontRef idx="minor">
+              <a:schemeClr val="lt1"/>
+            </a:fontRef>
+          </p:style>
+          <p:txBody>
+            <a:bodyPr rtlCol="0" anchor="ctr"/>
+            <a:lstStyle/>
+            <a:p>
+              <a:pPr algn="ctr"/>
+              <a:endParaRPr lang="ko-KR" altLang="en-US"/>
+            </a:p>
+          </p:txBody>
+        </p:sp>
+        <p:sp>
+          <p:nvSpPr>
+            <p:cNvPr id="32" name="모서리가 둥근 직사각형 31"/>
+            <p:cNvSpPr/>
+            <p:nvPr/>
+          </p:nvSpPr>
+          <p:spPr>
+            <a:xfrm rot="20250621">
+              <a:off x="5156088" y="1974893"/>
+              <a:ext cx="2496833" cy="689064"/>
+            </a:xfrm>
+            <a:prstGeom prst="roundRect">
+              <a:avLst/>
+            </a:prstGeom>
+            <a:solidFill>
+              <a:srgbClr val="00B050"/>
+            </a:solidFill>
+            <a:ln>
+              <a:noFill/>
+            </a:ln>
+          </p:spPr>
+          <p:style>
+            <a:lnRef idx="2">
+              <a:schemeClr val="accent1">
+                <a:shade val="50000"/>
+              </a:schemeClr>
+            </a:lnRef>
+            <a:fillRef idx="1">
+              <a:schemeClr val="accent1"/>
+            </a:fillRef>
+            <a:effectRef idx="0">
+              <a:schemeClr val="accent1"/>
+            </a:effectRef>
+            <a:fontRef idx="minor">
+              <a:schemeClr val="lt1"/>
+            </a:fontRef>
+          </p:style>
+          <p:txBody>
+            <a:bodyPr rtlCol="0" anchor="ctr"/>
+            <a:lstStyle/>
+            <a:p>
+              <a:pPr algn="ctr"/>
+              <a:endParaRPr lang="ko-KR" altLang="en-US"/>
+            </a:p>
+          </p:txBody>
+        </p:sp>
+        <p:sp>
+          <p:nvSpPr>
+            <p:cNvPr id="8" name="모서리가 둥근 직사각형 7"/>
+            <p:cNvSpPr/>
+            <p:nvPr/>
+          </p:nvSpPr>
+          <p:spPr>
+            <a:xfrm>
+              <a:off x="6058682" y="874643"/>
+              <a:ext cx="1694333" cy="3644349"/>
+            </a:xfrm>
+            <a:prstGeom prst="roundRect">
+              <a:avLst/>
+            </a:prstGeom>
+            <a:solidFill>
+              <a:srgbClr val="00B050"/>
+            </a:solidFill>
+            <a:ln>
+              <a:noFill/>
+            </a:ln>
+          </p:spPr>
+          <p:style>
+            <a:lnRef idx="2">
+              <a:schemeClr val="accent1">
+                <a:shade val="50000"/>
+              </a:schemeClr>
+            </a:lnRef>
+            <a:fillRef idx="1">
+              <a:schemeClr val="accent1"/>
+            </a:fillRef>
+            <a:effectRef idx="0">
+              <a:schemeClr val="accent1"/>
+            </a:effectRef>
+            <a:fontRef idx="minor">
+              <a:schemeClr val="lt1"/>
+            </a:fontRef>
+          </p:style>
+          <p:txBody>
+            <a:bodyPr rtlCol="0" anchor="ctr"/>
+            <a:lstStyle/>
+            <a:p>
+              <a:pPr algn="ctr"/>
+              <a:endParaRPr lang="ko-KR" altLang="en-US"/>
+            </a:p>
+          </p:txBody>
+        </p:sp>
+      </p:grpSp>
+      <p:sp>
+        <p:nvSpPr>
+          <p:cNvPr id="35" name="타원 34"/>
+          <p:cNvSpPr/>
+          <p:nvPr/>
+        </p:nvSpPr>
+        <p:spPr>
+          <a:xfrm>
+            <a:off x="3359795" y="2872366"/>
+            <a:ext cx="119553" cy="141671"/>
+          </a:xfrm>
+          <a:prstGeom prst="ellipse">
+            <a:avLst/>
+          </a:prstGeom>
+        </p:spPr>
+        <p:style>
+          <a:lnRef idx="2">
+            <a:schemeClr val="dk1">
+              <a:shade val="50000"/>
+            </a:schemeClr>
+          </a:lnRef>
+          <a:fillRef idx="1">
+            <a:schemeClr val="dk1"/>
+          </a:fillRef>
+          <a:effectRef idx="0">
+            <a:schemeClr val="dk1"/>
+          </a:effectRef>
+          <a:fontRef idx="minor">
+            <a:schemeClr val="lt1"/>
+          </a:fontRef>
+        </p:style>
+        <p:txBody>
+          <a:bodyPr rtlCol="0" anchor="ctr"/>
+          <a:lstStyle/>
+          <a:p>
+            <a:pPr algn="ctr"/>
+            <a:endParaRPr lang="ko-KR" altLang="en-US"/>
+          </a:p>
+        </p:txBody>
+      </p:sp>
+      <p:grpSp>
+        <p:nvGrpSpPr>
+          <p:cNvPr id="59" name="그룹 58"/>
+          <p:cNvGrpSpPr/>
+          <p:nvPr/>
+        </p:nvGrpSpPr>
+        <p:grpSpPr>
+          <a:xfrm>
+            <a:off x="713291" y="4082059"/>
+            <a:ext cx="1075546" cy="935338"/>
+            <a:chOff x="838198" y="1451413"/>
+            <a:chExt cx="2872408" cy="2497962"/>
+          </a:xfrm>
+        </p:grpSpPr>
+        <p:sp>
+          <p:nvSpPr>
+            <p:cNvPr id="60" name="포인트가 7개인 별 59"/>
+            <p:cNvSpPr/>
+            <p:nvPr/>
+          </p:nvSpPr>
+          <p:spPr>
+            <a:xfrm>
+              <a:off x="838198" y="2902453"/>
+              <a:ext cx="1046922" cy="1046922"/>
+            </a:xfrm>
+            <a:prstGeom prst="star7">
+              <a:avLst>
+                <a:gd name="adj" fmla="val 41820"/>
+                <a:gd name="hf" fmla="val 102572"/>
+                <a:gd name="vf" fmla="val 105210"/>
+              </a:avLst>
+            </a:prstGeom>
+            <a:solidFill>
+              <a:srgbClr val="C00000"/>
+            </a:solidFill>
+            <a:ln>
+              <a:solidFill>
+                <a:srgbClr val="FF0000"/>
+              </a:solidFill>
+            </a:ln>
+            <a:effectLst>
+              <a:glow rad="228600">
+                <a:schemeClr val="accent2">
+                  <a:satMod val="175000"/>
+                  <a:alpha val="40000"/>
+                </a:schemeClr>
+              </a:glow>
+            </a:effectLst>
+          </p:spPr>
+          <p:style>
+            <a:lnRef idx="2">
+              <a:schemeClr val="accent1">
+                <a:shade val="50000"/>
+              </a:schemeClr>
+            </a:lnRef>
+            <a:fillRef idx="1">
+              <a:schemeClr val="accent1"/>
+            </a:fillRef>
+            <a:effectRef idx="0">
+              <a:schemeClr val="accent1"/>
+            </a:effectRef>
+            <a:fontRef idx="minor">
+              <a:schemeClr val="lt1"/>
+            </a:fontRef>
+          </p:style>
+          <p:txBody>
+            <a:bodyPr rtlCol="0" anchor="ctr"/>
+            <a:lstStyle/>
+            <a:p>
+              <a:pPr algn="ctr"/>
+              <a:endParaRPr lang="ko-KR" altLang="en-US"/>
+            </a:p>
+          </p:txBody>
+        </p:sp>
+        <p:grpSp>
+          <p:nvGrpSpPr>
+            <p:cNvPr id="61" name="그룹 60"/>
+            <p:cNvGrpSpPr/>
+            <p:nvPr/>
+          </p:nvGrpSpPr>
+          <p:grpSpPr>
+            <a:xfrm>
+              <a:off x="870148" y="1451413"/>
+              <a:ext cx="2840458" cy="2493809"/>
+              <a:chOff x="1277654" y="334213"/>
+              <a:chExt cx="2840458" cy="2493809"/>
+            </a:xfrm>
+          </p:grpSpPr>
+          <p:grpSp>
+            <p:nvGrpSpPr>
+              <p:cNvPr id="62" name="그룹 61"/>
+              <p:cNvGrpSpPr/>
+              <p:nvPr/>
+            </p:nvGrpSpPr>
+            <p:grpSpPr>
+              <a:xfrm rot="523735">
+                <a:off x="1679712" y="334213"/>
+                <a:ext cx="2438400" cy="2182383"/>
+                <a:chOff x="1570972" y="963183"/>
+                <a:chExt cx="1588164" cy="1444487"/>
+              </a:xfrm>
+            </p:grpSpPr>
+            <p:sp>
+              <p:nvSpPr>
+                <p:cNvPr id="64" name="사다리꼴 63"/>
+                <p:cNvSpPr/>
+                <p:nvPr/>
+              </p:nvSpPr>
+              <p:spPr>
+                <a:xfrm rot="13105639">
+                  <a:off x="2001626" y="963183"/>
+                  <a:ext cx="318436" cy="1444487"/>
+                </a:xfrm>
+                <a:prstGeom prst="trapezoid">
+                  <a:avLst/>
+                </a:prstGeom>
+                <a:solidFill>
+                  <a:srgbClr val="FF0000">
+                    <a:alpha val="60000"/>
+                  </a:srgbClr>
+                </a:solidFill>
+                <a:ln>
+                  <a:solidFill>
+                    <a:srgbClr val="FF0000"/>
+                  </a:solidFill>
+                </a:ln>
+              </p:spPr>
+              <p:style>
+                <a:lnRef idx="2">
+                  <a:schemeClr val="accent1">
+                    <a:shade val="50000"/>
+                  </a:schemeClr>
+                </a:lnRef>
+                <a:fillRef idx="1">
+                  <a:schemeClr val="accent1"/>
+                </a:fillRef>
+                <a:effectRef idx="0">
+                  <a:schemeClr val="accent1"/>
+                </a:effectRef>
+                <a:fontRef idx="minor">
+                  <a:schemeClr val="lt1"/>
+                </a:fontRef>
+              </p:style>
+              <p:txBody>
+                <a:bodyPr rtlCol="0" anchor="ctr"/>
+                <a:lstStyle/>
+                <a:p>
+                  <a:pPr algn="ctr"/>
+                  <a:endParaRPr lang="ko-KR" altLang="en-US"/>
+                </a:p>
+              </p:txBody>
+            </p:sp>
+            <p:sp>
+              <p:nvSpPr>
+                <p:cNvPr id="65" name="사다리꼴 64"/>
+                <p:cNvSpPr/>
+                <p:nvPr/>
+              </p:nvSpPr>
+              <p:spPr>
+                <a:xfrm rot="13500000">
+                  <a:off x="2133998" y="1066194"/>
+                  <a:ext cx="318436" cy="1444487"/>
+                </a:xfrm>
+                <a:prstGeom prst="trapezoid">
+                  <a:avLst/>
+                </a:prstGeom>
+                <a:solidFill>
+                  <a:srgbClr val="92D050">
+                    <a:alpha val="60000"/>
+                  </a:srgbClr>
+                </a:solidFill>
+                <a:ln>
+                  <a:solidFill>
+                    <a:srgbClr val="FF0000"/>
+                  </a:solidFill>
+                </a:ln>
+              </p:spPr>
+              <p:style>
+                <a:lnRef idx="2">
+                  <a:schemeClr val="accent1">
+                    <a:shade val="50000"/>
+                  </a:schemeClr>
+                </a:lnRef>
+                <a:fillRef idx="1">
+                  <a:schemeClr val="accent1"/>
+                </a:fillRef>
+                <a:effectRef idx="0">
+                  <a:schemeClr val="accent1"/>
+                </a:effectRef>
+                <a:fontRef idx="minor">
+                  <a:schemeClr val="lt1"/>
+                </a:fontRef>
+              </p:style>
+              <p:txBody>
+                <a:bodyPr rtlCol="0" anchor="ctr"/>
+                <a:lstStyle/>
+                <a:p>
+                  <a:pPr algn="ctr"/>
+                  <a:endParaRPr lang="ko-KR" altLang="en-US"/>
+                </a:p>
+              </p:txBody>
+            </p:sp>
+            <p:sp>
+              <p:nvSpPr>
+                <p:cNvPr id="66" name="사다리꼴 65"/>
+                <p:cNvSpPr/>
+                <p:nvPr/>
+              </p:nvSpPr>
+              <p:spPr>
+                <a:xfrm rot="13974070">
+                  <a:off x="2277675" y="1202616"/>
+                  <a:ext cx="318436" cy="1444487"/>
+                </a:xfrm>
+                <a:prstGeom prst="trapezoid">
+                  <a:avLst/>
+                </a:prstGeom>
+                <a:solidFill>
+                  <a:srgbClr val="FFFF00">
+                    <a:alpha val="60000"/>
+                  </a:srgbClr>
+                </a:solidFill>
+                <a:ln>
+                  <a:solidFill>
+                    <a:srgbClr val="FF0000"/>
+                  </a:solidFill>
+                </a:ln>
+              </p:spPr>
+              <p:style>
+                <a:lnRef idx="2">
+                  <a:schemeClr val="accent1">
+                    <a:shade val="50000"/>
+                  </a:schemeClr>
+                </a:lnRef>
+                <a:fillRef idx="1">
+                  <a:schemeClr val="accent1"/>
+                </a:fillRef>
+                <a:effectRef idx="0">
+                  <a:schemeClr val="accent1"/>
+                </a:effectRef>
+                <a:fontRef idx="minor">
+                  <a:schemeClr val="lt1"/>
+                </a:fontRef>
+              </p:style>
+              <p:txBody>
+                <a:bodyPr rtlCol="0" anchor="ctr"/>
+                <a:lstStyle/>
+                <a:p>
+                  <a:pPr algn="ctr"/>
+                  <a:endParaRPr lang="ko-KR" altLang="en-US"/>
+                </a:p>
+              </p:txBody>
+            </p:sp>
+          </p:grpSp>
+          <p:sp>
+            <p:nvSpPr>
+              <p:cNvPr id="63" name="포인트가 7개인 별 62"/>
+              <p:cNvSpPr/>
+              <p:nvPr/>
+            </p:nvSpPr>
+            <p:spPr>
+              <a:xfrm>
+                <a:off x="1277654" y="1781100"/>
+                <a:ext cx="1046922" cy="1046922"/>
+              </a:xfrm>
+              <a:prstGeom prst="star7">
+                <a:avLst>
+                  <a:gd name="adj" fmla="val 20164"/>
+                  <a:gd name="hf" fmla="val 102572"/>
+                  <a:gd name="vf" fmla="val 105210"/>
+                </a:avLst>
+              </a:prstGeom>
+              <a:solidFill>
+                <a:schemeClr val="accent2">
+                  <a:lumMod val="75000"/>
+                </a:schemeClr>
+              </a:solidFill>
+              <a:ln>
+                <a:solidFill>
+                  <a:srgbClr val="FF0000"/>
+                </a:solidFill>
+              </a:ln>
+            </p:spPr>
+            <p:style>
+              <a:lnRef idx="2">
+                <a:schemeClr val="accent1">
+                  <a:shade val="50000"/>
+                </a:schemeClr>
+              </a:lnRef>
+              <a:fillRef idx="1">
+                <a:schemeClr val="accent1"/>
+              </a:fillRef>
+              <a:effectRef idx="0">
+                <a:schemeClr val="accent1"/>
+              </a:effectRef>
+              <a:fontRef idx="minor">
+                <a:schemeClr val="lt1"/>
+              </a:fontRef>
+            </p:style>
+            <p:txBody>
+              <a:bodyPr rtlCol="0" anchor="ctr"/>
+              <a:lstStyle/>
+              <a:p>
+                <a:pPr algn="ctr"/>
+                <a:endParaRPr lang="ko-KR" altLang="en-US"/>
+              </a:p>
+            </p:txBody>
+          </p:sp>
+        </p:grpSp>
+      </p:grpSp>
+      <p:grpSp>
+        <p:nvGrpSpPr>
+          <p:cNvPr id="67" name="그룹 66"/>
+          <p:cNvGrpSpPr/>
+          <p:nvPr/>
+        </p:nvGrpSpPr>
+        <p:grpSpPr>
+          <a:xfrm>
+            <a:off x="2881798" y="779174"/>
+            <a:ext cx="1075546" cy="935338"/>
+            <a:chOff x="838198" y="1451413"/>
+            <a:chExt cx="2872408" cy="2497962"/>
+          </a:xfrm>
+        </p:grpSpPr>
+        <p:sp>
+          <p:nvSpPr>
+            <p:cNvPr id="68" name="포인트가 7개인 별 67"/>
+            <p:cNvSpPr/>
+            <p:nvPr/>
+          </p:nvSpPr>
+          <p:spPr>
+            <a:xfrm>
+              <a:off x="838198" y="2902453"/>
+              <a:ext cx="1046922" cy="1046922"/>
+            </a:xfrm>
+            <a:prstGeom prst="star7">
+              <a:avLst>
+                <a:gd name="adj" fmla="val 41820"/>
+                <a:gd name="hf" fmla="val 102572"/>
+                <a:gd name="vf" fmla="val 105210"/>
+              </a:avLst>
+            </a:prstGeom>
+            <a:solidFill>
+              <a:srgbClr val="C00000"/>
+            </a:solidFill>
+            <a:ln>
+              <a:solidFill>
+                <a:srgbClr val="FF0000"/>
+              </a:solidFill>
+            </a:ln>
+            <a:effectLst>
+              <a:glow rad="228600">
+                <a:schemeClr val="accent2">
+                  <a:satMod val="175000"/>
+                  <a:alpha val="40000"/>
+                </a:schemeClr>
+              </a:glow>
+            </a:effectLst>
+          </p:spPr>
+          <p:style>
+            <a:lnRef idx="2">
+              <a:schemeClr val="accent1">
+                <a:shade val="50000"/>
+              </a:schemeClr>
+            </a:lnRef>
+            <a:fillRef idx="1">
+              <a:schemeClr val="accent1"/>
+            </a:fillRef>
+            <a:effectRef idx="0">
+              <a:schemeClr val="accent1"/>
+            </a:effectRef>
+            <a:fontRef idx="minor">
+              <a:schemeClr val="lt1"/>
+            </a:fontRef>
+          </p:style>
+          <p:txBody>
+            <a:bodyPr rtlCol="0" anchor="ctr"/>
+            <a:lstStyle/>
+            <a:p>
+              <a:pPr algn="ctr"/>
+              <a:endParaRPr lang="ko-KR" altLang="en-US"/>
+            </a:p>
+          </p:txBody>
+        </p:sp>
+        <p:grpSp>
+          <p:nvGrpSpPr>
+            <p:cNvPr id="69" name="그룹 68"/>
+            <p:cNvGrpSpPr/>
+            <p:nvPr/>
+          </p:nvGrpSpPr>
+          <p:grpSpPr>
+            <a:xfrm>
+              <a:off x="870148" y="1451413"/>
+              <a:ext cx="2840458" cy="2493809"/>
+              <a:chOff x="1277654" y="334213"/>
+              <a:chExt cx="2840458" cy="2493809"/>
+            </a:xfrm>
+          </p:grpSpPr>
+          <p:grpSp>
+            <p:nvGrpSpPr>
+              <p:cNvPr id="70" name="그룹 69"/>
+              <p:cNvGrpSpPr/>
+              <p:nvPr/>
+            </p:nvGrpSpPr>
+            <p:grpSpPr>
+              <a:xfrm rot="523735">
+                <a:off x="1679712" y="334213"/>
+                <a:ext cx="2438400" cy="2182383"/>
+                <a:chOff x="1570972" y="963183"/>
+                <a:chExt cx="1588164" cy="1444487"/>
+              </a:xfrm>
+            </p:grpSpPr>
+            <p:sp>
+              <p:nvSpPr>
+                <p:cNvPr id="72" name="사다리꼴 71"/>
+                <p:cNvSpPr/>
+                <p:nvPr/>
+              </p:nvSpPr>
+              <p:spPr>
+                <a:xfrm rot="13105639">
+                  <a:off x="2001626" y="963183"/>
+                  <a:ext cx="318436" cy="1444487"/>
+                </a:xfrm>
+                <a:prstGeom prst="trapezoid">
+                  <a:avLst/>
+                </a:prstGeom>
+                <a:solidFill>
+                  <a:srgbClr val="FF0000">
+                    <a:alpha val="60000"/>
+                  </a:srgbClr>
+                </a:solidFill>
+                <a:ln>
+                  <a:solidFill>
+                    <a:srgbClr val="FF0000"/>
+                  </a:solidFill>
+                </a:ln>
+              </p:spPr>
+              <p:style>
+                <a:lnRef idx="2">
+                  <a:schemeClr val="accent1">
+                    <a:shade val="50000"/>
+                  </a:schemeClr>
+                </a:lnRef>
+                <a:fillRef idx="1">
+                  <a:schemeClr val="accent1"/>
+                </a:fillRef>
+                <a:effectRef idx="0">
+                  <a:schemeClr val="accent1"/>
+                </a:effectRef>
+                <a:fontRef idx="minor">
+                  <a:schemeClr val="lt1"/>
+                </a:fontRef>
+              </p:style>
+              <p:txBody>
+                <a:bodyPr rtlCol="0" anchor="ctr"/>
+                <a:lstStyle/>
+                <a:p>
+                  <a:pPr algn="ctr"/>
+                  <a:endParaRPr lang="ko-KR" altLang="en-US"/>
+                </a:p>
+              </p:txBody>
+            </p:sp>
+            <p:sp>
+              <p:nvSpPr>
+                <p:cNvPr id="73" name="사다리꼴 72"/>
+                <p:cNvSpPr/>
+                <p:nvPr/>
+              </p:nvSpPr>
+              <p:spPr>
+                <a:xfrm rot="13500000">
+                  <a:off x="2133998" y="1066194"/>
+                  <a:ext cx="318436" cy="1444487"/>
+                </a:xfrm>
+                <a:prstGeom prst="trapezoid">
+                  <a:avLst/>
+                </a:prstGeom>
+                <a:solidFill>
+                  <a:srgbClr val="92D050">
+                    <a:alpha val="60000"/>
+                  </a:srgbClr>
+                </a:solidFill>
+                <a:ln>
+                  <a:solidFill>
+                    <a:srgbClr val="FF0000"/>
+                  </a:solidFill>
+                </a:ln>
+              </p:spPr>
+              <p:style>
+                <a:lnRef idx="2">
+                  <a:schemeClr val="accent1">
+                    <a:shade val="50000"/>
+                  </a:schemeClr>
+                </a:lnRef>
+                <a:fillRef idx="1">
+                  <a:schemeClr val="accent1"/>
+                </a:fillRef>
+                <a:effectRef idx="0">
+                  <a:schemeClr val="accent1"/>
+                </a:effectRef>
+                <a:fontRef idx="minor">
+                  <a:schemeClr val="lt1"/>
+                </a:fontRef>
+              </p:style>
+              <p:txBody>
+                <a:bodyPr rtlCol="0" anchor="ctr"/>
+                <a:lstStyle/>
+                <a:p>
+                  <a:pPr algn="ctr"/>
+                  <a:endParaRPr lang="ko-KR" altLang="en-US"/>
+                </a:p>
+              </p:txBody>
+            </p:sp>
+            <p:sp>
+              <p:nvSpPr>
+                <p:cNvPr id="74" name="사다리꼴 73"/>
+                <p:cNvSpPr/>
+                <p:nvPr/>
+              </p:nvSpPr>
+              <p:spPr>
+                <a:xfrm rot="13974070">
+                  <a:off x="2277675" y="1202616"/>
+                  <a:ext cx="318436" cy="1444487"/>
+                </a:xfrm>
+                <a:prstGeom prst="trapezoid">
+                  <a:avLst/>
+                </a:prstGeom>
+                <a:solidFill>
+                  <a:srgbClr val="FFFF00">
+                    <a:alpha val="60000"/>
+                  </a:srgbClr>
+                </a:solidFill>
+                <a:ln>
+                  <a:solidFill>
+                    <a:srgbClr val="FF0000"/>
+                  </a:solidFill>
+                </a:ln>
+              </p:spPr>
+              <p:style>
+                <a:lnRef idx="2">
+                  <a:schemeClr val="accent1">
+                    <a:shade val="50000"/>
+                  </a:schemeClr>
+                </a:lnRef>
+                <a:fillRef idx="1">
+                  <a:schemeClr val="accent1"/>
+                </a:fillRef>
+                <a:effectRef idx="0">
+                  <a:schemeClr val="accent1"/>
+                </a:effectRef>
+                <a:fontRef idx="minor">
+                  <a:schemeClr val="lt1"/>
+                </a:fontRef>
+              </p:style>
+              <p:txBody>
+                <a:bodyPr rtlCol="0" anchor="ctr"/>
+                <a:lstStyle/>
+                <a:p>
+                  <a:pPr algn="ctr"/>
+                  <a:endParaRPr lang="ko-KR" altLang="en-US"/>
+                </a:p>
+              </p:txBody>
+            </p:sp>
+          </p:grpSp>
+          <p:sp>
+            <p:nvSpPr>
+              <p:cNvPr id="71" name="포인트가 7개인 별 70"/>
+              <p:cNvSpPr/>
+              <p:nvPr/>
+            </p:nvSpPr>
+            <p:spPr>
+              <a:xfrm>
+                <a:off x="1277654" y="1781100"/>
+                <a:ext cx="1046922" cy="1046922"/>
+              </a:xfrm>
+              <a:prstGeom prst="star7">
+                <a:avLst>
+                  <a:gd name="adj" fmla="val 20164"/>
+                  <a:gd name="hf" fmla="val 102572"/>
+                  <a:gd name="vf" fmla="val 105210"/>
+                </a:avLst>
+              </a:prstGeom>
+              <a:solidFill>
+                <a:schemeClr val="accent2">
+                  <a:lumMod val="75000"/>
+                </a:schemeClr>
+              </a:solidFill>
+              <a:ln>
+                <a:solidFill>
+                  <a:srgbClr val="FF0000"/>
+                </a:solidFill>
+              </a:ln>
+            </p:spPr>
+            <p:style>
+              <a:lnRef idx="2">
+                <a:schemeClr val="accent1">
+                  <a:shade val="50000"/>
+                </a:schemeClr>
+              </a:lnRef>
+              <a:fillRef idx="1">
+                <a:schemeClr val="accent1"/>
+              </a:fillRef>
+              <a:effectRef idx="0">
+                <a:schemeClr val="accent1"/>
+              </a:effectRef>
+              <a:fontRef idx="minor">
+                <a:schemeClr val="lt1"/>
+              </a:fontRef>
+            </p:style>
+            <p:txBody>
+              <a:bodyPr rtlCol="0" anchor="ctr"/>
+              <a:lstStyle/>
+              <a:p>
+                <a:pPr algn="ctr"/>
+                <a:endParaRPr lang="ko-KR" altLang="en-US"/>
+              </a:p>
+            </p:txBody>
+          </p:sp>
+        </p:grpSp>
+      </p:grpSp>
+      <p:grpSp>
+        <p:nvGrpSpPr>
+          <p:cNvPr id="75" name="그룹 74"/>
+          <p:cNvGrpSpPr/>
+          <p:nvPr/>
+        </p:nvGrpSpPr>
+        <p:grpSpPr>
+          <a:xfrm>
+            <a:off x="8441550" y="3812948"/>
+            <a:ext cx="1075546" cy="935338"/>
+            <a:chOff x="838198" y="1451413"/>
+            <a:chExt cx="2872408" cy="2497962"/>
+          </a:xfrm>
+        </p:grpSpPr>
+        <p:sp>
+          <p:nvSpPr>
+            <p:cNvPr id="76" name="포인트가 7개인 별 75"/>
+            <p:cNvSpPr/>
+            <p:nvPr/>
+          </p:nvSpPr>
+          <p:spPr>
+            <a:xfrm>
+              <a:off x="838198" y="2902453"/>
+              <a:ext cx="1046922" cy="1046922"/>
+            </a:xfrm>
+            <a:prstGeom prst="star7">
+              <a:avLst>
+                <a:gd name="adj" fmla="val 41820"/>
+                <a:gd name="hf" fmla="val 102572"/>
+                <a:gd name="vf" fmla="val 105210"/>
+              </a:avLst>
+            </a:prstGeom>
+            <a:solidFill>
+              <a:srgbClr val="C00000"/>
+            </a:solidFill>
+            <a:ln>
+              <a:solidFill>
+                <a:srgbClr val="FF0000"/>
+              </a:solidFill>
+            </a:ln>
+            <a:effectLst>
+              <a:glow rad="228600">
+                <a:schemeClr val="accent2">
+                  <a:satMod val="175000"/>
+                  <a:alpha val="40000"/>
+                </a:schemeClr>
+              </a:glow>
+            </a:effectLst>
+          </p:spPr>
+          <p:style>
+            <a:lnRef idx="2">
+              <a:schemeClr val="accent1">
+                <a:shade val="50000"/>
+              </a:schemeClr>
+            </a:lnRef>
+            <a:fillRef idx="1">
+              <a:schemeClr val="accent1"/>
+            </a:fillRef>
+            <a:effectRef idx="0">
+              <a:schemeClr val="accent1"/>
+            </a:effectRef>
+            <a:fontRef idx="minor">
+              <a:schemeClr val="lt1"/>
+            </a:fontRef>
+          </p:style>
+          <p:txBody>
+            <a:bodyPr rtlCol="0" anchor="ctr"/>
+            <a:lstStyle/>
+            <a:p>
+              <a:pPr algn="ctr"/>
+              <a:endParaRPr lang="ko-KR" altLang="en-US"/>
+            </a:p>
+          </p:txBody>
+        </p:sp>
+        <p:grpSp>
+          <p:nvGrpSpPr>
+            <p:cNvPr id="77" name="그룹 76"/>
+            <p:cNvGrpSpPr/>
+            <p:nvPr/>
+          </p:nvGrpSpPr>
+          <p:grpSpPr>
+            <a:xfrm>
+              <a:off x="870148" y="1451413"/>
+              <a:ext cx="2840458" cy="2493809"/>
+              <a:chOff x="1277654" y="334213"/>
+              <a:chExt cx="2840458" cy="2493809"/>
+            </a:xfrm>
+          </p:grpSpPr>
+          <p:grpSp>
+            <p:nvGrpSpPr>
+              <p:cNvPr id="78" name="그룹 77"/>
+              <p:cNvGrpSpPr/>
+              <p:nvPr/>
+            </p:nvGrpSpPr>
+            <p:grpSpPr>
+              <a:xfrm rot="523735">
+                <a:off x="1679712" y="334213"/>
+                <a:ext cx="2438400" cy="2182383"/>
+                <a:chOff x="1570972" y="963183"/>
+                <a:chExt cx="1588164" cy="1444487"/>
+              </a:xfrm>
+            </p:grpSpPr>
+            <p:sp>
+              <p:nvSpPr>
+                <p:cNvPr id="80" name="사다리꼴 79"/>
+                <p:cNvSpPr/>
+                <p:nvPr/>
+              </p:nvSpPr>
+              <p:spPr>
+                <a:xfrm rot="13105639">
+                  <a:off x="2001626" y="963183"/>
+                  <a:ext cx="318436" cy="1444487"/>
+                </a:xfrm>
+                <a:prstGeom prst="trapezoid">
+                  <a:avLst/>
+                </a:prstGeom>
+                <a:solidFill>
+                  <a:srgbClr val="FF0000">
+                    <a:alpha val="60000"/>
+                  </a:srgbClr>
+                </a:solidFill>
+                <a:ln>
+                  <a:solidFill>
+                    <a:srgbClr val="FF0000"/>
+                  </a:solidFill>
+                </a:ln>
+              </p:spPr>
+              <p:style>
+                <a:lnRef idx="2">
+                  <a:schemeClr val="accent1">
+                    <a:shade val="50000"/>
+                  </a:schemeClr>
+                </a:lnRef>
+                <a:fillRef idx="1">
+                  <a:schemeClr val="accent1"/>
+                </a:fillRef>
+                <a:effectRef idx="0">
+                  <a:schemeClr val="accent1"/>
+                </a:effectRef>
+                <a:fontRef idx="minor">
+                  <a:schemeClr val="lt1"/>
+                </a:fontRef>
+              </p:style>
+              <p:txBody>
+                <a:bodyPr rtlCol="0" anchor="ctr"/>
+                <a:lstStyle/>
+                <a:p>
+                  <a:pPr algn="ctr"/>
+                  <a:endParaRPr lang="ko-KR" altLang="en-US"/>
+                </a:p>
+              </p:txBody>
+            </p:sp>
+            <p:sp>
+              <p:nvSpPr>
+                <p:cNvPr id="81" name="사다리꼴 80"/>
+                <p:cNvSpPr/>
+                <p:nvPr/>
+              </p:nvSpPr>
+              <p:spPr>
+                <a:xfrm rot="13500000">
+                  <a:off x="2133998" y="1066194"/>
+                  <a:ext cx="318436" cy="1444487"/>
+                </a:xfrm>
+                <a:prstGeom prst="trapezoid">
+                  <a:avLst/>
+                </a:prstGeom>
+                <a:solidFill>
+                  <a:srgbClr val="92D050">
+                    <a:alpha val="60000"/>
+                  </a:srgbClr>
+                </a:solidFill>
+                <a:ln>
+                  <a:solidFill>
+                    <a:srgbClr val="FF0000"/>
+                  </a:solidFill>
+                </a:ln>
+              </p:spPr>
+              <p:style>
+                <a:lnRef idx="2">
+                  <a:schemeClr val="accent1">
+                    <a:shade val="50000"/>
+                  </a:schemeClr>
+                </a:lnRef>
+                <a:fillRef idx="1">
+                  <a:schemeClr val="accent1"/>
+                </a:fillRef>
+                <a:effectRef idx="0">
+                  <a:schemeClr val="accent1"/>
+                </a:effectRef>
+                <a:fontRef idx="minor">
+                  <a:schemeClr val="lt1"/>
+                </a:fontRef>
+              </p:style>
+              <p:txBody>
+                <a:bodyPr rtlCol="0" anchor="ctr"/>
+                <a:lstStyle/>
+                <a:p>
+                  <a:pPr algn="ctr"/>
+                  <a:endParaRPr lang="ko-KR" altLang="en-US"/>
+                </a:p>
+              </p:txBody>
+            </p:sp>
+            <p:sp>
+              <p:nvSpPr>
+                <p:cNvPr id="82" name="사다리꼴 81"/>
+                <p:cNvSpPr/>
+                <p:nvPr/>
+              </p:nvSpPr>
+              <p:spPr>
+                <a:xfrm rot="13974070">
+                  <a:off x="2277675" y="1202616"/>
+                  <a:ext cx="318436" cy="1444487"/>
+                </a:xfrm>
+                <a:prstGeom prst="trapezoid">
+                  <a:avLst/>
+                </a:prstGeom>
+                <a:solidFill>
+                  <a:srgbClr val="FFFF00">
+                    <a:alpha val="60000"/>
+                  </a:srgbClr>
+                </a:solidFill>
+                <a:ln>
+                  <a:solidFill>
+                    <a:srgbClr val="FF0000"/>
+                  </a:solidFill>
+                </a:ln>
+              </p:spPr>
+              <p:style>
+                <a:lnRef idx="2">
+                  <a:schemeClr val="accent1">
+                    <a:shade val="50000"/>
+                  </a:schemeClr>
+                </a:lnRef>
+                <a:fillRef idx="1">
+                  <a:schemeClr val="accent1"/>
+                </a:fillRef>
+                <a:effectRef idx="0">
+                  <a:schemeClr val="accent1"/>
+                </a:effectRef>
+                <a:fontRef idx="minor">
+                  <a:schemeClr val="lt1"/>
+                </a:fontRef>
+              </p:style>
+              <p:txBody>
+                <a:bodyPr rtlCol="0" anchor="ctr"/>
+                <a:lstStyle/>
+                <a:p>
+                  <a:pPr algn="ctr"/>
+                  <a:endParaRPr lang="ko-KR" altLang="en-US"/>
+                </a:p>
+              </p:txBody>
+            </p:sp>
+          </p:grpSp>
+          <p:sp>
+            <p:nvSpPr>
+              <p:cNvPr id="79" name="포인트가 7개인 별 78"/>
+              <p:cNvSpPr/>
+              <p:nvPr/>
+            </p:nvSpPr>
+            <p:spPr>
+              <a:xfrm>
+                <a:off x="1277654" y="1781100"/>
+                <a:ext cx="1046922" cy="1046922"/>
+              </a:xfrm>
+              <a:prstGeom prst="star7">
+                <a:avLst>
+                  <a:gd name="adj" fmla="val 20164"/>
+                  <a:gd name="hf" fmla="val 102572"/>
+                  <a:gd name="vf" fmla="val 105210"/>
+                </a:avLst>
+              </a:prstGeom>
+              <a:solidFill>
+                <a:schemeClr val="accent2">
+                  <a:lumMod val="75000"/>
+                </a:schemeClr>
+              </a:solidFill>
+              <a:ln>
+                <a:solidFill>
+                  <a:srgbClr val="FF0000"/>
+                </a:solidFill>
+              </a:ln>
+            </p:spPr>
+            <p:style>
+              <a:lnRef idx="2">
+                <a:schemeClr val="accent1">
+                  <a:shade val="50000"/>
+                </a:schemeClr>
+              </a:lnRef>
+              <a:fillRef idx="1">
+                <a:schemeClr val="accent1"/>
+              </a:fillRef>
+              <a:effectRef idx="0">
+                <a:schemeClr val="accent1"/>
+              </a:effectRef>
+              <a:fontRef idx="minor">
+                <a:schemeClr val="lt1"/>
+              </a:fontRef>
+            </p:style>
+            <p:txBody>
+              <a:bodyPr rtlCol="0" anchor="ctr"/>
+              <a:lstStyle/>
+              <a:p>
+                <a:pPr algn="ctr"/>
+                <a:endParaRPr lang="ko-KR" altLang="en-US"/>
+              </a:p>
+            </p:txBody>
+          </p:sp>
+        </p:grpSp>
+      </p:grpSp>
+      <p:grpSp>
+        <p:nvGrpSpPr>
+          <p:cNvPr id="83" name="그룹 82"/>
+          <p:cNvGrpSpPr/>
+          <p:nvPr/>
+        </p:nvGrpSpPr>
+        <p:grpSpPr>
+          <a:xfrm>
+            <a:off x="10433614" y="1373735"/>
+            <a:ext cx="1075546" cy="935338"/>
+            <a:chOff x="838198" y="1451413"/>
+            <a:chExt cx="2872408" cy="2497962"/>
+          </a:xfrm>
+        </p:grpSpPr>
+        <p:sp>
+          <p:nvSpPr>
+            <p:cNvPr id="84" name="포인트가 7개인 별 83"/>
+            <p:cNvSpPr/>
+            <p:nvPr/>
+          </p:nvSpPr>
+          <p:spPr>
+            <a:xfrm>
+              <a:off x="838198" y="2902453"/>
+              <a:ext cx="1046922" cy="1046922"/>
+            </a:xfrm>
+            <a:prstGeom prst="star7">
+              <a:avLst>
+                <a:gd name="adj" fmla="val 41820"/>
+                <a:gd name="hf" fmla="val 102572"/>
+                <a:gd name="vf" fmla="val 105210"/>
+              </a:avLst>
+            </a:prstGeom>
+            <a:solidFill>
+              <a:srgbClr val="C00000"/>
+            </a:solidFill>
+            <a:ln>
+              <a:solidFill>
+                <a:srgbClr val="FF0000"/>
+              </a:solidFill>
+            </a:ln>
+            <a:effectLst>
+              <a:glow rad="228600">
+                <a:schemeClr val="accent2">
+                  <a:satMod val="175000"/>
+                  <a:alpha val="40000"/>
+                </a:schemeClr>
+              </a:glow>
+            </a:effectLst>
+          </p:spPr>
+          <p:style>
+            <a:lnRef idx="2">
+              <a:schemeClr val="accent1">
+                <a:shade val="50000"/>
+              </a:schemeClr>
+            </a:lnRef>
+            <a:fillRef idx="1">
+              <a:schemeClr val="accent1"/>
+            </a:fillRef>
+            <a:effectRef idx="0">
+              <a:schemeClr val="accent1"/>
+            </a:effectRef>
+            <a:fontRef idx="minor">
+              <a:schemeClr val="lt1"/>
+            </a:fontRef>
+          </p:style>
+          <p:txBody>
+            <a:bodyPr rtlCol="0" anchor="ctr"/>
+            <a:lstStyle/>
+            <a:p>
+              <a:pPr algn="ctr"/>
+              <a:endParaRPr lang="ko-KR" altLang="en-US"/>
+            </a:p>
+          </p:txBody>
+        </p:sp>
+        <p:grpSp>
+          <p:nvGrpSpPr>
+            <p:cNvPr id="85" name="그룹 84"/>
+            <p:cNvGrpSpPr/>
+            <p:nvPr/>
+          </p:nvGrpSpPr>
+          <p:grpSpPr>
+            <a:xfrm>
+              <a:off x="870148" y="1451413"/>
+              <a:ext cx="2840458" cy="2493809"/>
+              <a:chOff x="1277654" y="334213"/>
+              <a:chExt cx="2840458" cy="2493809"/>
+            </a:xfrm>
+          </p:grpSpPr>
+          <p:grpSp>
+            <p:nvGrpSpPr>
+              <p:cNvPr id="86" name="그룹 85"/>
+              <p:cNvGrpSpPr/>
+              <p:nvPr/>
+            </p:nvGrpSpPr>
+            <p:grpSpPr>
+              <a:xfrm rot="523735">
+                <a:off x="1679712" y="334213"/>
+                <a:ext cx="2438400" cy="2182383"/>
+                <a:chOff x="1570972" y="963183"/>
+                <a:chExt cx="1588164" cy="1444487"/>
+              </a:xfrm>
+            </p:grpSpPr>
+            <p:sp>
+              <p:nvSpPr>
+                <p:cNvPr id="88" name="사다리꼴 87"/>
+                <p:cNvSpPr/>
+                <p:nvPr/>
+              </p:nvSpPr>
+              <p:spPr>
+                <a:xfrm rot="13105639">
+                  <a:off x="2001626" y="963183"/>
+                  <a:ext cx="318436" cy="1444487"/>
+                </a:xfrm>
+                <a:prstGeom prst="trapezoid">
+                  <a:avLst/>
+                </a:prstGeom>
+                <a:solidFill>
+                  <a:srgbClr val="FF0000">
+                    <a:alpha val="60000"/>
+                  </a:srgbClr>
+                </a:solidFill>
+                <a:ln>
+                  <a:solidFill>
+                    <a:srgbClr val="FF0000"/>
+                  </a:solidFill>
+                </a:ln>
+              </p:spPr>
+              <p:style>
+                <a:lnRef idx="2">
+                  <a:schemeClr val="accent1">
+                    <a:shade val="50000"/>
+                  </a:schemeClr>
+                </a:lnRef>
+                <a:fillRef idx="1">
+                  <a:schemeClr val="accent1"/>
+                </a:fillRef>
+                <a:effectRef idx="0">
+                  <a:schemeClr val="accent1"/>
+                </a:effectRef>
+                <a:fontRef idx="minor">
+                  <a:schemeClr val="lt1"/>
+                </a:fontRef>
+              </p:style>
+              <p:txBody>
+                <a:bodyPr rtlCol="0" anchor="ctr"/>
+                <a:lstStyle/>
+                <a:p>
+                  <a:pPr algn="ctr"/>
+                  <a:endParaRPr lang="ko-KR" altLang="en-US"/>
+                </a:p>
+              </p:txBody>
+            </p:sp>
+            <p:sp>
+              <p:nvSpPr>
+                <p:cNvPr id="89" name="사다리꼴 88"/>
+                <p:cNvSpPr/>
+                <p:nvPr/>
+              </p:nvSpPr>
+              <p:spPr>
+                <a:xfrm rot="13500000">
+                  <a:off x="2133998" y="1066194"/>
+                  <a:ext cx="318436" cy="1444487"/>
+                </a:xfrm>
+                <a:prstGeom prst="trapezoid">
+                  <a:avLst/>
+                </a:prstGeom>
+                <a:solidFill>
+                  <a:srgbClr val="92D050">
+                    <a:alpha val="60000"/>
+                  </a:srgbClr>
+                </a:solidFill>
+                <a:ln>
+                  <a:solidFill>
+                    <a:srgbClr val="FF0000"/>
+                  </a:solidFill>
+                </a:ln>
+              </p:spPr>
+              <p:style>
+                <a:lnRef idx="2">
+                  <a:schemeClr val="accent1">
+                    <a:shade val="50000"/>
+                  </a:schemeClr>
+                </a:lnRef>
+                <a:fillRef idx="1">
+                  <a:schemeClr val="accent1"/>
+                </a:fillRef>
+                <a:effectRef idx="0">
+                  <a:schemeClr val="accent1"/>
+                </a:effectRef>
+                <a:fontRef idx="minor">
+                  <a:schemeClr val="lt1"/>
+                </a:fontRef>
+              </p:style>
+              <p:txBody>
+                <a:bodyPr rtlCol="0" anchor="ctr"/>
+                <a:lstStyle/>
+                <a:p>
+                  <a:pPr algn="ctr"/>
+                  <a:endParaRPr lang="ko-KR" altLang="en-US"/>
+                </a:p>
+              </p:txBody>
+            </p:sp>
+            <p:sp>
+              <p:nvSpPr>
+                <p:cNvPr id="90" name="사다리꼴 89"/>
+                <p:cNvSpPr/>
+                <p:nvPr/>
+              </p:nvSpPr>
+              <p:spPr>
+                <a:xfrm rot="13974070">
+                  <a:off x="2277675" y="1202616"/>
+                  <a:ext cx="318436" cy="1444487"/>
+                </a:xfrm>
+                <a:prstGeom prst="trapezoid">
+                  <a:avLst/>
+                </a:prstGeom>
+                <a:solidFill>
+                  <a:srgbClr val="FFFF00">
+                    <a:alpha val="60000"/>
+                  </a:srgbClr>
+                </a:solidFill>
+                <a:ln>
+                  <a:solidFill>
+                    <a:srgbClr val="FF0000"/>
+                  </a:solidFill>
+                </a:ln>
+              </p:spPr>
+              <p:style>
+                <a:lnRef idx="2">
+                  <a:schemeClr val="accent1">
+                    <a:shade val="50000"/>
+                  </a:schemeClr>
+                </a:lnRef>
+                <a:fillRef idx="1">
+                  <a:schemeClr val="accent1"/>
+                </a:fillRef>
+                <a:effectRef idx="0">
+                  <a:schemeClr val="accent1"/>
+                </a:effectRef>
+                <a:fontRef idx="minor">
+                  <a:schemeClr val="lt1"/>
+                </a:fontRef>
+              </p:style>
+              <p:txBody>
+                <a:bodyPr rtlCol="0" anchor="ctr"/>
+                <a:lstStyle/>
+                <a:p>
+                  <a:pPr algn="ctr"/>
+                  <a:endParaRPr lang="ko-KR" altLang="en-US"/>
+                </a:p>
+              </p:txBody>
+            </p:sp>
+          </p:grpSp>
+          <p:sp>
+            <p:nvSpPr>
+              <p:cNvPr id="87" name="포인트가 7개인 별 86"/>
+              <p:cNvSpPr/>
+              <p:nvPr/>
+            </p:nvSpPr>
+            <p:spPr>
+              <a:xfrm>
+                <a:off x="1277654" y="1781100"/>
+                <a:ext cx="1046922" cy="1046922"/>
+              </a:xfrm>
+              <a:prstGeom prst="star7">
+                <a:avLst>
+                  <a:gd name="adj" fmla="val 20164"/>
+                  <a:gd name="hf" fmla="val 102572"/>
+                  <a:gd name="vf" fmla="val 105210"/>
+                </a:avLst>
+              </a:prstGeom>
+              <a:solidFill>
+                <a:schemeClr val="accent2">
+                  <a:lumMod val="75000"/>
+                </a:schemeClr>
+              </a:solidFill>
+              <a:ln>
+                <a:solidFill>
+                  <a:srgbClr val="FF0000"/>
+                </a:solidFill>
+              </a:ln>
+            </p:spPr>
+            <p:style>
+              <a:lnRef idx="2">
+                <a:schemeClr val="accent1">
+                  <a:shade val="50000"/>
+                </a:schemeClr>
+              </a:lnRef>
+              <a:fillRef idx="1">
+                <a:schemeClr val="accent1"/>
+              </a:fillRef>
+              <a:effectRef idx="0">
+                <a:schemeClr val="accent1"/>
+              </a:effectRef>
+              <a:fontRef idx="minor">
+                <a:schemeClr val="lt1"/>
+              </a:fontRef>
+            </p:style>
+            <p:txBody>
+              <a:bodyPr rtlCol="0" anchor="ctr"/>
+              <a:lstStyle/>
+              <a:p>
+                <a:pPr algn="ctr"/>
+                <a:endParaRPr lang="ko-KR" altLang="en-US"/>
+              </a:p>
+            </p:txBody>
+          </p:sp>
+        </p:grpSp>
+      </p:grpSp>
+    </p:spTree>
+    <p:extLst>
+      <p:ext uri="{BB962C8B-B14F-4D97-AF65-F5344CB8AC3E}">
+        <p14:creationId xmlns:p14="http://schemas.microsoft.com/office/powerpoint/2010/main" val="449988826"/>
+      </p:ext>
+    </p:extLst>
+  </p:cSld>
+  <p:clrMapOvr>
+    <a:masterClrMapping/>
+  </p:clrMapOvr>
+  <p:timing>
+    <p:tnLst>
+      <p:par>
+        <p:cTn id="1" dur="indefinite" restart="never" nodeType="tmRoot"/>
+      </p:par>
+    </p:tnLst>
+  </p:timing>
+</p:sld>
+</file>
+
+<file path=ppt/slides/slide6.xml><?xml version="1.0" encoding="utf-8"?>
+<p:sld xmlns:a="http://schemas.openxmlformats.org/drawingml/2006/main" xmlns:r="http://schemas.openxmlformats.org/officeDocument/2006/relationships" xmlns:p="http://schemas.openxmlformats.org/presentationml/2006/main">
+  <p:cSld>
+    <p:spTree>
+      <p:nvGrpSpPr>
+        <p:cNvPr id="1" name=""/>
+        <p:cNvGrpSpPr/>
+        <p:nvPr/>
+      </p:nvGrpSpPr>
+      <p:grpSpPr>
+        <a:xfrm>
+          <a:off x="0" y="0"/>
+          <a:ext cx="0" cy="0"/>
+          <a:chOff x="0" y="0"/>
+          <a:chExt cx="0" cy="0"/>
+        </a:xfrm>
+      </p:grpSpPr>
+      <p:sp>
+        <p:nvSpPr>
+          <p:cNvPr id="2" name="제목 1"/>
+          <p:cNvSpPr>
+            <a:spLocks noGrp="1"/>
+          </p:cNvSpPr>
+          <p:nvPr>
+            <p:ph type="title"/>
+          </p:nvPr>
+        </p:nvSpPr>
+        <p:spPr/>
+        <p:txBody>
+          <a:bodyPr/>
+          <a:lstStyle/>
+          <a:p>
+            <a:endParaRPr lang="ko-KR" altLang="en-US"/>
+          </a:p>
+        </p:txBody>
+      </p:sp>
+      <p:sp>
+        <p:nvSpPr>
+          <p:cNvPr id="3" name="내용 개체 틀 2"/>
+          <p:cNvSpPr>
+            <a:spLocks noGrp="1"/>
+          </p:cNvSpPr>
+          <p:nvPr>
+            <p:ph idx="1"/>
+          </p:nvPr>
+        </p:nvSpPr>
+        <p:spPr/>
+        <p:txBody>
+          <a:bodyPr/>
+          <a:lstStyle/>
+          <a:p>
+            <a:endParaRPr lang="ko-KR" altLang="en-US"/>
+          </a:p>
+        </p:txBody>
+      </p:sp>
+      <p:sp>
+        <p:nvSpPr>
+          <p:cNvPr id="4" name="직사각형 3"/>
+          <p:cNvSpPr/>
+          <p:nvPr/>
+        </p:nvSpPr>
+        <p:spPr>
+          <a:xfrm>
+            <a:off x="0" y="0"/>
+            <a:ext cx="12192000" cy="6858000"/>
+          </a:xfrm>
+          <a:prstGeom prst="rect">
+            <a:avLst/>
+          </a:prstGeom>
+          <a:gradFill>
+            <a:gsLst>
+              <a:gs pos="0">
+                <a:schemeClr val="tx2">
+                  <a:lumMod val="50000"/>
+                </a:schemeClr>
+              </a:gs>
+              <a:gs pos="42000">
+                <a:schemeClr val="accent2">
+                  <a:lumMod val="75000"/>
+                </a:schemeClr>
+              </a:gs>
+              <a:gs pos="100000">
+                <a:schemeClr val="accent2">
+                  <a:lumMod val="60000"/>
+                  <a:lumOff val="40000"/>
+                </a:schemeClr>
+              </a:gs>
+            </a:gsLst>
+            <a:lin ang="5400000" scaled="1"/>
+          </a:gradFill>
+          <a:ln>
+            <a:noFill/>
+          </a:ln>
+        </p:spPr>
+        <p:style>
+          <a:lnRef idx="2">
+            <a:schemeClr val="accent1">
+              <a:shade val="50000"/>
+            </a:schemeClr>
+          </a:lnRef>
+          <a:fillRef idx="1">
+            <a:schemeClr val="accent1"/>
+          </a:fillRef>
+          <a:effectRef idx="0">
+            <a:schemeClr val="accent1"/>
+          </a:effectRef>
+          <a:fontRef idx="minor">
+            <a:schemeClr val="lt1"/>
+          </a:fontRef>
+        </p:style>
+        <p:txBody>
+          <a:bodyPr rtlCol="0" anchor="ctr"/>
+          <a:lstStyle/>
+          <a:p>
+            <a:pPr algn="ctr"/>
+            <a:endParaRPr lang="ko-KR" altLang="en-US"/>
+          </a:p>
+        </p:txBody>
+      </p:sp>
+      <p:sp>
+        <p:nvSpPr>
+          <p:cNvPr id="5" name="순서도: 지연 4"/>
+          <p:cNvSpPr/>
+          <p:nvPr/>
+        </p:nvSpPr>
+        <p:spPr>
+          <a:xfrm rot="16200000">
+            <a:off x="2942902" y="-2391100"/>
+            <a:ext cx="6306198" cy="12192002"/>
+          </a:xfrm>
+          <a:prstGeom prst="flowChartDelay">
+            <a:avLst/>
+          </a:prstGeom>
+          <a:solidFill>
+            <a:schemeClr val="accent2">
+              <a:lumMod val="50000"/>
+            </a:schemeClr>
+          </a:solidFill>
+          <a:ln>
+            <a:noFill/>
+          </a:ln>
+        </p:spPr>
+        <p:style>
+          <a:lnRef idx="2">
+            <a:schemeClr val="accent1">
+              <a:shade val="50000"/>
+            </a:schemeClr>
+          </a:lnRef>
+          <a:fillRef idx="1">
+            <a:schemeClr val="accent1"/>
+          </a:fillRef>
+          <a:effectRef idx="0">
+            <a:schemeClr val="accent1"/>
+          </a:effectRef>
+          <a:fontRef idx="minor">
+            <a:schemeClr val="lt1"/>
+          </a:fontRef>
+        </p:style>
+        <p:txBody>
+          <a:bodyPr rtlCol="0" anchor="ctr"/>
+          <a:lstStyle/>
+          <a:p>
+            <a:pPr algn="ctr"/>
+            <a:endParaRPr lang="ko-KR" altLang="en-US"/>
+          </a:p>
+        </p:txBody>
+      </p:sp>
+      <p:grpSp>
+        <p:nvGrpSpPr>
+          <p:cNvPr id="16" name="그룹 15"/>
+          <p:cNvGrpSpPr/>
+          <p:nvPr/>
+        </p:nvGrpSpPr>
+        <p:grpSpPr>
+          <a:xfrm>
+            <a:off x="5489095" y="1556008"/>
+            <a:ext cx="606905" cy="591268"/>
+            <a:chOff x="5926303" y="1461974"/>
+            <a:chExt cx="1078872" cy="1051075"/>
+          </a:xfrm>
+        </p:grpSpPr>
+        <p:sp>
+          <p:nvSpPr>
+            <p:cNvPr id="50" name="포인트가 7개인 별 49"/>
+            <p:cNvSpPr/>
+            <p:nvPr/>
+          </p:nvSpPr>
+          <p:spPr>
+            <a:xfrm>
+              <a:off x="5926303" y="1466127"/>
+              <a:ext cx="1046922" cy="1046922"/>
+            </a:xfrm>
+            <a:prstGeom prst="star7">
+              <a:avLst>
+                <a:gd name="adj" fmla="val 41820"/>
+                <a:gd name="hf" fmla="val 102572"/>
+                <a:gd name="vf" fmla="val 105210"/>
+              </a:avLst>
+            </a:prstGeom>
+            <a:solidFill>
+              <a:srgbClr val="C00000"/>
+            </a:solidFill>
+            <a:ln>
+              <a:solidFill>
+                <a:srgbClr val="FF0000"/>
+              </a:solidFill>
+            </a:ln>
+            <a:effectLst>
+              <a:glow rad="228600">
+                <a:schemeClr val="accent2">
+                  <a:satMod val="175000"/>
+                  <a:alpha val="40000"/>
+                </a:schemeClr>
+              </a:glow>
+            </a:effectLst>
+          </p:spPr>
+          <p:style>
+            <a:lnRef idx="2">
+              <a:schemeClr val="accent1">
+                <a:shade val="50000"/>
+              </a:schemeClr>
+            </a:lnRef>
+            <a:fillRef idx="1">
+              <a:schemeClr val="accent1"/>
+            </a:fillRef>
+            <a:effectRef idx="0">
+              <a:schemeClr val="accent1"/>
+            </a:effectRef>
+            <a:fontRef idx="minor">
+              <a:schemeClr val="lt1"/>
+            </a:fontRef>
+          </p:style>
+          <p:txBody>
+            <a:bodyPr rtlCol="0" anchor="ctr"/>
+            <a:lstStyle/>
+            <a:p>
+              <a:pPr algn="ctr"/>
+              <a:endParaRPr lang="ko-KR" altLang="en-US"/>
+            </a:p>
+          </p:txBody>
+        </p:sp>
+        <p:sp>
+          <p:nvSpPr>
+            <p:cNvPr id="53" name="포인트가 7개인 별 52"/>
+            <p:cNvSpPr/>
+            <p:nvPr/>
+          </p:nvSpPr>
+          <p:spPr>
+            <a:xfrm>
+              <a:off x="5958253" y="1461974"/>
+              <a:ext cx="1046922" cy="1046922"/>
+            </a:xfrm>
+            <a:prstGeom prst="star7">
+              <a:avLst>
+                <a:gd name="adj" fmla="val 20164"/>
+                <a:gd name="hf" fmla="val 102572"/>
+                <a:gd name="vf" fmla="val 105210"/>
+              </a:avLst>
+            </a:prstGeom>
+            <a:solidFill>
+              <a:schemeClr val="accent2">
+                <a:lumMod val="75000"/>
+              </a:schemeClr>
+            </a:solidFill>
+            <a:ln>
+              <a:solidFill>
+                <a:srgbClr val="FF0000"/>
+              </a:solidFill>
+            </a:ln>
+          </p:spPr>
+          <p:style>
+            <a:lnRef idx="2">
+              <a:schemeClr val="accent1">
+                <a:shade val="50000"/>
+              </a:schemeClr>
+            </a:lnRef>
+            <a:fillRef idx="1">
+              <a:schemeClr val="accent1"/>
+            </a:fillRef>
+            <a:effectRef idx="0">
+              <a:schemeClr val="accent1"/>
+            </a:effectRef>
+            <a:fontRef idx="minor">
+              <a:schemeClr val="lt1"/>
+            </a:fontRef>
+          </p:style>
+          <p:txBody>
+            <a:bodyPr rtlCol="0" anchor="ctr"/>
+            <a:lstStyle/>
+            <a:p>
+              <a:pPr algn="ctr"/>
+              <a:endParaRPr lang="ko-KR" altLang="en-US"/>
+            </a:p>
+          </p:txBody>
+        </p:sp>
+      </p:grpSp>
+      <p:grpSp>
+        <p:nvGrpSpPr>
+          <p:cNvPr id="12" name="그룹 11"/>
+          <p:cNvGrpSpPr/>
+          <p:nvPr/>
+        </p:nvGrpSpPr>
+        <p:grpSpPr>
+          <a:xfrm rot="18000000">
+            <a:off x="2819871" y="2430805"/>
+            <a:ext cx="2841883" cy="4318571"/>
+            <a:chOff x="4911132" y="874643"/>
+            <a:chExt cx="2841883" cy="3644349"/>
+          </a:xfrm>
+        </p:grpSpPr>
+        <p:sp>
+          <p:nvSpPr>
+            <p:cNvPr id="6" name="모서리가 둥근 직사각형 5"/>
+            <p:cNvSpPr/>
+            <p:nvPr/>
+          </p:nvSpPr>
+          <p:spPr>
+            <a:xfrm>
+              <a:off x="4911132" y="874643"/>
+              <a:ext cx="2496833" cy="1303683"/>
+            </a:xfrm>
+            <a:prstGeom prst="roundRect">
+              <a:avLst/>
+            </a:prstGeom>
+            <a:solidFill>
+              <a:srgbClr val="00B050"/>
+            </a:solidFill>
+            <a:ln>
+              <a:noFill/>
+            </a:ln>
+          </p:spPr>
+          <p:style>
+            <a:lnRef idx="2">
+              <a:schemeClr val="accent1">
+                <a:shade val="50000"/>
+              </a:schemeClr>
+            </a:lnRef>
+            <a:fillRef idx="1">
+              <a:schemeClr val="accent1"/>
+            </a:fillRef>
+            <a:effectRef idx="0">
+              <a:schemeClr val="accent1"/>
+            </a:effectRef>
+            <a:fontRef idx="minor">
+              <a:schemeClr val="lt1"/>
+            </a:fontRef>
+          </p:style>
+          <p:txBody>
+            <a:bodyPr rtlCol="0" anchor="ctr"/>
+            <a:lstStyle/>
+            <a:p>
+              <a:pPr algn="ctr"/>
+              <a:endParaRPr lang="ko-KR" altLang="en-US"/>
+            </a:p>
+          </p:txBody>
+        </p:sp>
+        <p:sp>
+          <p:nvSpPr>
+            <p:cNvPr id="32" name="모서리가 둥근 직사각형 31"/>
+            <p:cNvSpPr/>
+            <p:nvPr/>
+          </p:nvSpPr>
+          <p:spPr>
+            <a:xfrm rot="20250621">
+              <a:off x="5156088" y="1974893"/>
+              <a:ext cx="2496833" cy="689064"/>
+            </a:xfrm>
+            <a:prstGeom prst="roundRect">
+              <a:avLst/>
+            </a:prstGeom>
+            <a:solidFill>
+              <a:srgbClr val="00B050"/>
+            </a:solidFill>
+            <a:ln>
+              <a:noFill/>
+            </a:ln>
+          </p:spPr>
+          <p:style>
+            <a:lnRef idx="2">
+              <a:schemeClr val="accent1">
+                <a:shade val="50000"/>
+              </a:schemeClr>
+            </a:lnRef>
+            <a:fillRef idx="1">
+              <a:schemeClr val="accent1"/>
+            </a:fillRef>
+            <a:effectRef idx="0">
+              <a:schemeClr val="accent1"/>
+            </a:effectRef>
+            <a:fontRef idx="minor">
+              <a:schemeClr val="lt1"/>
+            </a:fontRef>
+          </p:style>
+          <p:txBody>
+            <a:bodyPr rtlCol="0" anchor="ctr"/>
+            <a:lstStyle/>
+            <a:p>
+              <a:pPr algn="ctr"/>
+              <a:endParaRPr lang="ko-KR" altLang="en-US"/>
+            </a:p>
+          </p:txBody>
+        </p:sp>
+        <p:sp>
+          <p:nvSpPr>
+            <p:cNvPr id="8" name="모서리가 둥근 직사각형 7"/>
+            <p:cNvSpPr/>
+            <p:nvPr/>
+          </p:nvSpPr>
+          <p:spPr>
+            <a:xfrm>
+              <a:off x="6058682" y="874643"/>
+              <a:ext cx="1694333" cy="3644349"/>
+            </a:xfrm>
+            <a:prstGeom prst="roundRect">
+              <a:avLst/>
+            </a:prstGeom>
+            <a:solidFill>
+              <a:srgbClr val="00B050"/>
+            </a:solidFill>
+            <a:ln>
+              <a:noFill/>
+            </a:ln>
+          </p:spPr>
+          <p:style>
+            <a:lnRef idx="2">
+              <a:schemeClr val="accent1">
+                <a:shade val="50000"/>
+              </a:schemeClr>
+            </a:lnRef>
+            <a:fillRef idx="1">
+              <a:schemeClr val="accent1"/>
+            </a:fillRef>
+            <a:effectRef idx="0">
+              <a:schemeClr val="accent1"/>
+            </a:effectRef>
+            <a:fontRef idx="minor">
+              <a:schemeClr val="lt1"/>
+            </a:fontRef>
+          </p:style>
+          <p:txBody>
+            <a:bodyPr rtlCol="0" anchor="ctr"/>
+            <a:lstStyle/>
+            <a:p>
+              <a:pPr algn="ctr"/>
+              <a:endParaRPr lang="ko-KR" altLang="en-US"/>
+            </a:p>
+          </p:txBody>
+        </p:sp>
+      </p:grpSp>
+      <p:sp>
+        <p:nvSpPr>
+          <p:cNvPr id="7" name="TextBox 6"/>
+          <p:cNvSpPr txBox="1"/>
+          <p:nvPr/>
+        </p:nvSpPr>
+        <p:spPr>
+          <a:xfrm rot="19800000">
+            <a:off x="2984500" y="3111500"/>
+            <a:ext cx="495300" cy="769441"/>
+          </a:xfrm>
+          <a:prstGeom prst="rect">
+            <a:avLst/>
+          </a:prstGeom>
+          <a:noFill/>
+        </p:spPr>
+        <p:txBody>
+          <a:bodyPr wrap="square" rtlCol="0">
+            <a:spAutoFit/>
+          </a:bodyPr>
+          <a:lstStyle/>
+          <a:p>
+            <a:r>
+              <a:rPr lang="en-US" altLang="ko-KR" sz="4400" b="1" dirty="0" smtClean="0"/>
+              <a:t>x</a:t>
+            </a:r>
+            <a:endParaRPr lang="ko-KR" altLang="en-US" sz="4400" b="1" dirty="0"/>
+          </a:p>
+        </p:txBody>
+      </p:sp>
+    </p:spTree>
+    <p:extLst>
+      <p:ext uri="{BB962C8B-B14F-4D97-AF65-F5344CB8AC3E}">
+        <p14:creationId xmlns:p14="http://schemas.microsoft.com/office/powerpoint/2010/main" val="1591847710"/>
+      </p:ext>
+    </p:extLst>
+  </p:cSld>
+  <p:clrMapOvr>
+    <a:masterClrMapping/>
+  </p:clrMapOvr>
+  <p:timing>
+    <p:tnLst>
+      <p:par>
+        <p:cTn id="1" dur="indefinite" restart="never" nodeType="tmRoot"/>
+      </p:par>
+    </p:tnLst>
+  </p:timing>
+</p:sld>
+</file>
+
+<file path=ppt/slides/slide7.xml><?xml version="1.0" encoding="utf-8"?>
+<p:sld xmlns:a="http://schemas.openxmlformats.org/drawingml/2006/main" xmlns:r="http://schemas.openxmlformats.org/officeDocument/2006/relationships" xmlns:p="http://schemas.openxmlformats.org/presentationml/2006/main">
+  <p:cSld>
+    <p:spTree>
+      <p:nvGrpSpPr>
+        <p:cNvPr id="1" name=""/>
+        <p:cNvGrpSpPr/>
+        <p:nvPr/>
+      </p:nvGrpSpPr>
+      <p:grpSpPr>
+        <a:xfrm>
+          <a:off x="0" y="0"/>
+          <a:ext cx="0" cy="0"/>
+          <a:chOff x="0" y="0"/>
+          <a:chExt cx="0" cy="0"/>
+        </a:xfrm>
+      </p:grpSpPr>
+      <p:sp>
+        <p:nvSpPr>
+          <p:cNvPr id="2" name="제목 1"/>
+          <p:cNvSpPr>
+            <a:spLocks noGrp="1"/>
+          </p:cNvSpPr>
+          <p:nvPr>
+            <p:ph type="title"/>
+          </p:nvPr>
+        </p:nvSpPr>
+        <p:spPr/>
+        <p:txBody>
+          <a:bodyPr/>
+          <a:lstStyle/>
+          <a:p>
+            <a:r>
+              <a:rPr lang="en-US" altLang="ko-KR" dirty="0" smtClean="0"/>
+              <a:t>INFO</a:t>
+            </a:r>
+            <a:endParaRPr lang="ko-KR" altLang="en-US" dirty="0"/>
+          </a:p>
+        </p:txBody>
+      </p:sp>
+      <p:sp>
+        <p:nvSpPr>
+          <p:cNvPr id="3" name="내용 개체 틀 2"/>
+          <p:cNvSpPr>
+            <a:spLocks noGrp="1"/>
+          </p:cNvSpPr>
+          <p:nvPr>
+            <p:ph idx="1"/>
+          </p:nvPr>
+        </p:nvSpPr>
+        <p:spPr/>
+        <p:txBody>
+          <a:bodyPr/>
+          <a:lstStyle/>
+          <a:p>
+            <a:r>
+              <a:rPr lang="en-US" altLang="ko-KR" dirty="0" smtClean="0"/>
+              <a:t>[0, 0]</a:t>
+            </a:r>
+            <a:r>
+              <a:rPr lang="ko-KR" altLang="en-US" dirty="0" smtClean="0"/>
+              <a:t>에서 시작</a:t>
+            </a:r>
+            <a:endParaRPr lang="en-US" altLang="ko-KR" dirty="0" smtClean="0"/>
+          </a:p>
+          <a:p>
+            <a:r>
+              <a:rPr lang="ko-KR" altLang="en-US" dirty="0" smtClean="0"/>
+              <a:t>무한정 돌아가기 시작</a:t>
+            </a:r>
+            <a:endParaRPr lang="en-US" altLang="ko-KR" dirty="0" smtClean="0"/>
+          </a:p>
+          <a:p>
+            <a:r>
+              <a:rPr lang="ko-KR" altLang="en-US" dirty="0" smtClean="0"/>
+              <a:t>벗어나는 것까지 게임이므로 </a:t>
+            </a:r>
+            <a:r>
+              <a:rPr lang="en-US" altLang="ko-KR" dirty="0" smtClean="0"/>
+              <a:t>+1</a:t>
+            </a:r>
+            <a:endParaRPr lang="ko-KR" altLang="en-US" dirty="0"/>
+          </a:p>
+        </p:txBody>
+      </p:sp>
+      <p:pic>
+        <p:nvPicPr>
+          <p:cNvPr id="4" name="그림 3"/>
+          <p:cNvPicPr>
+            <a:picLocks noChangeAspect="1"/>
+          </p:cNvPicPr>
+          <p:nvPr/>
+        </p:nvPicPr>
+        <p:blipFill>
+          <a:blip r:embed="rId2"/>
+          <a:stretch>
+            <a:fillRect/>
+          </a:stretch>
+        </p:blipFill>
+        <p:spPr>
+          <a:xfrm>
+            <a:off x="6602413" y="660201"/>
+            <a:ext cx="4929187" cy="4203899"/>
+          </a:xfrm>
+          <a:prstGeom prst="rect">
+            <a:avLst/>
+          </a:prstGeom>
+        </p:spPr>
+      </p:pic>
+    </p:spTree>
+    <p:extLst>
+      <p:ext uri="{BB962C8B-B14F-4D97-AF65-F5344CB8AC3E}">
+        <p14:creationId xmlns:p14="http://schemas.microsoft.com/office/powerpoint/2010/main" val="1289996604"/>
+      </p:ext>
+    </p:extLst>
+  </p:cSld>
+  <p:clrMapOvr>
+    <a:masterClrMapping/>
+  </p:clrMapOvr>
+</p:sld>
+</file>
+
+<file path=ppt/slides/slide8.xml><?xml version="1.0" encoding="utf-8"?>
+<p:sld xmlns:a="http://schemas.openxmlformats.org/drawingml/2006/main" xmlns:r="http://schemas.openxmlformats.org/officeDocument/2006/relationships" xmlns:p="http://schemas.openxmlformats.org/presentationml/2006/main">
+  <p:cSld>
+    <p:spTree>
+      <p:nvGrpSpPr>
+        <p:cNvPr id="1" name=""/>
+        <p:cNvGrpSpPr/>
+        <p:nvPr/>
+      </p:nvGrpSpPr>
+      <p:grpSpPr>
+        <a:xfrm>
+          <a:off x="0" y="0"/>
+          <a:ext cx="0" cy="0"/>
+          <a:chOff x="0" y="0"/>
+          <a:chExt cx="0" cy="0"/>
+        </a:xfrm>
+      </p:grpSpPr>
+      <p:sp>
+        <p:nvSpPr>
+          <p:cNvPr id="2" name="제목 1"/>
+          <p:cNvSpPr>
+            <a:spLocks noGrp="1"/>
+          </p:cNvSpPr>
+          <p:nvPr>
+            <p:ph type="title"/>
+          </p:nvPr>
+        </p:nvSpPr>
+        <p:spPr/>
+        <p:txBody>
+          <a:bodyPr/>
+          <a:lstStyle/>
+          <a:p>
+            <a:r>
+              <a:rPr lang="en-US" altLang="ko-KR" dirty="0" smtClean="0"/>
+              <a:t>-1</a:t>
+            </a:r>
+            <a:r>
+              <a:rPr lang="ko-KR" altLang="en-US" dirty="0" smtClean="0"/>
+              <a:t>이 나와야 하는 경우</a:t>
+            </a:r>
+            <a:endParaRPr lang="ko-KR" altLang="en-US" dirty="0"/>
+          </a:p>
+        </p:txBody>
+      </p:sp>
+      <p:sp>
+        <p:nvSpPr>
+          <p:cNvPr id="3" name="내용 개체 틀 2"/>
+          <p:cNvSpPr>
+            <a:spLocks noGrp="1"/>
+          </p:cNvSpPr>
+          <p:nvPr>
+            <p:ph idx="1"/>
+          </p:nvPr>
+        </p:nvSpPr>
+        <p:spPr/>
+        <p:txBody>
+          <a:bodyPr/>
+          <a:lstStyle/>
+          <a:p>
+            <a:r>
+              <a:rPr lang="ko-KR" altLang="en-US" dirty="0" err="1" smtClean="0"/>
+              <a:t>맵을</a:t>
+            </a:r>
+            <a:r>
+              <a:rPr lang="ko-KR" altLang="en-US" dirty="0" smtClean="0"/>
+              <a:t> 돌다가 같은 수가 나오면 </a:t>
+            </a:r>
+            <a:r>
+              <a:rPr lang="en-US" altLang="ko-KR" dirty="0" smtClean="0"/>
+              <a:t/>
+            </a:r>
+            <a:br>
+              <a:rPr lang="en-US" altLang="ko-KR" dirty="0" smtClean="0"/>
+            </a:br>
+            <a:r>
+              <a:rPr lang="ko-KR" altLang="en-US" dirty="0" smtClean="0"/>
+              <a:t>사이클이 된다</a:t>
+            </a:r>
+            <a:endParaRPr lang="ko-KR" altLang="en-US" dirty="0"/>
+          </a:p>
+        </p:txBody>
+      </p:sp>
+      <p:pic>
+        <p:nvPicPr>
+          <p:cNvPr id="4" name="그림 3"/>
+          <p:cNvPicPr>
+            <a:picLocks noChangeAspect="1"/>
+          </p:cNvPicPr>
+          <p:nvPr/>
+        </p:nvPicPr>
+        <p:blipFill>
+          <a:blip r:embed="rId2"/>
+          <a:stretch>
+            <a:fillRect/>
+          </a:stretch>
+        </p:blipFill>
+        <p:spPr>
+          <a:xfrm>
+            <a:off x="6862763" y="919441"/>
+            <a:ext cx="4491037" cy="5257522"/>
+          </a:xfrm>
+          <a:prstGeom prst="rect">
+            <a:avLst/>
+          </a:prstGeom>
+        </p:spPr>
+      </p:pic>
+    </p:spTree>
+    <p:extLst>
+      <p:ext uri="{BB962C8B-B14F-4D97-AF65-F5344CB8AC3E}">
+        <p14:creationId xmlns:p14="http://schemas.microsoft.com/office/powerpoint/2010/main" val="3932726770"/>
+      </p:ext>
+    </p:extLst>
+  </p:cSld>
+  <p:clrMapOvr>
+    <a:masterClrMapping/>
+  </p:clrMapOvr>
+</p:sld>
+</file>
+
+<file path=ppt/slides/slide9.xml><?xml version="1.0" encoding="utf-8"?>
+<p:sld xmlns:a="http://schemas.openxmlformats.org/drawingml/2006/main" xmlns:r="http://schemas.openxmlformats.org/officeDocument/2006/relationships" xmlns:p="http://schemas.openxmlformats.org/presentationml/2006/main">
+  <p:cSld>
+    <p:spTree>
+      <p:nvGrpSpPr>
+        <p:cNvPr id="1" name=""/>
+        <p:cNvGrpSpPr/>
+        <p:nvPr/>
+      </p:nvGrpSpPr>
+      <p:grpSpPr>
+        <a:xfrm>
+          <a:off x="0" y="0"/>
+          <a:ext cx="0" cy="0"/>
+          <a:chOff x="0" y="0"/>
+          <a:chExt cx="0" cy="0"/>
+        </a:xfrm>
+      </p:grpSpPr>
+      <p:sp>
+        <p:nvSpPr>
+          <p:cNvPr id="2" name="제목 1"/>
+          <p:cNvSpPr>
+            <a:spLocks noGrp="1"/>
+          </p:cNvSpPr>
+          <p:nvPr>
+            <p:ph type="ctrTitle"/>
+          </p:nvPr>
+        </p:nvSpPr>
+        <p:spPr/>
+        <p:txBody>
+          <a:bodyPr/>
+          <a:lstStyle/>
+          <a:p>
+            <a:r>
+              <a:rPr lang="en-US" altLang="ko-KR" dirty="0" smtClean="0"/>
+              <a:t>BFS? DFS?</a:t>
+            </a:r>
+            <a:endParaRPr lang="ko-KR" altLang="en-US" dirty="0"/>
+          </a:p>
+        </p:txBody>
+      </p:sp>
+    </p:spTree>
+    <p:extLst>
+      <p:ext uri="{BB962C8B-B14F-4D97-AF65-F5344CB8AC3E}">
+        <p14:creationId xmlns:p14="http://schemas.microsoft.com/office/powerpoint/2010/main" val="2966611651"/>
+      </p:ext>
+    </p:extLst>
+  </p:cSld>
+  <p:clrMapOvr>
+    <a:masterClrMapping/>
+  </p:clrMapOvr>
 </p:sld>
 </file>
 

--- a/Game.pptx
+++ b/Game.pptx
@@ -6,16 +6,17 @@
   </p:sldMasterIdLst>
   <p:sldIdLst>
     <p:sldId id="256" r:id="rId2"/>
-    <p:sldId id="257" r:id="rId3"/>
-    <p:sldId id="258" r:id="rId4"/>
-    <p:sldId id="260" r:id="rId5"/>
-    <p:sldId id="259" r:id="rId6"/>
-    <p:sldId id="261" r:id="rId7"/>
-    <p:sldId id="262" r:id="rId8"/>
-    <p:sldId id="263" r:id="rId9"/>
-    <p:sldId id="265" r:id="rId10"/>
-    <p:sldId id="264" r:id="rId11"/>
-    <p:sldId id="266" r:id="rId12"/>
+    <p:sldId id="262" r:id="rId3"/>
+    <p:sldId id="263" r:id="rId4"/>
+    <p:sldId id="265" r:id="rId5"/>
+    <p:sldId id="264" r:id="rId6"/>
+    <p:sldId id="266" r:id="rId7"/>
+    <p:sldId id="267" r:id="rId8"/>
+    <p:sldId id="257" r:id="rId9"/>
+    <p:sldId id="258" r:id="rId10"/>
+    <p:sldId id="260" r:id="rId11"/>
+    <p:sldId id="259" r:id="rId12"/>
+    <p:sldId id="261" r:id="rId13"/>
   </p:sldIdLst>
   <p:sldSz cx="12192000" cy="6858000"/>
   <p:notesSz cx="6858000" cy="9144000"/>
@@ -164,10 +165,9 @@
           </a:lstStyle>
           <a:p>
             <a:r>
-              <a:rPr lang="ko-KR" altLang="en-US" smtClean="0"/>
+              <a:rPr lang="ko-KR" altLang="en-US"/>
               <a:t>마스터 제목 스타일 편집</a:t>
             </a:r>
-            <a:endParaRPr lang="ko-KR" altLang="en-US"/>
           </a:p>
         </p:txBody>
       </p:sp>
@@ -229,10 +229,9 @@
           </a:lstStyle>
           <a:p>
             <a:r>
-              <a:rPr lang="ko-KR" altLang="en-US" smtClean="0"/>
+              <a:rPr lang="ko-KR" altLang="en-US"/>
               <a:t>클릭하여 마스터 부제목 스타일 편집</a:t>
             </a:r>
-            <a:endParaRPr lang="ko-KR" altLang="en-US"/>
           </a:p>
         </p:txBody>
       </p:sp>
@@ -347,10 +346,9 @@
           <a:lstStyle/>
           <a:p>
             <a:r>
-              <a:rPr lang="ko-KR" altLang="en-US" smtClean="0"/>
+              <a:rPr lang="ko-KR" altLang="en-US"/>
               <a:t>마스터 제목 스타일 편집</a:t>
             </a:r>
-            <a:endParaRPr lang="ko-KR" altLang="en-US"/>
           </a:p>
         </p:txBody>
       </p:sp>
@@ -371,38 +369,37 @@
           <a:p>
             <a:pPr lvl="0"/>
             <a:r>
-              <a:rPr lang="ko-KR" altLang="en-US" smtClean="0"/>
+              <a:rPr lang="ko-KR" altLang="en-US"/>
               <a:t>마스터 텍스트 스타일 편집</a:t>
             </a:r>
           </a:p>
           <a:p>
             <a:pPr lvl="1"/>
             <a:r>
-              <a:rPr lang="ko-KR" altLang="en-US" smtClean="0"/>
+              <a:rPr lang="ko-KR" altLang="en-US"/>
               <a:t>둘째 수준</a:t>
             </a:r>
           </a:p>
           <a:p>
             <a:pPr lvl="2"/>
             <a:r>
-              <a:rPr lang="ko-KR" altLang="en-US" smtClean="0"/>
+              <a:rPr lang="ko-KR" altLang="en-US"/>
               <a:t>셋째 수준</a:t>
             </a:r>
           </a:p>
           <a:p>
             <a:pPr lvl="3"/>
             <a:r>
-              <a:rPr lang="ko-KR" altLang="en-US" smtClean="0"/>
+              <a:rPr lang="ko-KR" altLang="en-US"/>
               <a:t>넷째 수준</a:t>
             </a:r>
           </a:p>
           <a:p>
             <a:pPr lvl="4"/>
             <a:r>
-              <a:rPr lang="ko-KR" altLang="en-US" smtClean="0"/>
+              <a:rPr lang="ko-KR" altLang="en-US"/>
               <a:t>다섯째 수준</a:t>
             </a:r>
-            <a:endParaRPr lang="ko-KR" altLang="en-US"/>
           </a:p>
         </p:txBody>
       </p:sp>
@@ -522,10 +519,9 @@
           <a:lstStyle/>
           <a:p>
             <a:r>
-              <a:rPr lang="ko-KR" altLang="en-US" smtClean="0"/>
+              <a:rPr lang="ko-KR" altLang="en-US"/>
               <a:t>마스터 제목 스타일 편집</a:t>
             </a:r>
-            <a:endParaRPr lang="ko-KR" altLang="en-US"/>
           </a:p>
         </p:txBody>
       </p:sp>
@@ -551,38 +547,37 @@
           <a:p>
             <a:pPr lvl="0"/>
             <a:r>
-              <a:rPr lang="ko-KR" altLang="en-US" smtClean="0"/>
+              <a:rPr lang="ko-KR" altLang="en-US"/>
               <a:t>마스터 텍스트 스타일 편집</a:t>
             </a:r>
           </a:p>
           <a:p>
             <a:pPr lvl="1"/>
             <a:r>
-              <a:rPr lang="ko-KR" altLang="en-US" smtClean="0"/>
+              <a:rPr lang="ko-KR" altLang="en-US"/>
               <a:t>둘째 수준</a:t>
             </a:r>
           </a:p>
           <a:p>
             <a:pPr lvl="2"/>
             <a:r>
-              <a:rPr lang="ko-KR" altLang="en-US" smtClean="0"/>
+              <a:rPr lang="ko-KR" altLang="en-US"/>
               <a:t>셋째 수준</a:t>
             </a:r>
           </a:p>
           <a:p>
             <a:pPr lvl="3"/>
             <a:r>
-              <a:rPr lang="ko-KR" altLang="en-US" smtClean="0"/>
+              <a:rPr lang="ko-KR" altLang="en-US"/>
               <a:t>넷째 수준</a:t>
             </a:r>
           </a:p>
           <a:p>
             <a:pPr lvl="4"/>
             <a:r>
-              <a:rPr lang="ko-KR" altLang="en-US" smtClean="0"/>
+              <a:rPr lang="ko-KR" altLang="en-US"/>
               <a:t>다섯째 수준</a:t>
             </a:r>
-            <a:endParaRPr lang="ko-KR" altLang="en-US"/>
           </a:p>
         </p:txBody>
       </p:sp>
@@ -697,10 +692,9 @@
           <a:lstStyle/>
           <a:p>
             <a:r>
-              <a:rPr lang="ko-KR" altLang="en-US" smtClean="0"/>
+              <a:rPr lang="ko-KR" altLang="en-US"/>
               <a:t>마스터 제목 스타일 편집</a:t>
             </a:r>
-            <a:endParaRPr lang="ko-KR" altLang="en-US"/>
           </a:p>
         </p:txBody>
       </p:sp>
@@ -721,38 +715,37 @@
           <a:p>
             <a:pPr lvl="0"/>
             <a:r>
-              <a:rPr lang="ko-KR" altLang="en-US" smtClean="0"/>
+              <a:rPr lang="ko-KR" altLang="en-US"/>
               <a:t>마스터 텍스트 스타일 편집</a:t>
             </a:r>
           </a:p>
           <a:p>
             <a:pPr lvl="1"/>
             <a:r>
-              <a:rPr lang="ko-KR" altLang="en-US" smtClean="0"/>
+              <a:rPr lang="ko-KR" altLang="en-US"/>
               <a:t>둘째 수준</a:t>
             </a:r>
           </a:p>
           <a:p>
             <a:pPr lvl="2"/>
             <a:r>
-              <a:rPr lang="ko-KR" altLang="en-US" smtClean="0"/>
+              <a:rPr lang="ko-KR" altLang="en-US"/>
               <a:t>셋째 수준</a:t>
             </a:r>
           </a:p>
           <a:p>
             <a:pPr lvl="3"/>
             <a:r>
-              <a:rPr lang="ko-KR" altLang="en-US" smtClean="0"/>
+              <a:rPr lang="ko-KR" altLang="en-US"/>
               <a:t>넷째 수준</a:t>
             </a:r>
           </a:p>
           <a:p>
             <a:pPr lvl="4"/>
             <a:r>
-              <a:rPr lang="ko-KR" altLang="en-US" smtClean="0"/>
+              <a:rPr lang="ko-KR" altLang="en-US"/>
               <a:t>다섯째 수준</a:t>
             </a:r>
-            <a:endParaRPr lang="ko-KR" altLang="en-US"/>
           </a:p>
         </p:txBody>
       </p:sp>
@@ -876,10 +869,9 @@
           </a:lstStyle>
           <a:p>
             <a:r>
-              <a:rPr lang="ko-KR" altLang="en-US" smtClean="0"/>
+              <a:rPr lang="ko-KR" altLang="en-US"/>
               <a:t>마스터 제목 스타일 편집</a:t>
             </a:r>
-            <a:endParaRPr lang="ko-KR" altLang="en-US"/>
           </a:p>
         </p:txBody>
       </p:sp>
@@ -996,7 +988,7 @@
           <a:p>
             <a:pPr lvl="0"/>
             <a:r>
-              <a:rPr lang="ko-KR" altLang="en-US" smtClean="0"/>
+              <a:rPr lang="ko-KR" altLang="en-US"/>
               <a:t>마스터 텍스트 스타일 편집</a:t>
             </a:r>
           </a:p>
@@ -1113,10 +1105,9 @@
           <a:lstStyle/>
           <a:p>
             <a:r>
-              <a:rPr lang="ko-KR" altLang="en-US" smtClean="0"/>
+              <a:rPr lang="ko-KR" altLang="en-US"/>
               <a:t>마스터 제목 스타일 편집</a:t>
             </a:r>
-            <a:endParaRPr lang="ko-KR" altLang="en-US"/>
           </a:p>
         </p:txBody>
       </p:sp>
@@ -1142,38 +1133,37 @@
           <a:p>
             <a:pPr lvl="0"/>
             <a:r>
-              <a:rPr lang="ko-KR" altLang="en-US" smtClean="0"/>
+              <a:rPr lang="ko-KR" altLang="en-US"/>
               <a:t>마스터 텍스트 스타일 편집</a:t>
             </a:r>
           </a:p>
           <a:p>
             <a:pPr lvl="1"/>
             <a:r>
-              <a:rPr lang="ko-KR" altLang="en-US" smtClean="0"/>
+              <a:rPr lang="ko-KR" altLang="en-US"/>
               <a:t>둘째 수준</a:t>
             </a:r>
           </a:p>
           <a:p>
             <a:pPr lvl="2"/>
             <a:r>
-              <a:rPr lang="ko-KR" altLang="en-US" smtClean="0"/>
+              <a:rPr lang="ko-KR" altLang="en-US"/>
               <a:t>셋째 수준</a:t>
             </a:r>
           </a:p>
           <a:p>
             <a:pPr lvl="3"/>
             <a:r>
-              <a:rPr lang="ko-KR" altLang="en-US" smtClean="0"/>
+              <a:rPr lang="ko-KR" altLang="en-US"/>
               <a:t>넷째 수준</a:t>
             </a:r>
           </a:p>
           <a:p>
             <a:pPr lvl="4"/>
             <a:r>
-              <a:rPr lang="ko-KR" altLang="en-US" smtClean="0"/>
+              <a:rPr lang="ko-KR" altLang="en-US"/>
               <a:t>다섯째 수준</a:t>
             </a:r>
-            <a:endParaRPr lang="ko-KR" altLang="en-US"/>
           </a:p>
         </p:txBody>
       </p:sp>
@@ -1199,38 +1189,37 @@
           <a:p>
             <a:pPr lvl="0"/>
             <a:r>
-              <a:rPr lang="ko-KR" altLang="en-US" smtClean="0"/>
+              <a:rPr lang="ko-KR" altLang="en-US"/>
               <a:t>마스터 텍스트 스타일 편집</a:t>
             </a:r>
           </a:p>
           <a:p>
             <a:pPr lvl="1"/>
             <a:r>
-              <a:rPr lang="ko-KR" altLang="en-US" smtClean="0"/>
+              <a:rPr lang="ko-KR" altLang="en-US"/>
               <a:t>둘째 수준</a:t>
             </a:r>
           </a:p>
           <a:p>
             <a:pPr lvl="2"/>
             <a:r>
-              <a:rPr lang="ko-KR" altLang="en-US" smtClean="0"/>
+              <a:rPr lang="ko-KR" altLang="en-US"/>
               <a:t>셋째 수준</a:t>
             </a:r>
           </a:p>
           <a:p>
             <a:pPr lvl="3"/>
             <a:r>
-              <a:rPr lang="ko-KR" altLang="en-US" smtClean="0"/>
+              <a:rPr lang="ko-KR" altLang="en-US"/>
               <a:t>넷째 수준</a:t>
             </a:r>
           </a:p>
           <a:p>
             <a:pPr lvl="4"/>
             <a:r>
-              <a:rPr lang="ko-KR" altLang="en-US" smtClean="0"/>
+              <a:rPr lang="ko-KR" altLang="en-US"/>
               <a:t>다섯째 수준</a:t>
             </a:r>
-            <a:endParaRPr lang="ko-KR" altLang="en-US"/>
           </a:p>
         </p:txBody>
       </p:sp>
@@ -1350,10 +1339,9 @@
           <a:lstStyle/>
           <a:p>
             <a:r>
-              <a:rPr lang="ko-KR" altLang="en-US" smtClean="0"/>
+              <a:rPr lang="ko-KR" altLang="en-US"/>
               <a:t>마스터 제목 스타일 편집</a:t>
             </a:r>
-            <a:endParaRPr lang="ko-KR" altLang="en-US"/>
           </a:p>
         </p:txBody>
       </p:sp>
@@ -1416,7 +1404,7 @@
           <a:p>
             <a:pPr lvl="0"/>
             <a:r>
-              <a:rPr lang="ko-KR" altLang="en-US" smtClean="0"/>
+              <a:rPr lang="ko-KR" altLang="en-US"/>
               <a:t>마스터 텍스트 스타일 편집</a:t>
             </a:r>
           </a:p>
@@ -1444,38 +1432,37 @@
           <a:p>
             <a:pPr lvl="0"/>
             <a:r>
-              <a:rPr lang="ko-KR" altLang="en-US" smtClean="0"/>
+              <a:rPr lang="ko-KR" altLang="en-US"/>
               <a:t>마스터 텍스트 스타일 편집</a:t>
             </a:r>
           </a:p>
           <a:p>
             <a:pPr lvl="1"/>
             <a:r>
-              <a:rPr lang="ko-KR" altLang="en-US" smtClean="0"/>
+              <a:rPr lang="ko-KR" altLang="en-US"/>
               <a:t>둘째 수준</a:t>
             </a:r>
           </a:p>
           <a:p>
             <a:pPr lvl="2"/>
             <a:r>
-              <a:rPr lang="ko-KR" altLang="en-US" smtClean="0"/>
+              <a:rPr lang="ko-KR" altLang="en-US"/>
               <a:t>셋째 수준</a:t>
             </a:r>
           </a:p>
           <a:p>
             <a:pPr lvl="3"/>
             <a:r>
-              <a:rPr lang="ko-KR" altLang="en-US" smtClean="0"/>
+              <a:rPr lang="ko-KR" altLang="en-US"/>
               <a:t>넷째 수준</a:t>
             </a:r>
           </a:p>
           <a:p>
             <a:pPr lvl="4"/>
             <a:r>
-              <a:rPr lang="ko-KR" altLang="en-US" smtClean="0"/>
+              <a:rPr lang="ko-KR" altLang="en-US"/>
               <a:t>다섯째 수준</a:t>
             </a:r>
-            <a:endParaRPr lang="ko-KR" altLang="en-US"/>
           </a:p>
         </p:txBody>
       </p:sp>
@@ -1538,7 +1525,7 @@
           <a:p>
             <a:pPr lvl="0"/>
             <a:r>
-              <a:rPr lang="ko-KR" altLang="en-US" smtClean="0"/>
+              <a:rPr lang="ko-KR" altLang="en-US"/>
               <a:t>마스터 텍스트 스타일 편집</a:t>
             </a:r>
           </a:p>
@@ -1566,38 +1553,37 @@
           <a:p>
             <a:pPr lvl="0"/>
             <a:r>
-              <a:rPr lang="ko-KR" altLang="en-US" smtClean="0"/>
+              <a:rPr lang="ko-KR" altLang="en-US"/>
               <a:t>마스터 텍스트 스타일 편집</a:t>
             </a:r>
           </a:p>
           <a:p>
             <a:pPr lvl="1"/>
             <a:r>
-              <a:rPr lang="ko-KR" altLang="en-US" smtClean="0"/>
+              <a:rPr lang="ko-KR" altLang="en-US"/>
               <a:t>둘째 수준</a:t>
             </a:r>
           </a:p>
           <a:p>
             <a:pPr lvl="2"/>
             <a:r>
-              <a:rPr lang="ko-KR" altLang="en-US" smtClean="0"/>
+              <a:rPr lang="ko-KR" altLang="en-US"/>
               <a:t>셋째 수준</a:t>
             </a:r>
           </a:p>
           <a:p>
             <a:pPr lvl="3"/>
             <a:r>
-              <a:rPr lang="ko-KR" altLang="en-US" smtClean="0"/>
+              <a:rPr lang="ko-KR" altLang="en-US"/>
               <a:t>넷째 수준</a:t>
             </a:r>
           </a:p>
           <a:p>
             <a:pPr lvl="4"/>
             <a:r>
-              <a:rPr lang="ko-KR" altLang="en-US" smtClean="0"/>
+              <a:rPr lang="ko-KR" altLang="en-US"/>
               <a:t>다섯째 수준</a:t>
             </a:r>
-            <a:endParaRPr lang="ko-KR" altLang="en-US"/>
           </a:p>
         </p:txBody>
       </p:sp>
@@ -1712,10 +1698,9 @@
           <a:lstStyle/>
           <a:p>
             <a:r>
-              <a:rPr lang="ko-KR" altLang="en-US" smtClean="0"/>
+              <a:rPr lang="ko-KR" altLang="en-US"/>
               <a:t>마스터 제목 스타일 편집</a:t>
             </a:r>
-            <a:endParaRPr lang="ko-KR" altLang="en-US"/>
           </a:p>
         </p:txBody>
       </p:sp>
@@ -1934,10 +1919,9 @@
           </a:lstStyle>
           <a:p>
             <a:r>
-              <a:rPr lang="ko-KR" altLang="en-US" smtClean="0"/>
+              <a:rPr lang="ko-KR" altLang="en-US"/>
               <a:t>마스터 제목 스타일 편집</a:t>
             </a:r>
-            <a:endParaRPr lang="ko-KR" altLang="en-US"/>
           </a:p>
         </p:txBody>
       </p:sp>
@@ -1991,38 +1975,37 @@
           <a:p>
             <a:pPr lvl="0"/>
             <a:r>
-              <a:rPr lang="ko-KR" altLang="en-US" smtClean="0"/>
+              <a:rPr lang="ko-KR" altLang="en-US"/>
               <a:t>마스터 텍스트 스타일 편집</a:t>
             </a:r>
           </a:p>
           <a:p>
             <a:pPr lvl="1"/>
             <a:r>
-              <a:rPr lang="ko-KR" altLang="en-US" smtClean="0"/>
+              <a:rPr lang="ko-KR" altLang="en-US"/>
               <a:t>둘째 수준</a:t>
             </a:r>
           </a:p>
           <a:p>
             <a:pPr lvl="2"/>
             <a:r>
-              <a:rPr lang="ko-KR" altLang="en-US" smtClean="0"/>
+              <a:rPr lang="ko-KR" altLang="en-US"/>
               <a:t>셋째 수준</a:t>
             </a:r>
           </a:p>
           <a:p>
             <a:pPr lvl="3"/>
             <a:r>
-              <a:rPr lang="ko-KR" altLang="en-US" smtClean="0"/>
+              <a:rPr lang="ko-KR" altLang="en-US"/>
               <a:t>넷째 수준</a:t>
             </a:r>
           </a:p>
           <a:p>
             <a:pPr lvl="4"/>
             <a:r>
-              <a:rPr lang="ko-KR" altLang="en-US" smtClean="0"/>
+              <a:rPr lang="ko-KR" altLang="en-US"/>
               <a:t>다섯째 수준</a:t>
             </a:r>
-            <a:endParaRPr lang="ko-KR" altLang="en-US"/>
           </a:p>
         </p:txBody>
       </p:sp>
@@ -2085,7 +2068,7 @@
           <a:p>
             <a:pPr lvl="0"/>
             <a:r>
-              <a:rPr lang="ko-KR" altLang="en-US" smtClean="0"/>
+              <a:rPr lang="ko-KR" altLang="en-US"/>
               <a:t>마스터 텍스트 스타일 편집</a:t>
             </a:r>
           </a:p>
@@ -2211,10 +2194,9 @@
           </a:lstStyle>
           <a:p>
             <a:r>
-              <a:rPr lang="ko-KR" altLang="en-US" smtClean="0"/>
+              <a:rPr lang="ko-KR" altLang="en-US"/>
               <a:t>마스터 제목 스타일 편집</a:t>
             </a:r>
-            <a:endParaRPr lang="ko-KR" altLang="en-US"/>
           </a:p>
         </p:txBody>
       </p:sp>
@@ -2338,7 +2320,7 @@
           <a:p>
             <a:pPr lvl="0"/>
             <a:r>
-              <a:rPr lang="ko-KR" altLang="en-US" smtClean="0"/>
+              <a:rPr lang="ko-KR" altLang="en-US"/>
               <a:t>마스터 텍스트 스타일 편집</a:t>
             </a:r>
           </a:p>
@@ -2470,10 +2452,9 @@
           <a:lstStyle/>
           <a:p>
             <a:r>
-              <a:rPr lang="ko-KR" altLang="en-US" smtClean="0"/>
+              <a:rPr lang="ko-KR" altLang="en-US"/>
               <a:t>마스터 제목 스타일 편집</a:t>
             </a:r>
-            <a:endParaRPr lang="ko-KR" altLang="en-US"/>
           </a:p>
         </p:txBody>
       </p:sp>
@@ -2504,38 +2485,37 @@
           <a:p>
             <a:pPr lvl="0"/>
             <a:r>
-              <a:rPr lang="ko-KR" altLang="en-US" smtClean="0"/>
+              <a:rPr lang="ko-KR" altLang="en-US"/>
               <a:t>마스터 텍스트 스타일 편집</a:t>
             </a:r>
           </a:p>
           <a:p>
             <a:pPr lvl="1"/>
             <a:r>
-              <a:rPr lang="ko-KR" altLang="en-US" smtClean="0"/>
+              <a:rPr lang="ko-KR" altLang="en-US"/>
               <a:t>둘째 수준</a:t>
             </a:r>
           </a:p>
           <a:p>
             <a:pPr lvl="2"/>
             <a:r>
-              <a:rPr lang="ko-KR" altLang="en-US" smtClean="0"/>
+              <a:rPr lang="ko-KR" altLang="en-US"/>
               <a:t>셋째 수준</a:t>
             </a:r>
           </a:p>
           <a:p>
             <a:pPr lvl="3"/>
             <a:r>
-              <a:rPr lang="ko-KR" altLang="en-US" smtClean="0"/>
+              <a:rPr lang="ko-KR" altLang="en-US"/>
               <a:t>넷째 수준</a:t>
             </a:r>
           </a:p>
           <a:p>
             <a:pPr lvl="4"/>
             <a:r>
-              <a:rPr lang="ko-KR" altLang="en-US" smtClean="0"/>
+              <a:rPr lang="ko-KR" altLang="en-US"/>
               <a:t>다섯째 수준</a:t>
             </a:r>
-            <a:endParaRPr lang="ko-KR" altLang="en-US"/>
           </a:p>
         </p:txBody>
       </p:sp>
@@ -3277,7 +3257,7 @@
           <a:lstStyle/>
           <a:p>
             <a:r>
-              <a:rPr lang="en-US" altLang="ko-KR" sz="20000" b="1" dirty="0" smtClean="0">
+              <a:rPr lang="en-US" altLang="ko-KR" sz="20000" b="1" dirty="0">
                 <a:effectLst>
                   <a:outerShdw blurRad="60007" dist="200025" dir="15000000" sy="30000" kx="-1800000" algn="bl" rotWithShape="0">
                     <a:prstClr val="black">
@@ -3843,2812 +3823,10 @@
   <p:clrMapOvr>
     <a:masterClrMapping/>
   </p:clrMapOvr>
-  <p:timing>
-    <p:tnLst>
-      <p:par>
-        <p:cTn id="1" dur="indefinite" restart="never" nodeType="tmRoot"/>
-      </p:par>
-    </p:tnLst>
-  </p:timing>
 </p:sld>
 </file>
 
 <file path=ppt/slides/slide10.xml><?xml version="1.0" encoding="utf-8"?>
-<p:sld xmlns:a="http://schemas.openxmlformats.org/drawingml/2006/main" xmlns:r="http://schemas.openxmlformats.org/officeDocument/2006/relationships" xmlns:p="http://schemas.openxmlformats.org/presentationml/2006/main">
-  <p:cSld>
-    <p:spTree>
-      <p:nvGrpSpPr>
-        <p:cNvPr id="1" name=""/>
-        <p:cNvGrpSpPr/>
-        <p:nvPr/>
-      </p:nvGrpSpPr>
-      <p:grpSpPr>
-        <a:xfrm>
-          <a:off x="0" y="0"/>
-          <a:ext cx="0" cy="0"/>
-          <a:chOff x="0" y="0"/>
-          <a:chExt cx="0" cy="0"/>
-        </a:xfrm>
-      </p:grpSpPr>
-      <p:sp>
-        <p:nvSpPr>
-          <p:cNvPr id="2" name="제목 1"/>
-          <p:cNvSpPr>
-            <a:spLocks noGrp="1"/>
-          </p:cNvSpPr>
-          <p:nvPr>
-            <p:ph type="title"/>
-          </p:nvPr>
-        </p:nvSpPr>
-        <p:spPr/>
-        <p:txBody>
-          <a:bodyPr/>
-          <a:lstStyle/>
-          <a:p>
-            <a:r>
-              <a:rPr lang="en-US" altLang="ko-KR" dirty="0" smtClean="0"/>
-              <a:t>DFS</a:t>
-            </a:r>
-            <a:endParaRPr lang="ko-KR" altLang="en-US" dirty="0"/>
-          </a:p>
-        </p:txBody>
-      </p:sp>
-      <p:sp>
-        <p:nvSpPr>
-          <p:cNvPr id="3" name="내용 개체 틀 2"/>
-          <p:cNvSpPr>
-            <a:spLocks noGrp="1"/>
-          </p:cNvSpPr>
-          <p:nvPr>
-            <p:ph idx="1"/>
-          </p:nvPr>
-        </p:nvSpPr>
-        <p:spPr/>
-        <p:txBody>
-          <a:bodyPr/>
-          <a:lstStyle/>
-          <a:p>
-            <a:r>
-              <a:rPr lang="ko-KR" altLang="en-US" dirty="0" smtClean="0"/>
-              <a:t>앞의</a:t>
-            </a:r>
-            <a:r>
-              <a:rPr lang="en-US" altLang="ko-KR" dirty="0"/>
-              <a:t> </a:t>
-            </a:r>
-            <a:r>
-              <a:rPr lang="ko-KR" altLang="en-US" dirty="0" smtClean="0"/>
-              <a:t>사이클 체크를 위해서 </a:t>
-            </a:r>
-            <a:r>
-              <a:rPr lang="ko-KR" altLang="en-US" dirty="0" err="1" smtClean="0"/>
-              <a:t>방문체크를</a:t>
-            </a:r>
-            <a:r>
-              <a:rPr lang="ko-KR" altLang="en-US" dirty="0" smtClean="0"/>
-              <a:t> </a:t>
-            </a:r>
-            <a:r>
-              <a:rPr lang="en-US" altLang="ko-KR" dirty="0" smtClean="0"/>
-              <a:t/>
-            </a:r>
-            <a:br>
-              <a:rPr lang="en-US" altLang="ko-KR" dirty="0" smtClean="0"/>
-            </a:br>
-            <a:r>
-              <a:rPr lang="ko-KR" altLang="en-US" dirty="0" smtClean="0"/>
-              <a:t>해야한다</a:t>
-            </a:r>
-            <a:r>
-              <a:rPr lang="en-US" altLang="ko-KR" dirty="0" smtClean="0"/>
-              <a:t>.</a:t>
-            </a:r>
-          </a:p>
-          <a:p>
-            <a:r>
-              <a:rPr lang="en-US" altLang="ko-KR" dirty="0" smtClean="0"/>
-              <a:t>BFS</a:t>
-            </a:r>
-            <a:r>
-              <a:rPr lang="ko-KR" altLang="en-US" dirty="0" smtClean="0"/>
-              <a:t>의 경우 방문 체크를 해제하기 힘들다</a:t>
-            </a:r>
-            <a:endParaRPr lang="ko-KR" altLang="en-US" dirty="0"/>
-          </a:p>
-        </p:txBody>
-      </p:sp>
-      <p:pic>
-        <p:nvPicPr>
-          <p:cNvPr id="5" name="그림 4"/>
-          <p:cNvPicPr>
-            <a:picLocks noChangeAspect="1"/>
-          </p:cNvPicPr>
-          <p:nvPr/>
-        </p:nvPicPr>
-        <p:blipFill>
-          <a:blip r:embed="rId2"/>
-          <a:stretch>
-            <a:fillRect/>
-          </a:stretch>
-        </p:blipFill>
-        <p:spPr>
-          <a:xfrm>
-            <a:off x="7745328" y="507999"/>
-            <a:ext cx="3972009" cy="5791201"/>
-          </a:xfrm>
-          <a:prstGeom prst="rect">
-            <a:avLst/>
-          </a:prstGeom>
-        </p:spPr>
-      </p:pic>
-    </p:spTree>
-    <p:extLst>
-      <p:ext uri="{BB962C8B-B14F-4D97-AF65-F5344CB8AC3E}">
-        <p14:creationId xmlns:p14="http://schemas.microsoft.com/office/powerpoint/2010/main" val="2036991577"/>
-      </p:ext>
-    </p:extLst>
-  </p:cSld>
-  <p:clrMapOvr>
-    <a:masterClrMapping/>
-  </p:clrMapOvr>
-</p:sld>
-</file>
-
-<file path=ppt/slides/slide11.xml><?xml version="1.0" encoding="utf-8"?>
-<p:sld xmlns:a="http://schemas.openxmlformats.org/drawingml/2006/main" xmlns:r="http://schemas.openxmlformats.org/officeDocument/2006/relationships" xmlns:p="http://schemas.openxmlformats.org/presentationml/2006/main">
-  <p:cSld>
-    <p:spTree>
-      <p:nvGrpSpPr>
-        <p:cNvPr id="1" name=""/>
-        <p:cNvGrpSpPr/>
-        <p:nvPr/>
-      </p:nvGrpSpPr>
-      <p:grpSpPr>
-        <a:xfrm>
-          <a:off x="0" y="0"/>
-          <a:ext cx="0" cy="0"/>
-          <a:chOff x="0" y="0"/>
-          <a:chExt cx="0" cy="0"/>
-        </a:xfrm>
-      </p:grpSpPr>
-      <p:sp>
-        <p:nvSpPr>
-          <p:cNvPr id="2" name="제목 1"/>
-          <p:cNvSpPr>
-            <a:spLocks noGrp="1"/>
-          </p:cNvSpPr>
-          <p:nvPr>
-            <p:ph type="title"/>
-          </p:nvPr>
-        </p:nvSpPr>
-        <p:spPr/>
-        <p:txBody>
-          <a:bodyPr/>
-          <a:lstStyle/>
-          <a:p>
-            <a:r>
-              <a:rPr lang="ko-KR" altLang="en-US" smtClean="0"/>
-              <a:t>백트래킹</a:t>
-            </a:r>
-            <a:endParaRPr lang="ko-KR" altLang="en-US" dirty="0"/>
-          </a:p>
-        </p:txBody>
-      </p:sp>
-      <p:sp>
-        <p:nvSpPr>
-          <p:cNvPr id="3" name="내용 개체 틀 2"/>
-          <p:cNvSpPr>
-            <a:spLocks noGrp="1"/>
-          </p:cNvSpPr>
-          <p:nvPr>
-            <p:ph idx="1"/>
-          </p:nvPr>
-        </p:nvSpPr>
-        <p:spPr/>
-        <p:txBody>
-          <a:bodyPr/>
-          <a:lstStyle/>
-          <a:p>
-            <a:endParaRPr lang="ko-KR" altLang="en-US"/>
-          </a:p>
-        </p:txBody>
-      </p:sp>
-      <p:pic>
-        <p:nvPicPr>
-          <p:cNvPr id="5" name="그림 4"/>
-          <p:cNvPicPr>
-            <a:picLocks noChangeAspect="1"/>
-          </p:cNvPicPr>
-          <p:nvPr/>
-        </p:nvPicPr>
-        <p:blipFill>
-          <a:blip r:embed="rId2"/>
-          <a:stretch>
-            <a:fillRect/>
-          </a:stretch>
-        </p:blipFill>
-        <p:spPr>
-          <a:xfrm>
-            <a:off x="1213306" y="3374984"/>
-            <a:ext cx="10140494" cy="2047916"/>
-          </a:xfrm>
-          <a:prstGeom prst="rect">
-            <a:avLst/>
-          </a:prstGeom>
-        </p:spPr>
-      </p:pic>
-    </p:spTree>
-    <p:extLst>
-      <p:ext uri="{BB962C8B-B14F-4D97-AF65-F5344CB8AC3E}">
-        <p14:creationId xmlns:p14="http://schemas.microsoft.com/office/powerpoint/2010/main" val="2309545928"/>
-      </p:ext>
-    </p:extLst>
-  </p:cSld>
-  <p:clrMapOvr>
-    <a:masterClrMapping/>
-  </p:clrMapOvr>
-</p:sld>
-</file>
-
-<file path=ppt/slides/slide2.xml><?xml version="1.0" encoding="utf-8"?>
-<p:sld xmlns:a="http://schemas.openxmlformats.org/drawingml/2006/main" xmlns:r="http://schemas.openxmlformats.org/officeDocument/2006/relationships" xmlns:p="http://schemas.openxmlformats.org/presentationml/2006/main">
-  <p:cSld>
-    <p:spTree>
-      <p:nvGrpSpPr>
-        <p:cNvPr id="1" name=""/>
-        <p:cNvGrpSpPr/>
-        <p:nvPr/>
-      </p:nvGrpSpPr>
-      <p:grpSpPr>
-        <a:xfrm>
-          <a:off x="0" y="0"/>
-          <a:ext cx="0" cy="0"/>
-          <a:chOff x="0" y="0"/>
-          <a:chExt cx="0" cy="0"/>
-        </a:xfrm>
-      </p:grpSpPr>
-      <p:sp>
-        <p:nvSpPr>
-          <p:cNvPr id="2" name="제목 1"/>
-          <p:cNvSpPr>
-            <a:spLocks noGrp="1"/>
-          </p:cNvSpPr>
-          <p:nvPr>
-            <p:ph type="title"/>
-          </p:nvPr>
-        </p:nvSpPr>
-        <p:spPr/>
-        <p:txBody>
-          <a:bodyPr/>
-          <a:lstStyle/>
-          <a:p>
-            <a:endParaRPr lang="ko-KR" altLang="en-US"/>
-          </a:p>
-        </p:txBody>
-      </p:sp>
-      <p:sp>
-        <p:nvSpPr>
-          <p:cNvPr id="3" name="내용 개체 틀 2"/>
-          <p:cNvSpPr>
-            <a:spLocks noGrp="1"/>
-          </p:cNvSpPr>
-          <p:nvPr>
-            <p:ph idx="1"/>
-          </p:nvPr>
-        </p:nvSpPr>
-        <p:spPr/>
-        <p:txBody>
-          <a:bodyPr/>
-          <a:lstStyle/>
-          <a:p>
-            <a:endParaRPr lang="ko-KR" altLang="en-US"/>
-          </a:p>
-        </p:txBody>
-      </p:sp>
-      <p:sp>
-        <p:nvSpPr>
-          <p:cNvPr id="4" name="직사각형 3"/>
-          <p:cNvSpPr/>
-          <p:nvPr/>
-        </p:nvSpPr>
-        <p:spPr>
-          <a:xfrm>
-            <a:off x="0" y="0"/>
-            <a:ext cx="12192000" cy="6858000"/>
-          </a:xfrm>
-          <a:prstGeom prst="rect">
-            <a:avLst/>
-          </a:prstGeom>
-          <a:gradFill>
-            <a:gsLst>
-              <a:gs pos="0">
-                <a:schemeClr val="tx2">
-                  <a:lumMod val="50000"/>
-                </a:schemeClr>
-              </a:gs>
-              <a:gs pos="42000">
-                <a:schemeClr val="accent2">
-                  <a:lumMod val="75000"/>
-                </a:schemeClr>
-              </a:gs>
-              <a:gs pos="100000">
-                <a:schemeClr val="accent2">
-                  <a:lumMod val="60000"/>
-                  <a:lumOff val="40000"/>
-                </a:schemeClr>
-              </a:gs>
-            </a:gsLst>
-            <a:lin ang="5400000" scaled="1"/>
-          </a:gradFill>
-          <a:ln>
-            <a:noFill/>
-          </a:ln>
-        </p:spPr>
-        <p:style>
-          <a:lnRef idx="2">
-            <a:schemeClr val="accent1">
-              <a:shade val="50000"/>
-            </a:schemeClr>
-          </a:lnRef>
-          <a:fillRef idx="1">
-            <a:schemeClr val="accent1"/>
-          </a:fillRef>
-          <a:effectRef idx="0">
-            <a:schemeClr val="accent1"/>
-          </a:effectRef>
-          <a:fontRef idx="minor">
-            <a:schemeClr val="lt1"/>
-          </a:fontRef>
-        </p:style>
-        <p:txBody>
-          <a:bodyPr rtlCol="0" anchor="ctr"/>
-          <a:lstStyle/>
-          <a:p>
-            <a:pPr algn="ctr"/>
-            <a:endParaRPr lang="ko-KR" altLang="en-US"/>
-          </a:p>
-        </p:txBody>
-      </p:sp>
-      <p:sp>
-        <p:nvSpPr>
-          <p:cNvPr id="5" name="순서도: 지연 4"/>
-          <p:cNvSpPr/>
-          <p:nvPr/>
-        </p:nvSpPr>
-        <p:spPr>
-          <a:xfrm rot="16200000">
-            <a:off x="5516218" y="182216"/>
-            <a:ext cx="1159565" cy="12192002"/>
-          </a:xfrm>
-          <a:prstGeom prst="flowChartDelay">
-            <a:avLst/>
-          </a:prstGeom>
-          <a:solidFill>
-            <a:schemeClr val="accent2">
-              <a:lumMod val="50000"/>
-            </a:schemeClr>
-          </a:solidFill>
-          <a:ln>
-            <a:noFill/>
-          </a:ln>
-        </p:spPr>
-        <p:style>
-          <a:lnRef idx="2">
-            <a:schemeClr val="accent1">
-              <a:shade val="50000"/>
-            </a:schemeClr>
-          </a:lnRef>
-          <a:fillRef idx="1">
-            <a:schemeClr val="accent1"/>
-          </a:fillRef>
-          <a:effectRef idx="0">
-            <a:schemeClr val="accent1"/>
-          </a:effectRef>
-          <a:fontRef idx="minor">
-            <a:schemeClr val="lt1"/>
-          </a:fontRef>
-        </p:style>
-        <p:txBody>
-          <a:bodyPr rtlCol="0" anchor="ctr"/>
-          <a:lstStyle/>
-          <a:p>
-            <a:pPr algn="ctr"/>
-            <a:endParaRPr lang="ko-KR" altLang="en-US"/>
-          </a:p>
-        </p:txBody>
-      </p:sp>
-      <p:sp>
-        <p:nvSpPr>
-          <p:cNvPr id="7" name="포인트가 7개인 별 6"/>
-          <p:cNvSpPr/>
-          <p:nvPr/>
-        </p:nvSpPr>
-        <p:spPr>
-          <a:xfrm>
-            <a:off x="838198" y="2902453"/>
-            <a:ext cx="1046922" cy="1046922"/>
-          </a:xfrm>
-          <a:prstGeom prst="star7">
-            <a:avLst>
-              <a:gd name="adj" fmla="val 41820"/>
-              <a:gd name="hf" fmla="val 102572"/>
-              <a:gd name="vf" fmla="val 105210"/>
-            </a:avLst>
-          </a:prstGeom>
-          <a:solidFill>
-            <a:srgbClr val="C00000"/>
-          </a:solidFill>
-          <a:ln>
-            <a:solidFill>
-              <a:srgbClr val="FF0000"/>
-            </a:solidFill>
-          </a:ln>
-          <a:effectLst>
-            <a:glow rad="228600">
-              <a:schemeClr val="accent2">
-                <a:satMod val="175000"/>
-                <a:alpha val="40000"/>
-              </a:schemeClr>
-            </a:glow>
-          </a:effectLst>
-        </p:spPr>
-        <p:style>
-          <a:lnRef idx="2">
-            <a:schemeClr val="accent1">
-              <a:shade val="50000"/>
-            </a:schemeClr>
-          </a:lnRef>
-          <a:fillRef idx="1">
-            <a:schemeClr val="accent1"/>
-          </a:fillRef>
-          <a:effectRef idx="0">
-            <a:schemeClr val="accent1"/>
-          </a:effectRef>
-          <a:fontRef idx="minor">
-            <a:schemeClr val="lt1"/>
-          </a:fontRef>
-        </p:style>
-        <p:txBody>
-          <a:bodyPr rtlCol="0" anchor="ctr"/>
-          <a:lstStyle/>
-          <a:p>
-            <a:pPr algn="ctr"/>
-            <a:endParaRPr lang="ko-KR" altLang="en-US"/>
-          </a:p>
-        </p:txBody>
-      </p:sp>
-      <p:grpSp>
-        <p:nvGrpSpPr>
-          <p:cNvPr id="30" name="그룹 29"/>
-          <p:cNvGrpSpPr/>
-          <p:nvPr/>
-        </p:nvGrpSpPr>
-        <p:grpSpPr>
-          <a:xfrm>
-            <a:off x="870148" y="1451413"/>
-            <a:ext cx="2840458" cy="2493809"/>
-            <a:chOff x="1277654" y="334213"/>
-            <a:chExt cx="2840458" cy="2493809"/>
-          </a:xfrm>
-        </p:grpSpPr>
-        <p:grpSp>
-          <p:nvGrpSpPr>
-            <p:cNvPr id="29" name="그룹 28"/>
-            <p:cNvGrpSpPr/>
-            <p:nvPr/>
-          </p:nvGrpSpPr>
-          <p:grpSpPr>
-            <a:xfrm rot="523735">
-              <a:off x="1679712" y="334213"/>
-              <a:ext cx="2438400" cy="2182383"/>
-              <a:chOff x="1570972" y="963183"/>
-              <a:chExt cx="1588164" cy="1444487"/>
-            </a:xfrm>
-          </p:grpSpPr>
-          <p:sp>
-            <p:nvSpPr>
-              <p:cNvPr id="9" name="사다리꼴 8"/>
-              <p:cNvSpPr/>
-              <p:nvPr/>
-            </p:nvSpPr>
-            <p:spPr>
-              <a:xfrm rot="13105639">
-                <a:off x="2001626" y="963183"/>
-                <a:ext cx="318436" cy="1444487"/>
-              </a:xfrm>
-              <a:prstGeom prst="trapezoid">
-                <a:avLst/>
-              </a:prstGeom>
-              <a:solidFill>
-                <a:srgbClr val="FF0000">
-                  <a:alpha val="60000"/>
-                </a:srgbClr>
-              </a:solidFill>
-              <a:ln>
-                <a:solidFill>
-                  <a:srgbClr val="FF0000"/>
-                </a:solidFill>
-              </a:ln>
-            </p:spPr>
-            <p:style>
-              <a:lnRef idx="2">
-                <a:schemeClr val="accent1">
-                  <a:shade val="50000"/>
-                </a:schemeClr>
-              </a:lnRef>
-              <a:fillRef idx="1">
-                <a:schemeClr val="accent1"/>
-              </a:fillRef>
-              <a:effectRef idx="0">
-                <a:schemeClr val="accent1"/>
-              </a:effectRef>
-              <a:fontRef idx="minor">
-                <a:schemeClr val="lt1"/>
-              </a:fontRef>
-            </p:style>
-            <p:txBody>
-              <a:bodyPr rtlCol="0" anchor="ctr"/>
-              <a:lstStyle/>
-              <a:p>
-                <a:pPr algn="ctr"/>
-                <a:endParaRPr lang="ko-KR" altLang="en-US"/>
-              </a:p>
-            </p:txBody>
-          </p:sp>
-          <p:sp>
-            <p:nvSpPr>
-              <p:cNvPr id="10" name="사다리꼴 9"/>
-              <p:cNvSpPr/>
-              <p:nvPr/>
-            </p:nvSpPr>
-            <p:spPr>
-              <a:xfrm rot="13500000">
-                <a:off x="2133998" y="1066194"/>
-                <a:ext cx="318436" cy="1444487"/>
-              </a:xfrm>
-              <a:prstGeom prst="trapezoid">
-                <a:avLst/>
-              </a:prstGeom>
-              <a:solidFill>
-                <a:srgbClr val="92D050">
-                  <a:alpha val="60000"/>
-                </a:srgbClr>
-              </a:solidFill>
-              <a:ln>
-                <a:solidFill>
-                  <a:srgbClr val="FF0000"/>
-                </a:solidFill>
-              </a:ln>
-            </p:spPr>
-            <p:style>
-              <a:lnRef idx="2">
-                <a:schemeClr val="accent1">
-                  <a:shade val="50000"/>
-                </a:schemeClr>
-              </a:lnRef>
-              <a:fillRef idx="1">
-                <a:schemeClr val="accent1"/>
-              </a:fillRef>
-              <a:effectRef idx="0">
-                <a:schemeClr val="accent1"/>
-              </a:effectRef>
-              <a:fontRef idx="minor">
-                <a:schemeClr val="lt1"/>
-              </a:fontRef>
-            </p:style>
-            <p:txBody>
-              <a:bodyPr rtlCol="0" anchor="ctr"/>
-              <a:lstStyle/>
-              <a:p>
-                <a:pPr algn="ctr"/>
-                <a:endParaRPr lang="ko-KR" altLang="en-US"/>
-              </a:p>
-            </p:txBody>
-          </p:sp>
-          <p:sp>
-            <p:nvSpPr>
-              <p:cNvPr id="11" name="사다리꼴 10"/>
-              <p:cNvSpPr/>
-              <p:nvPr/>
-            </p:nvSpPr>
-            <p:spPr>
-              <a:xfrm rot="13974070">
-                <a:off x="2277675" y="1202616"/>
-                <a:ext cx="318436" cy="1444487"/>
-              </a:xfrm>
-              <a:prstGeom prst="trapezoid">
-                <a:avLst/>
-              </a:prstGeom>
-              <a:solidFill>
-                <a:srgbClr val="FFFF00">
-                  <a:alpha val="60000"/>
-                </a:srgbClr>
-              </a:solidFill>
-              <a:ln>
-                <a:solidFill>
-                  <a:srgbClr val="FF0000"/>
-                </a:solidFill>
-              </a:ln>
-            </p:spPr>
-            <p:style>
-              <a:lnRef idx="2">
-                <a:schemeClr val="accent1">
-                  <a:shade val="50000"/>
-                </a:schemeClr>
-              </a:lnRef>
-              <a:fillRef idx="1">
-                <a:schemeClr val="accent1"/>
-              </a:fillRef>
-              <a:effectRef idx="0">
-                <a:schemeClr val="accent1"/>
-              </a:effectRef>
-              <a:fontRef idx="minor">
-                <a:schemeClr val="lt1"/>
-              </a:fontRef>
-            </p:style>
-            <p:txBody>
-              <a:bodyPr rtlCol="0" anchor="ctr"/>
-              <a:lstStyle/>
-              <a:p>
-                <a:pPr algn="ctr"/>
-                <a:endParaRPr lang="ko-KR" altLang="en-US"/>
-              </a:p>
-            </p:txBody>
-          </p:sp>
-        </p:grpSp>
-        <p:sp>
-          <p:nvSpPr>
-            <p:cNvPr id="13" name="포인트가 7개인 별 12"/>
-            <p:cNvSpPr/>
-            <p:nvPr/>
-          </p:nvSpPr>
-          <p:spPr>
-            <a:xfrm>
-              <a:off x="1277654" y="1781100"/>
-              <a:ext cx="1046922" cy="1046922"/>
-            </a:xfrm>
-            <a:prstGeom prst="star7">
-              <a:avLst>
-                <a:gd name="adj" fmla="val 20164"/>
-                <a:gd name="hf" fmla="val 102572"/>
-                <a:gd name="vf" fmla="val 105210"/>
-              </a:avLst>
-            </a:prstGeom>
-            <a:solidFill>
-              <a:schemeClr val="accent2">
-                <a:lumMod val="75000"/>
-              </a:schemeClr>
-            </a:solidFill>
-            <a:ln>
-              <a:solidFill>
-                <a:srgbClr val="FF0000"/>
-              </a:solidFill>
-            </a:ln>
-          </p:spPr>
-          <p:style>
-            <a:lnRef idx="2">
-              <a:schemeClr val="accent1">
-                <a:shade val="50000"/>
-              </a:schemeClr>
-            </a:lnRef>
-            <a:fillRef idx="1">
-              <a:schemeClr val="accent1"/>
-            </a:fillRef>
-            <a:effectRef idx="0">
-              <a:schemeClr val="accent1"/>
-            </a:effectRef>
-            <a:fontRef idx="minor">
-              <a:schemeClr val="lt1"/>
-            </a:fontRef>
-          </p:style>
-          <p:txBody>
-            <a:bodyPr rtlCol="0" anchor="ctr"/>
-            <a:lstStyle/>
-            <a:p>
-              <a:pPr algn="ctr"/>
-              <a:endParaRPr lang="ko-KR" altLang="en-US"/>
-            </a:p>
-          </p:txBody>
-        </p:sp>
-      </p:grpSp>
-      <p:grpSp>
-        <p:nvGrpSpPr>
-          <p:cNvPr id="57" name="그룹 56"/>
-          <p:cNvGrpSpPr/>
-          <p:nvPr/>
-        </p:nvGrpSpPr>
-        <p:grpSpPr>
-          <a:xfrm>
-            <a:off x="6202016" y="3279871"/>
-            <a:ext cx="1108870" cy="964318"/>
-            <a:chOff x="5539408" y="2548026"/>
-            <a:chExt cx="2872408" cy="2497962"/>
-          </a:xfrm>
-        </p:grpSpPr>
-        <p:sp>
-          <p:nvSpPr>
-            <p:cNvPr id="43" name="포인트가 7개인 별 42"/>
-            <p:cNvSpPr/>
-            <p:nvPr/>
-          </p:nvSpPr>
-          <p:spPr>
-            <a:xfrm>
-              <a:off x="5539408" y="3999066"/>
-              <a:ext cx="1046922" cy="1046922"/>
-            </a:xfrm>
-            <a:prstGeom prst="star7">
-              <a:avLst>
-                <a:gd name="adj" fmla="val 41820"/>
-                <a:gd name="hf" fmla="val 102572"/>
-                <a:gd name="vf" fmla="val 105210"/>
-              </a:avLst>
-            </a:prstGeom>
-            <a:solidFill>
-              <a:srgbClr val="C00000"/>
-            </a:solidFill>
-            <a:ln>
-              <a:solidFill>
-                <a:srgbClr val="FF0000"/>
-              </a:solidFill>
-            </a:ln>
-            <a:effectLst>
-              <a:glow rad="228600">
-                <a:schemeClr val="accent2">
-                  <a:satMod val="175000"/>
-                  <a:alpha val="40000"/>
-                </a:schemeClr>
-              </a:glow>
-            </a:effectLst>
-          </p:spPr>
-          <p:style>
-            <a:lnRef idx="2">
-              <a:schemeClr val="accent1">
-                <a:shade val="50000"/>
-              </a:schemeClr>
-            </a:lnRef>
-            <a:fillRef idx="1">
-              <a:schemeClr val="accent1"/>
-            </a:fillRef>
-            <a:effectRef idx="0">
-              <a:schemeClr val="accent1"/>
-            </a:effectRef>
-            <a:fontRef idx="minor">
-              <a:schemeClr val="lt1"/>
-            </a:fontRef>
-          </p:style>
-          <p:txBody>
-            <a:bodyPr rtlCol="0" anchor="ctr"/>
-            <a:lstStyle/>
-            <a:p>
-              <a:pPr algn="ctr"/>
-              <a:endParaRPr lang="ko-KR" altLang="en-US"/>
-            </a:p>
-          </p:txBody>
-        </p:sp>
-        <p:grpSp>
-          <p:nvGrpSpPr>
-            <p:cNvPr id="44" name="그룹 43"/>
-            <p:cNvGrpSpPr/>
-            <p:nvPr/>
-          </p:nvGrpSpPr>
-          <p:grpSpPr>
-            <a:xfrm>
-              <a:off x="5571358" y="2548026"/>
-              <a:ext cx="2840458" cy="2493809"/>
-              <a:chOff x="1277654" y="334213"/>
-              <a:chExt cx="2840458" cy="2493809"/>
-            </a:xfrm>
-          </p:grpSpPr>
-          <p:grpSp>
-            <p:nvGrpSpPr>
-              <p:cNvPr id="45" name="그룹 44"/>
-              <p:cNvGrpSpPr/>
-              <p:nvPr/>
-            </p:nvGrpSpPr>
-            <p:grpSpPr>
-              <a:xfrm rot="523735">
-                <a:off x="1679712" y="334213"/>
-                <a:ext cx="2438400" cy="2182383"/>
-                <a:chOff x="1570972" y="963183"/>
-                <a:chExt cx="1588164" cy="1444487"/>
-              </a:xfrm>
-            </p:grpSpPr>
-            <p:sp>
-              <p:nvSpPr>
-                <p:cNvPr id="47" name="사다리꼴 46"/>
-                <p:cNvSpPr/>
-                <p:nvPr/>
-              </p:nvSpPr>
-              <p:spPr>
-                <a:xfrm rot="13105639">
-                  <a:off x="2001626" y="963183"/>
-                  <a:ext cx="318436" cy="1444487"/>
-                </a:xfrm>
-                <a:prstGeom prst="trapezoid">
-                  <a:avLst/>
-                </a:prstGeom>
-                <a:solidFill>
-                  <a:srgbClr val="FF0000">
-                    <a:alpha val="60000"/>
-                  </a:srgbClr>
-                </a:solidFill>
-                <a:ln>
-                  <a:solidFill>
-                    <a:srgbClr val="FF0000"/>
-                  </a:solidFill>
-                </a:ln>
-              </p:spPr>
-              <p:style>
-                <a:lnRef idx="2">
-                  <a:schemeClr val="accent1">
-                    <a:shade val="50000"/>
-                  </a:schemeClr>
-                </a:lnRef>
-                <a:fillRef idx="1">
-                  <a:schemeClr val="accent1"/>
-                </a:fillRef>
-                <a:effectRef idx="0">
-                  <a:schemeClr val="accent1"/>
-                </a:effectRef>
-                <a:fontRef idx="minor">
-                  <a:schemeClr val="lt1"/>
-                </a:fontRef>
-              </p:style>
-              <p:txBody>
-                <a:bodyPr rtlCol="0" anchor="ctr"/>
-                <a:lstStyle/>
-                <a:p>
-                  <a:pPr algn="ctr"/>
-                  <a:endParaRPr lang="ko-KR" altLang="en-US"/>
-                </a:p>
-              </p:txBody>
-            </p:sp>
-            <p:sp>
-              <p:nvSpPr>
-                <p:cNvPr id="48" name="사다리꼴 47"/>
-                <p:cNvSpPr/>
-                <p:nvPr/>
-              </p:nvSpPr>
-              <p:spPr>
-                <a:xfrm rot="13500000">
-                  <a:off x="2133998" y="1066194"/>
-                  <a:ext cx="318436" cy="1444487"/>
-                </a:xfrm>
-                <a:prstGeom prst="trapezoid">
-                  <a:avLst/>
-                </a:prstGeom>
-                <a:solidFill>
-                  <a:srgbClr val="92D050">
-                    <a:alpha val="60000"/>
-                  </a:srgbClr>
-                </a:solidFill>
-                <a:ln>
-                  <a:solidFill>
-                    <a:srgbClr val="FF0000"/>
-                  </a:solidFill>
-                </a:ln>
-              </p:spPr>
-              <p:style>
-                <a:lnRef idx="2">
-                  <a:schemeClr val="accent1">
-                    <a:shade val="50000"/>
-                  </a:schemeClr>
-                </a:lnRef>
-                <a:fillRef idx="1">
-                  <a:schemeClr val="accent1"/>
-                </a:fillRef>
-                <a:effectRef idx="0">
-                  <a:schemeClr val="accent1"/>
-                </a:effectRef>
-                <a:fontRef idx="minor">
-                  <a:schemeClr val="lt1"/>
-                </a:fontRef>
-              </p:style>
-              <p:txBody>
-                <a:bodyPr rtlCol="0" anchor="ctr"/>
-                <a:lstStyle/>
-                <a:p>
-                  <a:pPr algn="ctr"/>
-                  <a:endParaRPr lang="ko-KR" altLang="en-US"/>
-                </a:p>
-              </p:txBody>
-            </p:sp>
-            <p:sp>
-              <p:nvSpPr>
-                <p:cNvPr id="49" name="사다리꼴 48"/>
-                <p:cNvSpPr/>
-                <p:nvPr/>
-              </p:nvSpPr>
-              <p:spPr>
-                <a:xfrm rot="13974070">
-                  <a:off x="2277675" y="1202616"/>
-                  <a:ext cx="318436" cy="1444487"/>
-                </a:xfrm>
-                <a:prstGeom prst="trapezoid">
-                  <a:avLst/>
-                </a:prstGeom>
-                <a:solidFill>
-                  <a:srgbClr val="FFFF00">
-                    <a:alpha val="60000"/>
-                  </a:srgbClr>
-                </a:solidFill>
-                <a:ln>
-                  <a:solidFill>
-                    <a:srgbClr val="FF0000"/>
-                  </a:solidFill>
-                </a:ln>
-              </p:spPr>
-              <p:style>
-                <a:lnRef idx="2">
-                  <a:schemeClr val="accent1">
-                    <a:shade val="50000"/>
-                  </a:schemeClr>
-                </a:lnRef>
-                <a:fillRef idx="1">
-                  <a:schemeClr val="accent1"/>
-                </a:fillRef>
-                <a:effectRef idx="0">
-                  <a:schemeClr val="accent1"/>
-                </a:effectRef>
-                <a:fontRef idx="minor">
-                  <a:schemeClr val="lt1"/>
-                </a:fontRef>
-              </p:style>
-              <p:txBody>
-                <a:bodyPr rtlCol="0" anchor="ctr"/>
-                <a:lstStyle/>
-                <a:p>
-                  <a:pPr algn="ctr"/>
-                  <a:endParaRPr lang="ko-KR" altLang="en-US"/>
-                </a:p>
-              </p:txBody>
-            </p:sp>
-          </p:grpSp>
-          <p:sp>
-            <p:nvSpPr>
-              <p:cNvPr id="46" name="포인트가 7개인 별 45"/>
-              <p:cNvSpPr/>
-              <p:nvPr/>
-            </p:nvSpPr>
-            <p:spPr>
-              <a:xfrm>
-                <a:off x="1277654" y="1781100"/>
-                <a:ext cx="1046922" cy="1046922"/>
-              </a:xfrm>
-              <a:prstGeom prst="star7">
-                <a:avLst>
-                  <a:gd name="adj" fmla="val 20164"/>
-                  <a:gd name="hf" fmla="val 102572"/>
-                  <a:gd name="vf" fmla="val 105210"/>
-                </a:avLst>
-              </a:prstGeom>
-              <a:solidFill>
-                <a:schemeClr val="accent2">
-                  <a:lumMod val="75000"/>
-                </a:schemeClr>
-              </a:solidFill>
-              <a:ln>
-                <a:solidFill>
-                  <a:srgbClr val="FF0000"/>
-                </a:solidFill>
-              </a:ln>
-            </p:spPr>
-            <p:style>
-              <a:lnRef idx="2">
-                <a:schemeClr val="accent1">
-                  <a:shade val="50000"/>
-                </a:schemeClr>
-              </a:lnRef>
-              <a:fillRef idx="1">
-                <a:schemeClr val="accent1"/>
-              </a:fillRef>
-              <a:effectRef idx="0">
-                <a:schemeClr val="accent1"/>
-              </a:effectRef>
-              <a:fontRef idx="minor">
-                <a:schemeClr val="lt1"/>
-              </a:fontRef>
-            </p:style>
-            <p:txBody>
-              <a:bodyPr rtlCol="0" anchor="ctr"/>
-              <a:lstStyle/>
-              <a:p>
-                <a:pPr algn="ctr"/>
-                <a:endParaRPr lang="ko-KR" altLang="en-US"/>
-              </a:p>
-            </p:txBody>
-          </p:sp>
-        </p:grpSp>
-      </p:grpSp>
-      <p:sp>
-        <p:nvSpPr>
-          <p:cNvPr id="50" name="포인트가 7개인 별 49"/>
-          <p:cNvSpPr/>
-          <p:nvPr/>
-        </p:nvSpPr>
-        <p:spPr>
-          <a:xfrm>
-            <a:off x="9360496" y="1076775"/>
-            <a:ext cx="1046922" cy="1046922"/>
-          </a:xfrm>
-          <a:prstGeom prst="star7">
-            <a:avLst>
-              <a:gd name="adj" fmla="val 41820"/>
-              <a:gd name="hf" fmla="val 102572"/>
-              <a:gd name="vf" fmla="val 105210"/>
-            </a:avLst>
-          </a:prstGeom>
-          <a:solidFill>
-            <a:srgbClr val="C00000"/>
-          </a:solidFill>
-          <a:ln>
-            <a:solidFill>
-              <a:srgbClr val="FF0000"/>
-            </a:solidFill>
-          </a:ln>
-          <a:effectLst>
-            <a:glow rad="228600">
-              <a:schemeClr val="accent2">
-                <a:satMod val="175000"/>
-                <a:alpha val="40000"/>
-              </a:schemeClr>
-            </a:glow>
-          </a:effectLst>
-        </p:spPr>
-        <p:style>
-          <a:lnRef idx="2">
-            <a:schemeClr val="accent1">
-              <a:shade val="50000"/>
-            </a:schemeClr>
-          </a:lnRef>
-          <a:fillRef idx="1">
-            <a:schemeClr val="accent1"/>
-          </a:fillRef>
-          <a:effectRef idx="0">
-            <a:schemeClr val="accent1"/>
-          </a:effectRef>
-          <a:fontRef idx="minor">
-            <a:schemeClr val="lt1"/>
-          </a:fontRef>
-        </p:style>
-        <p:txBody>
-          <a:bodyPr rtlCol="0" anchor="ctr"/>
-          <a:lstStyle/>
-          <a:p>
-            <a:pPr algn="ctr"/>
-            <a:endParaRPr lang="ko-KR" altLang="en-US"/>
-          </a:p>
-        </p:txBody>
-      </p:sp>
-      <p:grpSp>
-        <p:nvGrpSpPr>
-          <p:cNvPr id="51" name="그룹 50"/>
-          <p:cNvGrpSpPr/>
-          <p:nvPr/>
-        </p:nvGrpSpPr>
-        <p:grpSpPr>
-          <a:xfrm>
-            <a:off x="9392446" y="-374265"/>
-            <a:ext cx="2840458" cy="2493809"/>
-            <a:chOff x="1277654" y="334213"/>
-            <a:chExt cx="2840458" cy="2493809"/>
-          </a:xfrm>
-        </p:grpSpPr>
-        <p:grpSp>
-          <p:nvGrpSpPr>
-            <p:cNvPr id="52" name="그룹 51"/>
-            <p:cNvGrpSpPr/>
-            <p:nvPr/>
-          </p:nvGrpSpPr>
-          <p:grpSpPr>
-            <a:xfrm rot="523735">
-              <a:off x="1679712" y="334213"/>
-              <a:ext cx="2438400" cy="2182383"/>
-              <a:chOff x="1570972" y="963183"/>
-              <a:chExt cx="1588164" cy="1444487"/>
-            </a:xfrm>
-          </p:grpSpPr>
-          <p:sp>
-            <p:nvSpPr>
-              <p:cNvPr id="54" name="사다리꼴 53"/>
-              <p:cNvSpPr/>
-              <p:nvPr/>
-            </p:nvSpPr>
-            <p:spPr>
-              <a:xfrm rot="13105639">
-                <a:off x="2001626" y="963183"/>
-                <a:ext cx="318436" cy="1444487"/>
-              </a:xfrm>
-              <a:prstGeom prst="trapezoid">
-                <a:avLst/>
-              </a:prstGeom>
-              <a:solidFill>
-                <a:srgbClr val="FF0000">
-                  <a:alpha val="60000"/>
-                </a:srgbClr>
-              </a:solidFill>
-              <a:ln>
-                <a:solidFill>
-                  <a:srgbClr val="FF0000"/>
-                </a:solidFill>
-              </a:ln>
-            </p:spPr>
-            <p:style>
-              <a:lnRef idx="2">
-                <a:schemeClr val="accent1">
-                  <a:shade val="50000"/>
-                </a:schemeClr>
-              </a:lnRef>
-              <a:fillRef idx="1">
-                <a:schemeClr val="accent1"/>
-              </a:fillRef>
-              <a:effectRef idx="0">
-                <a:schemeClr val="accent1"/>
-              </a:effectRef>
-              <a:fontRef idx="minor">
-                <a:schemeClr val="lt1"/>
-              </a:fontRef>
-            </p:style>
-            <p:txBody>
-              <a:bodyPr rtlCol="0" anchor="ctr"/>
-              <a:lstStyle/>
-              <a:p>
-                <a:pPr algn="ctr"/>
-                <a:endParaRPr lang="ko-KR" altLang="en-US"/>
-              </a:p>
-            </p:txBody>
-          </p:sp>
-          <p:sp>
-            <p:nvSpPr>
-              <p:cNvPr id="55" name="사다리꼴 54"/>
-              <p:cNvSpPr/>
-              <p:nvPr/>
-            </p:nvSpPr>
-            <p:spPr>
-              <a:xfrm rot="13500000">
-                <a:off x="2133998" y="1066194"/>
-                <a:ext cx="318436" cy="1444487"/>
-              </a:xfrm>
-              <a:prstGeom prst="trapezoid">
-                <a:avLst/>
-              </a:prstGeom>
-              <a:solidFill>
-                <a:srgbClr val="92D050">
-                  <a:alpha val="60000"/>
-                </a:srgbClr>
-              </a:solidFill>
-              <a:ln>
-                <a:solidFill>
-                  <a:srgbClr val="FF0000"/>
-                </a:solidFill>
-              </a:ln>
-            </p:spPr>
-            <p:style>
-              <a:lnRef idx="2">
-                <a:schemeClr val="accent1">
-                  <a:shade val="50000"/>
-                </a:schemeClr>
-              </a:lnRef>
-              <a:fillRef idx="1">
-                <a:schemeClr val="accent1"/>
-              </a:fillRef>
-              <a:effectRef idx="0">
-                <a:schemeClr val="accent1"/>
-              </a:effectRef>
-              <a:fontRef idx="minor">
-                <a:schemeClr val="lt1"/>
-              </a:fontRef>
-            </p:style>
-            <p:txBody>
-              <a:bodyPr rtlCol="0" anchor="ctr"/>
-              <a:lstStyle/>
-              <a:p>
-                <a:pPr algn="ctr"/>
-                <a:endParaRPr lang="ko-KR" altLang="en-US"/>
-              </a:p>
-            </p:txBody>
-          </p:sp>
-          <p:sp>
-            <p:nvSpPr>
-              <p:cNvPr id="56" name="사다리꼴 55"/>
-              <p:cNvSpPr/>
-              <p:nvPr/>
-            </p:nvSpPr>
-            <p:spPr>
-              <a:xfrm rot="13974070">
-                <a:off x="2277675" y="1202616"/>
-                <a:ext cx="318436" cy="1444487"/>
-              </a:xfrm>
-              <a:prstGeom prst="trapezoid">
-                <a:avLst/>
-              </a:prstGeom>
-              <a:solidFill>
-                <a:srgbClr val="FFFF00">
-                  <a:alpha val="60000"/>
-                </a:srgbClr>
-              </a:solidFill>
-              <a:ln>
-                <a:solidFill>
-                  <a:srgbClr val="FF0000"/>
-                </a:solidFill>
-              </a:ln>
-            </p:spPr>
-            <p:style>
-              <a:lnRef idx="2">
-                <a:schemeClr val="accent1">
-                  <a:shade val="50000"/>
-                </a:schemeClr>
-              </a:lnRef>
-              <a:fillRef idx="1">
-                <a:schemeClr val="accent1"/>
-              </a:fillRef>
-              <a:effectRef idx="0">
-                <a:schemeClr val="accent1"/>
-              </a:effectRef>
-              <a:fontRef idx="minor">
-                <a:schemeClr val="lt1"/>
-              </a:fontRef>
-            </p:style>
-            <p:txBody>
-              <a:bodyPr rtlCol="0" anchor="ctr"/>
-              <a:lstStyle/>
-              <a:p>
-                <a:pPr algn="ctr"/>
-                <a:endParaRPr lang="ko-KR" altLang="en-US"/>
-              </a:p>
-            </p:txBody>
-          </p:sp>
-        </p:grpSp>
-        <p:sp>
-          <p:nvSpPr>
-            <p:cNvPr id="53" name="포인트가 7개인 별 52"/>
-            <p:cNvSpPr/>
-            <p:nvPr/>
-          </p:nvSpPr>
-          <p:spPr>
-            <a:xfrm>
-              <a:off x="1277654" y="1781100"/>
-              <a:ext cx="1046922" cy="1046922"/>
-            </a:xfrm>
-            <a:prstGeom prst="star7">
-              <a:avLst>
-                <a:gd name="adj" fmla="val 20164"/>
-                <a:gd name="hf" fmla="val 102572"/>
-                <a:gd name="vf" fmla="val 105210"/>
-              </a:avLst>
-            </a:prstGeom>
-            <a:solidFill>
-              <a:schemeClr val="accent2">
-                <a:lumMod val="75000"/>
-              </a:schemeClr>
-            </a:solidFill>
-            <a:ln>
-              <a:solidFill>
-                <a:srgbClr val="FF0000"/>
-              </a:solidFill>
-            </a:ln>
-          </p:spPr>
-          <p:style>
-            <a:lnRef idx="2">
-              <a:schemeClr val="accent1">
-                <a:shade val="50000"/>
-              </a:schemeClr>
-            </a:lnRef>
-            <a:fillRef idx="1">
-              <a:schemeClr val="accent1"/>
-            </a:fillRef>
-            <a:effectRef idx="0">
-              <a:schemeClr val="accent1"/>
-            </a:effectRef>
-            <a:fontRef idx="minor">
-              <a:schemeClr val="lt1"/>
-            </a:fontRef>
-          </p:style>
-          <p:txBody>
-            <a:bodyPr rtlCol="0" anchor="ctr"/>
-            <a:lstStyle/>
-            <a:p>
-              <a:pPr algn="ctr"/>
-              <a:endParaRPr lang="ko-KR" altLang="en-US"/>
-            </a:p>
-          </p:txBody>
-        </p:sp>
-      </p:grpSp>
-      <p:sp>
-        <p:nvSpPr>
-          <p:cNvPr id="58" name="모서리가 둥근 직사각형 57"/>
-          <p:cNvSpPr/>
-          <p:nvPr/>
-        </p:nvSpPr>
-        <p:spPr>
-          <a:xfrm>
-            <a:off x="5659655" y="5177413"/>
-            <a:ext cx="436345" cy="512081"/>
-          </a:xfrm>
-          <a:prstGeom prst="roundRect">
-            <a:avLst/>
-          </a:prstGeom>
-          <a:solidFill>
-            <a:schemeClr val="accent6">
-              <a:lumMod val="75000"/>
-            </a:schemeClr>
-          </a:solidFill>
-          <a:ln>
-            <a:noFill/>
-          </a:ln>
-        </p:spPr>
-        <p:style>
-          <a:lnRef idx="2">
-            <a:schemeClr val="accent1">
-              <a:shade val="50000"/>
-            </a:schemeClr>
-          </a:lnRef>
-          <a:fillRef idx="1">
-            <a:schemeClr val="accent1"/>
-          </a:fillRef>
-          <a:effectRef idx="0">
-            <a:schemeClr val="accent1"/>
-          </a:effectRef>
-          <a:fontRef idx="minor">
-            <a:schemeClr val="lt1"/>
-          </a:fontRef>
-        </p:style>
-        <p:txBody>
-          <a:bodyPr rtlCol="0" anchor="ctr"/>
-          <a:lstStyle/>
-          <a:p>
-            <a:pPr algn="ctr"/>
-            <a:endParaRPr lang="ko-KR" altLang="en-US"/>
-          </a:p>
-        </p:txBody>
-      </p:sp>
-      <p:sp>
-        <p:nvSpPr>
-          <p:cNvPr id="59" name="모서리가 둥근 직사각형 58"/>
-          <p:cNvSpPr/>
-          <p:nvPr/>
-        </p:nvSpPr>
-        <p:spPr>
-          <a:xfrm>
-            <a:off x="5659655" y="5685359"/>
-            <a:ext cx="436345" cy="512081"/>
-          </a:xfrm>
-          <a:prstGeom prst="roundRect">
-            <a:avLst/>
-          </a:prstGeom>
-          <a:solidFill>
-            <a:schemeClr val="accent6">
-              <a:lumMod val="75000"/>
-            </a:schemeClr>
-          </a:solidFill>
-          <a:ln>
-            <a:noFill/>
-          </a:ln>
-        </p:spPr>
-        <p:style>
-          <a:lnRef idx="2">
-            <a:schemeClr val="accent1">
-              <a:shade val="50000"/>
-            </a:schemeClr>
-          </a:lnRef>
-          <a:fillRef idx="1">
-            <a:schemeClr val="accent1"/>
-          </a:fillRef>
-          <a:effectRef idx="0">
-            <a:schemeClr val="accent1"/>
-          </a:effectRef>
-          <a:fontRef idx="minor">
-            <a:schemeClr val="lt1"/>
-          </a:fontRef>
-        </p:style>
-        <p:txBody>
-          <a:bodyPr rtlCol="0" anchor="ctr"/>
-          <a:lstStyle/>
-          <a:p>
-            <a:pPr algn="ctr"/>
-            <a:endParaRPr lang="ko-KR" altLang="en-US"/>
-          </a:p>
-        </p:txBody>
-      </p:sp>
-      <p:sp>
-        <p:nvSpPr>
-          <p:cNvPr id="60" name="모서리가 둥근 직사각형 59"/>
-          <p:cNvSpPr/>
-          <p:nvPr/>
-        </p:nvSpPr>
-        <p:spPr>
-          <a:xfrm>
-            <a:off x="5815123" y="5289912"/>
-            <a:ext cx="125408" cy="264981"/>
-          </a:xfrm>
-          <a:prstGeom prst="roundRect">
-            <a:avLst/>
-          </a:prstGeom>
-          <a:solidFill>
-            <a:schemeClr val="accent6">
-              <a:lumMod val="50000"/>
-            </a:schemeClr>
-          </a:solidFill>
-          <a:ln>
-            <a:noFill/>
-          </a:ln>
-        </p:spPr>
-        <p:style>
-          <a:lnRef idx="2">
-            <a:schemeClr val="accent1">
-              <a:shade val="50000"/>
-            </a:schemeClr>
-          </a:lnRef>
-          <a:fillRef idx="1">
-            <a:schemeClr val="accent1"/>
-          </a:fillRef>
-          <a:effectRef idx="0">
-            <a:schemeClr val="accent1"/>
-          </a:effectRef>
-          <a:fontRef idx="minor">
-            <a:schemeClr val="lt1"/>
-          </a:fontRef>
-        </p:style>
-        <p:txBody>
-          <a:bodyPr rtlCol="0" anchor="ctr"/>
-          <a:lstStyle/>
-          <a:p>
-            <a:pPr algn="ctr"/>
-            <a:endParaRPr lang="ko-KR" altLang="en-US"/>
-          </a:p>
-        </p:txBody>
-      </p:sp>
-    </p:spTree>
-    <p:extLst>
-      <p:ext uri="{BB962C8B-B14F-4D97-AF65-F5344CB8AC3E}">
-        <p14:creationId xmlns:p14="http://schemas.microsoft.com/office/powerpoint/2010/main" val="313645586"/>
-      </p:ext>
-    </p:extLst>
-  </p:cSld>
-  <p:clrMapOvr>
-    <a:masterClrMapping/>
-  </p:clrMapOvr>
-  <p:timing>
-    <p:tnLst>
-      <p:par>
-        <p:cTn id="1" dur="indefinite" restart="never" nodeType="tmRoot"/>
-      </p:par>
-    </p:tnLst>
-  </p:timing>
-</p:sld>
-</file>
-
-<file path=ppt/slides/slide3.xml><?xml version="1.0" encoding="utf-8"?>
-<p:sld xmlns:a="http://schemas.openxmlformats.org/drawingml/2006/main" xmlns:r="http://schemas.openxmlformats.org/officeDocument/2006/relationships" xmlns:p="http://schemas.openxmlformats.org/presentationml/2006/main">
-  <p:cSld>
-    <p:spTree>
-      <p:nvGrpSpPr>
-        <p:cNvPr id="1" name=""/>
-        <p:cNvGrpSpPr/>
-        <p:nvPr/>
-      </p:nvGrpSpPr>
-      <p:grpSpPr>
-        <a:xfrm>
-          <a:off x="0" y="0"/>
-          <a:ext cx="0" cy="0"/>
-          <a:chOff x="0" y="0"/>
-          <a:chExt cx="0" cy="0"/>
-        </a:xfrm>
-      </p:grpSpPr>
-      <p:sp>
-        <p:nvSpPr>
-          <p:cNvPr id="2" name="제목 1"/>
-          <p:cNvSpPr>
-            <a:spLocks noGrp="1"/>
-          </p:cNvSpPr>
-          <p:nvPr>
-            <p:ph type="title"/>
-          </p:nvPr>
-        </p:nvSpPr>
-        <p:spPr/>
-        <p:txBody>
-          <a:bodyPr/>
-          <a:lstStyle/>
-          <a:p>
-            <a:endParaRPr lang="ko-KR" altLang="en-US"/>
-          </a:p>
-        </p:txBody>
-      </p:sp>
-      <p:sp>
-        <p:nvSpPr>
-          <p:cNvPr id="3" name="내용 개체 틀 2"/>
-          <p:cNvSpPr>
-            <a:spLocks noGrp="1"/>
-          </p:cNvSpPr>
-          <p:nvPr>
-            <p:ph idx="1"/>
-          </p:nvPr>
-        </p:nvSpPr>
-        <p:spPr/>
-        <p:txBody>
-          <a:bodyPr/>
-          <a:lstStyle/>
-          <a:p>
-            <a:endParaRPr lang="ko-KR" altLang="en-US"/>
-          </a:p>
-        </p:txBody>
-      </p:sp>
-      <p:sp>
-        <p:nvSpPr>
-          <p:cNvPr id="4" name="직사각형 3"/>
-          <p:cNvSpPr/>
-          <p:nvPr/>
-        </p:nvSpPr>
-        <p:spPr>
-          <a:xfrm>
-            <a:off x="0" y="0"/>
-            <a:ext cx="12192000" cy="6858000"/>
-          </a:xfrm>
-          <a:prstGeom prst="rect">
-            <a:avLst/>
-          </a:prstGeom>
-          <a:gradFill>
-            <a:gsLst>
-              <a:gs pos="0">
-                <a:schemeClr val="tx2">
-                  <a:lumMod val="50000"/>
-                </a:schemeClr>
-              </a:gs>
-              <a:gs pos="42000">
-                <a:schemeClr val="accent2">
-                  <a:lumMod val="75000"/>
-                </a:schemeClr>
-              </a:gs>
-              <a:gs pos="100000">
-                <a:schemeClr val="accent2">
-                  <a:lumMod val="60000"/>
-                  <a:lumOff val="40000"/>
-                </a:schemeClr>
-              </a:gs>
-            </a:gsLst>
-            <a:lin ang="5400000" scaled="1"/>
-          </a:gradFill>
-          <a:ln>
-            <a:noFill/>
-          </a:ln>
-        </p:spPr>
-        <p:style>
-          <a:lnRef idx="2">
-            <a:schemeClr val="accent1">
-              <a:shade val="50000"/>
-            </a:schemeClr>
-          </a:lnRef>
-          <a:fillRef idx="1">
-            <a:schemeClr val="accent1"/>
-          </a:fillRef>
-          <a:effectRef idx="0">
-            <a:schemeClr val="accent1"/>
-          </a:effectRef>
-          <a:fontRef idx="minor">
-            <a:schemeClr val="lt1"/>
-          </a:fontRef>
-        </p:style>
-        <p:txBody>
-          <a:bodyPr rtlCol="0" anchor="ctr"/>
-          <a:lstStyle/>
-          <a:p>
-            <a:pPr algn="ctr"/>
-            <a:endParaRPr lang="ko-KR" altLang="en-US"/>
-          </a:p>
-        </p:txBody>
-      </p:sp>
-      <p:sp>
-        <p:nvSpPr>
-          <p:cNvPr id="5" name="순서도: 지연 4"/>
-          <p:cNvSpPr/>
-          <p:nvPr/>
-        </p:nvSpPr>
-        <p:spPr>
-          <a:xfrm rot="16200000">
-            <a:off x="5516218" y="182216"/>
-            <a:ext cx="1159565" cy="12192002"/>
-          </a:xfrm>
-          <a:prstGeom prst="flowChartDelay">
-            <a:avLst/>
-          </a:prstGeom>
-          <a:solidFill>
-            <a:schemeClr val="accent2">
-              <a:lumMod val="50000"/>
-            </a:schemeClr>
-          </a:solidFill>
-          <a:ln>
-            <a:noFill/>
-          </a:ln>
-        </p:spPr>
-        <p:style>
-          <a:lnRef idx="2">
-            <a:schemeClr val="accent1">
-              <a:shade val="50000"/>
-            </a:schemeClr>
-          </a:lnRef>
-          <a:fillRef idx="1">
-            <a:schemeClr val="accent1"/>
-          </a:fillRef>
-          <a:effectRef idx="0">
-            <a:schemeClr val="accent1"/>
-          </a:effectRef>
-          <a:fontRef idx="minor">
-            <a:schemeClr val="lt1"/>
-          </a:fontRef>
-        </p:style>
-        <p:txBody>
-          <a:bodyPr rtlCol="0" anchor="ctr"/>
-          <a:lstStyle/>
-          <a:p>
-            <a:pPr algn="ctr"/>
-            <a:endParaRPr lang="ko-KR" altLang="en-US"/>
-          </a:p>
-        </p:txBody>
-      </p:sp>
-      <p:sp>
-        <p:nvSpPr>
-          <p:cNvPr id="7" name="포인트가 7개인 별 6"/>
-          <p:cNvSpPr/>
-          <p:nvPr/>
-        </p:nvSpPr>
-        <p:spPr>
-          <a:xfrm>
-            <a:off x="-123201" y="3865176"/>
-            <a:ext cx="1046922" cy="1046922"/>
-          </a:xfrm>
-          <a:prstGeom prst="star7">
-            <a:avLst>
-              <a:gd name="adj" fmla="val 41820"/>
-              <a:gd name="hf" fmla="val 102572"/>
-              <a:gd name="vf" fmla="val 105210"/>
-            </a:avLst>
-          </a:prstGeom>
-          <a:solidFill>
-            <a:srgbClr val="C00000"/>
-          </a:solidFill>
-          <a:ln>
-            <a:solidFill>
-              <a:srgbClr val="FF0000"/>
-            </a:solidFill>
-          </a:ln>
-          <a:effectLst>
-            <a:glow rad="228600">
-              <a:schemeClr val="accent2">
-                <a:satMod val="175000"/>
-                <a:alpha val="40000"/>
-              </a:schemeClr>
-            </a:glow>
-          </a:effectLst>
-        </p:spPr>
-        <p:style>
-          <a:lnRef idx="2">
-            <a:schemeClr val="accent1">
-              <a:shade val="50000"/>
-            </a:schemeClr>
-          </a:lnRef>
-          <a:fillRef idx="1">
-            <a:schemeClr val="accent1"/>
-          </a:fillRef>
-          <a:effectRef idx="0">
-            <a:schemeClr val="accent1"/>
-          </a:effectRef>
-          <a:fontRef idx="minor">
-            <a:schemeClr val="lt1"/>
-          </a:fontRef>
-        </p:style>
-        <p:txBody>
-          <a:bodyPr rtlCol="0" anchor="ctr"/>
-          <a:lstStyle/>
-          <a:p>
-            <a:pPr algn="ctr"/>
-            <a:endParaRPr lang="ko-KR" altLang="en-US"/>
-          </a:p>
-        </p:txBody>
-      </p:sp>
-      <p:grpSp>
-        <p:nvGrpSpPr>
-          <p:cNvPr id="30" name="그룹 29"/>
-          <p:cNvGrpSpPr/>
-          <p:nvPr/>
-        </p:nvGrpSpPr>
-        <p:grpSpPr>
-          <a:xfrm>
-            <a:off x="-91251" y="2414136"/>
-            <a:ext cx="2840458" cy="2493809"/>
-            <a:chOff x="1277654" y="334213"/>
-            <a:chExt cx="2840458" cy="2493809"/>
-          </a:xfrm>
-        </p:grpSpPr>
-        <p:grpSp>
-          <p:nvGrpSpPr>
-            <p:cNvPr id="29" name="그룹 28"/>
-            <p:cNvGrpSpPr/>
-            <p:nvPr/>
-          </p:nvGrpSpPr>
-          <p:grpSpPr>
-            <a:xfrm rot="523735">
-              <a:off x="1679712" y="334213"/>
-              <a:ext cx="2438400" cy="2182383"/>
-              <a:chOff x="1570972" y="963183"/>
-              <a:chExt cx="1588164" cy="1444487"/>
-            </a:xfrm>
-          </p:grpSpPr>
-          <p:sp>
-            <p:nvSpPr>
-              <p:cNvPr id="9" name="사다리꼴 8"/>
-              <p:cNvSpPr/>
-              <p:nvPr/>
-            </p:nvSpPr>
-            <p:spPr>
-              <a:xfrm rot="13105639">
-                <a:off x="2001626" y="963183"/>
-                <a:ext cx="318436" cy="1444487"/>
-              </a:xfrm>
-              <a:prstGeom prst="trapezoid">
-                <a:avLst/>
-              </a:prstGeom>
-              <a:solidFill>
-                <a:srgbClr val="FF0000">
-                  <a:alpha val="60000"/>
-                </a:srgbClr>
-              </a:solidFill>
-              <a:ln>
-                <a:solidFill>
-                  <a:srgbClr val="FF0000"/>
-                </a:solidFill>
-              </a:ln>
-            </p:spPr>
-            <p:style>
-              <a:lnRef idx="2">
-                <a:schemeClr val="accent1">
-                  <a:shade val="50000"/>
-                </a:schemeClr>
-              </a:lnRef>
-              <a:fillRef idx="1">
-                <a:schemeClr val="accent1"/>
-              </a:fillRef>
-              <a:effectRef idx="0">
-                <a:schemeClr val="accent1"/>
-              </a:effectRef>
-              <a:fontRef idx="minor">
-                <a:schemeClr val="lt1"/>
-              </a:fontRef>
-            </p:style>
-            <p:txBody>
-              <a:bodyPr rtlCol="0" anchor="ctr"/>
-              <a:lstStyle/>
-              <a:p>
-                <a:pPr algn="ctr"/>
-                <a:endParaRPr lang="ko-KR" altLang="en-US"/>
-              </a:p>
-            </p:txBody>
-          </p:sp>
-          <p:sp>
-            <p:nvSpPr>
-              <p:cNvPr id="10" name="사다리꼴 9"/>
-              <p:cNvSpPr/>
-              <p:nvPr/>
-            </p:nvSpPr>
-            <p:spPr>
-              <a:xfrm rot="13500000">
-                <a:off x="2133998" y="1066194"/>
-                <a:ext cx="318436" cy="1444487"/>
-              </a:xfrm>
-              <a:prstGeom prst="trapezoid">
-                <a:avLst/>
-              </a:prstGeom>
-              <a:solidFill>
-                <a:srgbClr val="92D050">
-                  <a:alpha val="60000"/>
-                </a:srgbClr>
-              </a:solidFill>
-              <a:ln>
-                <a:solidFill>
-                  <a:srgbClr val="FF0000"/>
-                </a:solidFill>
-              </a:ln>
-            </p:spPr>
-            <p:style>
-              <a:lnRef idx="2">
-                <a:schemeClr val="accent1">
-                  <a:shade val="50000"/>
-                </a:schemeClr>
-              </a:lnRef>
-              <a:fillRef idx="1">
-                <a:schemeClr val="accent1"/>
-              </a:fillRef>
-              <a:effectRef idx="0">
-                <a:schemeClr val="accent1"/>
-              </a:effectRef>
-              <a:fontRef idx="minor">
-                <a:schemeClr val="lt1"/>
-              </a:fontRef>
-            </p:style>
-            <p:txBody>
-              <a:bodyPr rtlCol="0" anchor="ctr"/>
-              <a:lstStyle/>
-              <a:p>
-                <a:pPr algn="ctr"/>
-                <a:endParaRPr lang="ko-KR" altLang="en-US"/>
-              </a:p>
-            </p:txBody>
-          </p:sp>
-          <p:sp>
-            <p:nvSpPr>
-              <p:cNvPr id="11" name="사다리꼴 10"/>
-              <p:cNvSpPr/>
-              <p:nvPr/>
-            </p:nvSpPr>
-            <p:spPr>
-              <a:xfrm rot="13974070">
-                <a:off x="2277675" y="1202616"/>
-                <a:ext cx="318436" cy="1444487"/>
-              </a:xfrm>
-              <a:prstGeom prst="trapezoid">
-                <a:avLst/>
-              </a:prstGeom>
-              <a:solidFill>
-                <a:srgbClr val="FFFF00">
-                  <a:alpha val="60000"/>
-                </a:srgbClr>
-              </a:solidFill>
-              <a:ln>
-                <a:solidFill>
-                  <a:srgbClr val="FF0000"/>
-                </a:solidFill>
-              </a:ln>
-            </p:spPr>
-            <p:style>
-              <a:lnRef idx="2">
-                <a:schemeClr val="accent1">
-                  <a:shade val="50000"/>
-                </a:schemeClr>
-              </a:lnRef>
-              <a:fillRef idx="1">
-                <a:schemeClr val="accent1"/>
-              </a:fillRef>
-              <a:effectRef idx="0">
-                <a:schemeClr val="accent1"/>
-              </a:effectRef>
-              <a:fontRef idx="minor">
-                <a:schemeClr val="lt1"/>
-              </a:fontRef>
-            </p:style>
-            <p:txBody>
-              <a:bodyPr rtlCol="0" anchor="ctr"/>
-              <a:lstStyle/>
-              <a:p>
-                <a:pPr algn="ctr"/>
-                <a:endParaRPr lang="ko-KR" altLang="en-US"/>
-              </a:p>
-            </p:txBody>
-          </p:sp>
-        </p:grpSp>
-        <p:sp>
-          <p:nvSpPr>
-            <p:cNvPr id="13" name="포인트가 7개인 별 12"/>
-            <p:cNvSpPr/>
-            <p:nvPr/>
-          </p:nvSpPr>
-          <p:spPr>
-            <a:xfrm>
-              <a:off x="1277654" y="1781100"/>
-              <a:ext cx="1046922" cy="1046922"/>
-            </a:xfrm>
-            <a:prstGeom prst="star7">
-              <a:avLst>
-                <a:gd name="adj" fmla="val 20164"/>
-                <a:gd name="hf" fmla="val 102572"/>
-                <a:gd name="vf" fmla="val 105210"/>
-              </a:avLst>
-            </a:prstGeom>
-            <a:solidFill>
-              <a:schemeClr val="accent2">
-                <a:lumMod val="75000"/>
-              </a:schemeClr>
-            </a:solidFill>
-            <a:ln>
-              <a:solidFill>
-                <a:srgbClr val="FF0000"/>
-              </a:solidFill>
-            </a:ln>
-          </p:spPr>
-          <p:style>
-            <a:lnRef idx="2">
-              <a:schemeClr val="accent1">
-                <a:shade val="50000"/>
-              </a:schemeClr>
-            </a:lnRef>
-            <a:fillRef idx="1">
-              <a:schemeClr val="accent1"/>
-            </a:fillRef>
-            <a:effectRef idx="0">
-              <a:schemeClr val="accent1"/>
-            </a:effectRef>
-            <a:fontRef idx="minor">
-              <a:schemeClr val="lt1"/>
-            </a:fontRef>
-          </p:style>
-          <p:txBody>
-            <a:bodyPr rtlCol="0" anchor="ctr"/>
-            <a:lstStyle/>
-            <a:p>
-              <a:pPr algn="ctr"/>
-              <a:endParaRPr lang="ko-KR" altLang="en-US"/>
-            </a:p>
-          </p:txBody>
-        </p:sp>
-      </p:grpSp>
-      <p:grpSp>
-        <p:nvGrpSpPr>
-          <p:cNvPr id="57" name="그룹 56"/>
-          <p:cNvGrpSpPr/>
-          <p:nvPr/>
-        </p:nvGrpSpPr>
-        <p:grpSpPr>
-          <a:xfrm>
-            <a:off x="6202016" y="3279871"/>
-            <a:ext cx="1108870" cy="964318"/>
-            <a:chOff x="5539408" y="2548026"/>
-            <a:chExt cx="2872408" cy="2497962"/>
-          </a:xfrm>
-        </p:grpSpPr>
-        <p:sp>
-          <p:nvSpPr>
-            <p:cNvPr id="43" name="포인트가 7개인 별 42"/>
-            <p:cNvSpPr/>
-            <p:nvPr/>
-          </p:nvSpPr>
-          <p:spPr>
-            <a:xfrm>
-              <a:off x="5539408" y="3999066"/>
-              <a:ext cx="1046922" cy="1046922"/>
-            </a:xfrm>
-            <a:prstGeom prst="star7">
-              <a:avLst>
-                <a:gd name="adj" fmla="val 41820"/>
-                <a:gd name="hf" fmla="val 102572"/>
-                <a:gd name="vf" fmla="val 105210"/>
-              </a:avLst>
-            </a:prstGeom>
-            <a:solidFill>
-              <a:srgbClr val="C00000"/>
-            </a:solidFill>
-            <a:ln>
-              <a:solidFill>
-                <a:srgbClr val="FF0000"/>
-              </a:solidFill>
-            </a:ln>
-            <a:effectLst>
-              <a:glow rad="228600">
-                <a:schemeClr val="accent2">
-                  <a:satMod val="175000"/>
-                  <a:alpha val="40000"/>
-                </a:schemeClr>
-              </a:glow>
-            </a:effectLst>
-          </p:spPr>
-          <p:style>
-            <a:lnRef idx="2">
-              <a:schemeClr val="accent1">
-                <a:shade val="50000"/>
-              </a:schemeClr>
-            </a:lnRef>
-            <a:fillRef idx="1">
-              <a:schemeClr val="accent1"/>
-            </a:fillRef>
-            <a:effectRef idx="0">
-              <a:schemeClr val="accent1"/>
-            </a:effectRef>
-            <a:fontRef idx="minor">
-              <a:schemeClr val="lt1"/>
-            </a:fontRef>
-          </p:style>
-          <p:txBody>
-            <a:bodyPr rtlCol="0" anchor="ctr"/>
-            <a:lstStyle/>
-            <a:p>
-              <a:pPr algn="ctr"/>
-              <a:endParaRPr lang="ko-KR" altLang="en-US"/>
-            </a:p>
-          </p:txBody>
-        </p:sp>
-        <p:grpSp>
-          <p:nvGrpSpPr>
-            <p:cNvPr id="44" name="그룹 43"/>
-            <p:cNvGrpSpPr/>
-            <p:nvPr/>
-          </p:nvGrpSpPr>
-          <p:grpSpPr>
-            <a:xfrm>
-              <a:off x="5571358" y="2548026"/>
-              <a:ext cx="2840458" cy="2493809"/>
-              <a:chOff x="1277654" y="334213"/>
-              <a:chExt cx="2840458" cy="2493809"/>
-            </a:xfrm>
-          </p:grpSpPr>
-          <p:grpSp>
-            <p:nvGrpSpPr>
-              <p:cNvPr id="45" name="그룹 44"/>
-              <p:cNvGrpSpPr/>
-              <p:nvPr/>
-            </p:nvGrpSpPr>
-            <p:grpSpPr>
-              <a:xfrm rot="523735">
-                <a:off x="1679712" y="334213"/>
-                <a:ext cx="2438400" cy="2182383"/>
-                <a:chOff x="1570972" y="963183"/>
-                <a:chExt cx="1588164" cy="1444487"/>
-              </a:xfrm>
-            </p:grpSpPr>
-            <p:sp>
-              <p:nvSpPr>
-                <p:cNvPr id="47" name="사다리꼴 46"/>
-                <p:cNvSpPr/>
-                <p:nvPr/>
-              </p:nvSpPr>
-              <p:spPr>
-                <a:xfrm rot="13105639">
-                  <a:off x="2001626" y="963183"/>
-                  <a:ext cx="318436" cy="1444487"/>
-                </a:xfrm>
-                <a:prstGeom prst="trapezoid">
-                  <a:avLst/>
-                </a:prstGeom>
-                <a:solidFill>
-                  <a:srgbClr val="FF0000">
-                    <a:alpha val="60000"/>
-                  </a:srgbClr>
-                </a:solidFill>
-                <a:ln>
-                  <a:solidFill>
-                    <a:srgbClr val="FF0000"/>
-                  </a:solidFill>
-                </a:ln>
-              </p:spPr>
-              <p:style>
-                <a:lnRef idx="2">
-                  <a:schemeClr val="accent1">
-                    <a:shade val="50000"/>
-                  </a:schemeClr>
-                </a:lnRef>
-                <a:fillRef idx="1">
-                  <a:schemeClr val="accent1"/>
-                </a:fillRef>
-                <a:effectRef idx="0">
-                  <a:schemeClr val="accent1"/>
-                </a:effectRef>
-                <a:fontRef idx="minor">
-                  <a:schemeClr val="lt1"/>
-                </a:fontRef>
-              </p:style>
-              <p:txBody>
-                <a:bodyPr rtlCol="0" anchor="ctr"/>
-                <a:lstStyle/>
-                <a:p>
-                  <a:pPr algn="ctr"/>
-                  <a:endParaRPr lang="ko-KR" altLang="en-US"/>
-                </a:p>
-              </p:txBody>
-            </p:sp>
-            <p:sp>
-              <p:nvSpPr>
-                <p:cNvPr id="48" name="사다리꼴 47"/>
-                <p:cNvSpPr/>
-                <p:nvPr/>
-              </p:nvSpPr>
-              <p:spPr>
-                <a:xfrm rot="13500000">
-                  <a:off x="2133998" y="1066194"/>
-                  <a:ext cx="318436" cy="1444487"/>
-                </a:xfrm>
-                <a:prstGeom prst="trapezoid">
-                  <a:avLst/>
-                </a:prstGeom>
-                <a:solidFill>
-                  <a:srgbClr val="92D050">
-                    <a:alpha val="60000"/>
-                  </a:srgbClr>
-                </a:solidFill>
-                <a:ln>
-                  <a:solidFill>
-                    <a:srgbClr val="FF0000"/>
-                  </a:solidFill>
-                </a:ln>
-              </p:spPr>
-              <p:style>
-                <a:lnRef idx="2">
-                  <a:schemeClr val="accent1">
-                    <a:shade val="50000"/>
-                  </a:schemeClr>
-                </a:lnRef>
-                <a:fillRef idx="1">
-                  <a:schemeClr val="accent1"/>
-                </a:fillRef>
-                <a:effectRef idx="0">
-                  <a:schemeClr val="accent1"/>
-                </a:effectRef>
-                <a:fontRef idx="minor">
-                  <a:schemeClr val="lt1"/>
-                </a:fontRef>
-              </p:style>
-              <p:txBody>
-                <a:bodyPr rtlCol="0" anchor="ctr"/>
-                <a:lstStyle/>
-                <a:p>
-                  <a:pPr algn="ctr"/>
-                  <a:endParaRPr lang="ko-KR" altLang="en-US"/>
-                </a:p>
-              </p:txBody>
-            </p:sp>
-            <p:sp>
-              <p:nvSpPr>
-                <p:cNvPr id="49" name="사다리꼴 48"/>
-                <p:cNvSpPr/>
-                <p:nvPr/>
-              </p:nvSpPr>
-              <p:spPr>
-                <a:xfrm rot="13974070">
-                  <a:off x="2277675" y="1202616"/>
-                  <a:ext cx="318436" cy="1444487"/>
-                </a:xfrm>
-                <a:prstGeom prst="trapezoid">
-                  <a:avLst/>
-                </a:prstGeom>
-                <a:solidFill>
-                  <a:srgbClr val="FFFF00">
-                    <a:alpha val="60000"/>
-                  </a:srgbClr>
-                </a:solidFill>
-                <a:ln>
-                  <a:solidFill>
-                    <a:srgbClr val="FF0000"/>
-                  </a:solidFill>
-                </a:ln>
-              </p:spPr>
-              <p:style>
-                <a:lnRef idx="2">
-                  <a:schemeClr val="accent1">
-                    <a:shade val="50000"/>
-                  </a:schemeClr>
-                </a:lnRef>
-                <a:fillRef idx="1">
-                  <a:schemeClr val="accent1"/>
-                </a:fillRef>
-                <a:effectRef idx="0">
-                  <a:schemeClr val="accent1"/>
-                </a:effectRef>
-                <a:fontRef idx="minor">
-                  <a:schemeClr val="lt1"/>
-                </a:fontRef>
-              </p:style>
-              <p:txBody>
-                <a:bodyPr rtlCol="0" anchor="ctr"/>
-                <a:lstStyle/>
-                <a:p>
-                  <a:pPr algn="ctr"/>
-                  <a:endParaRPr lang="ko-KR" altLang="en-US"/>
-                </a:p>
-              </p:txBody>
-            </p:sp>
-          </p:grpSp>
-          <p:sp>
-            <p:nvSpPr>
-              <p:cNvPr id="46" name="포인트가 7개인 별 45"/>
-              <p:cNvSpPr/>
-              <p:nvPr/>
-            </p:nvSpPr>
-            <p:spPr>
-              <a:xfrm>
-                <a:off x="1277654" y="1781100"/>
-                <a:ext cx="1046922" cy="1046922"/>
-              </a:xfrm>
-              <a:prstGeom prst="star7">
-                <a:avLst>
-                  <a:gd name="adj" fmla="val 20164"/>
-                  <a:gd name="hf" fmla="val 102572"/>
-                  <a:gd name="vf" fmla="val 105210"/>
-                </a:avLst>
-              </a:prstGeom>
-              <a:solidFill>
-                <a:schemeClr val="accent2">
-                  <a:lumMod val="75000"/>
-                </a:schemeClr>
-              </a:solidFill>
-              <a:ln>
-                <a:solidFill>
-                  <a:srgbClr val="FF0000"/>
-                </a:solidFill>
-              </a:ln>
-            </p:spPr>
-            <p:style>
-              <a:lnRef idx="2">
-                <a:schemeClr val="accent1">
-                  <a:shade val="50000"/>
-                </a:schemeClr>
-              </a:lnRef>
-              <a:fillRef idx="1">
-                <a:schemeClr val="accent1"/>
-              </a:fillRef>
-              <a:effectRef idx="0">
-                <a:schemeClr val="accent1"/>
-              </a:effectRef>
-              <a:fontRef idx="minor">
-                <a:schemeClr val="lt1"/>
-              </a:fontRef>
-            </p:style>
-            <p:txBody>
-              <a:bodyPr rtlCol="0" anchor="ctr"/>
-              <a:lstStyle/>
-              <a:p>
-                <a:pPr algn="ctr"/>
-                <a:endParaRPr lang="ko-KR" altLang="en-US"/>
-              </a:p>
-            </p:txBody>
-          </p:sp>
-        </p:grpSp>
-      </p:grpSp>
-      <p:sp>
-        <p:nvSpPr>
-          <p:cNvPr id="50" name="포인트가 7개인 별 49"/>
-          <p:cNvSpPr/>
-          <p:nvPr/>
-        </p:nvSpPr>
-        <p:spPr>
-          <a:xfrm>
-            <a:off x="7213847" y="1332691"/>
-            <a:ext cx="1046922" cy="1046922"/>
-          </a:xfrm>
-          <a:prstGeom prst="star7">
-            <a:avLst>
-              <a:gd name="adj" fmla="val 41820"/>
-              <a:gd name="hf" fmla="val 102572"/>
-              <a:gd name="vf" fmla="val 105210"/>
-            </a:avLst>
-          </a:prstGeom>
-          <a:solidFill>
-            <a:srgbClr val="C00000"/>
-          </a:solidFill>
-          <a:ln>
-            <a:solidFill>
-              <a:srgbClr val="FF0000"/>
-            </a:solidFill>
-          </a:ln>
-          <a:effectLst>
-            <a:glow rad="228600">
-              <a:schemeClr val="accent2">
-                <a:satMod val="175000"/>
-                <a:alpha val="40000"/>
-              </a:schemeClr>
-            </a:glow>
-          </a:effectLst>
-        </p:spPr>
-        <p:style>
-          <a:lnRef idx="2">
-            <a:schemeClr val="accent1">
-              <a:shade val="50000"/>
-            </a:schemeClr>
-          </a:lnRef>
-          <a:fillRef idx="1">
-            <a:schemeClr val="accent1"/>
-          </a:fillRef>
-          <a:effectRef idx="0">
-            <a:schemeClr val="accent1"/>
-          </a:effectRef>
-          <a:fontRef idx="minor">
-            <a:schemeClr val="lt1"/>
-          </a:fontRef>
-        </p:style>
-        <p:txBody>
-          <a:bodyPr rtlCol="0" anchor="ctr"/>
-          <a:lstStyle/>
-          <a:p>
-            <a:pPr algn="ctr"/>
-            <a:endParaRPr lang="ko-KR" altLang="en-US"/>
-          </a:p>
-        </p:txBody>
-      </p:sp>
-      <p:grpSp>
-        <p:nvGrpSpPr>
-          <p:cNvPr id="51" name="그룹 50"/>
-          <p:cNvGrpSpPr/>
-          <p:nvPr/>
-        </p:nvGrpSpPr>
-        <p:grpSpPr>
-          <a:xfrm>
-            <a:off x="7245797" y="-118349"/>
-            <a:ext cx="2840458" cy="2493809"/>
-            <a:chOff x="1277654" y="334213"/>
-            <a:chExt cx="2840458" cy="2493809"/>
-          </a:xfrm>
-        </p:grpSpPr>
-        <p:grpSp>
-          <p:nvGrpSpPr>
-            <p:cNvPr id="52" name="그룹 51"/>
-            <p:cNvGrpSpPr/>
-            <p:nvPr/>
-          </p:nvGrpSpPr>
-          <p:grpSpPr>
-            <a:xfrm rot="523735">
-              <a:off x="1679712" y="334213"/>
-              <a:ext cx="2438400" cy="2182383"/>
-              <a:chOff x="1570972" y="963183"/>
-              <a:chExt cx="1588164" cy="1444487"/>
-            </a:xfrm>
-          </p:grpSpPr>
-          <p:sp>
-            <p:nvSpPr>
-              <p:cNvPr id="54" name="사다리꼴 53"/>
-              <p:cNvSpPr/>
-              <p:nvPr/>
-            </p:nvSpPr>
-            <p:spPr>
-              <a:xfrm rot="13105639">
-                <a:off x="2001626" y="963183"/>
-                <a:ext cx="318436" cy="1444487"/>
-              </a:xfrm>
-              <a:prstGeom prst="trapezoid">
-                <a:avLst/>
-              </a:prstGeom>
-              <a:solidFill>
-                <a:srgbClr val="FF0000">
-                  <a:alpha val="60000"/>
-                </a:srgbClr>
-              </a:solidFill>
-              <a:ln>
-                <a:solidFill>
-                  <a:srgbClr val="FF0000"/>
-                </a:solidFill>
-              </a:ln>
-            </p:spPr>
-            <p:style>
-              <a:lnRef idx="2">
-                <a:schemeClr val="accent1">
-                  <a:shade val="50000"/>
-                </a:schemeClr>
-              </a:lnRef>
-              <a:fillRef idx="1">
-                <a:schemeClr val="accent1"/>
-              </a:fillRef>
-              <a:effectRef idx="0">
-                <a:schemeClr val="accent1"/>
-              </a:effectRef>
-              <a:fontRef idx="minor">
-                <a:schemeClr val="lt1"/>
-              </a:fontRef>
-            </p:style>
-            <p:txBody>
-              <a:bodyPr rtlCol="0" anchor="ctr"/>
-              <a:lstStyle/>
-              <a:p>
-                <a:pPr algn="ctr"/>
-                <a:endParaRPr lang="ko-KR" altLang="en-US"/>
-              </a:p>
-            </p:txBody>
-          </p:sp>
-          <p:sp>
-            <p:nvSpPr>
-              <p:cNvPr id="55" name="사다리꼴 54"/>
-              <p:cNvSpPr/>
-              <p:nvPr/>
-            </p:nvSpPr>
-            <p:spPr>
-              <a:xfrm rot="13500000">
-                <a:off x="2133998" y="1066194"/>
-                <a:ext cx="318436" cy="1444487"/>
-              </a:xfrm>
-              <a:prstGeom prst="trapezoid">
-                <a:avLst/>
-              </a:prstGeom>
-              <a:solidFill>
-                <a:srgbClr val="92D050">
-                  <a:alpha val="60000"/>
-                </a:srgbClr>
-              </a:solidFill>
-              <a:ln>
-                <a:solidFill>
-                  <a:srgbClr val="FF0000"/>
-                </a:solidFill>
-              </a:ln>
-            </p:spPr>
-            <p:style>
-              <a:lnRef idx="2">
-                <a:schemeClr val="accent1">
-                  <a:shade val="50000"/>
-                </a:schemeClr>
-              </a:lnRef>
-              <a:fillRef idx="1">
-                <a:schemeClr val="accent1"/>
-              </a:fillRef>
-              <a:effectRef idx="0">
-                <a:schemeClr val="accent1"/>
-              </a:effectRef>
-              <a:fontRef idx="minor">
-                <a:schemeClr val="lt1"/>
-              </a:fontRef>
-            </p:style>
-            <p:txBody>
-              <a:bodyPr rtlCol="0" anchor="ctr"/>
-              <a:lstStyle/>
-              <a:p>
-                <a:pPr algn="ctr"/>
-                <a:endParaRPr lang="ko-KR" altLang="en-US"/>
-              </a:p>
-            </p:txBody>
-          </p:sp>
-          <p:sp>
-            <p:nvSpPr>
-              <p:cNvPr id="56" name="사다리꼴 55"/>
-              <p:cNvSpPr/>
-              <p:nvPr/>
-            </p:nvSpPr>
-            <p:spPr>
-              <a:xfrm rot="13974070">
-                <a:off x="2277675" y="1202616"/>
-                <a:ext cx="318436" cy="1444487"/>
-              </a:xfrm>
-              <a:prstGeom prst="trapezoid">
-                <a:avLst/>
-              </a:prstGeom>
-              <a:solidFill>
-                <a:srgbClr val="FFFF00">
-                  <a:alpha val="60000"/>
-                </a:srgbClr>
-              </a:solidFill>
-              <a:ln>
-                <a:solidFill>
-                  <a:srgbClr val="FF0000"/>
-                </a:solidFill>
-              </a:ln>
-            </p:spPr>
-            <p:style>
-              <a:lnRef idx="2">
-                <a:schemeClr val="accent1">
-                  <a:shade val="50000"/>
-                </a:schemeClr>
-              </a:lnRef>
-              <a:fillRef idx="1">
-                <a:schemeClr val="accent1"/>
-              </a:fillRef>
-              <a:effectRef idx="0">
-                <a:schemeClr val="accent1"/>
-              </a:effectRef>
-              <a:fontRef idx="minor">
-                <a:schemeClr val="lt1"/>
-              </a:fontRef>
-            </p:style>
-            <p:txBody>
-              <a:bodyPr rtlCol="0" anchor="ctr"/>
-              <a:lstStyle/>
-              <a:p>
-                <a:pPr algn="ctr"/>
-                <a:endParaRPr lang="ko-KR" altLang="en-US"/>
-              </a:p>
-            </p:txBody>
-          </p:sp>
-        </p:grpSp>
-        <p:sp>
-          <p:nvSpPr>
-            <p:cNvPr id="53" name="포인트가 7개인 별 52"/>
-            <p:cNvSpPr/>
-            <p:nvPr/>
-          </p:nvSpPr>
-          <p:spPr>
-            <a:xfrm>
-              <a:off x="1277654" y="1781100"/>
-              <a:ext cx="1046922" cy="1046922"/>
-            </a:xfrm>
-            <a:prstGeom prst="star7">
-              <a:avLst>
-                <a:gd name="adj" fmla="val 20164"/>
-                <a:gd name="hf" fmla="val 102572"/>
-                <a:gd name="vf" fmla="val 105210"/>
-              </a:avLst>
-            </a:prstGeom>
-            <a:solidFill>
-              <a:schemeClr val="accent2">
-                <a:lumMod val="75000"/>
-              </a:schemeClr>
-            </a:solidFill>
-            <a:ln>
-              <a:solidFill>
-                <a:srgbClr val="FF0000"/>
-              </a:solidFill>
-            </a:ln>
-          </p:spPr>
-          <p:style>
-            <a:lnRef idx="2">
-              <a:schemeClr val="accent1">
-                <a:shade val="50000"/>
-              </a:schemeClr>
-            </a:lnRef>
-            <a:fillRef idx="1">
-              <a:schemeClr val="accent1"/>
-            </a:fillRef>
-            <a:effectRef idx="0">
-              <a:schemeClr val="accent1"/>
-            </a:effectRef>
-            <a:fontRef idx="minor">
-              <a:schemeClr val="lt1"/>
-            </a:fontRef>
-          </p:style>
-          <p:txBody>
-            <a:bodyPr rtlCol="0" anchor="ctr"/>
-            <a:lstStyle/>
-            <a:p>
-              <a:pPr algn="ctr"/>
-              <a:endParaRPr lang="ko-KR" altLang="en-US"/>
-            </a:p>
-          </p:txBody>
-        </p:sp>
-      </p:grpSp>
-      <p:grpSp>
-        <p:nvGrpSpPr>
-          <p:cNvPr id="15" name="그룹 14"/>
-          <p:cNvGrpSpPr/>
-          <p:nvPr/>
-        </p:nvGrpSpPr>
-        <p:grpSpPr>
-          <a:xfrm>
-            <a:off x="5029200" y="3025548"/>
-            <a:ext cx="2841883" cy="4318571"/>
-            <a:chOff x="4911132" y="874643"/>
-            <a:chExt cx="2841883" cy="3644349"/>
-          </a:xfrm>
-        </p:grpSpPr>
-        <p:grpSp>
-          <p:nvGrpSpPr>
-            <p:cNvPr id="12" name="그룹 11"/>
-            <p:cNvGrpSpPr/>
-            <p:nvPr/>
-          </p:nvGrpSpPr>
-          <p:grpSpPr>
-            <a:xfrm>
-              <a:off x="4911132" y="874643"/>
-              <a:ext cx="2841883" cy="3644349"/>
-              <a:chOff x="4911132" y="874643"/>
-              <a:chExt cx="2841883" cy="3644349"/>
-            </a:xfrm>
-          </p:grpSpPr>
-          <p:sp>
-            <p:nvSpPr>
-              <p:cNvPr id="6" name="모서리가 둥근 직사각형 5"/>
-              <p:cNvSpPr/>
-              <p:nvPr/>
-            </p:nvSpPr>
-            <p:spPr>
-              <a:xfrm>
-                <a:off x="4911132" y="874643"/>
-                <a:ext cx="2496833" cy="1303683"/>
-              </a:xfrm>
-              <a:prstGeom prst="roundRect">
-                <a:avLst/>
-              </a:prstGeom>
-              <a:solidFill>
-                <a:srgbClr val="00B050"/>
-              </a:solidFill>
-              <a:ln>
-                <a:noFill/>
-              </a:ln>
-            </p:spPr>
-            <p:style>
-              <a:lnRef idx="2">
-                <a:schemeClr val="accent1">
-                  <a:shade val="50000"/>
-                </a:schemeClr>
-              </a:lnRef>
-              <a:fillRef idx="1">
-                <a:schemeClr val="accent1"/>
-              </a:fillRef>
-              <a:effectRef idx="0">
-                <a:schemeClr val="accent1"/>
-              </a:effectRef>
-              <a:fontRef idx="minor">
-                <a:schemeClr val="lt1"/>
-              </a:fontRef>
-            </p:style>
-            <p:txBody>
-              <a:bodyPr rtlCol="0" anchor="ctr"/>
-              <a:lstStyle/>
-              <a:p>
-                <a:pPr algn="ctr"/>
-                <a:endParaRPr lang="ko-KR" altLang="en-US"/>
-              </a:p>
-            </p:txBody>
-          </p:sp>
-          <p:sp>
-            <p:nvSpPr>
-              <p:cNvPr id="32" name="모서리가 둥근 직사각형 31"/>
-              <p:cNvSpPr/>
-              <p:nvPr/>
-            </p:nvSpPr>
-            <p:spPr>
-              <a:xfrm rot="20250621">
-                <a:off x="5156088" y="1974893"/>
-                <a:ext cx="2496833" cy="689064"/>
-              </a:xfrm>
-              <a:prstGeom prst="roundRect">
-                <a:avLst/>
-              </a:prstGeom>
-              <a:solidFill>
-                <a:srgbClr val="00B050"/>
-              </a:solidFill>
-              <a:ln>
-                <a:noFill/>
-              </a:ln>
-            </p:spPr>
-            <p:style>
-              <a:lnRef idx="2">
-                <a:schemeClr val="accent1">
-                  <a:shade val="50000"/>
-                </a:schemeClr>
-              </a:lnRef>
-              <a:fillRef idx="1">
-                <a:schemeClr val="accent1"/>
-              </a:fillRef>
-              <a:effectRef idx="0">
-                <a:schemeClr val="accent1"/>
-              </a:effectRef>
-              <a:fontRef idx="minor">
-                <a:schemeClr val="lt1"/>
-              </a:fontRef>
-            </p:style>
-            <p:txBody>
-              <a:bodyPr rtlCol="0" anchor="ctr"/>
-              <a:lstStyle/>
-              <a:p>
-                <a:pPr algn="ctr"/>
-                <a:endParaRPr lang="ko-KR" altLang="en-US"/>
-              </a:p>
-            </p:txBody>
-          </p:sp>
-          <p:sp>
-            <p:nvSpPr>
-              <p:cNvPr id="8" name="모서리가 둥근 직사각형 7"/>
-              <p:cNvSpPr/>
-              <p:nvPr/>
-            </p:nvSpPr>
-            <p:spPr>
-              <a:xfrm>
-                <a:off x="6058682" y="874643"/>
-                <a:ext cx="1694333" cy="3644349"/>
-              </a:xfrm>
-              <a:prstGeom prst="roundRect">
-                <a:avLst/>
-              </a:prstGeom>
-              <a:solidFill>
-                <a:srgbClr val="00B050"/>
-              </a:solidFill>
-              <a:ln>
-                <a:noFill/>
-              </a:ln>
-            </p:spPr>
-            <p:style>
-              <a:lnRef idx="2">
-                <a:schemeClr val="accent1">
-                  <a:shade val="50000"/>
-                </a:schemeClr>
-              </a:lnRef>
-              <a:fillRef idx="1">
-                <a:schemeClr val="accent1"/>
-              </a:fillRef>
-              <a:effectRef idx="0">
-                <a:schemeClr val="accent1"/>
-              </a:effectRef>
-              <a:fontRef idx="minor">
-                <a:schemeClr val="lt1"/>
-              </a:fontRef>
-            </p:style>
-            <p:txBody>
-              <a:bodyPr rtlCol="0" anchor="ctr"/>
-              <a:lstStyle/>
-              <a:p>
-                <a:pPr algn="ctr"/>
-                <a:endParaRPr lang="ko-KR" altLang="en-US"/>
-              </a:p>
-            </p:txBody>
-          </p:sp>
-        </p:grpSp>
-        <p:sp>
-          <p:nvSpPr>
-            <p:cNvPr id="14" name="타원 13"/>
-            <p:cNvSpPr/>
-            <p:nvPr/>
-          </p:nvSpPr>
-          <p:spPr>
-            <a:xfrm>
-              <a:off x="5781727" y="1377694"/>
-              <a:ext cx="119553" cy="119553"/>
-            </a:xfrm>
-            <a:prstGeom prst="ellipse">
-              <a:avLst/>
-            </a:prstGeom>
-          </p:spPr>
-          <p:style>
-            <a:lnRef idx="2">
-              <a:schemeClr val="dk1">
-                <a:shade val="50000"/>
-              </a:schemeClr>
-            </a:lnRef>
-            <a:fillRef idx="1">
-              <a:schemeClr val="dk1"/>
-            </a:fillRef>
-            <a:effectRef idx="0">
-              <a:schemeClr val="dk1"/>
-            </a:effectRef>
-            <a:fontRef idx="minor">
-              <a:schemeClr val="lt1"/>
-            </a:fontRef>
-          </p:style>
-          <p:txBody>
-            <a:bodyPr rtlCol="0" anchor="ctr"/>
-            <a:lstStyle/>
-            <a:p>
-              <a:pPr algn="ctr"/>
-              <a:endParaRPr lang="ko-KR" altLang="en-US"/>
-            </a:p>
-          </p:txBody>
-        </p:sp>
-      </p:grpSp>
-      <p:sp>
-        <p:nvSpPr>
-          <p:cNvPr id="18" name="TextBox 17"/>
-          <p:cNvSpPr txBox="1"/>
-          <p:nvPr/>
-        </p:nvSpPr>
-        <p:spPr>
-          <a:xfrm>
-            <a:off x="6696582" y="1818810"/>
-            <a:ext cx="3495052" cy="769441"/>
-          </a:xfrm>
-          <a:prstGeom prst="rect">
-            <a:avLst/>
-          </a:prstGeom>
-          <a:noFill/>
-        </p:spPr>
-        <p:txBody>
-          <a:bodyPr wrap="square" rtlCol="0">
-            <a:spAutoFit/>
-          </a:bodyPr>
-          <a:lstStyle/>
-          <a:p>
-            <a:r>
-              <a:rPr lang="en-US" altLang="ko-KR" sz="4400" b="1" dirty="0" smtClean="0">
-                <a:solidFill>
-                  <a:srgbClr val="FFFF00"/>
-                </a:solidFill>
-              </a:rPr>
-              <a:t>???????</a:t>
-            </a:r>
-            <a:endParaRPr lang="ko-KR" altLang="en-US" sz="4400" b="1" dirty="0">
-              <a:solidFill>
-                <a:srgbClr val="FFFF00"/>
-              </a:solidFill>
-            </a:endParaRPr>
-          </a:p>
-        </p:txBody>
-      </p:sp>
-    </p:spTree>
-    <p:extLst>
-      <p:ext uri="{BB962C8B-B14F-4D97-AF65-F5344CB8AC3E}">
-        <p14:creationId xmlns:p14="http://schemas.microsoft.com/office/powerpoint/2010/main" val="2160609096"/>
-      </p:ext>
-    </p:extLst>
-  </p:cSld>
-  <p:clrMapOvr>
-    <a:masterClrMapping/>
-  </p:clrMapOvr>
-  <p:timing>
-    <p:tnLst>
-      <p:par>
-        <p:cTn id="1" dur="indefinite" restart="never" nodeType="tmRoot"/>
-      </p:par>
-    </p:tnLst>
-  </p:timing>
-</p:sld>
-</file>
-
-<file path=ppt/slides/slide4.xml><?xml version="1.0" encoding="utf-8"?>
 <p:sld xmlns:a="http://schemas.openxmlformats.org/drawingml/2006/main" xmlns:r="http://schemas.openxmlformats.org/officeDocument/2006/relationships" xmlns:p="http://schemas.openxmlformats.org/presentationml/2006/main">
   <p:cSld>
     <p:spTree>
@@ -7875,17 +5053,10 @@
   <p:clrMapOvr>
     <a:masterClrMapping/>
   </p:clrMapOvr>
-  <p:timing>
-    <p:tnLst>
-      <p:par>
-        <p:cTn id="1" dur="indefinite" restart="never" nodeType="tmRoot"/>
-      </p:par>
-    </p:tnLst>
-  </p:timing>
 </p:sld>
 </file>
 
-<file path=ppt/slides/slide5.xml><?xml version="1.0" encoding="utf-8"?>
+<file path=ppt/slides/slide11.xml><?xml version="1.0" encoding="utf-8"?>
 <p:sld xmlns:a="http://schemas.openxmlformats.org/drawingml/2006/main" xmlns:r="http://schemas.openxmlformats.org/officeDocument/2006/relationships" xmlns:p="http://schemas.openxmlformats.org/presentationml/2006/main">
   <p:cSld>
     <p:spTree>
@@ -9800,17 +6971,10 @@
   <p:clrMapOvr>
     <a:masterClrMapping/>
   </p:clrMapOvr>
-  <p:timing>
-    <p:tnLst>
-      <p:par>
-        <p:cTn id="1" dur="indefinite" restart="never" nodeType="tmRoot"/>
-      </p:par>
-    </p:tnLst>
-  </p:timing>
 </p:sld>
 </file>
 
-<file path=ppt/slides/slide6.xml><?xml version="1.0" encoding="utf-8"?>
+<file path=ppt/slides/slide12.xml><?xml version="1.0" encoding="utf-8"?>
 <p:sld xmlns:a="http://schemas.openxmlformats.org/drawingml/2006/main" xmlns:r="http://schemas.openxmlformats.org/officeDocument/2006/relationships" xmlns:p="http://schemas.openxmlformats.org/presentationml/2006/main">
   <p:cSld>
     <p:spTree>
@@ -10282,7 +7446,7 @@
           <a:lstStyle/>
           <a:p>
             <a:r>
-              <a:rPr lang="en-US" altLang="ko-KR" sz="4400" b="1" dirty="0" smtClean="0"/>
+              <a:rPr lang="en-US" altLang="ko-KR" sz="4400" b="1" dirty="0"/>
               <a:t>x</a:t>
             </a:r>
             <a:endParaRPr lang="ko-KR" altLang="en-US" sz="4400" b="1" dirty="0"/>
@@ -10299,17 +7463,10 @@
   <p:clrMapOvr>
     <a:masterClrMapping/>
   </p:clrMapOvr>
-  <p:timing>
-    <p:tnLst>
-      <p:par>
-        <p:cTn id="1" dur="indefinite" restart="never" nodeType="tmRoot"/>
-      </p:par>
-    </p:tnLst>
-  </p:timing>
 </p:sld>
 </file>
 
-<file path=ppt/slides/slide7.xml><?xml version="1.0" encoding="utf-8"?>
+<file path=ppt/slides/slide2.xml><?xml version="1.0" encoding="utf-8"?>
 <p:sld xmlns:a="http://schemas.openxmlformats.org/drawingml/2006/main" xmlns:r="http://schemas.openxmlformats.org/officeDocument/2006/relationships" xmlns:p="http://schemas.openxmlformats.org/presentationml/2006/main">
   <p:cSld>
     <p:spTree>
@@ -10342,7 +7499,7 @@
           <a:lstStyle/>
           <a:p>
             <a:r>
-              <a:rPr lang="en-US" altLang="ko-KR" dirty="0" smtClean="0"/>
+              <a:rPr lang="en-US" altLang="ko-KR" dirty="0"/>
               <a:t>INFO</a:t>
             </a:r>
             <a:endParaRPr lang="ko-KR" altLang="en-US" dirty="0"/>
@@ -10365,29 +7522,29 @@
           <a:lstStyle/>
           <a:p>
             <a:r>
-              <a:rPr lang="en-US" altLang="ko-KR" dirty="0" smtClean="0"/>
+              <a:rPr lang="en-US" altLang="ko-KR" dirty="0"/>
               <a:t>[0, 0]</a:t>
             </a:r>
             <a:r>
-              <a:rPr lang="ko-KR" altLang="en-US" dirty="0" smtClean="0"/>
+              <a:rPr lang="ko-KR" altLang="en-US" dirty="0"/>
               <a:t>에서 시작</a:t>
             </a:r>
-            <a:endParaRPr lang="en-US" altLang="ko-KR" dirty="0" smtClean="0"/>
+            <a:endParaRPr lang="en-US" altLang="ko-KR" dirty="0"/>
           </a:p>
           <a:p>
             <a:r>
-              <a:rPr lang="ko-KR" altLang="en-US" dirty="0" smtClean="0"/>
+              <a:rPr lang="ko-KR" altLang="en-US" dirty="0"/>
               <a:t>무한정 돌아가기 시작</a:t>
             </a:r>
-            <a:endParaRPr lang="en-US" altLang="ko-KR" dirty="0" smtClean="0"/>
+            <a:endParaRPr lang="en-US" altLang="ko-KR" dirty="0"/>
           </a:p>
           <a:p>
             <a:r>
-              <a:rPr lang="ko-KR" altLang="en-US" dirty="0" smtClean="0"/>
+              <a:rPr lang="ko-KR" altLang="en-US" dirty="0"/>
               <a:t>벗어나는 것까지 게임이므로 </a:t>
             </a:r>
             <a:r>
-              <a:rPr lang="en-US" altLang="ko-KR" dirty="0" smtClean="0"/>
+              <a:rPr lang="en-US" altLang="ko-KR" dirty="0"/>
               <a:t>+1</a:t>
             </a:r>
             <a:endParaRPr lang="ko-KR" altLang="en-US" dirty="0"/>
@@ -10431,7 +7588,7 @@
 </p:sld>
 </file>
 
-<file path=ppt/slides/slide8.xml><?xml version="1.0" encoding="utf-8"?>
+<file path=ppt/slides/slide3.xml><?xml version="1.0" encoding="utf-8"?>
 <p:sld xmlns:a="http://schemas.openxmlformats.org/drawingml/2006/main" xmlns:r="http://schemas.openxmlformats.org/officeDocument/2006/relationships" xmlns:p="http://schemas.openxmlformats.org/presentationml/2006/main">
   <p:cSld>
     <p:spTree>
@@ -10464,14 +7621,13 @@
           <a:lstStyle/>
           <a:p>
             <a:r>
-              <a:rPr lang="en-US" altLang="ko-KR" dirty="0" smtClean="0"/>
+              <a:rPr lang="en-US" altLang="ko-KR" dirty="0"/>
               <a:t>-1</a:t>
             </a:r>
             <a:r>
-              <a:rPr lang="ko-KR" altLang="en-US" dirty="0" smtClean="0"/>
+              <a:rPr lang="ko-KR" altLang="en-US" dirty="0"/>
               <a:t>이 나와야 하는 경우</a:t>
             </a:r>
-            <a:endParaRPr lang="ko-KR" altLang="en-US" dirty="0"/>
           </a:p>
         </p:txBody>
       </p:sp>
@@ -10491,25 +7647,20 @@
           <a:lstStyle/>
           <a:p>
             <a:r>
-              <a:rPr lang="ko-KR" altLang="en-US" dirty="0" err="1" smtClean="0"/>
+              <a:rPr lang="ko-KR" altLang="en-US" dirty="0" err="1"/>
               <a:t>맵을</a:t>
             </a:r>
             <a:r>
-              <a:rPr lang="ko-KR" altLang="en-US" dirty="0" smtClean="0"/>
+              <a:rPr lang="ko-KR" altLang="en-US" dirty="0"/>
               <a:t> 돌다가 같은 수가 나오면 </a:t>
             </a:r>
-            <a:r>
-              <a:rPr lang="en-US" altLang="ko-KR" dirty="0" smtClean="0"/>
-              <a:t/>
-            </a:r>
             <a:br>
-              <a:rPr lang="en-US" altLang="ko-KR" dirty="0" smtClean="0"/>
+              <a:rPr lang="en-US" altLang="ko-KR" dirty="0"/>
             </a:br>
             <a:r>
-              <a:rPr lang="ko-KR" altLang="en-US" dirty="0" smtClean="0"/>
+              <a:rPr lang="ko-KR" altLang="en-US" dirty="0"/>
               <a:t>사이클이 된다</a:t>
             </a:r>
-            <a:endParaRPr lang="ko-KR" altLang="en-US" dirty="0"/>
           </a:p>
         </p:txBody>
       </p:sp>
@@ -10550,6 +7701,2191 @@
 </p:sld>
 </file>
 
+<file path=ppt/slides/slide4.xml><?xml version="1.0" encoding="utf-8"?>
+<p:sld xmlns:a="http://schemas.openxmlformats.org/drawingml/2006/main" xmlns:r="http://schemas.openxmlformats.org/officeDocument/2006/relationships" xmlns:p="http://schemas.openxmlformats.org/presentationml/2006/main">
+  <p:cSld>
+    <p:spTree>
+      <p:nvGrpSpPr>
+        <p:cNvPr id="1" name=""/>
+        <p:cNvGrpSpPr/>
+        <p:nvPr/>
+      </p:nvGrpSpPr>
+      <p:grpSpPr>
+        <a:xfrm>
+          <a:off x="0" y="0"/>
+          <a:ext cx="0" cy="0"/>
+          <a:chOff x="0" y="0"/>
+          <a:chExt cx="0" cy="0"/>
+        </a:xfrm>
+      </p:grpSpPr>
+      <p:sp>
+        <p:nvSpPr>
+          <p:cNvPr id="2" name="제목 1"/>
+          <p:cNvSpPr>
+            <a:spLocks noGrp="1"/>
+          </p:cNvSpPr>
+          <p:nvPr>
+            <p:ph type="ctrTitle"/>
+          </p:nvPr>
+        </p:nvSpPr>
+        <p:spPr/>
+        <p:txBody>
+          <a:bodyPr/>
+          <a:lstStyle/>
+          <a:p>
+            <a:r>
+              <a:rPr lang="en-US" altLang="ko-KR" dirty="0"/>
+              <a:t>BFS? DFS?</a:t>
+            </a:r>
+            <a:endParaRPr lang="ko-KR" altLang="en-US" dirty="0"/>
+          </a:p>
+        </p:txBody>
+      </p:sp>
+    </p:spTree>
+    <p:extLst>
+      <p:ext uri="{BB962C8B-B14F-4D97-AF65-F5344CB8AC3E}">
+        <p14:creationId xmlns:p14="http://schemas.microsoft.com/office/powerpoint/2010/main" val="2966611651"/>
+      </p:ext>
+    </p:extLst>
+  </p:cSld>
+  <p:clrMapOvr>
+    <a:masterClrMapping/>
+  </p:clrMapOvr>
+</p:sld>
+</file>
+
+<file path=ppt/slides/slide5.xml><?xml version="1.0" encoding="utf-8"?>
+<p:sld xmlns:a="http://schemas.openxmlformats.org/drawingml/2006/main" xmlns:r="http://schemas.openxmlformats.org/officeDocument/2006/relationships" xmlns:p="http://schemas.openxmlformats.org/presentationml/2006/main">
+  <p:cSld>
+    <p:spTree>
+      <p:nvGrpSpPr>
+        <p:cNvPr id="1" name=""/>
+        <p:cNvGrpSpPr/>
+        <p:nvPr/>
+      </p:nvGrpSpPr>
+      <p:grpSpPr>
+        <a:xfrm>
+          <a:off x="0" y="0"/>
+          <a:ext cx="0" cy="0"/>
+          <a:chOff x="0" y="0"/>
+          <a:chExt cx="0" cy="0"/>
+        </a:xfrm>
+      </p:grpSpPr>
+      <p:sp>
+        <p:nvSpPr>
+          <p:cNvPr id="2" name="제목 1"/>
+          <p:cNvSpPr>
+            <a:spLocks noGrp="1"/>
+          </p:cNvSpPr>
+          <p:nvPr>
+            <p:ph type="title"/>
+          </p:nvPr>
+        </p:nvSpPr>
+        <p:spPr/>
+        <p:txBody>
+          <a:bodyPr/>
+          <a:lstStyle/>
+          <a:p>
+            <a:r>
+              <a:rPr lang="en-US" altLang="ko-KR" dirty="0"/>
+              <a:t>DFS</a:t>
+            </a:r>
+            <a:endParaRPr lang="ko-KR" altLang="en-US" dirty="0"/>
+          </a:p>
+        </p:txBody>
+      </p:sp>
+      <p:sp>
+        <p:nvSpPr>
+          <p:cNvPr id="3" name="내용 개체 틀 2"/>
+          <p:cNvSpPr>
+            <a:spLocks noGrp="1"/>
+          </p:cNvSpPr>
+          <p:nvPr>
+            <p:ph idx="1"/>
+          </p:nvPr>
+        </p:nvSpPr>
+        <p:spPr/>
+        <p:txBody>
+          <a:bodyPr/>
+          <a:lstStyle/>
+          <a:p>
+            <a:r>
+              <a:rPr lang="ko-KR" altLang="en-US" dirty="0"/>
+              <a:t>앞의</a:t>
+            </a:r>
+            <a:r>
+              <a:rPr lang="en-US" altLang="ko-KR" dirty="0"/>
+              <a:t> </a:t>
+            </a:r>
+            <a:r>
+              <a:rPr lang="ko-KR" altLang="en-US" dirty="0"/>
+              <a:t>사이클 체크를 위해서 </a:t>
+            </a:r>
+            <a:r>
+              <a:rPr lang="ko-KR" altLang="en-US" dirty="0" err="1"/>
+              <a:t>방문체크를</a:t>
+            </a:r>
+            <a:r>
+              <a:rPr lang="ko-KR" altLang="en-US" dirty="0"/>
+              <a:t> </a:t>
+            </a:r>
+            <a:br>
+              <a:rPr lang="en-US" altLang="ko-KR" dirty="0"/>
+            </a:br>
+            <a:r>
+              <a:rPr lang="ko-KR" altLang="en-US" dirty="0"/>
+              <a:t>해야한다</a:t>
+            </a:r>
+            <a:r>
+              <a:rPr lang="en-US" altLang="ko-KR" dirty="0"/>
+              <a:t>.</a:t>
+            </a:r>
+          </a:p>
+          <a:p>
+            <a:r>
+              <a:rPr lang="en-US" altLang="ko-KR" dirty="0"/>
+              <a:t>BFS</a:t>
+            </a:r>
+            <a:r>
+              <a:rPr lang="ko-KR" altLang="en-US" dirty="0"/>
+              <a:t>의 경우 방문 체크를 해제하기 힘들다</a:t>
+            </a:r>
+          </a:p>
+        </p:txBody>
+      </p:sp>
+      <p:pic>
+        <p:nvPicPr>
+          <p:cNvPr id="5" name="그림 4"/>
+          <p:cNvPicPr>
+            <a:picLocks noChangeAspect="1"/>
+          </p:cNvPicPr>
+          <p:nvPr/>
+        </p:nvPicPr>
+        <p:blipFill>
+          <a:blip r:embed="rId2"/>
+          <a:stretch>
+            <a:fillRect/>
+          </a:stretch>
+        </p:blipFill>
+        <p:spPr>
+          <a:xfrm>
+            <a:off x="7745328" y="507999"/>
+            <a:ext cx="3972009" cy="5791201"/>
+          </a:xfrm>
+          <a:prstGeom prst="rect">
+            <a:avLst/>
+          </a:prstGeom>
+        </p:spPr>
+      </p:pic>
+    </p:spTree>
+    <p:extLst>
+      <p:ext uri="{BB962C8B-B14F-4D97-AF65-F5344CB8AC3E}">
+        <p14:creationId xmlns:p14="http://schemas.microsoft.com/office/powerpoint/2010/main" val="2036991577"/>
+      </p:ext>
+    </p:extLst>
+  </p:cSld>
+  <p:clrMapOvr>
+    <a:masterClrMapping/>
+  </p:clrMapOvr>
+</p:sld>
+</file>
+
+<file path=ppt/slides/slide6.xml><?xml version="1.0" encoding="utf-8"?>
+<p:sld xmlns:a="http://schemas.openxmlformats.org/drawingml/2006/main" xmlns:r="http://schemas.openxmlformats.org/officeDocument/2006/relationships" xmlns:p="http://schemas.openxmlformats.org/presentationml/2006/main">
+  <p:cSld>
+    <p:spTree>
+      <p:nvGrpSpPr>
+        <p:cNvPr id="1" name=""/>
+        <p:cNvGrpSpPr/>
+        <p:nvPr/>
+      </p:nvGrpSpPr>
+      <p:grpSpPr>
+        <a:xfrm>
+          <a:off x="0" y="0"/>
+          <a:ext cx="0" cy="0"/>
+          <a:chOff x="0" y="0"/>
+          <a:chExt cx="0" cy="0"/>
+        </a:xfrm>
+      </p:grpSpPr>
+      <p:sp>
+        <p:nvSpPr>
+          <p:cNvPr id="2" name="제목 1"/>
+          <p:cNvSpPr>
+            <a:spLocks noGrp="1"/>
+          </p:cNvSpPr>
+          <p:nvPr>
+            <p:ph type="title"/>
+          </p:nvPr>
+        </p:nvSpPr>
+        <p:spPr/>
+        <p:txBody>
+          <a:bodyPr/>
+          <a:lstStyle/>
+          <a:p>
+            <a:r>
+              <a:rPr lang="ko-KR" altLang="en-US"/>
+              <a:t>백트래킹</a:t>
+            </a:r>
+            <a:endParaRPr lang="ko-KR" altLang="en-US" dirty="0"/>
+          </a:p>
+        </p:txBody>
+      </p:sp>
+      <p:sp>
+        <p:nvSpPr>
+          <p:cNvPr id="3" name="내용 개체 틀 2"/>
+          <p:cNvSpPr>
+            <a:spLocks noGrp="1"/>
+          </p:cNvSpPr>
+          <p:nvPr>
+            <p:ph idx="1"/>
+          </p:nvPr>
+        </p:nvSpPr>
+        <p:spPr/>
+        <p:txBody>
+          <a:bodyPr/>
+          <a:lstStyle/>
+          <a:p>
+            <a:r>
+              <a:rPr lang="ko-KR" altLang="en-US" dirty="0"/>
+              <a:t>동일한 수치로 올라가기 때문에</a:t>
+            </a:r>
+          </a:p>
+        </p:txBody>
+      </p:sp>
+      <p:pic>
+        <p:nvPicPr>
+          <p:cNvPr id="5" name="그림 4"/>
+          <p:cNvPicPr>
+            <a:picLocks noChangeAspect="1"/>
+          </p:cNvPicPr>
+          <p:nvPr/>
+        </p:nvPicPr>
+        <p:blipFill>
+          <a:blip r:embed="rId2"/>
+          <a:stretch>
+            <a:fillRect/>
+          </a:stretch>
+        </p:blipFill>
+        <p:spPr>
+          <a:xfrm>
+            <a:off x="1213306" y="3374984"/>
+            <a:ext cx="10140494" cy="2047916"/>
+          </a:xfrm>
+          <a:prstGeom prst="rect">
+            <a:avLst/>
+          </a:prstGeom>
+        </p:spPr>
+      </p:pic>
+    </p:spTree>
+    <p:extLst>
+      <p:ext uri="{BB962C8B-B14F-4D97-AF65-F5344CB8AC3E}">
+        <p14:creationId xmlns:p14="http://schemas.microsoft.com/office/powerpoint/2010/main" val="2309545928"/>
+      </p:ext>
+    </p:extLst>
+  </p:cSld>
+  <p:clrMapOvr>
+    <a:masterClrMapping/>
+  </p:clrMapOvr>
+</p:sld>
+</file>
+
+<file path=ppt/slides/slide7.xml><?xml version="1.0" encoding="utf-8"?>
+<p:sld xmlns:a="http://schemas.openxmlformats.org/drawingml/2006/main" xmlns:r="http://schemas.openxmlformats.org/officeDocument/2006/relationships" xmlns:p="http://schemas.openxmlformats.org/presentationml/2006/main">
+  <p:cSld>
+    <p:spTree>
+      <p:nvGrpSpPr>
+        <p:cNvPr id="1" name=""/>
+        <p:cNvGrpSpPr/>
+        <p:nvPr/>
+      </p:nvGrpSpPr>
+      <p:grpSpPr>
+        <a:xfrm>
+          <a:off x="0" y="0"/>
+          <a:ext cx="0" cy="0"/>
+          <a:chOff x="0" y="0"/>
+          <a:chExt cx="0" cy="0"/>
+        </a:xfrm>
+      </p:grpSpPr>
+      <p:sp>
+        <p:nvSpPr>
+          <p:cNvPr id="2" name="제목 1"/>
+          <p:cNvSpPr>
+            <a:spLocks noGrp="1"/>
+          </p:cNvSpPr>
+          <p:nvPr>
+            <p:ph type="ctrTitle"/>
+          </p:nvPr>
+        </p:nvSpPr>
+        <p:spPr/>
+        <p:txBody>
+          <a:bodyPr/>
+          <a:lstStyle/>
+          <a:p>
+            <a:r>
+              <a:rPr lang="en-US" altLang="ko-KR" dirty="0"/>
+              <a:t>Thank</a:t>
+            </a:r>
+            <a:r>
+              <a:rPr lang="ko-KR" altLang="en-US" dirty="0"/>
+              <a:t> </a:t>
+            </a:r>
+            <a:r>
+              <a:rPr lang="en-US" altLang="ko-KR" dirty="0"/>
+              <a:t>you</a:t>
+            </a:r>
+            <a:endParaRPr lang="ko-KR" altLang="en-US" dirty="0"/>
+          </a:p>
+        </p:txBody>
+      </p:sp>
+    </p:spTree>
+    <p:extLst>
+      <p:ext uri="{BB962C8B-B14F-4D97-AF65-F5344CB8AC3E}">
+        <p14:creationId xmlns:p14="http://schemas.microsoft.com/office/powerpoint/2010/main" val="3012342708"/>
+      </p:ext>
+    </p:extLst>
+  </p:cSld>
+  <p:clrMapOvr>
+    <a:masterClrMapping/>
+  </p:clrMapOvr>
+</p:sld>
+</file>
+
+<file path=ppt/slides/slide8.xml><?xml version="1.0" encoding="utf-8"?>
+<p:sld xmlns:a="http://schemas.openxmlformats.org/drawingml/2006/main" xmlns:r="http://schemas.openxmlformats.org/officeDocument/2006/relationships" xmlns:p="http://schemas.openxmlformats.org/presentationml/2006/main">
+  <p:cSld>
+    <p:spTree>
+      <p:nvGrpSpPr>
+        <p:cNvPr id="1" name=""/>
+        <p:cNvGrpSpPr/>
+        <p:nvPr/>
+      </p:nvGrpSpPr>
+      <p:grpSpPr>
+        <a:xfrm>
+          <a:off x="0" y="0"/>
+          <a:ext cx="0" cy="0"/>
+          <a:chOff x="0" y="0"/>
+          <a:chExt cx="0" cy="0"/>
+        </a:xfrm>
+      </p:grpSpPr>
+      <p:sp>
+        <p:nvSpPr>
+          <p:cNvPr id="2" name="제목 1"/>
+          <p:cNvSpPr>
+            <a:spLocks noGrp="1"/>
+          </p:cNvSpPr>
+          <p:nvPr>
+            <p:ph type="title"/>
+          </p:nvPr>
+        </p:nvSpPr>
+        <p:spPr/>
+        <p:txBody>
+          <a:bodyPr/>
+          <a:lstStyle/>
+          <a:p>
+            <a:endParaRPr lang="ko-KR" altLang="en-US"/>
+          </a:p>
+        </p:txBody>
+      </p:sp>
+      <p:sp>
+        <p:nvSpPr>
+          <p:cNvPr id="3" name="내용 개체 틀 2"/>
+          <p:cNvSpPr>
+            <a:spLocks noGrp="1"/>
+          </p:cNvSpPr>
+          <p:nvPr>
+            <p:ph idx="1"/>
+          </p:nvPr>
+        </p:nvSpPr>
+        <p:spPr/>
+        <p:txBody>
+          <a:bodyPr/>
+          <a:lstStyle/>
+          <a:p>
+            <a:endParaRPr lang="ko-KR" altLang="en-US"/>
+          </a:p>
+        </p:txBody>
+      </p:sp>
+      <p:sp>
+        <p:nvSpPr>
+          <p:cNvPr id="4" name="직사각형 3"/>
+          <p:cNvSpPr/>
+          <p:nvPr/>
+        </p:nvSpPr>
+        <p:spPr>
+          <a:xfrm>
+            <a:off x="0" y="0"/>
+            <a:ext cx="12192000" cy="6858000"/>
+          </a:xfrm>
+          <a:prstGeom prst="rect">
+            <a:avLst/>
+          </a:prstGeom>
+          <a:gradFill>
+            <a:gsLst>
+              <a:gs pos="0">
+                <a:schemeClr val="tx2">
+                  <a:lumMod val="50000"/>
+                </a:schemeClr>
+              </a:gs>
+              <a:gs pos="42000">
+                <a:schemeClr val="accent2">
+                  <a:lumMod val="75000"/>
+                </a:schemeClr>
+              </a:gs>
+              <a:gs pos="100000">
+                <a:schemeClr val="accent2">
+                  <a:lumMod val="60000"/>
+                  <a:lumOff val="40000"/>
+                </a:schemeClr>
+              </a:gs>
+            </a:gsLst>
+            <a:lin ang="5400000" scaled="1"/>
+          </a:gradFill>
+          <a:ln>
+            <a:noFill/>
+          </a:ln>
+        </p:spPr>
+        <p:style>
+          <a:lnRef idx="2">
+            <a:schemeClr val="accent1">
+              <a:shade val="50000"/>
+            </a:schemeClr>
+          </a:lnRef>
+          <a:fillRef idx="1">
+            <a:schemeClr val="accent1"/>
+          </a:fillRef>
+          <a:effectRef idx="0">
+            <a:schemeClr val="accent1"/>
+          </a:effectRef>
+          <a:fontRef idx="minor">
+            <a:schemeClr val="lt1"/>
+          </a:fontRef>
+        </p:style>
+        <p:txBody>
+          <a:bodyPr rtlCol="0" anchor="ctr"/>
+          <a:lstStyle/>
+          <a:p>
+            <a:pPr algn="ctr"/>
+            <a:endParaRPr lang="ko-KR" altLang="en-US"/>
+          </a:p>
+        </p:txBody>
+      </p:sp>
+      <p:sp>
+        <p:nvSpPr>
+          <p:cNvPr id="5" name="순서도: 지연 4"/>
+          <p:cNvSpPr/>
+          <p:nvPr/>
+        </p:nvSpPr>
+        <p:spPr>
+          <a:xfrm rot="16200000">
+            <a:off x="5516218" y="182216"/>
+            <a:ext cx="1159565" cy="12192002"/>
+          </a:xfrm>
+          <a:prstGeom prst="flowChartDelay">
+            <a:avLst/>
+          </a:prstGeom>
+          <a:solidFill>
+            <a:schemeClr val="accent2">
+              <a:lumMod val="50000"/>
+            </a:schemeClr>
+          </a:solidFill>
+          <a:ln>
+            <a:noFill/>
+          </a:ln>
+        </p:spPr>
+        <p:style>
+          <a:lnRef idx="2">
+            <a:schemeClr val="accent1">
+              <a:shade val="50000"/>
+            </a:schemeClr>
+          </a:lnRef>
+          <a:fillRef idx="1">
+            <a:schemeClr val="accent1"/>
+          </a:fillRef>
+          <a:effectRef idx="0">
+            <a:schemeClr val="accent1"/>
+          </a:effectRef>
+          <a:fontRef idx="minor">
+            <a:schemeClr val="lt1"/>
+          </a:fontRef>
+        </p:style>
+        <p:txBody>
+          <a:bodyPr rtlCol="0" anchor="ctr"/>
+          <a:lstStyle/>
+          <a:p>
+            <a:pPr algn="ctr"/>
+            <a:endParaRPr lang="ko-KR" altLang="en-US"/>
+          </a:p>
+        </p:txBody>
+      </p:sp>
+      <p:sp>
+        <p:nvSpPr>
+          <p:cNvPr id="7" name="포인트가 7개인 별 6"/>
+          <p:cNvSpPr/>
+          <p:nvPr/>
+        </p:nvSpPr>
+        <p:spPr>
+          <a:xfrm>
+            <a:off x="838198" y="2902453"/>
+            <a:ext cx="1046922" cy="1046922"/>
+          </a:xfrm>
+          <a:prstGeom prst="star7">
+            <a:avLst>
+              <a:gd name="adj" fmla="val 41820"/>
+              <a:gd name="hf" fmla="val 102572"/>
+              <a:gd name="vf" fmla="val 105210"/>
+            </a:avLst>
+          </a:prstGeom>
+          <a:solidFill>
+            <a:srgbClr val="C00000"/>
+          </a:solidFill>
+          <a:ln>
+            <a:solidFill>
+              <a:srgbClr val="FF0000"/>
+            </a:solidFill>
+          </a:ln>
+          <a:effectLst>
+            <a:glow rad="228600">
+              <a:schemeClr val="accent2">
+                <a:satMod val="175000"/>
+                <a:alpha val="40000"/>
+              </a:schemeClr>
+            </a:glow>
+          </a:effectLst>
+        </p:spPr>
+        <p:style>
+          <a:lnRef idx="2">
+            <a:schemeClr val="accent1">
+              <a:shade val="50000"/>
+            </a:schemeClr>
+          </a:lnRef>
+          <a:fillRef idx="1">
+            <a:schemeClr val="accent1"/>
+          </a:fillRef>
+          <a:effectRef idx="0">
+            <a:schemeClr val="accent1"/>
+          </a:effectRef>
+          <a:fontRef idx="minor">
+            <a:schemeClr val="lt1"/>
+          </a:fontRef>
+        </p:style>
+        <p:txBody>
+          <a:bodyPr rtlCol="0" anchor="ctr"/>
+          <a:lstStyle/>
+          <a:p>
+            <a:pPr algn="ctr"/>
+            <a:endParaRPr lang="ko-KR" altLang="en-US"/>
+          </a:p>
+        </p:txBody>
+      </p:sp>
+      <p:grpSp>
+        <p:nvGrpSpPr>
+          <p:cNvPr id="30" name="그룹 29"/>
+          <p:cNvGrpSpPr/>
+          <p:nvPr/>
+        </p:nvGrpSpPr>
+        <p:grpSpPr>
+          <a:xfrm>
+            <a:off x="870148" y="1451413"/>
+            <a:ext cx="2840458" cy="2493809"/>
+            <a:chOff x="1277654" y="334213"/>
+            <a:chExt cx="2840458" cy="2493809"/>
+          </a:xfrm>
+        </p:grpSpPr>
+        <p:grpSp>
+          <p:nvGrpSpPr>
+            <p:cNvPr id="29" name="그룹 28"/>
+            <p:cNvGrpSpPr/>
+            <p:nvPr/>
+          </p:nvGrpSpPr>
+          <p:grpSpPr>
+            <a:xfrm rot="523735">
+              <a:off x="1679712" y="334213"/>
+              <a:ext cx="2438400" cy="2182383"/>
+              <a:chOff x="1570972" y="963183"/>
+              <a:chExt cx="1588164" cy="1444487"/>
+            </a:xfrm>
+          </p:grpSpPr>
+          <p:sp>
+            <p:nvSpPr>
+              <p:cNvPr id="9" name="사다리꼴 8"/>
+              <p:cNvSpPr/>
+              <p:nvPr/>
+            </p:nvSpPr>
+            <p:spPr>
+              <a:xfrm rot="13105639">
+                <a:off x="2001626" y="963183"/>
+                <a:ext cx="318436" cy="1444487"/>
+              </a:xfrm>
+              <a:prstGeom prst="trapezoid">
+                <a:avLst/>
+              </a:prstGeom>
+              <a:solidFill>
+                <a:srgbClr val="FF0000">
+                  <a:alpha val="60000"/>
+                </a:srgbClr>
+              </a:solidFill>
+              <a:ln>
+                <a:solidFill>
+                  <a:srgbClr val="FF0000"/>
+                </a:solidFill>
+              </a:ln>
+            </p:spPr>
+            <p:style>
+              <a:lnRef idx="2">
+                <a:schemeClr val="accent1">
+                  <a:shade val="50000"/>
+                </a:schemeClr>
+              </a:lnRef>
+              <a:fillRef idx="1">
+                <a:schemeClr val="accent1"/>
+              </a:fillRef>
+              <a:effectRef idx="0">
+                <a:schemeClr val="accent1"/>
+              </a:effectRef>
+              <a:fontRef idx="minor">
+                <a:schemeClr val="lt1"/>
+              </a:fontRef>
+            </p:style>
+            <p:txBody>
+              <a:bodyPr rtlCol="0" anchor="ctr"/>
+              <a:lstStyle/>
+              <a:p>
+                <a:pPr algn="ctr"/>
+                <a:endParaRPr lang="ko-KR" altLang="en-US"/>
+              </a:p>
+            </p:txBody>
+          </p:sp>
+          <p:sp>
+            <p:nvSpPr>
+              <p:cNvPr id="10" name="사다리꼴 9"/>
+              <p:cNvSpPr/>
+              <p:nvPr/>
+            </p:nvSpPr>
+            <p:spPr>
+              <a:xfrm rot="13500000">
+                <a:off x="2133998" y="1066194"/>
+                <a:ext cx="318436" cy="1444487"/>
+              </a:xfrm>
+              <a:prstGeom prst="trapezoid">
+                <a:avLst/>
+              </a:prstGeom>
+              <a:solidFill>
+                <a:srgbClr val="92D050">
+                  <a:alpha val="60000"/>
+                </a:srgbClr>
+              </a:solidFill>
+              <a:ln>
+                <a:solidFill>
+                  <a:srgbClr val="FF0000"/>
+                </a:solidFill>
+              </a:ln>
+            </p:spPr>
+            <p:style>
+              <a:lnRef idx="2">
+                <a:schemeClr val="accent1">
+                  <a:shade val="50000"/>
+                </a:schemeClr>
+              </a:lnRef>
+              <a:fillRef idx="1">
+                <a:schemeClr val="accent1"/>
+              </a:fillRef>
+              <a:effectRef idx="0">
+                <a:schemeClr val="accent1"/>
+              </a:effectRef>
+              <a:fontRef idx="minor">
+                <a:schemeClr val="lt1"/>
+              </a:fontRef>
+            </p:style>
+            <p:txBody>
+              <a:bodyPr rtlCol="0" anchor="ctr"/>
+              <a:lstStyle/>
+              <a:p>
+                <a:pPr algn="ctr"/>
+                <a:endParaRPr lang="ko-KR" altLang="en-US"/>
+              </a:p>
+            </p:txBody>
+          </p:sp>
+          <p:sp>
+            <p:nvSpPr>
+              <p:cNvPr id="11" name="사다리꼴 10"/>
+              <p:cNvSpPr/>
+              <p:nvPr/>
+            </p:nvSpPr>
+            <p:spPr>
+              <a:xfrm rot="13974070">
+                <a:off x="2277675" y="1202616"/>
+                <a:ext cx="318436" cy="1444487"/>
+              </a:xfrm>
+              <a:prstGeom prst="trapezoid">
+                <a:avLst/>
+              </a:prstGeom>
+              <a:solidFill>
+                <a:srgbClr val="FFFF00">
+                  <a:alpha val="60000"/>
+                </a:srgbClr>
+              </a:solidFill>
+              <a:ln>
+                <a:solidFill>
+                  <a:srgbClr val="FF0000"/>
+                </a:solidFill>
+              </a:ln>
+            </p:spPr>
+            <p:style>
+              <a:lnRef idx="2">
+                <a:schemeClr val="accent1">
+                  <a:shade val="50000"/>
+                </a:schemeClr>
+              </a:lnRef>
+              <a:fillRef idx="1">
+                <a:schemeClr val="accent1"/>
+              </a:fillRef>
+              <a:effectRef idx="0">
+                <a:schemeClr val="accent1"/>
+              </a:effectRef>
+              <a:fontRef idx="minor">
+                <a:schemeClr val="lt1"/>
+              </a:fontRef>
+            </p:style>
+            <p:txBody>
+              <a:bodyPr rtlCol="0" anchor="ctr"/>
+              <a:lstStyle/>
+              <a:p>
+                <a:pPr algn="ctr"/>
+                <a:endParaRPr lang="ko-KR" altLang="en-US"/>
+              </a:p>
+            </p:txBody>
+          </p:sp>
+        </p:grpSp>
+        <p:sp>
+          <p:nvSpPr>
+            <p:cNvPr id="13" name="포인트가 7개인 별 12"/>
+            <p:cNvSpPr/>
+            <p:nvPr/>
+          </p:nvSpPr>
+          <p:spPr>
+            <a:xfrm>
+              <a:off x="1277654" y="1781100"/>
+              <a:ext cx="1046922" cy="1046922"/>
+            </a:xfrm>
+            <a:prstGeom prst="star7">
+              <a:avLst>
+                <a:gd name="adj" fmla="val 20164"/>
+                <a:gd name="hf" fmla="val 102572"/>
+                <a:gd name="vf" fmla="val 105210"/>
+              </a:avLst>
+            </a:prstGeom>
+            <a:solidFill>
+              <a:schemeClr val="accent2">
+                <a:lumMod val="75000"/>
+              </a:schemeClr>
+            </a:solidFill>
+            <a:ln>
+              <a:solidFill>
+                <a:srgbClr val="FF0000"/>
+              </a:solidFill>
+            </a:ln>
+          </p:spPr>
+          <p:style>
+            <a:lnRef idx="2">
+              <a:schemeClr val="accent1">
+                <a:shade val="50000"/>
+              </a:schemeClr>
+            </a:lnRef>
+            <a:fillRef idx="1">
+              <a:schemeClr val="accent1"/>
+            </a:fillRef>
+            <a:effectRef idx="0">
+              <a:schemeClr val="accent1"/>
+            </a:effectRef>
+            <a:fontRef idx="minor">
+              <a:schemeClr val="lt1"/>
+            </a:fontRef>
+          </p:style>
+          <p:txBody>
+            <a:bodyPr rtlCol="0" anchor="ctr"/>
+            <a:lstStyle/>
+            <a:p>
+              <a:pPr algn="ctr"/>
+              <a:endParaRPr lang="ko-KR" altLang="en-US"/>
+            </a:p>
+          </p:txBody>
+        </p:sp>
+      </p:grpSp>
+      <p:grpSp>
+        <p:nvGrpSpPr>
+          <p:cNvPr id="57" name="그룹 56"/>
+          <p:cNvGrpSpPr/>
+          <p:nvPr/>
+        </p:nvGrpSpPr>
+        <p:grpSpPr>
+          <a:xfrm>
+            <a:off x="6202016" y="3279871"/>
+            <a:ext cx="1108870" cy="964318"/>
+            <a:chOff x="5539408" y="2548026"/>
+            <a:chExt cx="2872408" cy="2497962"/>
+          </a:xfrm>
+        </p:grpSpPr>
+        <p:sp>
+          <p:nvSpPr>
+            <p:cNvPr id="43" name="포인트가 7개인 별 42"/>
+            <p:cNvSpPr/>
+            <p:nvPr/>
+          </p:nvSpPr>
+          <p:spPr>
+            <a:xfrm>
+              <a:off x="5539408" y="3999066"/>
+              <a:ext cx="1046922" cy="1046922"/>
+            </a:xfrm>
+            <a:prstGeom prst="star7">
+              <a:avLst>
+                <a:gd name="adj" fmla="val 41820"/>
+                <a:gd name="hf" fmla="val 102572"/>
+                <a:gd name="vf" fmla="val 105210"/>
+              </a:avLst>
+            </a:prstGeom>
+            <a:solidFill>
+              <a:srgbClr val="C00000"/>
+            </a:solidFill>
+            <a:ln>
+              <a:solidFill>
+                <a:srgbClr val="FF0000"/>
+              </a:solidFill>
+            </a:ln>
+            <a:effectLst>
+              <a:glow rad="228600">
+                <a:schemeClr val="accent2">
+                  <a:satMod val="175000"/>
+                  <a:alpha val="40000"/>
+                </a:schemeClr>
+              </a:glow>
+            </a:effectLst>
+          </p:spPr>
+          <p:style>
+            <a:lnRef idx="2">
+              <a:schemeClr val="accent1">
+                <a:shade val="50000"/>
+              </a:schemeClr>
+            </a:lnRef>
+            <a:fillRef idx="1">
+              <a:schemeClr val="accent1"/>
+            </a:fillRef>
+            <a:effectRef idx="0">
+              <a:schemeClr val="accent1"/>
+            </a:effectRef>
+            <a:fontRef idx="minor">
+              <a:schemeClr val="lt1"/>
+            </a:fontRef>
+          </p:style>
+          <p:txBody>
+            <a:bodyPr rtlCol="0" anchor="ctr"/>
+            <a:lstStyle/>
+            <a:p>
+              <a:pPr algn="ctr"/>
+              <a:endParaRPr lang="ko-KR" altLang="en-US"/>
+            </a:p>
+          </p:txBody>
+        </p:sp>
+        <p:grpSp>
+          <p:nvGrpSpPr>
+            <p:cNvPr id="44" name="그룹 43"/>
+            <p:cNvGrpSpPr/>
+            <p:nvPr/>
+          </p:nvGrpSpPr>
+          <p:grpSpPr>
+            <a:xfrm>
+              <a:off x="5571358" y="2548026"/>
+              <a:ext cx="2840458" cy="2493809"/>
+              <a:chOff x="1277654" y="334213"/>
+              <a:chExt cx="2840458" cy="2493809"/>
+            </a:xfrm>
+          </p:grpSpPr>
+          <p:grpSp>
+            <p:nvGrpSpPr>
+              <p:cNvPr id="45" name="그룹 44"/>
+              <p:cNvGrpSpPr/>
+              <p:nvPr/>
+            </p:nvGrpSpPr>
+            <p:grpSpPr>
+              <a:xfrm rot="523735">
+                <a:off x="1679712" y="334213"/>
+                <a:ext cx="2438400" cy="2182383"/>
+                <a:chOff x="1570972" y="963183"/>
+                <a:chExt cx="1588164" cy="1444487"/>
+              </a:xfrm>
+            </p:grpSpPr>
+            <p:sp>
+              <p:nvSpPr>
+                <p:cNvPr id="47" name="사다리꼴 46"/>
+                <p:cNvSpPr/>
+                <p:nvPr/>
+              </p:nvSpPr>
+              <p:spPr>
+                <a:xfrm rot="13105639">
+                  <a:off x="2001626" y="963183"/>
+                  <a:ext cx="318436" cy="1444487"/>
+                </a:xfrm>
+                <a:prstGeom prst="trapezoid">
+                  <a:avLst/>
+                </a:prstGeom>
+                <a:solidFill>
+                  <a:srgbClr val="FF0000">
+                    <a:alpha val="60000"/>
+                  </a:srgbClr>
+                </a:solidFill>
+                <a:ln>
+                  <a:solidFill>
+                    <a:srgbClr val="FF0000"/>
+                  </a:solidFill>
+                </a:ln>
+              </p:spPr>
+              <p:style>
+                <a:lnRef idx="2">
+                  <a:schemeClr val="accent1">
+                    <a:shade val="50000"/>
+                  </a:schemeClr>
+                </a:lnRef>
+                <a:fillRef idx="1">
+                  <a:schemeClr val="accent1"/>
+                </a:fillRef>
+                <a:effectRef idx="0">
+                  <a:schemeClr val="accent1"/>
+                </a:effectRef>
+                <a:fontRef idx="minor">
+                  <a:schemeClr val="lt1"/>
+                </a:fontRef>
+              </p:style>
+              <p:txBody>
+                <a:bodyPr rtlCol="0" anchor="ctr"/>
+                <a:lstStyle/>
+                <a:p>
+                  <a:pPr algn="ctr"/>
+                  <a:endParaRPr lang="ko-KR" altLang="en-US"/>
+                </a:p>
+              </p:txBody>
+            </p:sp>
+            <p:sp>
+              <p:nvSpPr>
+                <p:cNvPr id="48" name="사다리꼴 47"/>
+                <p:cNvSpPr/>
+                <p:nvPr/>
+              </p:nvSpPr>
+              <p:spPr>
+                <a:xfrm rot="13500000">
+                  <a:off x="2133998" y="1066194"/>
+                  <a:ext cx="318436" cy="1444487"/>
+                </a:xfrm>
+                <a:prstGeom prst="trapezoid">
+                  <a:avLst/>
+                </a:prstGeom>
+                <a:solidFill>
+                  <a:srgbClr val="92D050">
+                    <a:alpha val="60000"/>
+                  </a:srgbClr>
+                </a:solidFill>
+                <a:ln>
+                  <a:solidFill>
+                    <a:srgbClr val="FF0000"/>
+                  </a:solidFill>
+                </a:ln>
+              </p:spPr>
+              <p:style>
+                <a:lnRef idx="2">
+                  <a:schemeClr val="accent1">
+                    <a:shade val="50000"/>
+                  </a:schemeClr>
+                </a:lnRef>
+                <a:fillRef idx="1">
+                  <a:schemeClr val="accent1"/>
+                </a:fillRef>
+                <a:effectRef idx="0">
+                  <a:schemeClr val="accent1"/>
+                </a:effectRef>
+                <a:fontRef idx="minor">
+                  <a:schemeClr val="lt1"/>
+                </a:fontRef>
+              </p:style>
+              <p:txBody>
+                <a:bodyPr rtlCol="0" anchor="ctr"/>
+                <a:lstStyle/>
+                <a:p>
+                  <a:pPr algn="ctr"/>
+                  <a:endParaRPr lang="ko-KR" altLang="en-US"/>
+                </a:p>
+              </p:txBody>
+            </p:sp>
+            <p:sp>
+              <p:nvSpPr>
+                <p:cNvPr id="49" name="사다리꼴 48"/>
+                <p:cNvSpPr/>
+                <p:nvPr/>
+              </p:nvSpPr>
+              <p:spPr>
+                <a:xfrm rot="13974070">
+                  <a:off x="2277675" y="1202616"/>
+                  <a:ext cx="318436" cy="1444487"/>
+                </a:xfrm>
+                <a:prstGeom prst="trapezoid">
+                  <a:avLst/>
+                </a:prstGeom>
+                <a:solidFill>
+                  <a:srgbClr val="FFFF00">
+                    <a:alpha val="60000"/>
+                  </a:srgbClr>
+                </a:solidFill>
+                <a:ln>
+                  <a:solidFill>
+                    <a:srgbClr val="FF0000"/>
+                  </a:solidFill>
+                </a:ln>
+              </p:spPr>
+              <p:style>
+                <a:lnRef idx="2">
+                  <a:schemeClr val="accent1">
+                    <a:shade val="50000"/>
+                  </a:schemeClr>
+                </a:lnRef>
+                <a:fillRef idx="1">
+                  <a:schemeClr val="accent1"/>
+                </a:fillRef>
+                <a:effectRef idx="0">
+                  <a:schemeClr val="accent1"/>
+                </a:effectRef>
+                <a:fontRef idx="minor">
+                  <a:schemeClr val="lt1"/>
+                </a:fontRef>
+              </p:style>
+              <p:txBody>
+                <a:bodyPr rtlCol="0" anchor="ctr"/>
+                <a:lstStyle/>
+                <a:p>
+                  <a:pPr algn="ctr"/>
+                  <a:endParaRPr lang="ko-KR" altLang="en-US"/>
+                </a:p>
+              </p:txBody>
+            </p:sp>
+          </p:grpSp>
+          <p:sp>
+            <p:nvSpPr>
+              <p:cNvPr id="46" name="포인트가 7개인 별 45"/>
+              <p:cNvSpPr/>
+              <p:nvPr/>
+            </p:nvSpPr>
+            <p:spPr>
+              <a:xfrm>
+                <a:off x="1277654" y="1781100"/>
+                <a:ext cx="1046922" cy="1046922"/>
+              </a:xfrm>
+              <a:prstGeom prst="star7">
+                <a:avLst>
+                  <a:gd name="adj" fmla="val 20164"/>
+                  <a:gd name="hf" fmla="val 102572"/>
+                  <a:gd name="vf" fmla="val 105210"/>
+                </a:avLst>
+              </a:prstGeom>
+              <a:solidFill>
+                <a:schemeClr val="accent2">
+                  <a:lumMod val="75000"/>
+                </a:schemeClr>
+              </a:solidFill>
+              <a:ln>
+                <a:solidFill>
+                  <a:srgbClr val="FF0000"/>
+                </a:solidFill>
+              </a:ln>
+            </p:spPr>
+            <p:style>
+              <a:lnRef idx="2">
+                <a:schemeClr val="accent1">
+                  <a:shade val="50000"/>
+                </a:schemeClr>
+              </a:lnRef>
+              <a:fillRef idx="1">
+                <a:schemeClr val="accent1"/>
+              </a:fillRef>
+              <a:effectRef idx="0">
+                <a:schemeClr val="accent1"/>
+              </a:effectRef>
+              <a:fontRef idx="minor">
+                <a:schemeClr val="lt1"/>
+              </a:fontRef>
+            </p:style>
+            <p:txBody>
+              <a:bodyPr rtlCol="0" anchor="ctr"/>
+              <a:lstStyle/>
+              <a:p>
+                <a:pPr algn="ctr"/>
+                <a:endParaRPr lang="ko-KR" altLang="en-US"/>
+              </a:p>
+            </p:txBody>
+          </p:sp>
+        </p:grpSp>
+      </p:grpSp>
+      <p:sp>
+        <p:nvSpPr>
+          <p:cNvPr id="50" name="포인트가 7개인 별 49"/>
+          <p:cNvSpPr/>
+          <p:nvPr/>
+        </p:nvSpPr>
+        <p:spPr>
+          <a:xfrm>
+            <a:off x="9360496" y="1076775"/>
+            <a:ext cx="1046922" cy="1046922"/>
+          </a:xfrm>
+          <a:prstGeom prst="star7">
+            <a:avLst>
+              <a:gd name="adj" fmla="val 41820"/>
+              <a:gd name="hf" fmla="val 102572"/>
+              <a:gd name="vf" fmla="val 105210"/>
+            </a:avLst>
+          </a:prstGeom>
+          <a:solidFill>
+            <a:srgbClr val="C00000"/>
+          </a:solidFill>
+          <a:ln>
+            <a:solidFill>
+              <a:srgbClr val="FF0000"/>
+            </a:solidFill>
+          </a:ln>
+          <a:effectLst>
+            <a:glow rad="228600">
+              <a:schemeClr val="accent2">
+                <a:satMod val="175000"/>
+                <a:alpha val="40000"/>
+              </a:schemeClr>
+            </a:glow>
+          </a:effectLst>
+        </p:spPr>
+        <p:style>
+          <a:lnRef idx="2">
+            <a:schemeClr val="accent1">
+              <a:shade val="50000"/>
+            </a:schemeClr>
+          </a:lnRef>
+          <a:fillRef idx="1">
+            <a:schemeClr val="accent1"/>
+          </a:fillRef>
+          <a:effectRef idx="0">
+            <a:schemeClr val="accent1"/>
+          </a:effectRef>
+          <a:fontRef idx="minor">
+            <a:schemeClr val="lt1"/>
+          </a:fontRef>
+        </p:style>
+        <p:txBody>
+          <a:bodyPr rtlCol="0" anchor="ctr"/>
+          <a:lstStyle/>
+          <a:p>
+            <a:pPr algn="ctr"/>
+            <a:endParaRPr lang="ko-KR" altLang="en-US"/>
+          </a:p>
+        </p:txBody>
+      </p:sp>
+      <p:grpSp>
+        <p:nvGrpSpPr>
+          <p:cNvPr id="51" name="그룹 50"/>
+          <p:cNvGrpSpPr/>
+          <p:nvPr/>
+        </p:nvGrpSpPr>
+        <p:grpSpPr>
+          <a:xfrm>
+            <a:off x="9392446" y="-374265"/>
+            <a:ext cx="2840458" cy="2493809"/>
+            <a:chOff x="1277654" y="334213"/>
+            <a:chExt cx="2840458" cy="2493809"/>
+          </a:xfrm>
+        </p:grpSpPr>
+        <p:grpSp>
+          <p:nvGrpSpPr>
+            <p:cNvPr id="52" name="그룹 51"/>
+            <p:cNvGrpSpPr/>
+            <p:nvPr/>
+          </p:nvGrpSpPr>
+          <p:grpSpPr>
+            <a:xfrm rot="523735">
+              <a:off x="1679712" y="334213"/>
+              <a:ext cx="2438400" cy="2182383"/>
+              <a:chOff x="1570972" y="963183"/>
+              <a:chExt cx="1588164" cy="1444487"/>
+            </a:xfrm>
+          </p:grpSpPr>
+          <p:sp>
+            <p:nvSpPr>
+              <p:cNvPr id="54" name="사다리꼴 53"/>
+              <p:cNvSpPr/>
+              <p:nvPr/>
+            </p:nvSpPr>
+            <p:spPr>
+              <a:xfrm rot="13105639">
+                <a:off x="2001626" y="963183"/>
+                <a:ext cx="318436" cy="1444487"/>
+              </a:xfrm>
+              <a:prstGeom prst="trapezoid">
+                <a:avLst/>
+              </a:prstGeom>
+              <a:solidFill>
+                <a:srgbClr val="FF0000">
+                  <a:alpha val="60000"/>
+                </a:srgbClr>
+              </a:solidFill>
+              <a:ln>
+                <a:solidFill>
+                  <a:srgbClr val="FF0000"/>
+                </a:solidFill>
+              </a:ln>
+            </p:spPr>
+            <p:style>
+              <a:lnRef idx="2">
+                <a:schemeClr val="accent1">
+                  <a:shade val="50000"/>
+                </a:schemeClr>
+              </a:lnRef>
+              <a:fillRef idx="1">
+                <a:schemeClr val="accent1"/>
+              </a:fillRef>
+              <a:effectRef idx="0">
+                <a:schemeClr val="accent1"/>
+              </a:effectRef>
+              <a:fontRef idx="minor">
+                <a:schemeClr val="lt1"/>
+              </a:fontRef>
+            </p:style>
+            <p:txBody>
+              <a:bodyPr rtlCol="0" anchor="ctr"/>
+              <a:lstStyle/>
+              <a:p>
+                <a:pPr algn="ctr"/>
+                <a:endParaRPr lang="ko-KR" altLang="en-US"/>
+              </a:p>
+            </p:txBody>
+          </p:sp>
+          <p:sp>
+            <p:nvSpPr>
+              <p:cNvPr id="55" name="사다리꼴 54"/>
+              <p:cNvSpPr/>
+              <p:nvPr/>
+            </p:nvSpPr>
+            <p:spPr>
+              <a:xfrm rot="13500000">
+                <a:off x="2133998" y="1066194"/>
+                <a:ext cx="318436" cy="1444487"/>
+              </a:xfrm>
+              <a:prstGeom prst="trapezoid">
+                <a:avLst/>
+              </a:prstGeom>
+              <a:solidFill>
+                <a:srgbClr val="92D050">
+                  <a:alpha val="60000"/>
+                </a:srgbClr>
+              </a:solidFill>
+              <a:ln>
+                <a:solidFill>
+                  <a:srgbClr val="FF0000"/>
+                </a:solidFill>
+              </a:ln>
+            </p:spPr>
+            <p:style>
+              <a:lnRef idx="2">
+                <a:schemeClr val="accent1">
+                  <a:shade val="50000"/>
+                </a:schemeClr>
+              </a:lnRef>
+              <a:fillRef idx="1">
+                <a:schemeClr val="accent1"/>
+              </a:fillRef>
+              <a:effectRef idx="0">
+                <a:schemeClr val="accent1"/>
+              </a:effectRef>
+              <a:fontRef idx="minor">
+                <a:schemeClr val="lt1"/>
+              </a:fontRef>
+            </p:style>
+            <p:txBody>
+              <a:bodyPr rtlCol="0" anchor="ctr"/>
+              <a:lstStyle/>
+              <a:p>
+                <a:pPr algn="ctr"/>
+                <a:endParaRPr lang="ko-KR" altLang="en-US"/>
+              </a:p>
+            </p:txBody>
+          </p:sp>
+          <p:sp>
+            <p:nvSpPr>
+              <p:cNvPr id="56" name="사다리꼴 55"/>
+              <p:cNvSpPr/>
+              <p:nvPr/>
+            </p:nvSpPr>
+            <p:spPr>
+              <a:xfrm rot="13974070">
+                <a:off x="2277675" y="1202616"/>
+                <a:ext cx="318436" cy="1444487"/>
+              </a:xfrm>
+              <a:prstGeom prst="trapezoid">
+                <a:avLst/>
+              </a:prstGeom>
+              <a:solidFill>
+                <a:srgbClr val="FFFF00">
+                  <a:alpha val="60000"/>
+                </a:srgbClr>
+              </a:solidFill>
+              <a:ln>
+                <a:solidFill>
+                  <a:srgbClr val="FF0000"/>
+                </a:solidFill>
+              </a:ln>
+            </p:spPr>
+            <p:style>
+              <a:lnRef idx="2">
+                <a:schemeClr val="accent1">
+                  <a:shade val="50000"/>
+                </a:schemeClr>
+              </a:lnRef>
+              <a:fillRef idx="1">
+                <a:schemeClr val="accent1"/>
+              </a:fillRef>
+              <a:effectRef idx="0">
+                <a:schemeClr val="accent1"/>
+              </a:effectRef>
+              <a:fontRef idx="minor">
+                <a:schemeClr val="lt1"/>
+              </a:fontRef>
+            </p:style>
+            <p:txBody>
+              <a:bodyPr rtlCol="0" anchor="ctr"/>
+              <a:lstStyle/>
+              <a:p>
+                <a:pPr algn="ctr"/>
+                <a:endParaRPr lang="ko-KR" altLang="en-US"/>
+              </a:p>
+            </p:txBody>
+          </p:sp>
+        </p:grpSp>
+        <p:sp>
+          <p:nvSpPr>
+            <p:cNvPr id="53" name="포인트가 7개인 별 52"/>
+            <p:cNvSpPr/>
+            <p:nvPr/>
+          </p:nvSpPr>
+          <p:spPr>
+            <a:xfrm>
+              <a:off x="1277654" y="1781100"/>
+              <a:ext cx="1046922" cy="1046922"/>
+            </a:xfrm>
+            <a:prstGeom prst="star7">
+              <a:avLst>
+                <a:gd name="adj" fmla="val 20164"/>
+                <a:gd name="hf" fmla="val 102572"/>
+                <a:gd name="vf" fmla="val 105210"/>
+              </a:avLst>
+            </a:prstGeom>
+            <a:solidFill>
+              <a:schemeClr val="accent2">
+                <a:lumMod val="75000"/>
+              </a:schemeClr>
+            </a:solidFill>
+            <a:ln>
+              <a:solidFill>
+                <a:srgbClr val="FF0000"/>
+              </a:solidFill>
+            </a:ln>
+          </p:spPr>
+          <p:style>
+            <a:lnRef idx="2">
+              <a:schemeClr val="accent1">
+                <a:shade val="50000"/>
+              </a:schemeClr>
+            </a:lnRef>
+            <a:fillRef idx="1">
+              <a:schemeClr val="accent1"/>
+            </a:fillRef>
+            <a:effectRef idx="0">
+              <a:schemeClr val="accent1"/>
+            </a:effectRef>
+            <a:fontRef idx="minor">
+              <a:schemeClr val="lt1"/>
+            </a:fontRef>
+          </p:style>
+          <p:txBody>
+            <a:bodyPr rtlCol="0" anchor="ctr"/>
+            <a:lstStyle/>
+            <a:p>
+              <a:pPr algn="ctr"/>
+              <a:endParaRPr lang="ko-KR" altLang="en-US"/>
+            </a:p>
+          </p:txBody>
+        </p:sp>
+      </p:grpSp>
+      <p:sp>
+        <p:nvSpPr>
+          <p:cNvPr id="58" name="모서리가 둥근 직사각형 57"/>
+          <p:cNvSpPr/>
+          <p:nvPr/>
+        </p:nvSpPr>
+        <p:spPr>
+          <a:xfrm>
+            <a:off x="5659655" y="5177413"/>
+            <a:ext cx="436345" cy="512081"/>
+          </a:xfrm>
+          <a:prstGeom prst="roundRect">
+            <a:avLst/>
+          </a:prstGeom>
+          <a:solidFill>
+            <a:schemeClr val="accent6">
+              <a:lumMod val="75000"/>
+            </a:schemeClr>
+          </a:solidFill>
+          <a:ln>
+            <a:noFill/>
+          </a:ln>
+        </p:spPr>
+        <p:style>
+          <a:lnRef idx="2">
+            <a:schemeClr val="accent1">
+              <a:shade val="50000"/>
+            </a:schemeClr>
+          </a:lnRef>
+          <a:fillRef idx="1">
+            <a:schemeClr val="accent1"/>
+          </a:fillRef>
+          <a:effectRef idx="0">
+            <a:schemeClr val="accent1"/>
+          </a:effectRef>
+          <a:fontRef idx="minor">
+            <a:schemeClr val="lt1"/>
+          </a:fontRef>
+        </p:style>
+        <p:txBody>
+          <a:bodyPr rtlCol="0" anchor="ctr"/>
+          <a:lstStyle/>
+          <a:p>
+            <a:pPr algn="ctr"/>
+            <a:endParaRPr lang="ko-KR" altLang="en-US"/>
+          </a:p>
+        </p:txBody>
+      </p:sp>
+      <p:sp>
+        <p:nvSpPr>
+          <p:cNvPr id="59" name="모서리가 둥근 직사각형 58"/>
+          <p:cNvSpPr/>
+          <p:nvPr/>
+        </p:nvSpPr>
+        <p:spPr>
+          <a:xfrm>
+            <a:off x="5659655" y="5685359"/>
+            <a:ext cx="436345" cy="512081"/>
+          </a:xfrm>
+          <a:prstGeom prst="roundRect">
+            <a:avLst/>
+          </a:prstGeom>
+          <a:solidFill>
+            <a:schemeClr val="accent6">
+              <a:lumMod val="75000"/>
+            </a:schemeClr>
+          </a:solidFill>
+          <a:ln>
+            <a:noFill/>
+          </a:ln>
+        </p:spPr>
+        <p:style>
+          <a:lnRef idx="2">
+            <a:schemeClr val="accent1">
+              <a:shade val="50000"/>
+            </a:schemeClr>
+          </a:lnRef>
+          <a:fillRef idx="1">
+            <a:schemeClr val="accent1"/>
+          </a:fillRef>
+          <a:effectRef idx="0">
+            <a:schemeClr val="accent1"/>
+          </a:effectRef>
+          <a:fontRef idx="minor">
+            <a:schemeClr val="lt1"/>
+          </a:fontRef>
+        </p:style>
+        <p:txBody>
+          <a:bodyPr rtlCol="0" anchor="ctr"/>
+          <a:lstStyle/>
+          <a:p>
+            <a:pPr algn="ctr"/>
+            <a:endParaRPr lang="ko-KR" altLang="en-US"/>
+          </a:p>
+        </p:txBody>
+      </p:sp>
+      <p:sp>
+        <p:nvSpPr>
+          <p:cNvPr id="60" name="모서리가 둥근 직사각형 59"/>
+          <p:cNvSpPr/>
+          <p:nvPr/>
+        </p:nvSpPr>
+        <p:spPr>
+          <a:xfrm>
+            <a:off x="5815123" y="5289912"/>
+            <a:ext cx="125408" cy="264981"/>
+          </a:xfrm>
+          <a:prstGeom prst="roundRect">
+            <a:avLst/>
+          </a:prstGeom>
+          <a:solidFill>
+            <a:schemeClr val="accent6">
+              <a:lumMod val="50000"/>
+            </a:schemeClr>
+          </a:solidFill>
+          <a:ln>
+            <a:noFill/>
+          </a:ln>
+        </p:spPr>
+        <p:style>
+          <a:lnRef idx="2">
+            <a:schemeClr val="accent1">
+              <a:shade val="50000"/>
+            </a:schemeClr>
+          </a:lnRef>
+          <a:fillRef idx="1">
+            <a:schemeClr val="accent1"/>
+          </a:fillRef>
+          <a:effectRef idx="0">
+            <a:schemeClr val="accent1"/>
+          </a:effectRef>
+          <a:fontRef idx="minor">
+            <a:schemeClr val="lt1"/>
+          </a:fontRef>
+        </p:style>
+        <p:txBody>
+          <a:bodyPr rtlCol="0" anchor="ctr"/>
+          <a:lstStyle/>
+          <a:p>
+            <a:pPr algn="ctr"/>
+            <a:endParaRPr lang="ko-KR" altLang="en-US"/>
+          </a:p>
+        </p:txBody>
+      </p:sp>
+      <p:sp>
+        <p:nvSpPr>
+          <p:cNvPr id="12" name="모서리가 둥근 직사각형 57">
+            <a:extLst>
+              <a:ext uri="{FF2B5EF4-FFF2-40B4-BE49-F238E27FC236}">
+                <a16:creationId xmlns:a16="http://schemas.microsoft.com/office/drawing/2014/main" id="{A687C363-B1ED-FD6D-FCE6-DB276463EF35}"/>
+              </a:ext>
+            </a:extLst>
+          </p:cNvPr>
+          <p:cNvSpPr/>
+          <p:nvPr/>
+        </p:nvSpPr>
+        <p:spPr>
+          <a:xfrm>
+            <a:off x="2456187" y="5585935"/>
+            <a:ext cx="436345" cy="512081"/>
+          </a:xfrm>
+          <a:prstGeom prst="roundRect">
+            <a:avLst/>
+          </a:prstGeom>
+          <a:solidFill>
+            <a:schemeClr val="accent6">
+              <a:lumMod val="75000"/>
+            </a:schemeClr>
+          </a:solidFill>
+          <a:ln>
+            <a:noFill/>
+          </a:ln>
+        </p:spPr>
+        <p:style>
+          <a:lnRef idx="2">
+            <a:schemeClr val="accent1">
+              <a:shade val="50000"/>
+            </a:schemeClr>
+          </a:lnRef>
+          <a:fillRef idx="1">
+            <a:schemeClr val="accent1"/>
+          </a:fillRef>
+          <a:effectRef idx="0">
+            <a:schemeClr val="accent1"/>
+          </a:effectRef>
+          <a:fontRef idx="minor">
+            <a:schemeClr val="lt1"/>
+          </a:fontRef>
+        </p:style>
+        <p:txBody>
+          <a:bodyPr rtlCol="0" anchor="ctr"/>
+          <a:lstStyle/>
+          <a:p>
+            <a:pPr algn="ctr"/>
+            <a:endParaRPr lang="ko-KR" altLang="en-US"/>
+          </a:p>
+        </p:txBody>
+      </p:sp>
+      <p:sp>
+        <p:nvSpPr>
+          <p:cNvPr id="14" name="모서리가 둥근 직사각형 58">
+            <a:extLst>
+              <a:ext uri="{FF2B5EF4-FFF2-40B4-BE49-F238E27FC236}">
+                <a16:creationId xmlns:a16="http://schemas.microsoft.com/office/drawing/2014/main" id="{E955169D-012C-02AB-042C-F78CF8A8F125}"/>
+              </a:ext>
+            </a:extLst>
+          </p:cNvPr>
+          <p:cNvSpPr/>
+          <p:nvPr/>
+        </p:nvSpPr>
+        <p:spPr>
+          <a:xfrm>
+            <a:off x="2456187" y="6093881"/>
+            <a:ext cx="436345" cy="512081"/>
+          </a:xfrm>
+          <a:prstGeom prst="roundRect">
+            <a:avLst/>
+          </a:prstGeom>
+          <a:solidFill>
+            <a:schemeClr val="accent6">
+              <a:lumMod val="75000"/>
+            </a:schemeClr>
+          </a:solidFill>
+          <a:ln>
+            <a:noFill/>
+          </a:ln>
+        </p:spPr>
+        <p:style>
+          <a:lnRef idx="2">
+            <a:schemeClr val="accent1">
+              <a:shade val="50000"/>
+            </a:schemeClr>
+          </a:lnRef>
+          <a:fillRef idx="1">
+            <a:schemeClr val="accent1"/>
+          </a:fillRef>
+          <a:effectRef idx="0">
+            <a:schemeClr val="accent1"/>
+          </a:effectRef>
+          <a:fontRef idx="minor">
+            <a:schemeClr val="lt1"/>
+          </a:fontRef>
+        </p:style>
+        <p:txBody>
+          <a:bodyPr rtlCol="0" anchor="ctr"/>
+          <a:lstStyle/>
+          <a:p>
+            <a:pPr algn="ctr"/>
+            <a:endParaRPr lang="ko-KR" altLang="en-US"/>
+          </a:p>
+        </p:txBody>
+      </p:sp>
+      <p:sp>
+        <p:nvSpPr>
+          <p:cNvPr id="15" name="모서리가 둥근 직사각형 59">
+            <a:extLst>
+              <a:ext uri="{FF2B5EF4-FFF2-40B4-BE49-F238E27FC236}">
+                <a16:creationId xmlns:a16="http://schemas.microsoft.com/office/drawing/2014/main" id="{2FF1FBA4-4214-7F36-29FF-EB09213C734B}"/>
+              </a:ext>
+            </a:extLst>
+          </p:cNvPr>
+          <p:cNvSpPr/>
+          <p:nvPr/>
+        </p:nvSpPr>
+        <p:spPr>
+          <a:xfrm>
+            <a:off x="2624667" y="5698434"/>
+            <a:ext cx="112396" cy="151845"/>
+          </a:xfrm>
+          <a:prstGeom prst="roundRect">
+            <a:avLst/>
+          </a:prstGeom>
+          <a:solidFill>
+            <a:schemeClr val="accent6">
+              <a:lumMod val="50000"/>
+            </a:schemeClr>
+          </a:solidFill>
+          <a:ln>
+            <a:noFill/>
+          </a:ln>
+        </p:spPr>
+        <p:style>
+          <a:lnRef idx="2">
+            <a:schemeClr val="accent1">
+              <a:shade val="50000"/>
+            </a:schemeClr>
+          </a:lnRef>
+          <a:fillRef idx="1">
+            <a:schemeClr val="accent1"/>
+          </a:fillRef>
+          <a:effectRef idx="0">
+            <a:schemeClr val="accent1"/>
+          </a:effectRef>
+          <a:fontRef idx="minor">
+            <a:schemeClr val="lt1"/>
+          </a:fontRef>
+        </p:style>
+        <p:txBody>
+          <a:bodyPr rtlCol="0" anchor="ctr"/>
+          <a:lstStyle/>
+          <a:p>
+            <a:pPr algn="ctr"/>
+            <a:endParaRPr lang="ko-KR" altLang="en-US"/>
+          </a:p>
+        </p:txBody>
+      </p:sp>
+      <p:sp>
+        <p:nvSpPr>
+          <p:cNvPr id="16" name="모서리가 둥근 직사각형 57">
+            <a:extLst>
+              <a:ext uri="{FF2B5EF4-FFF2-40B4-BE49-F238E27FC236}">
+                <a16:creationId xmlns:a16="http://schemas.microsoft.com/office/drawing/2014/main" id="{8F46175A-603D-F724-7225-7FE1013B0812}"/>
+              </a:ext>
+            </a:extLst>
+          </p:cNvPr>
+          <p:cNvSpPr/>
+          <p:nvPr/>
+        </p:nvSpPr>
+        <p:spPr>
+          <a:xfrm>
+            <a:off x="9738143" y="5338198"/>
+            <a:ext cx="436345" cy="512081"/>
+          </a:xfrm>
+          <a:prstGeom prst="roundRect">
+            <a:avLst/>
+          </a:prstGeom>
+          <a:solidFill>
+            <a:schemeClr val="accent6">
+              <a:lumMod val="75000"/>
+            </a:schemeClr>
+          </a:solidFill>
+          <a:ln>
+            <a:noFill/>
+          </a:ln>
+        </p:spPr>
+        <p:style>
+          <a:lnRef idx="2">
+            <a:schemeClr val="accent1">
+              <a:shade val="50000"/>
+            </a:schemeClr>
+          </a:lnRef>
+          <a:fillRef idx="1">
+            <a:schemeClr val="accent1"/>
+          </a:fillRef>
+          <a:effectRef idx="0">
+            <a:schemeClr val="accent1"/>
+          </a:effectRef>
+          <a:fontRef idx="minor">
+            <a:schemeClr val="lt1"/>
+          </a:fontRef>
+        </p:style>
+        <p:txBody>
+          <a:bodyPr rtlCol="0" anchor="ctr"/>
+          <a:lstStyle/>
+          <a:p>
+            <a:pPr algn="ctr"/>
+            <a:endParaRPr lang="ko-KR" altLang="en-US"/>
+          </a:p>
+        </p:txBody>
+      </p:sp>
+      <p:sp>
+        <p:nvSpPr>
+          <p:cNvPr id="17" name="모서리가 둥근 직사각형 58">
+            <a:extLst>
+              <a:ext uri="{FF2B5EF4-FFF2-40B4-BE49-F238E27FC236}">
+                <a16:creationId xmlns:a16="http://schemas.microsoft.com/office/drawing/2014/main" id="{206F512C-C7F4-062B-48DB-FF3CF0EF920B}"/>
+              </a:ext>
+            </a:extLst>
+          </p:cNvPr>
+          <p:cNvSpPr/>
+          <p:nvPr/>
+        </p:nvSpPr>
+        <p:spPr>
+          <a:xfrm>
+            <a:off x="9738143" y="5846144"/>
+            <a:ext cx="436345" cy="512081"/>
+          </a:xfrm>
+          <a:prstGeom prst="roundRect">
+            <a:avLst/>
+          </a:prstGeom>
+          <a:solidFill>
+            <a:schemeClr val="accent6">
+              <a:lumMod val="75000"/>
+            </a:schemeClr>
+          </a:solidFill>
+          <a:ln>
+            <a:noFill/>
+          </a:ln>
+        </p:spPr>
+        <p:style>
+          <a:lnRef idx="2">
+            <a:schemeClr val="accent1">
+              <a:shade val="50000"/>
+            </a:schemeClr>
+          </a:lnRef>
+          <a:fillRef idx="1">
+            <a:schemeClr val="accent1"/>
+          </a:fillRef>
+          <a:effectRef idx="0">
+            <a:schemeClr val="accent1"/>
+          </a:effectRef>
+          <a:fontRef idx="minor">
+            <a:schemeClr val="lt1"/>
+          </a:fontRef>
+        </p:style>
+        <p:txBody>
+          <a:bodyPr rtlCol="0" anchor="ctr"/>
+          <a:lstStyle/>
+          <a:p>
+            <a:pPr algn="ctr"/>
+            <a:endParaRPr lang="ko-KR" altLang="en-US"/>
+          </a:p>
+        </p:txBody>
+      </p:sp>
+      <p:sp>
+        <p:nvSpPr>
+          <p:cNvPr id="18" name="모서리가 둥근 직사각형 59">
+            <a:extLst>
+              <a:ext uri="{FF2B5EF4-FFF2-40B4-BE49-F238E27FC236}">
+                <a16:creationId xmlns:a16="http://schemas.microsoft.com/office/drawing/2014/main" id="{D2B2C04A-1220-406D-F3F4-F3EF6A504635}"/>
+              </a:ext>
+            </a:extLst>
+          </p:cNvPr>
+          <p:cNvSpPr/>
+          <p:nvPr/>
+        </p:nvSpPr>
+        <p:spPr>
+          <a:xfrm>
+            <a:off x="9893611" y="5450697"/>
+            <a:ext cx="125408" cy="264981"/>
+          </a:xfrm>
+          <a:prstGeom prst="roundRect">
+            <a:avLst/>
+          </a:prstGeom>
+          <a:solidFill>
+            <a:schemeClr val="accent6">
+              <a:lumMod val="50000"/>
+            </a:schemeClr>
+          </a:solidFill>
+          <a:ln>
+            <a:noFill/>
+          </a:ln>
+        </p:spPr>
+        <p:style>
+          <a:lnRef idx="2">
+            <a:schemeClr val="accent1">
+              <a:shade val="50000"/>
+            </a:schemeClr>
+          </a:lnRef>
+          <a:fillRef idx="1">
+            <a:schemeClr val="accent1"/>
+          </a:fillRef>
+          <a:effectRef idx="0">
+            <a:schemeClr val="accent1"/>
+          </a:effectRef>
+          <a:fontRef idx="minor">
+            <a:schemeClr val="lt1"/>
+          </a:fontRef>
+        </p:style>
+        <p:txBody>
+          <a:bodyPr rtlCol="0" anchor="ctr"/>
+          <a:lstStyle/>
+          <a:p>
+            <a:pPr algn="ctr"/>
+            <a:endParaRPr lang="ko-KR" altLang="en-US"/>
+          </a:p>
+        </p:txBody>
+      </p:sp>
+      <p:grpSp>
+        <p:nvGrpSpPr>
+          <p:cNvPr id="22" name="그룹 21">
+            <a:extLst>
+              <a:ext uri="{FF2B5EF4-FFF2-40B4-BE49-F238E27FC236}">
+                <a16:creationId xmlns:a16="http://schemas.microsoft.com/office/drawing/2014/main" id="{8DB4C635-E88E-C70A-C3B3-0D3B4DCC4B50}"/>
+              </a:ext>
+            </a:extLst>
+          </p:cNvPr>
+          <p:cNvGrpSpPr/>
+          <p:nvPr/>
+        </p:nvGrpSpPr>
+        <p:grpSpPr>
+          <a:xfrm>
+            <a:off x="8340658" y="5467160"/>
+            <a:ext cx="522465" cy="1221346"/>
+            <a:chOff x="8340658" y="5668478"/>
+            <a:chExt cx="436345" cy="1020027"/>
+          </a:xfrm>
+        </p:grpSpPr>
+        <p:sp>
+          <p:nvSpPr>
+            <p:cNvPr id="19" name="모서리가 둥근 직사각형 57">
+              <a:extLst>
+                <a:ext uri="{FF2B5EF4-FFF2-40B4-BE49-F238E27FC236}">
+                  <a16:creationId xmlns:a16="http://schemas.microsoft.com/office/drawing/2014/main" id="{EB0A7C9D-D6D4-1358-6456-9E0B56A3CF42}"/>
+                </a:ext>
+              </a:extLst>
+            </p:cNvPr>
+            <p:cNvSpPr/>
+            <p:nvPr/>
+          </p:nvSpPr>
+          <p:spPr>
+            <a:xfrm>
+              <a:off x="8340658" y="5668478"/>
+              <a:ext cx="436345" cy="512081"/>
+            </a:xfrm>
+            <a:prstGeom prst="roundRect">
+              <a:avLst/>
+            </a:prstGeom>
+            <a:solidFill>
+              <a:schemeClr val="accent6">
+                <a:lumMod val="75000"/>
+              </a:schemeClr>
+            </a:solidFill>
+            <a:ln>
+              <a:noFill/>
+            </a:ln>
+          </p:spPr>
+          <p:style>
+            <a:lnRef idx="2">
+              <a:schemeClr val="accent1">
+                <a:shade val="50000"/>
+              </a:schemeClr>
+            </a:lnRef>
+            <a:fillRef idx="1">
+              <a:schemeClr val="accent1"/>
+            </a:fillRef>
+            <a:effectRef idx="0">
+              <a:schemeClr val="accent1"/>
+            </a:effectRef>
+            <a:fontRef idx="minor">
+              <a:schemeClr val="lt1"/>
+            </a:fontRef>
+          </p:style>
+          <p:txBody>
+            <a:bodyPr rtlCol="0" anchor="ctr"/>
+            <a:lstStyle/>
+            <a:p>
+              <a:pPr algn="ctr"/>
+              <a:endParaRPr lang="ko-KR" altLang="en-US"/>
+            </a:p>
+          </p:txBody>
+        </p:sp>
+        <p:sp>
+          <p:nvSpPr>
+            <p:cNvPr id="20" name="모서리가 둥근 직사각형 58">
+              <a:extLst>
+                <a:ext uri="{FF2B5EF4-FFF2-40B4-BE49-F238E27FC236}">
+                  <a16:creationId xmlns:a16="http://schemas.microsoft.com/office/drawing/2014/main" id="{385DF6EB-E052-65EF-911A-92EBEF4387CA}"/>
+                </a:ext>
+              </a:extLst>
+            </p:cNvPr>
+            <p:cNvSpPr/>
+            <p:nvPr/>
+          </p:nvSpPr>
+          <p:spPr>
+            <a:xfrm>
+              <a:off x="8340658" y="6176424"/>
+              <a:ext cx="436345" cy="512081"/>
+            </a:xfrm>
+            <a:prstGeom prst="roundRect">
+              <a:avLst/>
+            </a:prstGeom>
+            <a:solidFill>
+              <a:schemeClr val="accent6">
+                <a:lumMod val="75000"/>
+              </a:schemeClr>
+            </a:solidFill>
+            <a:ln>
+              <a:noFill/>
+            </a:ln>
+          </p:spPr>
+          <p:style>
+            <a:lnRef idx="2">
+              <a:schemeClr val="accent1">
+                <a:shade val="50000"/>
+              </a:schemeClr>
+            </a:lnRef>
+            <a:fillRef idx="1">
+              <a:schemeClr val="accent1"/>
+            </a:fillRef>
+            <a:effectRef idx="0">
+              <a:schemeClr val="accent1"/>
+            </a:effectRef>
+            <a:fontRef idx="minor">
+              <a:schemeClr val="lt1"/>
+            </a:fontRef>
+          </p:style>
+          <p:txBody>
+            <a:bodyPr rtlCol="0" anchor="ctr"/>
+            <a:lstStyle/>
+            <a:p>
+              <a:pPr algn="ctr"/>
+              <a:endParaRPr lang="ko-KR" altLang="en-US"/>
+            </a:p>
+          </p:txBody>
+        </p:sp>
+        <p:sp>
+          <p:nvSpPr>
+            <p:cNvPr id="21" name="모서리가 둥근 직사각형 59">
+              <a:extLst>
+                <a:ext uri="{FF2B5EF4-FFF2-40B4-BE49-F238E27FC236}">
+                  <a16:creationId xmlns:a16="http://schemas.microsoft.com/office/drawing/2014/main" id="{84B9326D-50A5-A622-909B-798722323F36}"/>
+                </a:ext>
+              </a:extLst>
+            </p:cNvPr>
+            <p:cNvSpPr/>
+            <p:nvPr/>
+          </p:nvSpPr>
+          <p:spPr>
+            <a:xfrm>
+              <a:off x="8496126" y="5780977"/>
+              <a:ext cx="125408" cy="264981"/>
+            </a:xfrm>
+            <a:prstGeom prst="roundRect">
+              <a:avLst/>
+            </a:prstGeom>
+            <a:solidFill>
+              <a:schemeClr val="accent6">
+                <a:lumMod val="50000"/>
+              </a:schemeClr>
+            </a:solidFill>
+            <a:ln>
+              <a:noFill/>
+            </a:ln>
+          </p:spPr>
+          <p:style>
+            <a:lnRef idx="2">
+              <a:schemeClr val="accent1">
+                <a:shade val="50000"/>
+              </a:schemeClr>
+            </a:lnRef>
+            <a:fillRef idx="1">
+              <a:schemeClr val="accent1"/>
+            </a:fillRef>
+            <a:effectRef idx="0">
+              <a:schemeClr val="accent1"/>
+            </a:effectRef>
+            <a:fontRef idx="minor">
+              <a:schemeClr val="lt1"/>
+            </a:fontRef>
+          </p:style>
+          <p:txBody>
+            <a:bodyPr rtlCol="0" anchor="ctr"/>
+            <a:lstStyle/>
+            <a:p>
+              <a:pPr algn="ctr"/>
+              <a:endParaRPr lang="ko-KR" altLang="en-US"/>
+            </a:p>
+          </p:txBody>
+        </p:sp>
+      </p:grpSp>
+      <p:sp>
+        <p:nvSpPr>
+          <p:cNvPr id="23" name="모서리가 둥근 직사각형 59">
+            <a:extLst>
+              <a:ext uri="{FF2B5EF4-FFF2-40B4-BE49-F238E27FC236}">
+                <a16:creationId xmlns:a16="http://schemas.microsoft.com/office/drawing/2014/main" id="{E338FFCF-60E0-E445-C1C4-7BAE9DAD353B}"/>
+              </a:ext>
+            </a:extLst>
+          </p:cNvPr>
+          <p:cNvSpPr/>
+          <p:nvPr/>
+        </p:nvSpPr>
+        <p:spPr>
+          <a:xfrm>
+            <a:off x="2624667" y="5909722"/>
+            <a:ext cx="112396" cy="151845"/>
+          </a:xfrm>
+          <a:prstGeom prst="roundRect">
+            <a:avLst/>
+          </a:prstGeom>
+          <a:solidFill>
+            <a:schemeClr val="accent6">
+              <a:lumMod val="50000"/>
+            </a:schemeClr>
+          </a:solidFill>
+          <a:ln>
+            <a:noFill/>
+          </a:ln>
+        </p:spPr>
+        <p:style>
+          <a:lnRef idx="2">
+            <a:schemeClr val="accent1">
+              <a:shade val="50000"/>
+            </a:schemeClr>
+          </a:lnRef>
+          <a:fillRef idx="1">
+            <a:schemeClr val="accent1"/>
+          </a:fillRef>
+          <a:effectRef idx="0">
+            <a:schemeClr val="accent1"/>
+          </a:effectRef>
+          <a:fontRef idx="minor">
+            <a:schemeClr val="lt1"/>
+          </a:fontRef>
+        </p:style>
+        <p:txBody>
+          <a:bodyPr rtlCol="0" anchor="ctr"/>
+          <a:lstStyle/>
+          <a:p>
+            <a:pPr algn="ctr"/>
+            <a:endParaRPr lang="ko-KR" altLang="en-US"/>
+          </a:p>
+        </p:txBody>
+      </p:sp>
+      <p:sp>
+        <p:nvSpPr>
+          <p:cNvPr id="24" name="모서리가 둥근 직사각형 59">
+            <a:extLst>
+              <a:ext uri="{FF2B5EF4-FFF2-40B4-BE49-F238E27FC236}">
+                <a16:creationId xmlns:a16="http://schemas.microsoft.com/office/drawing/2014/main" id="{C9F095CF-0838-D712-BE3F-E153EAF2E288}"/>
+              </a:ext>
+            </a:extLst>
+          </p:cNvPr>
+          <p:cNvSpPr/>
+          <p:nvPr/>
+        </p:nvSpPr>
+        <p:spPr>
+          <a:xfrm>
+            <a:off x="2624667" y="6163940"/>
+            <a:ext cx="112396" cy="151845"/>
+          </a:xfrm>
+          <a:prstGeom prst="roundRect">
+            <a:avLst/>
+          </a:prstGeom>
+          <a:solidFill>
+            <a:schemeClr val="accent6">
+              <a:lumMod val="50000"/>
+            </a:schemeClr>
+          </a:solidFill>
+          <a:ln>
+            <a:noFill/>
+          </a:ln>
+        </p:spPr>
+        <p:style>
+          <a:lnRef idx="2">
+            <a:schemeClr val="accent1">
+              <a:shade val="50000"/>
+            </a:schemeClr>
+          </a:lnRef>
+          <a:fillRef idx="1">
+            <a:schemeClr val="accent1"/>
+          </a:fillRef>
+          <a:effectRef idx="0">
+            <a:schemeClr val="accent1"/>
+          </a:effectRef>
+          <a:fontRef idx="minor">
+            <a:schemeClr val="lt1"/>
+          </a:fontRef>
+        </p:style>
+        <p:txBody>
+          <a:bodyPr rtlCol="0" anchor="ctr"/>
+          <a:lstStyle/>
+          <a:p>
+            <a:pPr algn="ctr"/>
+            <a:endParaRPr lang="ko-KR" altLang="en-US"/>
+          </a:p>
+        </p:txBody>
+      </p:sp>
+    </p:spTree>
+    <p:extLst>
+      <p:ext uri="{BB962C8B-B14F-4D97-AF65-F5344CB8AC3E}">
+        <p14:creationId xmlns:p14="http://schemas.microsoft.com/office/powerpoint/2010/main" val="313645586"/>
+      </p:ext>
+    </p:extLst>
+  </p:cSld>
+  <p:clrMapOvr>
+    <a:masterClrMapping/>
+  </p:clrMapOvr>
+</p:sld>
+</file>
+
 <file path=ppt/slides/slide9.xml><?xml version="1.0" encoding="utf-8"?>
 <p:sld xmlns:a="http://schemas.openxmlformats.org/drawingml/2006/main" xmlns:r="http://schemas.openxmlformats.org/officeDocument/2006/relationships" xmlns:p="http://schemas.openxmlformats.org/presentationml/2006/main">
   <p:cSld>
@@ -10574,7 +9910,7 @@
             <a:spLocks noGrp="1"/>
           </p:cNvSpPr>
           <p:nvPr>
-            <p:ph type="ctrTitle"/>
+            <p:ph type="title"/>
           </p:nvPr>
         </p:nvSpPr>
         <p:spPr/>
@@ -10582,18 +9918,1288 @@
           <a:bodyPr/>
           <a:lstStyle/>
           <a:p>
+            <a:endParaRPr lang="ko-KR" altLang="en-US"/>
+          </a:p>
+        </p:txBody>
+      </p:sp>
+      <p:sp>
+        <p:nvSpPr>
+          <p:cNvPr id="3" name="내용 개체 틀 2"/>
+          <p:cNvSpPr>
+            <a:spLocks noGrp="1"/>
+          </p:cNvSpPr>
+          <p:nvPr>
+            <p:ph idx="1"/>
+          </p:nvPr>
+        </p:nvSpPr>
+        <p:spPr/>
+        <p:txBody>
+          <a:bodyPr/>
+          <a:lstStyle/>
+          <a:p>
+            <a:endParaRPr lang="ko-KR" altLang="en-US"/>
+          </a:p>
+        </p:txBody>
+      </p:sp>
+      <p:sp>
+        <p:nvSpPr>
+          <p:cNvPr id="4" name="직사각형 3"/>
+          <p:cNvSpPr/>
+          <p:nvPr/>
+        </p:nvSpPr>
+        <p:spPr>
+          <a:xfrm>
+            <a:off x="0" y="0"/>
+            <a:ext cx="12192000" cy="6858000"/>
+          </a:xfrm>
+          <a:prstGeom prst="rect">
+            <a:avLst/>
+          </a:prstGeom>
+          <a:gradFill>
+            <a:gsLst>
+              <a:gs pos="0">
+                <a:schemeClr val="tx2">
+                  <a:lumMod val="50000"/>
+                </a:schemeClr>
+              </a:gs>
+              <a:gs pos="42000">
+                <a:schemeClr val="accent2">
+                  <a:lumMod val="75000"/>
+                </a:schemeClr>
+              </a:gs>
+              <a:gs pos="100000">
+                <a:schemeClr val="accent2">
+                  <a:lumMod val="60000"/>
+                  <a:lumOff val="40000"/>
+                </a:schemeClr>
+              </a:gs>
+            </a:gsLst>
+            <a:lin ang="5400000" scaled="1"/>
+          </a:gradFill>
+          <a:ln>
+            <a:noFill/>
+          </a:ln>
+        </p:spPr>
+        <p:style>
+          <a:lnRef idx="2">
+            <a:schemeClr val="accent1">
+              <a:shade val="50000"/>
+            </a:schemeClr>
+          </a:lnRef>
+          <a:fillRef idx="1">
+            <a:schemeClr val="accent1"/>
+          </a:fillRef>
+          <a:effectRef idx="0">
+            <a:schemeClr val="accent1"/>
+          </a:effectRef>
+          <a:fontRef idx="minor">
+            <a:schemeClr val="lt1"/>
+          </a:fontRef>
+        </p:style>
+        <p:txBody>
+          <a:bodyPr rtlCol="0" anchor="ctr"/>
+          <a:lstStyle/>
+          <a:p>
+            <a:pPr algn="ctr"/>
+            <a:endParaRPr lang="ko-KR" altLang="en-US"/>
+          </a:p>
+        </p:txBody>
+      </p:sp>
+      <p:sp>
+        <p:nvSpPr>
+          <p:cNvPr id="5" name="순서도: 지연 4"/>
+          <p:cNvSpPr/>
+          <p:nvPr/>
+        </p:nvSpPr>
+        <p:spPr>
+          <a:xfrm rot="16200000">
+            <a:off x="5516218" y="182216"/>
+            <a:ext cx="1159565" cy="12192002"/>
+          </a:xfrm>
+          <a:prstGeom prst="flowChartDelay">
+            <a:avLst/>
+          </a:prstGeom>
+          <a:solidFill>
+            <a:schemeClr val="accent2">
+              <a:lumMod val="50000"/>
+            </a:schemeClr>
+          </a:solidFill>
+          <a:ln>
+            <a:noFill/>
+          </a:ln>
+        </p:spPr>
+        <p:style>
+          <a:lnRef idx="2">
+            <a:schemeClr val="accent1">
+              <a:shade val="50000"/>
+            </a:schemeClr>
+          </a:lnRef>
+          <a:fillRef idx="1">
+            <a:schemeClr val="accent1"/>
+          </a:fillRef>
+          <a:effectRef idx="0">
+            <a:schemeClr val="accent1"/>
+          </a:effectRef>
+          <a:fontRef idx="minor">
+            <a:schemeClr val="lt1"/>
+          </a:fontRef>
+        </p:style>
+        <p:txBody>
+          <a:bodyPr rtlCol="0" anchor="ctr"/>
+          <a:lstStyle/>
+          <a:p>
+            <a:pPr algn="ctr"/>
+            <a:endParaRPr lang="ko-KR" altLang="en-US"/>
+          </a:p>
+        </p:txBody>
+      </p:sp>
+      <p:sp>
+        <p:nvSpPr>
+          <p:cNvPr id="7" name="포인트가 7개인 별 6"/>
+          <p:cNvSpPr/>
+          <p:nvPr/>
+        </p:nvSpPr>
+        <p:spPr>
+          <a:xfrm>
+            <a:off x="-123201" y="3865176"/>
+            <a:ext cx="1046922" cy="1046922"/>
+          </a:xfrm>
+          <a:prstGeom prst="star7">
+            <a:avLst>
+              <a:gd name="adj" fmla="val 41820"/>
+              <a:gd name="hf" fmla="val 102572"/>
+              <a:gd name="vf" fmla="val 105210"/>
+            </a:avLst>
+          </a:prstGeom>
+          <a:solidFill>
+            <a:srgbClr val="C00000"/>
+          </a:solidFill>
+          <a:ln>
+            <a:solidFill>
+              <a:srgbClr val="FF0000"/>
+            </a:solidFill>
+          </a:ln>
+          <a:effectLst>
+            <a:glow rad="228600">
+              <a:schemeClr val="accent2">
+                <a:satMod val="175000"/>
+                <a:alpha val="40000"/>
+              </a:schemeClr>
+            </a:glow>
+          </a:effectLst>
+        </p:spPr>
+        <p:style>
+          <a:lnRef idx="2">
+            <a:schemeClr val="accent1">
+              <a:shade val="50000"/>
+            </a:schemeClr>
+          </a:lnRef>
+          <a:fillRef idx="1">
+            <a:schemeClr val="accent1"/>
+          </a:fillRef>
+          <a:effectRef idx="0">
+            <a:schemeClr val="accent1"/>
+          </a:effectRef>
+          <a:fontRef idx="minor">
+            <a:schemeClr val="lt1"/>
+          </a:fontRef>
+        </p:style>
+        <p:txBody>
+          <a:bodyPr rtlCol="0" anchor="ctr"/>
+          <a:lstStyle/>
+          <a:p>
+            <a:pPr algn="ctr"/>
+            <a:endParaRPr lang="ko-KR" altLang="en-US"/>
+          </a:p>
+        </p:txBody>
+      </p:sp>
+      <p:grpSp>
+        <p:nvGrpSpPr>
+          <p:cNvPr id="30" name="그룹 29"/>
+          <p:cNvGrpSpPr/>
+          <p:nvPr/>
+        </p:nvGrpSpPr>
+        <p:grpSpPr>
+          <a:xfrm>
+            <a:off x="-91251" y="2414136"/>
+            <a:ext cx="2840458" cy="2493809"/>
+            <a:chOff x="1277654" y="334213"/>
+            <a:chExt cx="2840458" cy="2493809"/>
+          </a:xfrm>
+        </p:grpSpPr>
+        <p:grpSp>
+          <p:nvGrpSpPr>
+            <p:cNvPr id="29" name="그룹 28"/>
+            <p:cNvGrpSpPr/>
+            <p:nvPr/>
+          </p:nvGrpSpPr>
+          <p:grpSpPr>
+            <a:xfrm rot="523735">
+              <a:off x="1679712" y="334213"/>
+              <a:ext cx="2438400" cy="2182383"/>
+              <a:chOff x="1570972" y="963183"/>
+              <a:chExt cx="1588164" cy="1444487"/>
+            </a:xfrm>
+          </p:grpSpPr>
+          <p:sp>
+            <p:nvSpPr>
+              <p:cNvPr id="9" name="사다리꼴 8"/>
+              <p:cNvSpPr/>
+              <p:nvPr/>
+            </p:nvSpPr>
+            <p:spPr>
+              <a:xfrm rot="13105639">
+                <a:off x="2001626" y="963183"/>
+                <a:ext cx="318436" cy="1444487"/>
+              </a:xfrm>
+              <a:prstGeom prst="trapezoid">
+                <a:avLst/>
+              </a:prstGeom>
+              <a:solidFill>
+                <a:srgbClr val="FF0000">
+                  <a:alpha val="60000"/>
+                </a:srgbClr>
+              </a:solidFill>
+              <a:ln>
+                <a:solidFill>
+                  <a:srgbClr val="FF0000"/>
+                </a:solidFill>
+              </a:ln>
+            </p:spPr>
+            <p:style>
+              <a:lnRef idx="2">
+                <a:schemeClr val="accent1">
+                  <a:shade val="50000"/>
+                </a:schemeClr>
+              </a:lnRef>
+              <a:fillRef idx="1">
+                <a:schemeClr val="accent1"/>
+              </a:fillRef>
+              <a:effectRef idx="0">
+                <a:schemeClr val="accent1"/>
+              </a:effectRef>
+              <a:fontRef idx="minor">
+                <a:schemeClr val="lt1"/>
+              </a:fontRef>
+            </p:style>
+            <p:txBody>
+              <a:bodyPr rtlCol="0" anchor="ctr"/>
+              <a:lstStyle/>
+              <a:p>
+                <a:pPr algn="ctr"/>
+                <a:endParaRPr lang="ko-KR" altLang="en-US"/>
+              </a:p>
+            </p:txBody>
+          </p:sp>
+          <p:sp>
+            <p:nvSpPr>
+              <p:cNvPr id="10" name="사다리꼴 9"/>
+              <p:cNvSpPr/>
+              <p:nvPr/>
+            </p:nvSpPr>
+            <p:spPr>
+              <a:xfrm rot="13500000">
+                <a:off x="2133998" y="1066194"/>
+                <a:ext cx="318436" cy="1444487"/>
+              </a:xfrm>
+              <a:prstGeom prst="trapezoid">
+                <a:avLst/>
+              </a:prstGeom>
+              <a:solidFill>
+                <a:srgbClr val="92D050">
+                  <a:alpha val="60000"/>
+                </a:srgbClr>
+              </a:solidFill>
+              <a:ln>
+                <a:solidFill>
+                  <a:srgbClr val="FF0000"/>
+                </a:solidFill>
+              </a:ln>
+            </p:spPr>
+            <p:style>
+              <a:lnRef idx="2">
+                <a:schemeClr val="accent1">
+                  <a:shade val="50000"/>
+                </a:schemeClr>
+              </a:lnRef>
+              <a:fillRef idx="1">
+                <a:schemeClr val="accent1"/>
+              </a:fillRef>
+              <a:effectRef idx="0">
+                <a:schemeClr val="accent1"/>
+              </a:effectRef>
+              <a:fontRef idx="minor">
+                <a:schemeClr val="lt1"/>
+              </a:fontRef>
+            </p:style>
+            <p:txBody>
+              <a:bodyPr rtlCol="0" anchor="ctr"/>
+              <a:lstStyle/>
+              <a:p>
+                <a:pPr algn="ctr"/>
+                <a:endParaRPr lang="ko-KR" altLang="en-US"/>
+              </a:p>
+            </p:txBody>
+          </p:sp>
+          <p:sp>
+            <p:nvSpPr>
+              <p:cNvPr id="11" name="사다리꼴 10"/>
+              <p:cNvSpPr/>
+              <p:nvPr/>
+            </p:nvSpPr>
+            <p:spPr>
+              <a:xfrm rot="13974070">
+                <a:off x="2277675" y="1202616"/>
+                <a:ext cx="318436" cy="1444487"/>
+              </a:xfrm>
+              <a:prstGeom prst="trapezoid">
+                <a:avLst/>
+              </a:prstGeom>
+              <a:solidFill>
+                <a:srgbClr val="FFFF00">
+                  <a:alpha val="60000"/>
+                </a:srgbClr>
+              </a:solidFill>
+              <a:ln>
+                <a:solidFill>
+                  <a:srgbClr val="FF0000"/>
+                </a:solidFill>
+              </a:ln>
+            </p:spPr>
+            <p:style>
+              <a:lnRef idx="2">
+                <a:schemeClr val="accent1">
+                  <a:shade val="50000"/>
+                </a:schemeClr>
+              </a:lnRef>
+              <a:fillRef idx="1">
+                <a:schemeClr val="accent1"/>
+              </a:fillRef>
+              <a:effectRef idx="0">
+                <a:schemeClr val="accent1"/>
+              </a:effectRef>
+              <a:fontRef idx="minor">
+                <a:schemeClr val="lt1"/>
+              </a:fontRef>
+            </p:style>
+            <p:txBody>
+              <a:bodyPr rtlCol="0" anchor="ctr"/>
+              <a:lstStyle/>
+              <a:p>
+                <a:pPr algn="ctr"/>
+                <a:endParaRPr lang="ko-KR" altLang="en-US"/>
+              </a:p>
+            </p:txBody>
+          </p:sp>
+        </p:grpSp>
+        <p:sp>
+          <p:nvSpPr>
+            <p:cNvPr id="13" name="포인트가 7개인 별 12"/>
+            <p:cNvSpPr/>
+            <p:nvPr/>
+          </p:nvSpPr>
+          <p:spPr>
+            <a:xfrm>
+              <a:off x="1277654" y="1781100"/>
+              <a:ext cx="1046922" cy="1046922"/>
+            </a:xfrm>
+            <a:prstGeom prst="star7">
+              <a:avLst>
+                <a:gd name="adj" fmla="val 20164"/>
+                <a:gd name="hf" fmla="val 102572"/>
+                <a:gd name="vf" fmla="val 105210"/>
+              </a:avLst>
+            </a:prstGeom>
+            <a:solidFill>
+              <a:schemeClr val="accent2">
+                <a:lumMod val="75000"/>
+              </a:schemeClr>
+            </a:solidFill>
+            <a:ln>
+              <a:solidFill>
+                <a:srgbClr val="FF0000"/>
+              </a:solidFill>
+            </a:ln>
+          </p:spPr>
+          <p:style>
+            <a:lnRef idx="2">
+              <a:schemeClr val="accent1">
+                <a:shade val="50000"/>
+              </a:schemeClr>
+            </a:lnRef>
+            <a:fillRef idx="1">
+              <a:schemeClr val="accent1"/>
+            </a:fillRef>
+            <a:effectRef idx="0">
+              <a:schemeClr val="accent1"/>
+            </a:effectRef>
+            <a:fontRef idx="minor">
+              <a:schemeClr val="lt1"/>
+            </a:fontRef>
+          </p:style>
+          <p:txBody>
+            <a:bodyPr rtlCol="0" anchor="ctr"/>
+            <a:lstStyle/>
+            <a:p>
+              <a:pPr algn="ctr"/>
+              <a:endParaRPr lang="ko-KR" altLang="en-US"/>
+            </a:p>
+          </p:txBody>
+        </p:sp>
+      </p:grpSp>
+      <p:grpSp>
+        <p:nvGrpSpPr>
+          <p:cNvPr id="57" name="그룹 56"/>
+          <p:cNvGrpSpPr/>
+          <p:nvPr/>
+        </p:nvGrpSpPr>
+        <p:grpSpPr>
+          <a:xfrm>
+            <a:off x="6202016" y="3279871"/>
+            <a:ext cx="1108870" cy="964318"/>
+            <a:chOff x="5539408" y="2548026"/>
+            <a:chExt cx="2872408" cy="2497962"/>
+          </a:xfrm>
+        </p:grpSpPr>
+        <p:sp>
+          <p:nvSpPr>
+            <p:cNvPr id="43" name="포인트가 7개인 별 42"/>
+            <p:cNvSpPr/>
+            <p:nvPr/>
+          </p:nvSpPr>
+          <p:spPr>
+            <a:xfrm>
+              <a:off x="5539408" y="3999066"/>
+              <a:ext cx="1046922" cy="1046922"/>
+            </a:xfrm>
+            <a:prstGeom prst="star7">
+              <a:avLst>
+                <a:gd name="adj" fmla="val 41820"/>
+                <a:gd name="hf" fmla="val 102572"/>
+                <a:gd name="vf" fmla="val 105210"/>
+              </a:avLst>
+            </a:prstGeom>
+            <a:solidFill>
+              <a:srgbClr val="C00000"/>
+            </a:solidFill>
+            <a:ln>
+              <a:solidFill>
+                <a:srgbClr val="FF0000"/>
+              </a:solidFill>
+            </a:ln>
+            <a:effectLst>
+              <a:glow rad="228600">
+                <a:schemeClr val="accent2">
+                  <a:satMod val="175000"/>
+                  <a:alpha val="40000"/>
+                </a:schemeClr>
+              </a:glow>
+            </a:effectLst>
+          </p:spPr>
+          <p:style>
+            <a:lnRef idx="2">
+              <a:schemeClr val="accent1">
+                <a:shade val="50000"/>
+              </a:schemeClr>
+            </a:lnRef>
+            <a:fillRef idx="1">
+              <a:schemeClr val="accent1"/>
+            </a:fillRef>
+            <a:effectRef idx="0">
+              <a:schemeClr val="accent1"/>
+            </a:effectRef>
+            <a:fontRef idx="minor">
+              <a:schemeClr val="lt1"/>
+            </a:fontRef>
+          </p:style>
+          <p:txBody>
+            <a:bodyPr rtlCol="0" anchor="ctr"/>
+            <a:lstStyle/>
+            <a:p>
+              <a:pPr algn="ctr"/>
+              <a:endParaRPr lang="ko-KR" altLang="en-US"/>
+            </a:p>
+          </p:txBody>
+        </p:sp>
+        <p:grpSp>
+          <p:nvGrpSpPr>
+            <p:cNvPr id="44" name="그룹 43"/>
+            <p:cNvGrpSpPr/>
+            <p:nvPr/>
+          </p:nvGrpSpPr>
+          <p:grpSpPr>
+            <a:xfrm>
+              <a:off x="5571358" y="2548026"/>
+              <a:ext cx="2840458" cy="2493809"/>
+              <a:chOff x="1277654" y="334213"/>
+              <a:chExt cx="2840458" cy="2493809"/>
+            </a:xfrm>
+          </p:grpSpPr>
+          <p:grpSp>
+            <p:nvGrpSpPr>
+              <p:cNvPr id="45" name="그룹 44"/>
+              <p:cNvGrpSpPr/>
+              <p:nvPr/>
+            </p:nvGrpSpPr>
+            <p:grpSpPr>
+              <a:xfrm rot="523735">
+                <a:off x="1679712" y="334213"/>
+                <a:ext cx="2438400" cy="2182383"/>
+                <a:chOff x="1570972" y="963183"/>
+                <a:chExt cx="1588164" cy="1444487"/>
+              </a:xfrm>
+            </p:grpSpPr>
+            <p:sp>
+              <p:nvSpPr>
+                <p:cNvPr id="47" name="사다리꼴 46"/>
+                <p:cNvSpPr/>
+                <p:nvPr/>
+              </p:nvSpPr>
+              <p:spPr>
+                <a:xfrm rot="13105639">
+                  <a:off x="2001626" y="963183"/>
+                  <a:ext cx="318436" cy="1444487"/>
+                </a:xfrm>
+                <a:prstGeom prst="trapezoid">
+                  <a:avLst/>
+                </a:prstGeom>
+                <a:solidFill>
+                  <a:srgbClr val="FF0000">
+                    <a:alpha val="60000"/>
+                  </a:srgbClr>
+                </a:solidFill>
+                <a:ln>
+                  <a:solidFill>
+                    <a:srgbClr val="FF0000"/>
+                  </a:solidFill>
+                </a:ln>
+              </p:spPr>
+              <p:style>
+                <a:lnRef idx="2">
+                  <a:schemeClr val="accent1">
+                    <a:shade val="50000"/>
+                  </a:schemeClr>
+                </a:lnRef>
+                <a:fillRef idx="1">
+                  <a:schemeClr val="accent1"/>
+                </a:fillRef>
+                <a:effectRef idx="0">
+                  <a:schemeClr val="accent1"/>
+                </a:effectRef>
+                <a:fontRef idx="minor">
+                  <a:schemeClr val="lt1"/>
+                </a:fontRef>
+              </p:style>
+              <p:txBody>
+                <a:bodyPr rtlCol="0" anchor="ctr"/>
+                <a:lstStyle/>
+                <a:p>
+                  <a:pPr algn="ctr"/>
+                  <a:endParaRPr lang="ko-KR" altLang="en-US"/>
+                </a:p>
+              </p:txBody>
+            </p:sp>
+            <p:sp>
+              <p:nvSpPr>
+                <p:cNvPr id="48" name="사다리꼴 47"/>
+                <p:cNvSpPr/>
+                <p:nvPr/>
+              </p:nvSpPr>
+              <p:spPr>
+                <a:xfrm rot="13500000">
+                  <a:off x="2133998" y="1066194"/>
+                  <a:ext cx="318436" cy="1444487"/>
+                </a:xfrm>
+                <a:prstGeom prst="trapezoid">
+                  <a:avLst/>
+                </a:prstGeom>
+                <a:solidFill>
+                  <a:srgbClr val="92D050">
+                    <a:alpha val="60000"/>
+                  </a:srgbClr>
+                </a:solidFill>
+                <a:ln>
+                  <a:solidFill>
+                    <a:srgbClr val="FF0000"/>
+                  </a:solidFill>
+                </a:ln>
+              </p:spPr>
+              <p:style>
+                <a:lnRef idx="2">
+                  <a:schemeClr val="accent1">
+                    <a:shade val="50000"/>
+                  </a:schemeClr>
+                </a:lnRef>
+                <a:fillRef idx="1">
+                  <a:schemeClr val="accent1"/>
+                </a:fillRef>
+                <a:effectRef idx="0">
+                  <a:schemeClr val="accent1"/>
+                </a:effectRef>
+                <a:fontRef idx="minor">
+                  <a:schemeClr val="lt1"/>
+                </a:fontRef>
+              </p:style>
+              <p:txBody>
+                <a:bodyPr rtlCol="0" anchor="ctr"/>
+                <a:lstStyle/>
+                <a:p>
+                  <a:pPr algn="ctr"/>
+                  <a:endParaRPr lang="ko-KR" altLang="en-US"/>
+                </a:p>
+              </p:txBody>
+            </p:sp>
+            <p:sp>
+              <p:nvSpPr>
+                <p:cNvPr id="49" name="사다리꼴 48"/>
+                <p:cNvSpPr/>
+                <p:nvPr/>
+              </p:nvSpPr>
+              <p:spPr>
+                <a:xfrm rot="13974070">
+                  <a:off x="2277675" y="1202616"/>
+                  <a:ext cx="318436" cy="1444487"/>
+                </a:xfrm>
+                <a:prstGeom prst="trapezoid">
+                  <a:avLst/>
+                </a:prstGeom>
+                <a:solidFill>
+                  <a:srgbClr val="FFFF00">
+                    <a:alpha val="60000"/>
+                  </a:srgbClr>
+                </a:solidFill>
+                <a:ln>
+                  <a:solidFill>
+                    <a:srgbClr val="FF0000"/>
+                  </a:solidFill>
+                </a:ln>
+              </p:spPr>
+              <p:style>
+                <a:lnRef idx="2">
+                  <a:schemeClr val="accent1">
+                    <a:shade val="50000"/>
+                  </a:schemeClr>
+                </a:lnRef>
+                <a:fillRef idx="1">
+                  <a:schemeClr val="accent1"/>
+                </a:fillRef>
+                <a:effectRef idx="0">
+                  <a:schemeClr val="accent1"/>
+                </a:effectRef>
+                <a:fontRef idx="minor">
+                  <a:schemeClr val="lt1"/>
+                </a:fontRef>
+              </p:style>
+              <p:txBody>
+                <a:bodyPr rtlCol="0" anchor="ctr"/>
+                <a:lstStyle/>
+                <a:p>
+                  <a:pPr algn="ctr"/>
+                  <a:endParaRPr lang="ko-KR" altLang="en-US"/>
+                </a:p>
+              </p:txBody>
+            </p:sp>
+          </p:grpSp>
+          <p:sp>
+            <p:nvSpPr>
+              <p:cNvPr id="46" name="포인트가 7개인 별 45"/>
+              <p:cNvSpPr/>
+              <p:nvPr/>
+            </p:nvSpPr>
+            <p:spPr>
+              <a:xfrm>
+                <a:off x="1277654" y="1781100"/>
+                <a:ext cx="1046922" cy="1046922"/>
+              </a:xfrm>
+              <a:prstGeom prst="star7">
+                <a:avLst>
+                  <a:gd name="adj" fmla="val 20164"/>
+                  <a:gd name="hf" fmla="val 102572"/>
+                  <a:gd name="vf" fmla="val 105210"/>
+                </a:avLst>
+              </a:prstGeom>
+              <a:solidFill>
+                <a:schemeClr val="accent2">
+                  <a:lumMod val="75000"/>
+                </a:schemeClr>
+              </a:solidFill>
+              <a:ln>
+                <a:solidFill>
+                  <a:srgbClr val="FF0000"/>
+                </a:solidFill>
+              </a:ln>
+            </p:spPr>
+            <p:style>
+              <a:lnRef idx="2">
+                <a:schemeClr val="accent1">
+                  <a:shade val="50000"/>
+                </a:schemeClr>
+              </a:lnRef>
+              <a:fillRef idx="1">
+                <a:schemeClr val="accent1"/>
+              </a:fillRef>
+              <a:effectRef idx="0">
+                <a:schemeClr val="accent1"/>
+              </a:effectRef>
+              <a:fontRef idx="minor">
+                <a:schemeClr val="lt1"/>
+              </a:fontRef>
+            </p:style>
+            <p:txBody>
+              <a:bodyPr rtlCol="0" anchor="ctr"/>
+              <a:lstStyle/>
+              <a:p>
+                <a:pPr algn="ctr"/>
+                <a:endParaRPr lang="ko-KR" altLang="en-US"/>
+              </a:p>
+            </p:txBody>
+          </p:sp>
+        </p:grpSp>
+      </p:grpSp>
+      <p:sp>
+        <p:nvSpPr>
+          <p:cNvPr id="50" name="포인트가 7개인 별 49"/>
+          <p:cNvSpPr/>
+          <p:nvPr/>
+        </p:nvSpPr>
+        <p:spPr>
+          <a:xfrm>
+            <a:off x="7213847" y="1332691"/>
+            <a:ext cx="1046922" cy="1046922"/>
+          </a:xfrm>
+          <a:prstGeom prst="star7">
+            <a:avLst>
+              <a:gd name="adj" fmla="val 41820"/>
+              <a:gd name="hf" fmla="val 102572"/>
+              <a:gd name="vf" fmla="val 105210"/>
+            </a:avLst>
+          </a:prstGeom>
+          <a:solidFill>
+            <a:srgbClr val="C00000"/>
+          </a:solidFill>
+          <a:ln>
+            <a:solidFill>
+              <a:srgbClr val="FF0000"/>
+            </a:solidFill>
+          </a:ln>
+          <a:effectLst>
+            <a:glow rad="228600">
+              <a:schemeClr val="accent2">
+                <a:satMod val="175000"/>
+                <a:alpha val="40000"/>
+              </a:schemeClr>
+            </a:glow>
+          </a:effectLst>
+        </p:spPr>
+        <p:style>
+          <a:lnRef idx="2">
+            <a:schemeClr val="accent1">
+              <a:shade val="50000"/>
+            </a:schemeClr>
+          </a:lnRef>
+          <a:fillRef idx="1">
+            <a:schemeClr val="accent1"/>
+          </a:fillRef>
+          <a:effectRef idx="0">
+            <a:schemeClr val="accent1"/>
+          </a:effectRef>
+          <a:fontRef idx="minor">
+            <a:schemeClr val="lt1"/>
+          </a:fontRef>
+        </p:style>
+        <p:txBody>
+          <a:bodyPr rtlCol="0" anchor="ctr"/>
+          <a:lstStyle/>
+          <a:p>
+            <a:pPr algn="ctr"/>
+            <a:endParaRPr lang="ko-KR" altLang="en-US"/>
+          </a:p>
+        </p:txBody>
+      </p:sp>
+      <p:grpSp>
+        <p:nvGrpSpPr>
+          <p:cNvPr id="51" name="그룹 50"/>
+          <p:cNvGrpSpPr/>
+          <p:nvPr/>
+        </p:nvGrpSpPr>
+        <p:grpSpPr>
+          <a:xfrm>
+            <a:off x="7245797" y="-118349"/>
+            <a:ext cx="2840458" cy="2493809"/>
+            <a:chOff x="1277654" y="334213"/>
+            <a:chExt cx="2840458" cy="2493809"/>
+          </a:xfrm>
+        </p:grpSpPr>
+        <p:grpSp>
+          <p:nvGrpSpPr>
+            <p:cNvPr id="52" name="그룹 51"/>
+            <p:cNvGrpSpPr/>
+            <p:nvPr/>
+          </p:nvGrpSpPr>
+          <p:grpSpPr>
+            <a:xfrm rot="523735">
+              <a:off x="1679712" y="334213"/>
+              <a:ext cx="2438400" cy="2182383"/>
+              <a:chOff x="1570972" y="963183"/>
+              <a:chExt cx="1588164" cy="1444487"/>
+            </a:xfrm>
+          </p:grpSpPr>
+          <p:sp>
+            <p:nvSpPr>
+              <p:cNvPr id="54" name="사다리꼴 53"/>
+              <p:cNvSpPr/>
+              <p:nvPr/>
+            </p:nvSpPr>
+            <p:spPr>
+              <a:xfrm rot="13105639">
+                <a:off x="2001626" y="963183"/>
+                <a:ext cx="318436" cy="1444487"/>
+              </a:xfrm>
+              <a:prstGeom prst="trapezoid">
+                <a:avLst/>
+              </a:prstGeom>
+              <a:solidFill>
+                <a:srgbClr val="FF0000">
+                  <a:alpha val="60000"/>
+                </a:srgbClr>
+              </a:solidFill>
+              <a:ln>
+                <a:solidFill>
+                  <a:srgbClr val="FF0000"/>
+                </a:solidFill>
+              </a:ln>
+            </p:spPr>
+            <p:style>
+              <a:lnRef idx="2">
+                <a:schemeClr val="accent1">
+                  <a:shade val="50000"/>
+                </a:schemeClr>
+              </a:lnRef>
+              <a:fillRef idx="1">
+                <a:schemeClr val="accent1"/>
+              </a:fillRef>
+              <a:effectRef idx="0">
+                <a:schemeClr val="accent1"/>
+              </a:effectRef>
+              <a:fontRef idx="minor">
+                <a:schemeClr val="lt1"/>
+              </a:fontRef>
+            </p:style>
+            <p:txBody>
+              <a:bodyPr rtlCol="0" anchor="ctr"/>
+              <a:lstStyle/>
+              <a:p>
+                <a:pPr algn="ctr"/>
+                <a:endParaRPr lang="ko-KR" altLang="en-US"/>
+              </a:p>
+            </p:txBody>
+          </p:sp>
+          <p:sp>
+            <p:nvSpPr>
+              <p:cNvPr id="55" name="사다리꼴 54"/>
+              <p:cNvSpPr/>
+              <p:nvPr/>
+            </p:nvSpPr>
+            <p:spPr>
+              <a:xfrm rot="13500000">
+                <a:off x="2133998" y="1066194"/>
+                <a:ext cx="318436" cy="1444487"/>
+              </a:xfrm>
+              <a:prstGeom prst="trapezoid">
+                <a:avLst/>
+              </a:prstGeom>
+              <a:solidFill>
+                <a:srgbClr val="92D050">
+                  <a:alpha val="60000"/>
+                </a:srgbClr>
+              </a:solidFill>
+              <a:ln>
+                <a:solidFill>
+                  <a:srgbClr val="FF0000"/>
+                </a:solidFill>
+              </a:ln>
+            </p:spPr>
+            <p:style>
+              <a:lnRef idx="2">
+                <a:schemeClr val="accent1">
+                  <a:shade val="50000"/>
+                </a:schemeClr>
+              </a:lnRef>
+              <a:fillRef idx="1">
+                <a:schemeClr val="accent1"/>
+              </a:fillRef>
+              <a:effectRef idx="0">
+                <a:schemeClr val="accent1"/>
+              </a:effectRef>
+              <a:fontRef idx="minor">
+                <a:schemeClr val="lt1"/>
+              </a:fontRef>
+            </p:style>
+            <p:txBody>
+              <a:bodyPr rtlCol="0" anchor="ctr"/>
+              <a:lstStyle/>
+              <a:p>
+                <a:pPr algn="ctr"/>
+                <a:endParaRPr lang="ko-KR" altLang="en-US"/>
+              </a:p>
+            </p:txBody>
+          </p:sp>
+          <p:sp>
+            <p:nvSpPr>
+              <p:cNvPr id="56" name="사다리꼴 55"/>
+              <p:cNvSpPr/>
+              <p:nvPr/>
+            </p:nvSpPr>
+            <p:spPr>
+              <a:xfrm rot="13974070">
+                <a:off x="2277675" y="1202616"/>
+                <a:ext cx="318436" cy="1444487"/>
+              </a:xfrm>
+              <a:prstGeom prst="trapezoid">
+                <a:avLst/>
+              </a:prstGeom>
+              <a:solidFill>
+                <a:srgbClr val="FFFF00">
+                  <a:alpha val="60000"/>
+                </a:srgbClr>
+              </a:solidFill>
+              <a:ln>
+                <a:solidFill>
+                  <a:srgbClr val="FF0000"/>
+                </a:solidFill>
+              </a:ln>
+            </p:spPr>
+            <p:style>
+              <a:lnRef idx="2">
+                <a:schemeClr val="accent1">
+                  <a:shade val="50000"/>
+                </a:schemeClr>
+              </a:lnRef>
+              <a:fillRef idx="1">
+                <a:schemeClr val="accent1"/>
+              </a:fillRef>
+              <a:effectRef idx="0">
+                <a:schemeClr val="accent1"/>
+              </a:effectRef>
+              <a:fontRef idx="minor">
+                <a:schemeClr val="lt1"/>
+              </a:fontRef>
+            </p:style>
+            <p:txBody>
+              <a:bodyPr rtlCol="0" anchor="ctr"/>
+              <a:lstStyle/>
+              <a:p>
+                <a:pPr algn="ctr"/>
+                <a:endParaRPr lang="ko-KR" altLang="en-US"/>
+              </a:p>
+            </p:txBody>
+          </p:sp>
+        </p:grpSp>
+        <p:sp>
+          <p:nvSpPr>
+            <p:cNvPr id="53" name="포인트가 7개인 별 52"/>
+            <p:cNvSpPr/>
+            <p:nvPr/>
+          </p:nvSpPr>
+          <p:spPr>
+            <a:xfrm>
+              <a:off x="1277654" y="1781100"/>
+              <a:ext cx="1046922" cy="1046922"/>
+            </a:xfrm>
+            <a:prstGeom prst="star7">
+              <a:avLst>
+                <a:gd name="adj" fmla="val 20164"/>
+                <a:gd name="hf" fmla="val 102572"/>
+                <a:gd name="vf" fmla="val 105210"/>
+              </a:avLst>
+            </a:prstGeom>
+            <a:solidFill>
+              <a:schemeClr val="accent2">
+                <a:lumMod val="75000"/>
+              </a:schemeClr>
+            </a:solidFill>
+            <a:ln>
+              <a:solidFill>
+                <a:srgbClr val="FF0000"/>
+              </a:solidFill>
+            </a:ln>
+          </p:spPr>
+          <p:style>
+            <a:lnRef idx="2">
+              <a:schemeClr val="accent1">
+                <a:shade val="50000"/>
+              </a:schemeClr>
+            </a:lnRef>
+            <a:fillRef idx="1">
+              <a:schemeClr val="accent1"/>
+            </a:fillRef>
+            <a:effectRef idx="0">
+              <a:schemeClr val="accent1"/>
+            </a:effectRef>
+            <a:fontRef idx="minor">
+              <a:schemeClr val="lt1"/>
+            </a:fontRef>
+          </p:style>
+          <p:txBody>
+            <a:bodyPr rtlCol="0" anchor="ctr"/>
+            <a:lstStyle/>
+            <a:p>
+              <a:pPr algn="ctr"/>
+              <a:endParaRPr lang="ko-KR" altLang="en-US"/>
+            </a:p>
+          </p:txBody>
+        </p:sp>
+      </p:grpSp>
+      <p:grpSp>
+        <p:nvGrpSpPr>
+          <p:cNvPr id="15" name="그룹 14"/>
+          <p:cNvGrpSpPr/>
+          <p:nvPr/>
+        </p:nvGrpSpPr>
+        <p:grpSpPr>
+          <a:xfrm>
+            <a:off x="5029200" y="3025548"/>
+            <a:ext cx="2841883" cy="4318571"/>
+            <a:chOff x="4911132" y="874643"/>
+            <a:chExt cx="2841883" cy="3644349"/>
+          </a:xfrm>
+        </p:grpSpPr>
+        <p:grpSp>
+          <p:nvGrpSpPr>
+            <p:cNvPr id="12" name="그룹 11"/>
+            <p:cNvGrpSpPr/>
+            <p:nvPr/>
+          </p:nvGrpSpPr>
+          <p:grpSpPr>
+            <a:xfrm>
+              <a:off x="4911132" y="874643"/>
+              <a:ext cx="2841883" cy="3644349"/>
+              <a:chOff x="4911132" y="874643"/>
+              <a:chExt cx="2841883" cy="3644349"/>
+            </a:xfrm>
+          </p:grpSpPr>
+          <p:sp>
+            <p:nvSpPr>
+              <p:cNvPr id="6" name="모서리가 둥근 직사각형 5"/>
+              <p:cNvSpPr/>
+              <p:nvPr/>
+            </p:nvSpPr>
+            <p:spPr>
+              <a:xfrm>
+                <a:off x="4911132" y="874643"/>
+                <a:ext cx="2496833" cy="1303683"/>
+              </a:xfrm>
+              <a:prstGeom prst="roundRect">
+                <a:avLst/>
+              </a:prstGeom>
+              <a:solidFill>
+                <a:srgbClr val="00B050"/>
+              </a:solidFill>
+              <a:ln>
+                <a:noFill/>
+              </a:ln>
+            </p:spPr>
+            <p:style>
+              <a:lnRef idx="2">
+                <a:schemeClr val="accent1">
+                  <a:shade val="50000"/>
+                </a:schemeClr>
+              </a:lnRef>
+              <a:fillRef idx="1">
+                <a:schemeClr val="accent1"/>
+              </a:fillRef>
+              <a:effectRef idx="0">
+                <a:schemeClr val="accent1"/>
+              </a:effectRef>
+              <a:fontRef idx="minor">
+                <a:schemeClr val="lt1"/>
+              </a:fontRef>
+            </p:style>
+            <p:txBody>
+              <a:bodyPr rtlCol="0" anchor="ctr"/>
+              <a:lstStyle/>
+              <a:p>
+                <a:pPr algn="ctr"/>
+                <a:endParaRPr lang="ko-KR" altLang="en-US"/>
+              </a:p>
+            </p:txBody>
+          </p:sp>
+          <p:sp>
+            <p:nvSpPr>
+              <p:cNvPr id="32" name="모서리가 둥근 직사각형 31"/>
+              <p:cNvSpPr/>
+              <p:nvPr/>
+            </p:nvSpPr>
+            <p:spPr>
+              <a:xfrm rot="20250621">
+                <a:off x="5156088" y="1974893"/>
+                <a:ext cx="2496833" cy="689064"/>
+              </a:xfrm>
+              <a:prstGeom prst="roundRect">
+                <a:avLst/>
+              </a:prstGeom>
+              <a:solidFill>
+                <a:srgbClr val="00B050"/>
+              </a:solidFill>
+              <a:ln>
+                <a:noFill/>
+              </a:ln>
+            </p:spPr>
+            <p:style>
+              <a:lnRef idx="2">
+                <a:schemeClr val="accent1">
+                  <a:shade val="50000"/>
+                </a:schemeClr>
+              </a:lnRef>
+              <a:fillRef idx="1">
+                <a:schemeClr val="accent1"/>
+              </a:fillRef>
+              <a:effectRef idx="0">
+                <a:schemeClr val="accent1"/>
+              </a:effectRef>
+              <a:fontRef idx="minor">
+                <a:schemeClr val="lt1"/>
+              </a:fontRef>
+            </p:style>
+            <p:txBody>
+              <a:bodyPr rtlCol="0" anchor="ctr"/>
+              <a:lstStyle/>
+              <a:p>
+                <a:pPr algn="ctr"/>
+                <a:endParaRPr lang="ko-KR" altLang="en-US"/>
+              </a:p>
+            </p:txBody>
+          </p:sp>
+          <p:sp>
+            <p:nvSpPr>
+              <p:cNvPr id="8" name="모서리가 둥근 직사각형 7"/>
+              <p:cNvSpPr/>
+              <p:nvPr/>
+            </p:nvSpPr>
+            <p:spPr>
+              <a:xfrm>
+                <a:off x="6058682" y="874643"/>
+                <a:ext cx="1694333" cy="3644349"/>
+              </a:xfrm>
+              <a:prstGeom prst="roundRect">
+                <a:avLst/>
+              </a:prstGeom>
+              <a:solidFill>
+                <a:srgbClr val="00B050"/>
+              </a:solidFill>
+              <a:ln>
+                <a:noFill/>
+              </a:ln>
+            </p:spPr>
+            <p:style>
+              <a:lnRef idx="2">
+                <a:schemeClr val="accent1">
+                  <a:shade val="50000"/>
+                </a:schemeClr>
+              </a:lnRef>
+              <a:fillRef idx="1">
+                <a:schemeClr val="accent1"/>
+              </a:fillRef>
+              <a:effectRef idx="0">
+                <a:schemeClr val="accent1"/>
+              </a:effectRef>
+              <a:fontRef idx="minor">
+                <a:schemeClr val="lt1"/>
+              </a:fontRef>
+            </p:style>
+            <p:txBody>
+              <a:bodyPr rtlCol="0" anchor="ctr"/>
+              <a:lstStyle/>
+              <a:p>
+                <a:pPr algn="ctr"/>
+                <a:endParaRPr lang="ko-KR" altLang="en-US"/>
+              </a:p>
+            </p:txBody>
+          </p:sp>
+        </p:grpSp>
+        <p:sp>
+          <p:nvSpPr>
+            <p:cNvPr id="14" name="타원 13"/>
+            <p:cNvSpPr/>
+            <p:nvPr/>
+          </p:nvSpPr>
+          <p:spPr>
+            <a:xfrm>
+              <a:off x="5781727" y="1377694"/>
+              <a:ext cx="119553" cy="119553"/>
+            </a:xfrm>
+            <a:prstGeom prst="ellipse">
+              <a:avLst/>
+            </a:prstGeom>
+          </p:spPr>
+          <p:style>
+            <a:lnRef idx="2">
+              <a:schemeClr val="dk1">
+                <a:shade val="50000"/>
+              </a:schemeClr>
+            </a:lnRef>
+            <a:fillRef idx="1">
+              <a:schemeClr val="dk1"/>
+            </a:fillRef>
+            <a:effectRef idx="0">
+              <a:schemeClr val="dk1"/>
+            </a:effectRef>
+            <a:fontRef idx="minor">
+              <a:schemeClr val="lt1"/>
+            </a:fontRef>
+          </p:style>
+          <p:txBody>
+            <a:bodyPr rtlCol="0" anchor="ctr"/>
+            <a:lstStyle/>
+            <a:p>
+              <a:pPr algn="ctr"/>
+              <a:endParaRPr lang="ko-KR" altLang="en-US"/>
+            </a:p>
+          </p:txBody>
+        </p:sp>
+      </p:grpSp>
+      <p:sp>
+        <p:nvSpPr>
+          <p:cNvPr id="18" name="TextBox 17"/>
+          <p:cNvSpPr txBox="1"/>
+          <p:nvPr/>
+        </p:nvSpPr>
+        <p:spPr>
+          <a:xfrm>
+            <a:off x="6696582" y="1818810"/>
+            <a:ext cx="3495052" cy="769441"/>
+          </a:xfrm>
+          <a:prstGeom prst="rect">
+            <a:avLst/>
+          </a:prstGeom>
+          <a:noFill/>
+        </p:spPr>
+        <p:txBody>
+          <a:bodyPr wrap="square" rtlCol="0">
+            <a:spAutoFit/>
+          </a:bodyPr>
+          <a:lstStyle/>
+          <a:p>
             <a:r>
-              <a:rPr lang="en-US" altLang="ko-KR" dirty="0" smtClean="0"/>
-              <a:t>BFS? DFS?</a:t>
+              <a:rPr lang="en-US" altLang="ko-KR" sz="4400" b="1" dirty="0">
+                <a:solidFill>
+                  <a:srgbClr val="FFFF00"/>
+                </a:solidFill>
+              </a:rPr>
+              <a:t>???????</a:t>
             </a:r>
-            <a:endParaRPr lang="ko-KR" altLang="en-US" dirty="0"/>
+            <a:endParaRPr lang="ko-KR" altLang="en-US" sz="4400" b="1" dirty="0">
+              <a:solidFill>
+                <a:srgbClr val="FFFF00"/>
+              </a:solidFill>
+            </a:endParaRPr>
           </a:p>
         </p:txBody>
       </p:sp>
     </p:spTree>
     <p:extLst>
       <p:ext uri="{BB962C8B-B14F-4D97-AF65-F5344CB8AC3E}">
-        <p14:creationId xmlns:p14="http://schemas.microsoft.com/office/powerpoint/2010/main" val="2966611651"/>
+        <p14:creationId xmlns:p14="http://schemas.microsoft.com/office/powerpoint/2010/main" val="2160609096"/>
       </p:ext>
     </p:extLst>
   </p:cSld>
